--- a/elasticsearch.pptx
+++ b/elasticsearch.pptx
@@ -5,7 +5,7 @@
     <p:sldMasterId id="2147483648" r:id="rId1"/>
   </p:sldMasterIdLst>
   <p:notesMasterIdLst>
-    <p:notesMasterId r:id="rId29"/>
+    <p:notesMasterId r:id="rId31"/>
   </p:notesMasterIdLst>
   <p:sldIdLst>
     <p:sldId id="256" r:id="rId2"/>
@@ -27,14 +27,16 @@
     <p:sldId id="449" r:id="rId18"/>
     <p:sldId id="450" r:id="rId19"/>
     <p:sldId id="451" r:id="rId20"/>
-    <p:sldId id="341" r:id="rId21"/>
-    <p:sldId id="384" r:id="rId22"/>
-    <p:sldId id="438" r:id="rId23"/>
-    <p:sldId id="439" r:id="rId24"/>
-    <p:sldId id="440" r:id="rId25"/>
-    <p:sldId id="390" r:id="rId26"/>
-    <p:sldId id="441" r:id="rId27"/>
-    <p:sldId id="442" r:id="rId28"/>
+    <p:sldId id="455" r:id="rId21"/>
+    <p:sldId id="457" r:id="rId22"/>
+    <p:sldId id="341" r:id="rId23"/>
+    <p:sldId id="384" r:id="rId24"/>
+    <p:sldId id="438" r:id="rId25"/>
+    <p:sldId id="439" r:id="rId26"/>
+    <p:sldId id="440" r:id="rId27"/>
+    <p:sldId id="390" r:id="rId28"/>
+    <p:sldId id="441" r:id="rId29"/>
+    <p:sldId id="442" r:id="rId30"/>
   </p:sldIdLst>
   <p:sldSz cx="24384000" cy="13716000"/>
   <p:notesSz cx="6858000" cy="9144000"/>
@@ -353,6 +355,14 @@
     </p:ext>
   </p:extLst>
 </p:presentation>
+</file>
+
+<file path=ppt/revisionInfo.xml><?xml version="1.0" encoding="utf-8"?>
+<p1510:revInfo xmlns:a="http://schemas.openxmlformats.org/drawingml/2006/main" xmlns:r="http://schemas.openxmlformats.org/officeDocument/2006/relationships" xmlns:p1510="http://schemas.microsoft.com/office/powerpoint/2015/10/main">
+  <p1510:revLst>
+    <p1510:client id="{52E661BB-C58F-43AB-B693-19DAA3D9C734}" v="30" dt="2019-05-05T02:30:14.860"/>
+  </p1510:revLst>
+</p1510:revInfo>
 </file>
 
 <file path=ppt/notesMasters/notesMaster1.xml><?xml version="1.0" encoding="utf-8"?>
@@ -7643,6 +7653,656 @@
     <p:bg>
       <p:bgPr>
         <a:solidFill>
+          <a:schemeClr val="bg1"/>
+        </a:solidFill>
+        <a:effectLst/>
+      </p:bgPr>
+    </p:bg>
+    <p:spTree>
+      <p:nvGrpSpPr>
+        <p:cNvPr id="1" name=""/>
+        <p:cNvGrpSpPr/>
+        <p:nvPr/>
+      </p:nvGrpSpPr>
+      <p:grpSpPr>
+        <a:xfrm>
+          <a:off x="0" y="0"/>
+          <a:ext cx="0" cy="0"/>
+          <a:chOff x="0" y="0"/>
+          <a:chExt cx="0" cy="0"/>
+        </a:xfrm>
+      </p:grpSpPr>
+      <p:sp>
+        <p:nvSpPr>
+          <p:cNvPr id="91" name="Rectangle 90">
+            <a:extLst>
+              <a:ext uri="{FF2B5EF4-FFF2-40B4-BE49-F238E27FC236}">
+                <a16:creationId xmlns:a16="http://schemas.microsoft.com/office/drawing/2014/main" id="{823AC064-BC96-4F32-8AE1-B2FD38754823}"/>
+              </a:ext>
+              <a:ext uri="{C183D7F6-B498-43B3-948B-1728B52AA6E4}">
+                <adec:decorative xmlns:adec="http://schemas.microsoft.com/office/drawing/2017/decorative" val="1"/>
+              </a:ext>
+            </a:extLst>
+          </p:cNvPr>
+          <p:cNvSpPr>
+            <a:spLocks noGrp="1" noRot="1" noChangeAspect="1" noMove="1" noResize="1" noEditPoints="1" noAdjustHandles="1" noChangeArrowheads="1" noChangeShapeType="1" noTextEdit="1"/>
+          </p:cNvSpPr>
+          <p:nvPr>
+            <p:extLst>
+              <p:ext uri="{386F3935-93C4-4BCD-93E2-E3B085C9AB24}">
+                <p16:designElem xmlns:p16="http://schemas.microsoft.com/office/powerpoint/2015/main" val="1"/>
+              </p:ext>
+            </p:extLst>
+          </p:nvPr>
+        </p:nvSpPr>
+        <p:spPr bwMode="ltGray">
+          <a:xfrm>
+            <a:off x="756136" y="686972"/>
+            <a:ext cx="22877586" cy="3688512"/>
+          </a:xfrm>
+          <a:prstGeom prst="rect">
+            <a:avLst/>
+          </a:prstGeom>
+          <a:solidFill>
+            <a:srgbClr val="404040"/>
+          </a:solidFill>
+          <a:ln w="127000" cap="sq" cmpd="thinThick">
+            <a:solidFill>
+              <a:srgbClr val="404040"/>
+            </a:solidFill>
+          </a:ln>
+        </p:spPr>
+        <p:style>
+          <a:lnRef idx="2">
+            <a:schemeClr val="accent1">
+              <a:shade val="50000"/>
+            </a:schemeClr>
+          </a:lnRef>
+          <a:fillRef idx="1">
+            <a:schemeClr val="accent1"/>
+          </a:fillRef>
+          <a:effectRef idx="0">
+            <a:schemeClr val="accent1"/>
+          </a:effectRef>
+          <a:fontRef idx="minor">
+            <a:schemeClr val="lt1"/>
+          </a:fontRef>
+        </p:style>
+        <p:txBody>
+          <a:bodyPr rtlCol="0" anchor="ctr"/>
+          <a:lstStyle/>
+          <a:p>
+            <a:pPr marL="0" marR="0" lvl="0" indent="0" algn="ctr" defTabSz="914400" rtl="0" eaLnBrk="1" fontAlgn="auto" latinLnBrk="0" hangingPunct="1">
+              <a:lnSpc>
+                <a:spcPct val="100000"/>
+              </a:lnSpc>
+              <a:spcBef>
+                <a:spcPts val="0"/>
+              </a:spcBef>
+              <a:spcAft>
+                <a:spcPts val="0"/>
+              </a:spcAft>
+              <a:buClrTx/>
+              <a:buSzTx/>
+              <a:buFontTx/>
+              <a:buNone/>
+              <a:tabLst/>
+              <a:defRPr/>
+            </a:pPr>
+            <a:endParaRPr kumimoji="0" lang="en-US" sz="1800" b="0" i="0" u="none" strike="noStrike" kern="1200" cap="none" spc="0" normalizeH="0" baseline="0" noProof="0">
+              <a:ln>
+                <a:noFill/>
+              </a:ln>
+              <a:solidFill>
+                <a:prstClr val="white"/>
+              </a:solidFill>
+              <a:effectLst/>
+              <a:uLnTx/>
+              <a:uFillTx/>
+              <a:latin typeface="Calibri" panose="020F0502020204030204"/>
+              <a:ea typeface="+mn-ea"/>
+              <a:cs typeface="+mn-cs"/>
+            </a:endParaRPr>
+          </a:p>
+        </p:txBody>
+      </p:sp>
+      <p:sp>
+        <p:nvSpPr>
+          <p:cNvPr id="277" name="锁"/>
+          <p:cNvSpPr txBox="1">
+            <a:spLocks noGrp="1"/>
+          </p:cNvSpPr>
+          <p:nvPr>
+            <p:ph type="title"/>
+          </p:nvPr>
+        </p:nvSpPr>
+        <p:spPr>
+          <a:xfrm>
+            <a:off x="1052146" y="933156"/>
+            <a:ext cx="22279708" cy="1860894"/>
+          </a:xfrm>
+          <a:prstGeom prst="rect">
+            <a:avLst/>
+          </a:prstGeom>
+        </p:spPr>
+        <p:txBody>
+          <a:bodyPr vert="horz" lIns="91440" tIns="45720" rIns="91440" bIns="45720" rtlCol="0" anchor="b">
+            <a:normAutofit/>
+          </a:bodyPr>
+          <a:lstStyle>
+            <a:lvl1pPr algn="l">
+              <a:defRPr>
+                <a:solidFill>
+                  <a:srgbClr val="FFFFFF"/>
+                </a:solidFill>
+              </a:defRPr>
+            </a:lvl1pPr>
+          </a:lstStyle>
+          <a:p>
+            <a:pPr algn="ctr" defTabSz="914400">
+              <a:lnSpc>
+                <a:spcPct val="90000"/>
+              </a:lnSpc>
+              <a:spcBef>
+                <a:spcPct val="0"/>
+              </a:spcBef>
+            </a:pPr>
+            <a:r>
+              <a:rPr lang="en-US" sz="10800" kern="1200">
+                <a:latin typeface="+mj-lt"/>
+                <a:ea typeface="+mj-ea"/>
+                <a:cs typeface="+mj-cs"/>
+              </a:rPr>
+              <a:t>ES </a:t>
+            </a:r>
+            <a:r>
+              <a:rPr lang="zh-CN" altLang="en-US" sz="10800" kern="1200">
+                <a:latin typeface="+mj-lt"/>
+                <a:ea typeface="+mj-ea"/>
+                <a:cs typeface="+mj-cs"/>
+              </a:rPr>
+              <a:t>存储过程</a:t>
+            </a:r>
+            <a:endParaRPr lang="en-US" sz="10800" kern="1200">
+              <a:latin typeface="+mj-lt"/>
+              <a:ea typeface="+mj-ea"/>
+              <a:cs typeface="+mj-cs"/>
+            </a:endParaRPr>
+          </a:p>
+        </p:txBody>
+      </p:sp>
+      <p:cxnSp>
+        <p:nvCxnSpPr>
+          <p:cNvPr id="93" name="Straight Connector 92">
+            <a:extLst>
+              <a:ext uri="{FF2B5EF4-FFF2-40B4-BE49-F238E27FC236}">
+                <a16:creationId xmlns:a16="http://schemas.microsoft.com/office/drawing/2014/main" id="{7E7C77BC-7138-40B1-A15B-20F57A494629}"/>
+              </a:ext>
+              <a:ext uri="{C183D7F6-B498-43B3-948B-1728B52AA6E4}">
+                <adec:decorative xmlns:adec="http://schemas.microsoft.com/office/drawing/2017/decorative" val="1"/>
+              </a:ext>
+            </a:extLst>
+          </p:cNvPr>
+          <p:cNvCxnSpPr>
+            <a:cxnSpLocks noGrp="1" noRot="1" noChangeAspect="1" noMove="1" noResize="1" noEditPoints="1" noAdjustHandles="1" noChangeArrowheads="1" noChangeShapeType="1"/>
+          </p:cNvCxnSpPr>
+          <p:nvPr>
+            <p:extLst>
+              <p:ext uri="{386F3935-93C4-4BCD-93E2-E3B085C9AB24}">
+                <p16:designElem xmlns:p16="http://schemas.microsoft.com/office/powerpoint/2015/main" val="1"/>
+              </p:ext>
+            </p:extLst>
+          </p:nvPr>
+        </p:nvCxnSpPr>
+        <p:spPr>
+          <a:xfrm>
+            <a:off x="4419600" y="2897262"/>
+            <a:ext cx="15544800" cy="0"/>
+          </a:xfrm>
+          <a:prstGeom prst="line">
+            <a:avLst/>
+          </a:prstGeom>
+          <a:ln w="22225">
+            <a:solidFill>
+              <a:srgbClr val="D9D9D9"/>
+            </a:solidFill>
+          </a:ln>
+        </p:spPr>
+        <p:style>
+          <a:lnRef idx="1">
+            <a:schemeClr val="accent1"/>
+          </a:lnRef>
+          <a:fillRef idx="0">
+            <a:schemeClr val="accent1"/>
+          </a:fillRef>
+          <a:effectRef idx="0">
+            <a:schemeClr val="accent1"/>
+          </a:effectRef>
+          <a:fontRef idx="minor">
+            <a:schemeClr val="tx1"/>
+          </a:fontRef>
+        </p:style>
+      </p:cxnSp>
+      <p:pic>
+        <p:nvPicPr>
+          <p:cNvPr id="3" name="图片 2">
+            <a:extLst>
+              <a:ext uri="{FF2B5EF4-FFF2-40B4-BE49-F238E27FC236}">
+                <a16:creationId xmlns:a16="http://schemas.microsoft.com/office/drawing/2014/main" id="{0B13B67E-031B-4878-A662-4C8ABEAE683B}"/>
+              </a:ext>
+            </a:extLst>
+          </p:cNvPr>
+          <p:cNvPicPr>
+            <a:picLocks noChangeAspect="1"/>
+          </p:cNvPicPr>
+          <p:nvPr/>
+        </p:nvPicPr>
+        <p:blipFill>
+          <a:blip r:embed="rId2">
+            <a:extLst>
+              <a:ext uri="{28A0092B-C50C-407E-A947-70E740481C1C}">
+                <a14:useLocalDpi xmlns:a14="http://schemas.microsoft.com/office/drawing/2010/main" val="0"/>
+              </a:ext>
+            </a:extLst>
+          </a:blip>
+          <a:stretch>
+            <a:fillRect/>
+          </a:stretch>
+        </p:blipFill>
+        <p:spPr>
+          <a:xfrm>
+            <a:off x="1820418" y="5019822"/>
+            <a:ext cx="20632965" cy="7995274"/>
+          </a:xfrm>
+          <a:prstGeom prst="rect">
+            <a:avLst/>
+          </a:prstGeom>
+        </p:spPr>
+      </p:pic>
+      <p:sp>
+        <p:nvSpPr>
+          <p:cNvPr id="278" name="锁是一种同步机制， 它可以保证一项资源在任何时候只能被一个进程使用， 如果有其他进程想要使用相同的资源， 那么它们就必须等待， 直到正在使用资源的进程放弃使用权为止。"/>
+          <p:cNvSpPr txBox="1">
+            <a:spLocks noGrp="1"/>
+          </p:cNvSpPr>
+          <p:nvPr>
+            <p:ph type="body" idx="1"/>
+          </p:nvPr>
+        </p:nvSpPr>
+        <p:spPr>
+          <a:xfrm>
+            <a:off x="1562100" y="2908697"/>
+            <a:ext cx="21005800" cy="7898606"/>
+          </a:xfrm>
+          <a:prstGeom prst="rect">
+            <a:avLst/>
+          </a:prstGeom>
+        </p:spPr>
+        <p:txBody>
+          <a:bodyPr anchor="t"/>
+          <a:lstStyle/>
+          <a:p>
+            <a:pPr marL="0" indent="0" defTabSz="457200">
+              <a:spcBef>
+                <a:spcPts val="1600"/>
+              </a:spcBef>
+              <a:buSzTx/>
+              <a:buNone/>
+              <a:defRPr>
+                <a:solidFill>
+                  <a:srgbClr val="FFFFFF"/>
+                </a:solidFill>
+              </a:defRPr>
+            </a:pPr>
+            <a:endParaRPr dirty="0"/>
+          </a:p>
+        </p:txBody>
+      </p:sp>
+    </p:spTree>
+    <p:extLst>
+      <p:ext uri="{BB962C8B-B14F-4D97-AF65-F5344CB8AC3E}">
+        <p14:creationId xmlns:p14="http://schemas.microsoft.com/office/powerpoint/2010/main" val="2671249152"/>
+      </p:ext>
+    </p:extLst>
+  </p:cSld>
+  <p:clrMapOvr>
+    <a:masterClrMapping/>
+  </p:clrMapOvr>
+  <p:transition spd="med"/>
+</p:sld>
+</file>
+
+<file path=ppt/slides/slide21.xml><?xml version="1.0" encoding="utf-8"?>
+<p:sld xmlns:a="http://schemas.openxmlformats.org/drawingml/2006/main" xmlns:r="http://schemas.openxmlformats.org/officeDocument/2006/relationships" xmlns:p="http://schemas.openxmlformats.org/presentationml/2006/main">
+  <p:cSld>
+    <p:bg>
+      <p:bgPr>
+        <a:solidFill>
+          <a:schemeClr val="bg1"/>
+        </a:solidFill>
+        <a:effectLst/>
+      </p:bgPr>
+    </p:bg>
+    <p:spTree>
+      <p:nvGrpSpPr>
+        <p:cNvPr id="1" name=""/>
+        <p:cNvGrpSpPr/>
+        <p:nvPr/>
+      </p:nvGrpSpPr>
+      <p:grpSpPr>
+        <a:xfrm>
+          <a:off x="0" y="0"/>
+          <a:ext cx="0" cy="0"/>
+          <a:chOff x="0" y="0"/>
+          <a:chExt cx="0" cy="0"/>
+        </a:xfrm>
+      </p:grpSpPr>
+      <p:sp>
+        <p:nvSpPr>
+          <p:cNvPr id="91" name="Rectangle 90">
+            <a:extLst>
+              <a:ext uri="{FF2B5EF4-FFF2-40B4-BE49-F238E27FC236}">
+                <a16:creationId xmlns:a16="http://schemas.microsoft.com/office/drawing/2014/main" id="{823AC064-BC96-4F32-8AE1-B2FD38754823}"/>
+              </a:ext>
+              <a:ext uri="{C183D7F6-B498-43B3-948B-1728B52AA6E4}">
+                <adec:decorative xmlns:adec="http://schemas.microsoft.com/office/drawing/2017/decorative" val="1"/>
+              </a:ext>
+            </a:extLst>
+          </p:cNvPr>
+          <p:cNvSpPr>
+            <a:spLocks noGrp="1" noRot="1" noChangeAspect="1" noMove="1" noResize="1" noEditPoints="1" noAdjustHandles="1" noChangeArrowheads="1" noChangeShapeType="1" noTextEdit="1"/>
+          </p:cNvSpPr>
+          <p:nvPr>
+            <p:extLst>
+              <p:ext uri="{386F3935-93C4-4BCD-93E2-E3B085C9AB24}">
+                <p16:designElem xmlns:p16="http://schemas.microsoft.com/office/powerpoint/2015/main" val="1"/>
+              </p:ext>
+            </p:extLst>
+          </p:nvPr>
+        </p:nvSpPr>
+        <p:spPr bwMode="ltGray">
+          <a:xfrm>
+            <a:off x="756136" y="686972"/>
+            <a:ext cx="22877586" cy="3688512"/>
+          </a:xfrm>
+          <a:prstGeom prst="rect">
+            <a:avLst/>
+          </a:prstGeom>
+          <a:solidFill>
+            <a:srgbClr val="404040"/>
+          </a:solidFill>
+          <a:ln w="127000" cap="sq" cmpd="thinThick">
+            <a:solidFill>
+              <a:srgbClr val="404040"/>
+            </a:solidFill>
+          </a:ln>
+        </p:spPr>
+        <p:style>
+          <a:lnRef idx="2">
+            <a:schemeClr val="accent1">
+              <a:shade val="50000"/>
+            </a:schemeClr>
+          </a:lnRef>
+          <a:fillRef idx="1">
+            <a:schemeClr val="accent1"/>
+          </a:fillRef>
+          <a:effectRef idx="0">
+            <a:schemeClr val="accent1"/>
+          </a:effectRef>
+          <a:fontRef idx="minor">
+            <a:schemeClr val="lt1"/>
+          </a:fontRef>
+        </p:style>
+        <p:txBody>
+          <a:bodyPr rtlCol="0" anchor="ctr"/>
+          <a:lstStyle/>
+          <a:p>
+            <a:pPr marL="0" marR="0" lvl="0" indent="0" algn="ctr" defTabSz="914400" rtl="0" eaLnBrk="1" fontAlgn="auto" latinLnBrk="0" hangingPunct="1">
+              <a:lnSpc>
+                <a:spcPct val="100000"/>
+              </a:lnSpc>
+              <a:spcBef>
+                <a:spcPts val="0"/>
+              </a:spcBef>
+              <a:spcAft>
+                <a:spcPts val="0"/>
+              </a:spcAft>
+              <a:buClrTx/>
+              <a:buSzTx/>
+              <a:buFontTx/>
+              <a:buNone/>
+              <a:tabLst/>
+              <a:defRPr/>
+            </a:pPr>
+            <a:endParaRPr kumimoji="0" lang="en-US" sz="1800" b="0" i="0" u="none" strike="noStrike" kern="1200" cap="none" spc="0" normalizeH="0" baseline="0" noProof="0">
+              <a:ln>
+                <a:noFill/>
+              </a:ln>
+              <a:solidFill>
+                <a:prstClr val="white"/>
+              </a:solidFill>
+              <a:effectLst/>
+              <a:uLnTx/>
+              <a:uFillTx/>
+              <a:latin typeface="Calibri" panose="020F0502020204030204"/>
+              <a:ea typeface="+mn-ea"/>
+              <a:cs typeface="+mn-cs"/>
+            </a:endParaRPr>
+          </a:p>
+        </p:txBody>
+      </p:sp>
+      <p:sp>
+        <p:nvSpPr>
+          <p:cNvPr id="277" name="锁"/>
+          <p:cNvSpPr txBox="1">
+            <a:spLocks noGrp="1"/>
+          </p:cNvSpPr>
+          <p:nvPr>
+            <p:ph type="title"/>
+          </p:nvPr>
+        </p:nvSpPr>
+        <p:spPr>
+          <a:xfrm>
+            <a:off x="1052146" y="933156"/>
+            <a:ext cx="22279708" cy="1860894"/>
+          </a:xfrm>
+          <a:prstGeom prst="rect">
+            <a:avLst/>
+          </a:prstGeom>
+        </p:spPr>
+        <p:txBody>
+          <a:bodyPr vert="horz" lIns="91440" tIns="45720" rIns="91440" bIns="45720" rtlCol="0" anchor="b">
+            <a:normAutofit/>
+          </a:bodyPr>
+          <a:lstStyle>
+            <a:lvl1pPr algn="l">
+              <a:defRPr>
+                <a:solidFill>
+                  <a:srgbClr val="FFFFFF"/>
+                </a:solidFill>
+              </a:defRPr>
+            </a:lvl1pPr>
+          </a:lstStyle>
+          <a:p>
+            <a:pPr algn="ctr" defTabSz="914400">
+              <a:lnSpc>
+                <a:spcPct val="90000"/>
+              </a:lnSpc>
+              <a:spcBef>
+                <a:spcPct val="0"/>
+              </a:spcBef>
+            </a:pPr>
+            <a:r>
+              <a:rPr lang="en-US" sz="10800" kern="1200" dirty="0">
+                <a:latin typeface="+mj-lt"/>
+                <a:ea typeface="+mj-ea"/>
+                <a:cs typeface="+mj-cs"/>
+              </a:rPr>
+              <a:t>ES </a:t>
+            </a:r>
+            <a:r>
+              <a:rPr lang="zh-CN" altLang="en-US" sz="10800" kern="1200" dirty="0">
+                <a:latin typeface="+mj-lt"/>
+                <a:ea typeface="+mj-ea"/>
+                <a:cs typeface="+mj-cs"/>
+              </a:rPr>
+              <a:t>读取过程</a:t>
+            </a:r>
+            <a:endParaRPr lang="en-US" sz="10800" kern="1200" dirty="0">
+              <a:latin typeface="+mj-lt"/>
+              <a:ea typeface="+mj-ea"/>
+              <a:cs typeface="+mj-cs"/>
+            </a:endParaRPr>
+          </a:p>
+        </p:txBody>
+      </p:sp>
+      <p:cxnSp>
+        <p:nvCxnSpPr>
+          <p:cNvPr id="93" name="Straight Connector 92">
+            <a:extLst>
+              <a:ext uri="{FF2B5EF4-FFF2-40B4-BE49-F238E27FC236}">
+                <a16:creationId xmlns:a16="http://schemas.microsoft.com/office/drawing/2014/main" id="{7E7C77BC-7138-40B1-A15B-20F57A494629}"/>
+              </a:ext>
+              <a:ext uri="{C183D7F6-B498-43B3-948B-1728B52AA6E4}">
+                <adec:decorative xmlns:adec="http://schemas.microsoft.com/office/drawing/2017/decorative" val="1"/>
+              </a:ext>
+            </a:extLst>
+          </p:cNvPr>
+          <p:cNvCxnSpPr>
+            <a:cxnSpLocks noGrp="1" noRot="1" noChangeAspect="1" noMove="1" noResize="1" noEditPoints="1" noAdjustHandles="1" noChangeArrowheads="1" noChangeShapeType="1"/>
+          </p:cNvCxnSpPr>
+          <p:nvPr>
+            <p:extLst>
+              <p:ext uri="{386F3935-93C4-4BCD-93E2-E3B085C9AB24}">
+                <p16:designElem xmlns:p16="http://schemas.microsoft.com/office/powerpoint/2015/main" val="1"/>
+              </p:ext>
+            </p:extLst>
+          </p:nvPr>
+        </p:nvCxnSpPr>
+        <p:spPr>
+          <a:xfrm>
+            <a:off x="4419600" y="2897262"/>
+            <a:ext cx="15544800" cy="0"/>
+          </a:xfrm>
+          <a:prstGeom prst="line">
+            <a:avLst/>
+          </a:prstGeom>
+          <a:ln w="22225">
+            <a:solidFill>
+              <a:srgbClr val="D9D9D9"/>
+            </a:solidFill>
+          </a:ln>
+        </p:spPr>
+        <p:style>
+          <a:lnRef idx="1">
+            <a:schemeClr val="accent1"/>
+          </a:lnRef>
+          <a:fillRef idx="0">
+            <a:schemeClr val="accent1"/>
+          </a:fillRef>
+          <a:effectRef idx="0">
+            <a:schemeClr val="accent1"/>
+          </a:effectRef>
+          <a:fontRef idx="minor">
+            <a:schemeClr val="tx1"/>
+          </a:fontRef>
+        </p:style>
+      </p:cxnSp>
+      <p:pic>
+        <p:nvPicPr>
+          <p:cNvPr id="3" name="图片 2">
+            <a:extLst>
+              <a:ext uri="{FF2B5EF4-FFF2-40B4-BE49-F238E27FC236}">
+                <a16:creationId xmlns:a16="http://schemas.microsoft.com/office/drawing/2014/main" id="{0B13B67E-031B-4878-A662-4C8ABEAE683B}"/>
+              </a:ext>
+            </a:extLst>
+          </p:cNvPr>
+          <p:cNvPicPr>
+            <a:picLocks noChangeAspect="1"/>
+          </p:cNvPicPr>
+          <p:nvPr/>
+        </p:nvPicPr>
+        <p:blipFill>
+          <a:blip r:embed="rId2">
+            <a:extLst>
+              <a:ext uri="{28A0092B-C50C-407E-A947-70E740481C1C}">
+                <a14:useLocalDpi xmlns:a14="http://schemas.microsoft.com/office/drawing/2010/main" val="0"/>
+              </a:ext>
+            </a:extLst>
+          </a:blip>
+          <a:stretch>
+            <a:fillRect/>
+          </a:stretch>
+        </p:blipFill>
+        <p:spPr>
+          <a:xfrm>
+            <a:off x="3790813" y="5019822"/>
+            <a:ext cx="16692174" cy="7995274"/>
+          </a:xfrm>
+          <a:prstGeom prst="rect">
+            <a:avLst/>
+          </a:prstGeom>
+        </p:spPr>
+      </p:pic>
+      <p:sp>
+        <p:nvSpPr>
+          <p:cNvPr id="278" name="锁是一种同步机制， 它可以保证一项资源在任何时候只能被一个进程使用， 如果有其他进程想要使用相同的资源， 那么它们就必须等待， 直到正在使用资源的进程放弃使用权为止。"/>
+          <p:cNvSpPr txBox="1">
+            <a:spLocks noGrp="1"/>
+          </p:cNvSpPr>
+          <p:nvPr>
+            <p:ph type="body" idx="1"/>
+          </p:nvPr>
+        </p:nvSpPr>
+        <p:spPr>
+          <a:xfrm>
+            <a:off x="1562100" y="2908697"/>
+            <a:ext cx="21005800" cy="7898606"/>
+          </a:xfrm>
+          <a:prstGeom prst="rect">
+            <a:avLst/>
+          </a:prstGeom>
+        </p:spPr>
+        <p:txBody>
+          <a:bodyPr anchor="t"/>
+          <a:lstStyle/>
+          <a:p>
+            <a:pPr marL="0" indent="0" defTabSz="457200">
+              <a:spcBef>
+                <a:spcPts val="1600"/>
+              </a:spcBef>
+              <a:buSzTx/>
+              <a:buNone/>
+              <a:defRPr>
+                <a:solidFill>
+                  <a:srgbClr val="FFFFFF"/>
+                </a:solidFill>
+              </a:defRPr>
+            </a:pPr>
+            <a:endParaRPr dirty="0"/>
+          </a:p>
+        </p:txBody>
+      </p:sp>
+    </p:spTree>
+    <p:extLst>
+      <p:ext uri="{BB962C8B-B14F-4D97-AF65-F5344CB8AC3E}">
+        <p14:creationId xmlns:p14="http://schemas.microsoft.com/office/powerpoint/2010/main" val="4265921495"/>
+      </p:ext>
+    </p:extLst>
+  </p:cSld>
+  <p:clrMapOvr>
+    <a:masterClrMapping/>
+  </p:clrMapOvr>
+  <p:transition spd="med"/>
+</p:sld>
+</file>
+
+<file path=ppt/slides/slide22.xml><?xml version="1.0" encoding="utf-8"?>
+<p:sld xmlns:a="http://schemas.openxmlformats.org/drawingml/2006/main" xmlns:r="http://schemas.openxmlformats.org/officeDocument/2006/relationships" xmlns:p="http://schemas.openxmlformats.org/presentationml/2006/main">
+  <p:cSld>
+    <p:bg>
+      <p:bgPr>
+        <a:solidFill>
           <a:srgbClr val="FF5E61"/>
         </a:solidFill>
         <a:effectLst/>
@@ -7749,1746 +8409,6 @@
         </p:txBody>
       </p:sp>
     </p:spTree>
-  </p:cSld>
-  <p:clrMapOvr>
-    <a:masterClrMapping/>
-  </p:clrMapOvr>
-  <p:transition spd="med"/>
-</p:sld>
-</file>
-
-<file path=ppt/slides/slide21.xml><?xml version="1.0" encoding="utf-8"?>
-<p:sld xmlns:a="http://schemas.openxmlformats.org/drawingml/2006/main" xmlns:r="http://schemas.openxmlformats.org/officeDocument/2006/relationships" xmlns:p="http://schemas.openxmlformats.org/presentationml/2006/main">
-  <p:cSld>
-    <p:bg>
-      <p:bgPr>
-        <a:solidFill>
-          <a:srgbClr val="5E5E5E"/>
-        </a:solidFill>
-        <a:effectLst/>
-      </p:bgPr>
-    </p:bg>
-    <p:spTree>
-      <p:nvGrpSpPr>
-        <p:cNvPr id="1" name=""/>
-        <p:cNvGrpSpPr/>
-        <p:nvPr/>
-      </p:nvGrpSpPr>
-      <p:grpSpPr>
-        <a:xfrm>
-          <a:off x="0" y="0"/>
-          <a:ext cx="0" cy="0"/>
-          <a:chOff x="0" y="0"/>
-          <a:chExt cx="0" cy="0"/>
-        </a:xfrm>
-      </p:grpSpPr>
-      <p:sp>
-        <p:nvSpPr>
-          <p:cNvPr id="983" name="实现代码"/>
-          <p:cNvSpPr txBox="1">
-            <a:spLocks noGrp="1"/>
-          </p:cNvSpPr>
-          <p:nvPr>
-            <p:ph type="title"/>
-          </p:nvPr>
-        </p:nvSpPr>
-        <p:spPr>
-          <a:prstGeom prst="rect">
-            <a:avLst/>
-          </a:prstGeom>
-        </p:spPr>
-        <p:txBody>
-          <a:bodyPr/>
-          <a:lstStyle>
-            <a:lvl1pPr algn="l">
-              <a:defRPr>
-                <a:solidFill>
-                  <a:srgbClr val="FFFFFF"/>
-                </a:solidFill>
-              </a:defRPr>
-            </a:lvl1pPr>
-          </a:lstStyle>
-          <a:p>
-            <a:r>
-              <a:rPr lang="zh-CN" altLang="en-US" dirty="0">
-                <a:solidFill>
-                  <a:schemeClr val="accent5">
-                    <a:lumMod val="60000"/>
-                    <a:lumOff val="40000"/>
-                  </a:schemeClr>
-                </a:solidFill>
-              </a:rPr>
-              <a:t>索引相关</a:t>
-            </a:r>
-            <a:endParaRPr dirty="0">
-              <a:solidFill>
-                <a:schemeClr val="accent5">
-                  <a:lumMod val="60000"/>
-                  <a:lumOff val="40000"/>
-                </a:schemeClr>
-              </a:solidFill>
-            </a:endParaRPr>
-          </a:p>
-        </p:txBody>
-      </p:sp>
-      <p:sp>
-        <p:nvSpPr>
-          <p:cNvPr id="984" name="const online_user_hll = &quot;ONLINE_USER_HLL&quot;…"/>
-          <p:cNvSpPr txBox="1">
-            <a:spLocks noGrp="1"/>
-          </p:cNvSpPr>
-          <p:nvPr>
-            <p:ph type="body" idx="1"/>
-          </p:nvPr>
-        </p:nvSpPr>
-        <p:spPr>
-          <a:xfrm>
-            <a:off x="1689100" y="3149600"/>
-            <a:ext cx="20731022" cy="9296400"/>
-          </a:xfrm>
-          <a:prstGeom prst="rect">
-            <a:avLst/>
-          </a:prstGeom>
-        </p:spPr>
-        <p:txBody>
-          <a:bodyPr anchor="t"/>
-          <a:lstStyle/>
-          <a:p>
-            <a:pPr marL="0" indent="0" defTabSz="12700">
-              <a:spcBef>
-                <a:spcPts val="0"/>
-              </a:spcBef>
-              <a:buSzTx/>
-              <a:buNone/>
-              <a:tabLst>
-                <a:tab pos="355600" algn="l"/>
-                <a:tab pos="711200" algn="l"/>
-                <a:tab pos="1066800" algn="l"/>
-                <a:tab pos="1422400" algn="l"/>
-                <a:tab pos="1778000" algn="l"/>
-                <a:tab pos="2133600" algn="l"/>
-                <a:tab pos="2489200" algn="l"/>
-                <a:tab pos="2844800" algn="l"/>
-                <a:tab pos="3200400" algn="l"/>
-                <a:tab pos="3556000" algn="l"/>
-                <a:tab pos="3911600" algn="l"/>
-                <a:tab pos="4267200" algn="l"/>
-              </a:tabLst>
-              <a:defRPr sz="3700">
-                <a:latin typeface="Courier"/>
-                <a:ea typeface="Courier"/>
-                <a:cs typeface="Courier"/>
-                <a:sym typeface="Courier"/>
-              </a:defRPr>
-            </a:pPr>
-            <a:r>
-              <a:rPr lang="en-US" altLang="zh-CN" dirty="0">
-                <a:solidFill>
-                  <a:schemeClr val="bg1"/>
-                </a:solidFill>
-              </a:rPr>
-              <a:t>1.</a:t>
-            </a:r>
-            <a:r>
-              <a:rPr lang="zh-CN" altLang="en-US" dirty="0">
-                <a:solidFill>
-                  <a:schemeClr val="bg1"/>
-                </a:solidFill>
-              </a:rPr>
-              <a:t>创建索引</a:t>
-            </a:r>
-            <a:endParaRPr lang="en-US" altLang="zh-CN" dirty="0">
-              <a:solidFill>
-                <a:schemeClr val="bg1"/>
-              </a:solidFill>
-            </a:endParaRPr>
-          </a:p>
-          <a:p>
-            <a:pPr marL="0" indent="0" defTabSz="12700">
-              <a:spcBef>
-                <a:spcPts val="0"/>
-              </a:spcBef>
-              <a:buSzTx/>
-              <a:buNone/>
-              <a:tabLst>
-                <a:tab pos="355600" algn="l"/>
-                <a:tab pos="711200" algn="l"/>
-                <a:tab pos="1066800" algn="l"/>
-                <a:tab pos="1422400" algn="l"/>
-                <a:tab pos="1778000" algn="l"/>
-                <a:tab pos="2133600" algn="l"/>
-                <a:tab pos="2489200" algn="l"/>
-                <a:tab pos="2844800" algn="l"/>
-                <a:tab pos="3200400" algn="l"/>
-                <a:tab pos="3556000" algn="l"/>
-                <a:tab pos="3911600" algn="l"/>
-                <a:tab pos="4267200" algn="l"/>
-              </a:tabLst>
-              <a:defRPr sz="3700">
-                <a:latin typeface="Courier"/>
-                <a:ea typeface="Courier"/>
-                <a:cs typeface="Courier"/>
-                <a:sym typeface="Courier"/>
-              </a:defRPr>
-            </a:pPr>
-            <a:r>
-              <a:rPr lang="en-US" dirty="0">
-                <a:solidFill>
-                  <a:schemeClr val="bg1"/>
-                </a:solidFill>
-              </a:rPr>
-              <a:t>curl -X PUT 'http://localhost:9200/{</a:t>
-            </a:r>
-            <a:r>
-              <a:rPr lang="en-US" dirty="0" err="1">
-                <a:solidFill>
-                  <a:schemeClr val="bg1"/>
-                </a:solidFill>
-              </a:rPr>
-              <a:t>索引名</a:t>
-            </a:r>
-            <a:r>
-              <a:rPr lang="en-US" dirty="0">
-                <a:solidFill>
-                  <a:schemeClr val="bg1"/>
-                </a:solidFill>
-              </a:rPr>
-              <a:t>}’</a:t>
-            </a:r>
-          </a:p>
-          <a:p>
-            <a:pPr marL="0" indent="0" defTabSz="12700">
-              <a:spcBef>
-                <a:spcPts val="0"/>
-              </a:spcBef>
-              <a:buSzTx/>
-              <a:buNone/>
-              <a:tabLst>
-                <a:tab pos="355600" algn="l"/>
-                <a:tab pos="711200" algn="l"/>
-                <a:tab pos="1066800" algn="l"/>
-                <a:tab pos="1422400" algn="l"/>
-                <a:tab pos="1778000" algn="l"/>
-                <a:tab pos="2133600" algn="l"/>
-                <a:tab pos="2489200" algn="l"/>
-                <a:tab pos="2844800" algn="l"/>
-                <a:tab pos="3200400" algn="l"/>
-                <a:tab pos="3556000" algn="l"/>
-                <a:tab pos="3911600" algn="l"/>
-                <a:tab pos="4267200" algn="l"/>
-              </a:tabLst>
-              <a:defRPr sz="3700">
-                <a:latin typeface="Courier"/>
-                <a:ea typeface="Courier"/>
-                <a:cs typeface="Courier"/>
-                <a:sym typeface="Courier"/>
-              </a:defRPr>
-            </a:pPr>
-            <a:endParaRPr lang="en-US" altLang="zh-CN" dirty="0">
-              <a:solidFill>
-                <a:schemeClr val="bg1"/>
-              </a:solidFill>
-            </a:endParaRPr>
-          </a:p>
-          <a:p>
-            <a:pPr marL="0" indent="0" defTabSz="12700">
-              <a:spcBef>
-                <a:spcPts val="0"/>
-              </a:spcBef>
-              <a:buSzTx/>
-              <a:buNone/>
-              <a:tabLst>
-                <a:tab pos="355600" algn="l"/>
-                <a:tab pos="711200" algn="l"/>
-                <a:tab pos="1066800" algn="l"/>
-                <a:tab pos="1422400" algn="l"/>
-                <a:tab pos="1778000" algn="l"/>
-                <a:tab pos="2133600" algn="l"/>
-                <a:tab pos="2489200" algn="l"/>
-                <a:tab pos="2844800" algn="l"/>
-                <a:tab pos="3200400" algn="l"/>
-                <a:tab pos="3556000" algn="l"/>
-                <a:tab pos="3911600" algn="l"/>
-                <a:tab pos="4267200" algn="l"/>
-              </a:tabLst>
-              <a:defRPr sz="3700">
-                <a:latin typeface="Courier"/>
-                <a:ea typeface="Courier"/>
-                <a:cs typeface="Courier"/>
-                <a:sym typeface="Courier"/>
-              </a:defRPr>
-            </a:pPr>
-            <a:r>
-              <a:rPr lang="en-US" altLang="zh-CN" dirty="0">
-                <a:solidFill>
-                  <a:schemeClr val="bg1"/>
-                </a:solidFill>
-              </a:rPr>
-              <a:t>2.</a:t>
-            </a:r>
-            <a:r>
-              <a:rPr lang="zh-CN" altLang="en-US" dirty="0">
-                <a:solidFill>
-                  <a:schemeClr val="bg1"/>
-                </a:solidFill>
-              </a:rPr>
-              <a:t>查看已创建的所有索引</a:t>
-            </a:r>
-            <a:endParaRPr lang="en-US" altLang="zh-CN" dirty="0">
-              <a:solidFill>
-                <a:schemeClr val="bg1"/>
-              </a:solidFill>
-            </a:endParaRPr>
-          </a:p>
-          <a:p>
-            <a:pPr marL="0" indent="0" defTabSz="12700">
-              <a:spcBef>
-                <a:spcPts val="0"/>
-              </a:spcBef>
-              <a:buSzTx/>
-              <a:buNone/>
-              <a:tabLst>
-                <a:tab pos="355600" algn="l"/>
-                <a:tab pos="711200" algn="l"/>
-                <a:tab pos="1066800" algn="l"/>
-                <a:tab pos="1422400" algn="l"/>
-                <a:tab pos="1778000" algn="l"/>
-                <a:tab pos="2133600" algn="l"/>
-                <a:tab pos="2489200" algn="l"/>
-                <a:tab pos="2844800" algn="l"/>
-                <a:tab pos="3200400" algn="l"/>
-                <a:tab pos="3556000" algn="l"/>
-                <a:tab pos="3911600" algn="l"/>
-                <a:tab pos="4267200" algn="l"/>
-              </a:tabLst>
-              <a:defRPr sz="3700">
-                <a:latin typeface="Courier"/>
-                <a:ea typeface="Courier"/>
-                <a:cs typeface="Courier"/>
-                <a:sym typeface="Courier"/>
-              </a:defRPr>
-            </a:pPr>
-            <a:r>
-              <a:rPr lang="en-US" dirty="0">
-                <a:solidFill>
-                  <a:schemeClr val="bg1"/>
-                </a:solidFill>
-              </a:rPr>
-              <a:t>curl -X GET 'http://localhost:9200/_cat/</a:t>
-            </a:r>
-            <a:r>
-              <a:rPr lang="en-US" dirty="0" err="1">
-                <a:solidFill>
-                  <a:schemeClr val="bg1"/>
-                </a:solidFill>
-              </a:rPr>
-              <a:t>indices?v&amp;pretty</a:t>
-            </a:r>
-            <a:r>
-              <a:rPr lang="en-US" dirty="0">
-                <a:solidFill>
-                  <a:schemeClr val="bg1"/>
-                </a:solidFill>
-              </a:rPr>
-              <a:t>’</a:t>
-            </a:r>
-          </a:p>
-          <a:p>
-            <a:pPr marL="0" indent="0" defTabSz="12700">
-              <a:spcBef>
-                <a:spcPts val="0"/>
-              </a:spcBef>
-              <a:buSzTx/>
-              <a:buNone/>
-              <a:tabLst>
-                <a:tab pos="355600" algn="l"/>
-                <a:tab pos="711200" algn="l"/>
-                <a:tab pos="1066800" algn="l"/>
-                <a:tab pos="1422400" algn="l"/>
-                <a:tab pos="1778000" algn="l"/>
-                <a:tab pos="2133600" algn="l"/>
-                <a:tab pos="2489200" algn="l"/>
-                <a:tab pos="2844800" algn="l"/>
-                <a:tab pos="3200400" algn="l"/>
-                <a:tab pos="3556000" algn="l"/>
-                <a:tab pos="3911600" algn="l"/>
-                <a:tab pos="4267200" algn="l"/>
-              </a:tabLst>
-              <a:defRPr sz="3700">
-                <a:latin typeface="Courier"/>
-                <a:ea typeface="Courier"/>
-                <a:cs typeface="Courier"/>
-                <a:sym typeface="Courier"/>
-              </a:defRPr>
-            </a:pPr>
-            <a:endParaRPr lang="en-US" altLang="zh-CN" dirty="0">
-              <a:solidFill>
-                <a:schemeClr val="bg1"/>
-              </a:solidFill>
-            </a:endParaRPr>
-          </a:p>
-          <a:p>
-            <a:pPr marL="0" indent="0" defTabSz="12700">
-              <a:spcBef>
-                <a:spcPts val="0"/>
-              </a:spcBef>
-              <a:buSzTx/>
-              <a:buNone/>
-              <a:tabLst>
-                <a:tab pos="355600" algn="l"/>
-                <a:tab pos="711200" algn="l"/>
-                <a:tab pos="1066800" algn="l"/>
-                <a:tab pos="1422400" algn="l"/>
-                <a:tab pos="1778000" algn="l"/>
-                <a:tab pos="2133600" algn="l"/>
-                <a:tab pos="2489200" algn="l"/>
-                <a:tab pos="2844800" algn="l"/>
-                <a:tab pos="3200400" algn="l"/>
-                <a:tab pos="3556000" algn="l"/>
-                <a:tab pos="3911600" algn="l"/>
-                <a:tab pos="4267200" algn="l"/>
-              </a:tabLst>
-              <a:defRPr sz="3700">
-                <a:latin typeface="Courier"/>
-                <a:ea typeface="Courier"/>
-                <a:cs typeface="Courier"/>
-                <a:sym typeface="Courier"/>
-              </a:defRPr>
-            </a:pPr>
-            <a:r>
-              <a:rPr lang="en-US" altLang="zh-CN" dirty="0">
-                <a:solidFill>
-                  <a:schemeClr val="bg1"/>
-                </a:solidFill>
-              </a:rPr>
-              <a:t>3.</a:t>
-            </a:r>
-            <a:r>
-              <a:rPr lang="zh-CN" altLang="en-US" dirty="0">
-                <a:solidFill>
-                  <a:schemeClr val="bg1"/>
-                </a:solidFill>
-              </a:rPr>
-              <a:t>索引一个文档</a:t>
-            </a:r>
-            <a:endParaRPr lang="en-US" altLang="zh-CN" dirty="0">
-              <a:solidFill>
-                <a:schemeClr val="bg1"/>
-              </a:solidFill>
-            </a:endParaRPr>
-          </a:p>
-          <a:p>
-            <a:pPr marL="0" indent="0" defTabSz="12700">
-              <a:spcBef>
-                <a:spcPts val="0"/>
-              </a:spcBef>
-              <a:buSzTx/>
-              <a:buNone/>
-              <a:tabLst>
-                <a:tab pos="355600" algn="l"/>
-                <a:tab pos="711200" algn="l"/>
-                <a:tab pos="1066800" algn="l"/>
-                <a:tab pos="1422400" algn="l"/>
-                <a:tab pos="1778000" algn="l"/>
-                <a:tab pos="2133600" algn="l"/>
-                <a:tab pos="2489200" algn="l"/>
-                <a:tab pos="2844800" algn="l"/>
-                <a:tab pos="3200400" algn="l"/>
-                <a:tab pos="3556000" algn="l"/>
-                <a:tab pos="3911600" algn="l"/>
-                <a:tab pos="4267200" algn="l"/>
-              </a:tabLst>
-              <a:defRPr sz="3700">
-                <a:latin typeface="Courier"/>
-                <a:ea typeface="Courier"/>
-                <a:cs typeface="Courier"/>
-                <a:sym typeface="Courier"/>
-              </a:defRPr>
-            </a:pPr>
-            <a:r>
-              <a:rPr lang="en-US" dirty="0">
-                <a:solidFill>
-                  <a:schemeClr val="bg1"/>
-                </a:solidFill>
-              </a:rPr>
-              <a:t>curl -H '</a:t>
-            </a:r>
-            <a:r>
-              <a:rPr lang="en-US" dirty="0" err="1">
-                <a:solidFill>
-                  <a:schemeClr val="bg1"/>
-                </a:solidFill>
-              </a:rPr>
-              <a:t>Content-Type:application</a:t>
-            </a:r>
-            <a:r>
-              <a:rPr lang="en-US" dirty="0">
-                <a:solidFill>
-                  <a:schemeClr val="bg1"/>
-                </a:solidFill>
-              </a:rPr>
-              <a:t>/json' -X POST 'http://localhost:9200/{</a:t>
-            </a:r>
-            <a:r>
-              <a:rPr lang="en-US" dirty="0" err="1">
-                <a:solidFill>
-                  <a:schemeClr val="bg1"/>
-                </a:solidFill>
-              </a:rPr>
-              <a:t>索引名</a:t>
-            </a:r>
-            <a:r>
-              <a:rPr lang="en-US" dirty="0">
-                <a:solidFill>
-                  <a:schemeClr val="bg1"/>
-                </a:solidFill>
-              </a:rPr>
-              <a:t>}/{</a:t>
-            </a:r>
-            <a:r>
-              <a:rPr lang="en-US" dirty="0" err="1">
-                <a:solidFill>
-                  <a:schemeClr val="bg1"/>
-                </a:solidFill>
-              </a:rPr>
-              <a:t>type类型名</a:t>
-            </a:r>
-            <a:r>
-              <a:rPr lang="en-US" dirty="0">
-                <a:solidFill>
-                  <a:schemeClr val="bg1"/>
-                </a:solidFill>
-              </a:rPr>
-              <a:t>}/{</a:t>
-            </a:r>
-            <a:r>
-              <a:rPr lang="en-US" dirty="0" err="1">
-                <a:solidFill>
-                  <a:schemeClr val="bg1"/>
-                </a:solidFill>
-              </a:rPr>
-              <a:t>文档id</a:t>
-            </a:r>
-            <a:r>
-              <a:rPr lang="en-US" dirty="0">
-                <a:solidFill>
-                  <a:schemeClr val="bg1"/>
-                </a:solidFill>
-              </a:rPr>
-              <a:t>}?pretty' -d '{"</a:t>
-            </a:r>
-            <a:r>
-              <a:rPr lang="en-US" dirty="0" err="1">
-                <a:solidFill>
-                  <a:schemeClr val="bg1"/>
-                </a:solidFill>
-              </a:rPr>
-              <a:t>name":"test</a:t>
-            </a:r>
-            <a:r>
-              <a:rPr lang="en-US" dirty="0">
-                <a:solidFill>
-                  <a:schemeClr val="bg1"/>
-                </a:solidFill>
-              </a:rPr>
-              <a:t>"}’</a:t>
-            </a:r>
-          </a:p>
-          <a:p>
-            <a:pPr marL="0" indent="0" defTabSz="12700">
-              <a:spcBef>
-                <a:spcPts val="0"/>
-              </a:spcBef>
-              <a:buSzTx/>
-              <a:buNone/>
-              <a:tabLst>
-                <a:tab pos="355600" algn="l"/>
-                <a:tab pos="711200" algn="l"/>
-                <a:tab pos="1066800" algn="l"/>
-                <a:tab pos="1422400" algn="l"/>
-                <a:tab pos="1778000" algn="l"/>
-                <a:tab pos="2133600" algn="l"/>
-                <a:tab pos="2489200" algn="l"/>
-                <a:tab pos="2844800" algn="l"/>
-                <a:tab pos="3200400" algn="l"/>
-                <a:tab pos="3556000" algn="l"/>
-                <a:tab pos="3911600" algn="l"/>
-                <a:tab pos="4267200" algn="l"/>
-              </a:tabLst>
-              <a:defRPr sz="3700">
-                <a:latin typeface="Courier"/>
-                <a:ea typeface="Courier"/>
-                <a:cs typeface="Courier"/>
-                <a:sym typeface="Courier"/>
-              </a:defRPr>
-            </a:pPr>
-            <a:endParaRPr lang="en-US" dirty="0">
-              <a:solidFill>
-                <a:schemeClr val="bg1"/>
-              </a:solidFill>
-            </a:endParaRPr>
-          </a:p>
-          <a:p>
-            <a:pPr defTabSz="12700">
-              <a:spcBef>
-                <a:spcPts val="0"/>
-              </a:spcBef>
-              <a:buSzTx/>
-              <a:buFont typeface="Wingdings" panose="05000000000000000000" pitchFamily="2" charset="2"/>
-              <a:buChar char="l"/>
-              <a:tabLst>
-                <a:tab pos="355600" algn="l"/>
-                <a:tab pos="711200" algn="l"/>
-                <a:tab pos="1066800" algn="l"/>
-                <a:tab pos="1422400" algn="l"/>
-                <a:tab pos="1778000" algn="l"/>
-                <a:tab pos="2133600" algn="l"/>
-                <a:tab pos="2489200" algn="l"/>
-                <a:tab pos="2844800" algn="l"/>
-                <a:tab pos="3200400" algn="l"/>
-                <a:tab pos="3556000" algn="l"/>
-                <a:tab pos="3911600" algn="l"/>
-                <a:tab pos="4267200" algn="l"/>
-              </a:tabLst>
-              <a:defRPr sz="3700">
-                <a:latin typeface="Courier"/>
-                <a:ea typeface="Courier"/>
-                <a:cs typeface="Courier"/>
-                <a:sym typeface="Courier"/>
-              </a:defRPr>
-            </a:pPr>
-            <a:r>
-              <a:rPr lang="zh-CN" altLang="en-US" dirty="0">
-                <a:solidFill>
-                  <a:schemeClr val="bg1"/>
-                </a:solidFill>
-              </a:rPr>
-              <a:t>创建索引文档是可以不必先创建索引，索引文档是会自动创建搜索引，如果创建索引文档时索引不存在的情况下。</a:t>
-            </a:r>
-            <a:endParaRPr lang="en-US" altLang="zh-CN" dirty="0">
-              <a:solidFill>
-                <a:schemeClr val="bg1"/>
-              </a:solidFill>
-            </a:endParaRPr>
-          </a:p>
-          <a:p>
-            <a:pPr marL="0" indent="0" defTabSz="12700">
-              <a:spcBef>
-                <a:spcPts val="0"/>
-              </a:spcBef>
-              <a:buSzTx/>
-              <a:buNone/>
-              <a:tabLst>
-                <a:tab pos="355600" algn="l"/>
-                <a:tab pos="711200" algn="l"/>
-                <a:tab pos="1066800" algn="l"/>
-                <a:tab pos="1422400" algn="l"/>
-                <a:tab pos="1778000" algn="l"/>
-                <a:tab pos="2133600" algn="l"/>
-                <a:tab pos="2489200" algn="l"/>
-                <a:tab pos="2844800" algn="l"/>
-                <a:tab pos="3200400" algn="l"/>
-                <a:tab pos="3556000" algn="l"/>
-                <a:tab pos="3911600" algn="l"/>
-                <a:tab pos="4267200" algn="l"/>
-              </a:tabLst>
-              <a:defRPr sz="3700">
-                <a:latin typeface="Courier"/>
-                <a:ea typeface="Courier"/>
-                <a:cs typeface="Courier"/>
-                <a:sym typeface="Courier"/>
-              </a:defRPr>
-            </a:pPr>
-            <a:endParaRPr lang="en-US" altLang="zh-CN" dirty="0">
-              <a:solidFill>
-                <a:schemeClr val="bg1"/>
-              </a:solidFill>
-            </a:endParaRPr>
-          </a:p>
-          <a:p>
-            <a:pPr marL="0" indent="0" defTabSz="12700">
-              <a:spcBef>
-                <a:spcPts val="0"/>
-              </a:spcBef>
-              <a:buSzTx/>
-              <a:buNone/>
-              <a:tabLst>
-                <a:tab pos="355600" algn="l"/>
-                <a:tab pos="711200" algn="l"/>
-                <a:tab pos="1066800" algn="l"/>
-                <a:tab pos="1422400" algn="l"/>
-                <a:tab pos="1778000" algn="l"/>
-                <a:tab pos="2133600" algn="l"/>
-                <a:tab pos="2489200" algn="l"/>
-                <a:tab pos="2844800" algn="l"/>
-                <a:tab pos="3200400" algn="l"/>
-                <a:tab pos="3556000" algn="l"/>
-                <a:tab pos="3911600" algn="l"/>
-                <a:tab pos="4267200" algn="l"/>
-              </a:tabLst>
-              <a:defRPr sz="3700">
-                <a:latin typeface="Courier"/>
-                <a:ea typeface="Courier"/>
-                <a:cs typeface="Courier"/>
-                <a:sym typeface="Courier"/>
-              </a:defRPr>
-            </a:pPr>
-            <a:r>
-              <a:rPr lang="en-US" altLang="zh-CN" dirty="0">
-                <a:solidFill>
-                  <a:schemeClr val="bg1"/>
-                </a:solidFill>
-              </a:rPr>
-              <a:t>4.</a:t>
-            </a:r>
-            <a:r>
-              <a:rPr lang="zh-CN" altLang="en-US" dirty="0">
-                <a:solidFill>
-                  <a:schemeClr val="bg1"/>
-                </a:solidFill>
-              </a:rPr>
-              <a:t>删除索引</a:t>
-            </a:r>
-            <a:endParaRPr lang="en-US" altLang="zh-CN" dirty="0">
-              <a:solidFill>
-                <a:schemeClr val="bg1"/>
-              </a:solidFill>
-            </a:endParaRPr>
-          </a:p>
-          <a:p>
-            <a:pPr marL="0" indent="0" defTabSz="12700">
-              <a:spcBef>
-                <a:spcPts val="0"/>
-              </a:spcBef>
-              <a:buSzTx/>
-              <a:buNone/>
-              <a:tabLst>
-                <a:tab pos="355600" algn="l"/>
-                <a:tab pos="711200" algn="l"/>
-                <a:tab pos="1066800" algn="l"/>
-                <a:tab pos="1422400" algn="l"/>
-                <a:tab pos="1778000" algn="l"/>
-                <a:tab pos="2133600" algn="l"/>
-                <a:tab pos="2489200" algn="l"/>
-                <a:tab pos="2844800" algn="l"/>
-                <a:tab pos="3200400" algn="l"/>
-                <a:tab pos="3556000" algn="l"/>
-                <a:tab pos="3911600" algn="l"/>
-                <a:tab pos="4267200" algn="l"/>
-              </a:tabLst>
-              <a:defRPr sz="3700">
-                <a:latin typeface="Courier"/>
-                <a:ea typeface="Courier"/>
-                <a:cs typeface="Courier"/>
-                <a:sym typeface="Courier"/>
-              </a:defRPr>
-            </a:pPr>
-            <a:r>
-              <a:rPr lang="en-US" dirty="0">
-                <a:solidFill>
-                  <a:schemeClr val="bg1"/>
-                </a:solidFill>
-              </a:rPr>
-              <a:t>curl -X DELETE 'http://localhost:9200/{</a:t>
-            </a:r>
-            <a:r>
-              <a:rPr lang="zh-CN" altLang="en-US" dirty="0">
-                <a:solidFill>
-                  <a:schemeClr val="bg1"/>
-                </a:solidFill>
-              </a:rPr>
-              <a:t>索引名</a:t>
-            </a:r>
-            <a:r>
-              <a:rPr lang="en-US" altLang="zh-CN" dirty="0">
-                <a:solidFill>
-                  <a:schemeClr val="bg1"/>
-                </a:solidFill>
-              </a:rPr>
-              <a:t>}</a:t>
-            </a:r>
-            <a:r>
-              <a:rPr lang="zh-CN" altLang="en-US" dirty="0">
-                <a:solidFill>
-                  <a:schemeClr val="bg1"/>
-                </a:solidFill>
-              </a:rPr>
-              <a:t>？</a:t>
-            </a:r>
-            <a:r>
-              <a:rPr lang="en-US" dirty="0" err="1">
-                <a:solidFill>
-                  <a:schemeClr val="bg1"/>
-                </a:solidFill>
-              </a:rPr>
-              <a:t>pretty&amp;pretty</a:t>
-            </a:r>
-            <a:r>
-              <a:rPr lang="en-US" dirty="0">
-                <a:solidFill>
-                  <a:schemeClr val="bg1"/>
-                </a:solidFill>
-              </a:rPr>
-              <a:t>'</a:t>
-            </a:r>
-            <a:endParaRPr dirty="0">
-              <a:solidFill>
-                <a:schemeClr val="bg1"/>
-              </a:solidFill>
-            </a:endParaRPr>
-          </a:p>
-        </p:txBody>
-      </p:sp>
-    </p:spTree>
-  </p:cSld>
-  <p:clrMapOvr>
-    <a:masterClrMapping/>
-  </p:clrMapOvr>
-  <p:transition spd="med"/>
-</p:sld>
-</file>
-
-<file path=ppt/slides/slide22.xml><?xml version="1.0" encoding="utf-8"?>
-<p:sld xmlns:a="http://schemas.openxmlformats.org/drawingml/2006/main" xmlns:r="http://schemas.openxmlformats.org/officeDocument/2006/relationships" xmlns:p="http://schemas.openxmlformats.org/presentationml/2006/main">
-  <p:cSld>
-    <p:bg>
-      <p:bgPr>
-        <a:solidFill>
-          <a:srgbClr val="5E5E5E"/>
-        </a:solidFill>
-        <a:effectLst/>
-      </p:bgPr>
-    </p:bg>
-    <p:spTree>
-      <p:nvGrpSpPr>
-        <p:cNvPr id="1" name=""/>
-        <p:cNvGrpSpPr/>
-        <p:nvPr/>
-      </p:nvGrpSpPr>
-      <p:grpSpPr>
-        <a:xfrm>
-          <a:off x="0" y="0"/>
-          <a:ext cx="0" cy="0"/>
-          <a:chOff x="0" y="0"/>
-          <a:chExt cx="0" cy="0"/>
-        </a:xfrm>
-      </p:grpSpPr>
-      <p:sp>
-        <p:nvSpPr>
-          <p:cNvPr id="983" name="实现代码"/>
-          <p:cNvSpPr txBox="1">
-            <a:spLocks noGrp="1"/>
-          </p:cNvSpPr>
-          <p:nvPr>
-            <p:ph type="title"/>
-          </p:nvPr>
-        </p:nvSpPr>
-        <p:spPr>
-          <a:prstGeom prst="rect">
-            <a:avLst/>
-          </a:prstGeom>
-        </p:spPr>
-        <p:txBody>
-          <a:bodyPr/>
-          <a:lstStyle>
-            <a:lvl1pPr algn="l">
-              <a:defRPr>
-                <a:solidFill>
-                  <a:srgbClr val="FFFFFF"/>
-                </a:solidFill>
-              </a:defRPr>
-            </a:lvl1pPr>
-          </a:lstStyle>
-          <a:p>
-            <a:r>
-              <a:rPr lang="zh-CN" altLang="en-US" dirty="0">
-                <a:solidFill>
-                  <a:schemeClr val="accent5">
-                    <a:lumMod val="60000"/>
-                    <a:lumOff val="40000"/>
-                  </a:schemeClr>
-                </a:solidFill>
-              </a:rPr>
-              <a:t>文档相关</a:t>
-            </a:r>
-            <a:endParaRPr dirty="0">
-              <a:solidFill>
-                <a:schemeClr val="accent5">
-                  <a:lumMod val="60000"/>
-                  <a:lumOff val="40000"/>
-                </a:schemeClr>
-              </a:solidFill>
-            </a:endParaRPr>
-          </a:p>
-        </p:txBody>
-      </p:sp>
-      <p:sp>
-        <p:nvSpPr>
-          <p:cNvPr id="984" name="const online_user_hll = &quot;ONLINE_USER_HLL&quot;…"/>
-          <p:cNvSpPr txBox="1">
-            <a:spLocks noGrp="1"/>
-          </p:cNvSpPr>
-          <p:nvPr>
-            <p:ph type="body" idx="1"/>
-          </p:nvPr>
-        </p:nvSpPr>
-        <p:spPr>
-          <a:xfrm>
-            <a:off x="1689100" y="3149600"/>
-            <a:ext cx="20731022" cy="9296400"/>
-          </a:xfrm>
-          <a:prstGeom prst="rect">
-            <a:avLst/>
-          </a:prstGeom>
-        </p:spPr>
-        <p:txBody>
-          <a:bodyPr anchor="t">
-            <a:normAutofit lnSpcReduction="10000"/>
-          </a:bodyPr>
-          <a:lstStyle/>
-          <a:p>
-            <a:pPr marL="0" indent="0" defTabSz="12700">
-              <a:spcBef>
-                <a:spcPts val="0"/>
-              </a:spcBef>
-              <a:buSzTx/>
-              <a:buNone/>
-              <a:tabLst>
-                <a:tab pos="355600" algn="l"/>
-                <a:tab pos="711200" algn="l"/>
-                <a:tab pos="1066800" algn="l"/>
-                <a:tab pos="1422400" algn="l"/>
-                <a:tab pos="1778000" algn="l"/>
-                <a:tab pos="2133600" algn="l"/>
-                <a:tab pos="2489200" algn="l"/>
-                <a:tab pos="2844800" algn="l"/>
-                <a:tab pos="3200400" algn="l"/>
-                <a:tab pos="3556000" algn="l"/>
-                <a:tab pos="3911600" algn="l"/>
-                <a:tab pos="4267200" algn="l"/>
-              </a:tabLst>
-              <a:defRPr sz="3700">
-                <a:latin typeface="Courier"/>
-                <a:ea typeface="Courier"/>
-                <a:cs typeface="Courier"/>
-                <a:sym typeface="Courier"/>
-              </a:defRPr>
-            </a:pPr>
-            <a:r>
-              <a:rPr lang="en-US" altLang="zh-CN" dirty="0">
-                <a:solidFill>
-                  <a:schemeClr val="bg1"/>
-                </a:solidFill>
-              </a:rPr>
-              <a:t>1.</a:t>
-            </a:r>
-            <a:r>
-              <a:rPr lang="zh-CN" altLang="en-US" dirty="0">
-                <a:solidFill>
-                  <a:schemeClr val="bg1"/>
-                </a:solidFill>
-              </a:rPr>
-              <a:t>索引一个文档</a:t>
-            </a:r>
-            <a:endParaRPr lang="en-US" altLang="zh-CN" dirty="0">
-              <a:solidFill>
-                <a:schemeClr val="bg1"/>
-              </a:solidFill>
-            </a:endParaRPr>
-          </a:p>
-          <a:p>
-            <a:pPr marL="0" indent="0" defTabSz="12700">
-              <a:spcBef>
-                <a:spcPts val="0"/>
-              </a:spcBef>
-              <a:buSzTx/>
-              <a:buNone/>
-              <a:tabLst>
-                <a:tab pos="355600" algn="l"/>
-                <a:tab pos="711200" algn="l"/>
-                <a:tab pos="1066800" algn="l"/>
-                <a:tab pos="1422400" algn="l"/>
-                <a:tab pos="1778000" algn="l"/>
-                <a:tab pos="2133600" algn="l"/>
-                <a:tab pos="2489200" algn="l"/>
-                <a:tab pos="2844800" algn="l"/>
-                <a:tab pos="3200400" algn="l"/>
-                <a:tab pos="3556000" algn="l"/>
-                <a:tab pos="3911600" algn="l"/>
-                <a:tab pos="4267200" algn="l"/>
-              </a:tabLst>
-              <a:defRPr sz="3700">
-                <a:latin typeface="Courier"/>
-                <a:ea typeface="Courier"/>
-                <a:cs typeface="Courier"/>
-                <a:sym typeface="Courier"/>
-              </a:defRPr>
-            </a:pPr>
-            <a:r>
-              <a:rPr lang="en-US" dirty="0">
-                <a:solidFill>
-                  <a:schemeClr val="bg1"/>
-                </a:solidFill>
-              </a:rPr>
-              <a:t>curl -H '</a:t>
-            </a:r>
-            <a:r>
-              <a:rPr lang="en-US" dirty="0" err="1">
-                <a:solidFill>
-                  <a:schemeClr val="bg1"/>
-                </a:solidFill>
-              </a:rPr>
-              <a:t>Content-Type:application</a:t>
-            </a:r>
-            <a:r>
-              <a:rPr lang="en-US" dirty="0">
-                <a:solidFill>
-                  <a:schemeClr val="bg1"/>
-                </a:solidFill>
-              </a:rPr>
-              <a:t>/json' -X POST 'http://localhost:9200/{</a:t>
-            </a:r>
-            <a:r>
-              <a:rPr lang="en-US" dirty="0" err="1">
-                <a:solidFill>
-                  <a:schemeClr val="bg1"/>
-                </a:solidFill>
-              </a:rPr>
-              <a:t>索引名</a:t>
-            </a:r>
-            <a:r>
-              <a:rPr lang="en-US" dirty="0">
-                <a:solidFill>
-                  <a:schemeClr val="bg1"/>
-                </a:solidFill>
-              </a:rPr>
-              <a:t>}/{</a:t>
-            </a:r>
-            <a:r>
-              <a:rPr lang="en-US" dirty="0" err="1">
-                <a:solidFill>
-                  <a:schemeClr val="bg1"/>
-                </a:solidFill>
-              </a:rPr>
-              <a:t>type类型名</a:t>
-            </a:r>
-            <a:r>
-              <a:rPr lang="en-US" dirty="0">
-                <a:solidFill>
-                  <a:schemeClr val="bg1"/>
-                </a:solidFill>
-              </a:rPr>
-              <a:t>}/{</a:t>
-            </a:r>
-            <a:r>
-              <a:rPr lang="en-US" dirty="0" err="1">
-                <a:solidFill>
-                  <a:schemeClr val="bg1"/>
-                </a:solidFill>
-              </a:rPr>
-              <a:t>文档id</a:t>
-            </a:r>
-            <a:r>
-              <a:rPr lang="en-US" dirty="0">
-                <a:solidFill>
-                  <a:schemeClr val="bg1"/>
-                </a:solidFill>
-              </a:rPr>
-              <a:t>}?pretty' -d '{"</a:t>
-            </a:r>
-            <a:r>
-              <a:rPr lang="en-US" dirty="0" err="1">
-                <a:solidFill>
-                  <a:schemeClr val="bg1"/>
-                </a:solidFill>
-              </a:rPr>
-              <a:t>name":"test</a:t>
-            </a:r>
-            <a:r>
-              <a:rPr lang="en-US" dirty="0">
-                <a:solidFill>
-                  <a:schemeClr val="bg1"/>
-                </a:solidFill>
-              </a:rPr>
-              <a:t>"}’</a:t>
-            </a:r>
-          </a:p>
-          <a:p>
-            <a:pPr marL="0" indent="0" defTabSz="12700">
-              <a:spcBef>
-                <a:spcPts val="0"/>
-              </a:spcBef>
-              <a:buSzTx/>
-              <a:buNone/>
-              <a:tabLst>
-                <a:tab pos="355600" algn="l"/>
-                <a:tab pos="711200" algn="l"/>
-                <a:tab pos="1066800" algn="l"/>
-                <a:tab pos="1422400" algn="l"/>
-                <a:tab pos="1778000" algn="l"/>
-                <a:tab pos="2133600" algn="l"/>
-                <a:tab pos="2489200" algn="l"/>
-                <a:tab pos="2844800" algn="l"/>
-                <a:tab pos="3200400" algn="l"/>
-                <a:tab pos="3556000" algn="l"/>
-                <a:tab pos="3911600" algn="l"/>
-                <a:tab pos="4267200" algn="l"/>
-              </a:tabLst>
-              <a:defRPr sz="3700">
-                <a:latin typeface="Courier"/>
-                <a:ea typeface="Courier"/>
-                <a:cs typeface="Courier"/>
-                <a:sym typeface="Courier"/>
-              </a:defRPr>
-            </a:pPr>
-            <a:endParaRPr lang="en-US" altLang="zh-CN" dirty="0">
-              <a:solidFill>
-                <a:schemeClr val="bg1"/>
-              </a:solidFill>
-            </a:endParaRPr>
-          </a:p>
-          <a:p>
-            <a:pPr marL="0" indent="0" defTabSz="12700">
-              <a:spcBef>
-                <a:spcPts val="0"/>
-              </a:spcBef>
-              <a:buSzTx/>
-              <a:buNone/>
-              <a:tabLst>
-                <a:tab pos="355600" algn="l"/>
-                <a:tab pos="711200" algn="l"/>
-                <a:tab pos="1066800" algn="l"/>
-                <a:tab pos="1422400" algn="l"/>
-                <a:tab pos="1778000" algn="l"/>
-                <a:tab pos="2133600" algn="l"/>
-                <a:tab pos="2489200" algn="l"/>
-                <a:tab pos="2844800" algn="l"/>
-                <a:tab pos="3200400" algn="l"/>
-                <a:tab pos="3556000" algn="l"/>
-                <a:tab pos="3911600" algn="l"/>
-                <a:tab pos="4267200" algn="l"/>
-              </a:tabLst>
-              <a:defRPr sz="3700">
-                <a:latin typeface="Courier"/>
-                <a:ea typeface="Courier"/>
-                <a:cs typeface="Courier"/>
-                <a:sym typeface="Courier"/>
-              </a:defRPr>
-            </a:pPr>
-            <a:r>
-              <a:rPr lang="en-US" altLang="zh-CN" dirty="0">
-                <a:solidFill>
-                  <a:schemeClr val="bg1"/>
-                </a:solidFill>
-              </a:rPr>
-              <a:t>2.</a:t>
-            </a:r>
-            <a:r>
-              <a:rPr lang="zh-CN" altLang="en-US" dirty="0">
-                <a:solidFill>
-                  <a:schemeClr val="bg1"/>
-                </a:solidFill>
-              </a:rPr>
-              <a:t>查询一个文档</a:t>
-            </a:r>
-            <a:endParaRPr lang="en-US" altLang="zh-CN" dirty="0">
-              <a:solidFill>
-                <a:schemeClr val="bg1"/>
-              </a:solidFill>
-            </a:endParaRPr>
-          </a:p>
-          <a:p>
-            <a:pPr marL="0" indent="0" defTabSz="12700">
-              <a:spcBef>
-                <a:spcPts val="0"/>
-              </a:spcBef>
-              <a:buSzTx/>
-              <a:buNone/>
-              <a:tabLst>
-                <a:tab pos="355600" algn="l"/>
-                <a:tab pos="711200" algn="l"/>
-                <a:tab pos="1066800" algn="l"/>
-                <a:tab pos="1422400" algn="l"/>
-                <a:tab pos="1778000" algn="l"/>
-                <a:tab pos="2133600" algn="l"/>
-                <a:tab pos="2489200" algn="l"/>
-                <a:tab pos="2844800" algn="l"/>
-                <a:tab pos="3200400" algn="l"/>
-                <a:tab pos="3556000" algn="l"/>
-                <a:tab pos="3911600" algn="l"/>
-                <a:tab pos="4267200" algn="l"/>
-              </a:tabLst>
-              <a:defRPr sz="3700">
-                <a:latin typeface="Courier"/>
-                <a:ea typeface="Courier"/>
-                <a:cs typeface="Courier"/>
-                <a:sym typeface="Courier"/>
-              </a:defRPr>
-            </a:pPr>
-            <a:r>
-              <a:rPr lang="en-US" altLang="zh-CN" dirty="0">
-                <a:solidFill>
-                  <a:schemeClr val="bg1"/>
-                </a:solidFill>
-              </a:rPr>
-              <a:t>curl -X GET 'http://localhost:9200/{</a:t>
-            </a:r>
-            <a:r>
-              <a:rPr lang="zh-CN" altLang="en-US" dirty="0">
-                <a:solidFill>
-                  <a:schemeClr val="bg1"/>
-                </a:solidFill>
-              </a:rPr>
-              <a:t>索引名</a:t>
-            </a:r>
-            <a:r>
-              <a:rPr lang="en-US" altLang="zh-CN" dirty="0">
-                <a:solidFill>
-                  <a:schemeClr val="bg1"/>
-                </a:solidFill>
-              </a:rPr>
-              <a:t>}/{type</a:t>
-            </a:r>
-            <a:r>
-              <a:rPr lang="zh-CN" altLang="en-US" dirty="0">
-                <a:solidFill>
-                  <a:schemeClr val="bg1"/>
-                </a:solidFill>
-              </a:rPr>
-              <a:t>类型</a:t>
-            </a:r>
-            <a:r>
-              <a:rPr lang="en-US" altLang="zh-CN" dirty="0">
-                <a:solidFill>
-                  <a:schemeClr val="bg1"/>
-                </a:solidFill>
-              </a:rPr>
-              <a:t>}/{</a:t>
-            </a:r>
-            <a:r>
-              <a:rPr lang="zh-CN" altLang="en-US" dirty="0">
-                <a:solidFill>
-                  <a:schemeClr val="bg1"/>
-                </a:solidFill>
-              </a:rPr>
-              <a:t>文档</a:t>
-            </a:r>
-            <a:r>
-              <a:rPr lang="en-US" altLang="zh-CN" dirty="0">
-                <a:solidFill>
-                  <a:schemeClr val="bg1"/>
-                </a:solidFill>
-              </a:rPr>
-              <a:t>id}’</a:t>
-            </a:r>
-          </a:p>
-          <a:p>
-            <a:pPr marL="0" indent="0" defTabSz="12700">
-              <a:spcBef>
-                <a:spcPts val="0"/>
-              </a:spcBef>
-              <a:buSzTx/>
-              <a:buNone/>
-              <a:tabLst>
-                <a:tab pos="355600" algn="l"/>
-                <a:tab pos="711200" algn="l"/>
-                <a:tab pos="1066800" algn="l"/>
-                <a:tab pos="1422400" algn="l"/>
-                <a:tab pos="1778000" algn="l"/>
-                <a:tab pos="2133600" algn="l"/>
-                <a:tab pos="2489200" algn="l"/>
-                <a:tab pos="2844800" algn="l"/>
-                <a:tab pos="3200400" algn="l"/>
-                <a:tab pos="3556000" algn="l"/>
-                <a:tab pos="3911600" algn="l"/>
-                <a:tab pos="4267200" algn="l"/>
-              </a:tabLst>
-              <a:defRPr sz="3700">
-                <a:latin typeface="Courier"/>
-                <a:ea typeface="Courier"/>
-                <a:cs typeface="Courier"/>
-                <a:sym typeface="Courier"/>
-              </a:defRPr>
-            </a:pPr>
-            <a:endParaRPr lang="en-US" altLang="zh-CN" dirty="0">
-              <a:solidFill>
-                <a:schemeClr val="bg1"/>
-              </a:solidFill>
-            </a:endParaRPr>
-          </a:p>
-          <a:p>
-            <a:pPr marL="0" indent="0" defTabSz="12700">
-              <a:spcBef>
-                <a:spcPts val="0"/>
-              </a:spcBef>
-              <a:buSzTx/>
-              <a:buNone/>
-              <a:tabLst>
-                <a:tab pos="355600" algn="l"/>
-                <a:tab pos="711200" algn="l"/>
-                <a:tab pos="1066800" algn="l"/>
-                <a:tab pos="1422400" algn="l"/>
-                <a:tab pos="1778000" algn="l"/>
-                <a:tab pos="2133600" algn="l"/>
-                <a:tab pos="2489200" algn="l"/>
-                <a:tab pos="2844800" algn="l"/>
-                <a:tab pos="3200400" algn="l"/>
-                <a:tab pos="3556000" algn="l"/>
-                <a:tab pos="3911600" algn="l"/>
-                <a:tab pos="4267200" algn="l"/>
-              </a:tabLst>
-              <a:defRPr sz="3700">
-                <a:latin typeface="Courier"/>
-                <a:ea typeface="Courier"/>
-                <a:cs typeface="Courier"/>
-                <a:sym typeface="Courier"/>
-              </a:defRPr>
-            </a:pPr>
-            <a:r>
-              <a:rPr lang="zh-CN" altLang="en-US" dirty="0">
-                <a:solidFill>
-                  <a:schemeClr val="bg1"/>
-                </a:solidFill>
-              </a:rPr>
-              <a:t>只查询指定的字段</a:t>
-            </a:r>
-            <a:endParaRPr lang="en-US" altLang="zh-CN" dirty="0">
-              <a:solidFill>
-                <a:schemeClr val="bg1"/>
-              </a:solidFill>
-            </a:endParaRPr>
-          </a:p>
-          <a:p>
-            <a:pPr marL="0" indent="0" defTabSz="12700">
-              <a:spcBef>
-                <a:spcPts val="0"/>
-              </a:spcBef>
-              <a:buSzTx/>
-              <a:buNone/>
-              <a:tabLst>
-                <a:tab pos="355600" algn="l"/>
-                <a:tab pos="711200" algn="l"/>
-                <a:tab pos="1066800" algn="l"/>
-                <a:tab pos="1422400" algn="l"/>
-                <a:tab pos="1778000" algn="l"/>
-                <a:tab pos="2133600" algn="l"/>
-                <a:tab pos="2489200" algn="l"/>
-                <a:tab pos="2844800" algn="l"/>
-                <a:tab pos="3200400" algn="l"/>
-                <a:tab pos="3556000" algn="l"/>
-                <a:tab pos="3911600" algn="l"/>
-                <a:tab pos="4267200" algn="l"/>
-              </a:tabLst>
-              <a:defRPr sz="3700">
-                <a:latin typeface="Courier"/>
-                <a:ea typeface="Courier"/>
-                <a:cs typeface="Courier"/>
-                <a:sym typeface="Courier"/>
-              </a:defRPr>
-            </a:pPr>
-            <a:r>
-              <a:rPr lang="en-US" altLang="zh-CN" dirty="0">
-                <a:solidFill>
-                  <a:schemeClr val="bg1"/>
-                </a:solidFill>
-              </a:rPr>
-              <a:t>curl -X GET 'localhost:9200/</a:t>
-            </a:r>
-            <a:r>
-              <a:rPr lang="en-US" altLang="zh-CN" dirty="0" err="1">
-                <a:solidFill>
-                  <a:schemeClr val="bg1"/>
-                </a:solidFill>
-              </a:rPr>
-              <a:t>test_index</a:t>
-            </a:r>
-            <a:r>
-              <a:rPr lang="en-US" altLang="zh-CN" dirty="0">
-                <a:solidFill>
-                  <a:schemeClr val="bg1"/>
-                </a:solidFill>
-              </a:rPr>
-              <a:t>/_doc/1/_</a:t>
-            </a:r>
-            <a:r>
-              <a:rPr lang="en-US" altLang="zh-CN" dirty="0" err="1">
-                <a:solidFill>
-                  <a:schemeClr val="bg1"/>
-                </a:solidFill>
-              </a:rPr>
-              <a:t>source?pretty</a:t>
-            </a:r>
-            <a:r>
-              <a:rPr lang="en-US" altLang="zh-CN" dirty="0">
-                <a:solidFill>
-                  <a:schemeClr val="bg1"/>
-                </a:solidFill>
-              </a:rPr>
-              <a:t>’</a:t>
-            </a:r>
-          </a:p>
-          <a:p>
-            <a:pPr marL="0" indent="0" defTabSz="12700">
-              <a:spcBef>
-                <a:spcPts val="0"/>
-              </a:spcBef>
-              <a:buSzTx/>
-              <a:buNone/>
-              <a:tabLst>
-                <a:tab pos="355600" algn="l"/>
-                <a:tab pos="711200" algn="l"/>
-                <a:tab pos="1066800" algn="l"/>
-                <a:tab pos="1422400" algn="l"/>
-                <a:tab pos="1778000" algn="l"/>
-                <a:tab pos="2133600" algn="l"/>
-                <a:tab pos="2489200" algn="l"/>
-                <a:tab pos="2844800" algn="l"/>
-                <a:tab pos="3200400" algn="l"/>
-                <a:tab pos="3556000" algn="l"/>
-                <a:tab pos="3911600" algn="l"/>
-                <a:tab pos="4267200" algn="l"/>
-              </a:tabLst>
-              <a:defRPr sz="3700">
-                <a:latin typeface="Courier"/>
-                <a:ea typeface="Courier"/>
-                <a:cs typeface="Courier"/>
-                <a:sym typeface="Courier"/>
-              </a:defRPr>
-            </a:pPr>
-            <a:endParaRPr lang="en-US" altLang="zh-CN" dirty="0">
-              <a:solidFill>
-                <a:schemeClr val="bg1"/>
-              </a:solidFill>
-            </a:endParaRPr>
-          </a:p>
-          <a:p>
-            <a:pPr marL="0" indent="0" defTabSz="12700">
-              <a:spcBef>
-                <a:spcPts val="0"/>
-              </a:spcBef>
-              <a:buSzTx/>
-              <a:buNone/>
-              <a:tabLst>
-                <a:tab pos="355600" algn="l"/>
-                <a:tab pos="711200" algn="l"/>
-                <a:tab pos="1066800" algn="l"/>
-                <a:tab pos="1422400" algn="l"/>
-                <a:tab pos="1778000" algn="l"/>
-                <a:tab pos="2133600" algn="l"/>
-                <a:tab pos="2489200" algn="l"/>
-                <a:tab pos="2844800" algn="l"/>
-                <a:tab pos="3200400" algn="l"/>
-                <a:tab pos="3556000" algn="l"/>
-                <a:tab pos="3911600" algn="l"/>
-                <a:tab pos="4267200" algn="l"/>
-              </a:tabLst>
-              <a:defRPr sz="3700">
-                <a:latin typeface="Courier"/>
-                <a:ea typeface="Courier"/>
-                <a:cs typeface="Courier"/>
-                <a:sym typeface="Courier"/>
-              </a:defRPr>
-            </a:pPr>
-            <a:r>
-              <a:rPr lang="en-US" altLang="zh-CN" dirty="0">
-                <a:solidFill>
-                  <a:schemeClr val="bg1"/>
-                </a:solidFill>
-              </a:rPr>
-              <a:t>3.</a:t>
-            </a:r>
-            <a:r>
-              <a:rPr lang="zh-CN" altLang="en-US" dirty="0">
-                <a:solidFill>
-                  <a:schemeClr val="bg1"/>
-                </a:solidFill>
-              </a:rPr>
-              <a:t>替换文档</a:t>
-            </a:r>
-            <a:endParaRPr lang="en-US" altLang="zh-CN" dirty="0">
-              <a:solidFill>
-                <a:schemeClr val="bg1"/>
-              </a:solidFill>
-            </a:endParaRPr>
-          </a:p>
-          <a:p>
-            <a:pPr marL="0" indent="0" defTabSz="12700">
-              <a:spcBef>
-                <a:spcPts val="0"/>
-              </a:spcBef>
-              <a:buSzTx/>
-              <a:buNone/>
-              <a:tabLst>
-                <a:tab pos="355600" algn="l"/>
-                <a:tab pos="711200" algn="l"/>
-                <a:tab pos="1066800" algn="l"/>
-                <a:tab pos="1422400" algn="l"/>
-                <a:tab pos="1778000" algn="l"/>
-                <a:tab pos="2133600" algn="l"/>
-                <a:tab pos="2489200" algn="l"/>
-                <a:tab pos="2844800" algn="l"/>
-                <a:tab pos="3200400" algn="l"/>
-                <a:tab pos="3556000" algn="l"/>
-                <a:tab pos="3911600" algn="l"/>
-                <a:tab pos="4267200" algn="l"/>
-              </a:tabLst>
-              <a:defRPr sz="3700">
-                <a:latin typeface="Courier"/>
-                <a:ea typeface="Courier"/>
-                <a:cs typeface="Courier"/>
-                <a:sym typeface="Courier"/>
-              </a:defRPr>
-            </a:pPr>
-            <a:r>
-              <a:rPr lang="en-US" altLang="zh-CN" dirty="0">
-                <a:solidFill>
-                  <a:schemeClr val="bg1"/>
-                </a:solidFill>
-              </a:rPr>
-              <a:t>curl -H '</a:t>
-            </a:r>
-            <a:r>
-              <a:rPr lang="en-US" altLang="zh-CN" dirty="0" err="1">
-                <a:solidFill>
-                  <a:schemeClr val="bg1"/>
-                </a:solidFill>
-              </a:rPr>
-              <a:t>Content-Type:application</a:t>
-            </a:r>
-            <a:r>
-              <a:rPr lang="en-US" altLang="zh-CN" dirty="0">
-                <a:solidFill>
-                  <a:schemeClr val="bg1"/>
-                </a:solidFill>
-              </a:rPr>
-              <a:t>/json' -X PUT 'http://localhost:9200/{</a:t>
-            </a:r>
-            <a:r>
-              <a:rPr lang="zh-CN" altLang="en-US" dirty="0">
-                <a:solidFill>
-                  <a:schemeClr val="bg1"/>
-                </a:solidFill>
-              </a:rPr>
-              <a:t>索引名</a:t>
-            </a:r>
-            <a:r>
-              <a:rPr lang="en-US" altLang="zh-CN" dirty="0">
-                <a:solidFill>
-                  <a:schemeClr val="bg1"/>
-                </a:solidFill>
-              </a:rPr>
-              <a:t>}/{type</a:t>
-            </a:r>
-            <a:r>
-              <a:rPr lang="zh-CN" altLang="en-US" dirty="0">
-                <a:solidFill>
-                  <a:schemeClr val="bg1"/>
-                </a:solidFill>
-              </a:rPr>
-              <a:t>类型</a:t>
-            </a:r>
-            <a:r>
-              <a:rPr lang="en-US" altLang="zh-CN" dirty="0">
-                <a:solidFill>
-                  <a:schemeClr val="bg1"/>
-                </a:solidFill>
-              </a:rPr>
-              <a:t>}/{</a:t>
-            </a:r>
-            <a:r>
-              <a:rPr lang="zh-CN" altLang="en-US" dirty="0">
-                <a:solidFill>
-                  <a:schemeClr val="bg1"/>
-                </a:solidFill>
-              </a:rPr>
-              <a:t>文档</a:t>
-            </a:r>
-            <a:r>
-              <a:rPr lang="en-US" altLang="zh-CN" dirty="0">
-                <a:solidFill>
-                  <a:schemeClr val="bg1"/>
-                </a:solidFill>
-              </a:rPr>
-              <a:t>id}' -d '{"name":"test2"}’</a:t>
-            </a:r>
-          </a:p>
-          <a:p>
-            <a:pPr marL="0" indent="0" defTabSz="12700">
-              <a:spcBef>
-                <a:spcPts val="0"/>
-              </a:spcBef>
-              <a:buSzTx/>
-              <a:buNone/>
-              <a:tabLst>
-                <a:tab pos="355600" algn="l"/>
-                <a:tab pos="711200" algn="l"/>
-                <a:tab pos="1066800" algn="l"/>
-                <a:tab pos="1422400" algn="l"/>
-                <a:tab pos="1778000" algn="l"/>
-                <a:tab pos="2133600" algn="l"/>
-                <a:tab pos="2489200" algn="l"/>
-                <a:tab pos="2844800" algn="l"/>
-                <a:tab pos="3200400" algn="l"/>
-                <a:tab pos="3556000" algn="l"/>
-                <a:tab pos="3911600" algn="l"/>
-                <a:tab pos="4267200" algn="l"/>
-              </a:tabLst>
-              <a:defRPr sz="3700">
-                <a:latin typeface="Courier"/>
-                <a:ea typeface="Courier"/>
-                <a:cs typeface="Courier"/>
-                <a:sym typeface="Courier"/>
-              </a:defRPr>
-            </a:pPr>
-            <a:endParaRPr lang="en-US" altLang="zh-CN" dirty="0">
-              <a:solidFill>
-                <a:schemeClr val="bg1"/>
-              </a:solidFill>
-            </a:endParaRPr>
-          </a:p>
-          <a:p>
-            <a:pPr marL="0" indent="0" defTabSz="12700">
-              <a:spcBef>
-                <a:spcPts val="0"/>
-              </a:spcBef>
-              <a:buSzTx/>
-              <a:buNone/>
-              <a:tabLst>
-                <a:tab pos="355600" algn="l"/>
-                <a:tab pos="711200" algn="l"/>
-                <a:tab pos="1066800" algn="l"/>
-                <a:tab pos="1422400" algn="l"/>
-                <a:tab pos="1778000" algn="l"/>
-                <a:tab pos="2133600" algn="l"/>
-                <a:tab pos="2489200" algn="l"/>
-                <a:tab pos="2844800" algn="l"/>
-                <a:tab pos="3200400" algn="l"/>
-                <a:tab pos="3556000" algn="l"/>
-                <a:tab pos="3911600" algn="l"/>
-                <a:tab pos="4267200" algn="l"/>
-              </a:tabLst>
-              <a:defRPr sz="3700">
-                <a:latin typeface="Courier"/>
-                <a:ea typeface="Courier"/>
-                <a:cs typeface="Courier"/>
-                <a:sym typeface="Courier"/>
-              </a:defRPr>
-            </a:pPr>
-            <a:r>
-              <a:rPr lang="en-US" altLang="zh-CN" dirty="0">
-                <a:solidFill>
-                  <a:schemeClr val="bg1"/>
-                </a:solidFill>
-              </a:rPr>
-              <a:t>4.</a:t>
-            </a:r>
-            <a:r>
-              <a:rPr lang="zh-CN" altLang="en-US" dirty="0">
-                <a:solidFill>
-                  <a:schemeClr val="bg1"/>
-                </a:solidFill>
-              </a:rPr>
-              <a:t>更新文档</a:t>
-            </a:r>
-            <a:endParaRPr lang="en-US" altLang="zh-CN" dirty="0">
-              <a:solidFill>
-                <a:schemeClr val="bg1"/>
-              </a:solidFill>
-            </a:endParaRPr>
-          </a:p>
-          <a:p>
-            <a:pPr marL="0" indent="0" defTabSz="12700">
-              <a:spcBef>
-                <a:spcPts val="0"/>
-              </a:spcBef>
-              <a:buSzTx/>
-              <a:buNone/>
-              <a:tabLst>
-                <a:tab pos="355600" algn="l"/>
-                <a:tab pos="711200" algn="l"/>
-                <a:tab pos="1066800" algn="l"/>
-                <a:tab pos="1422400" algn="l"/>
-                <a:tab pos="1778000" algn="l"/>
-                <a:tab pos="2133600" algn="l"/>
-                <a:tab pos="2489200" algn="l"/>
-                <a:tab pos="2844800" algn="l"/>
-                <a:tab pos="3200400" algn="l"/>
-                <a:tab pos="3556000" algn="l"/>
-                <a:tab pos="3911600" algn="l"/>
-                <a:tab pos="4267200" algn="l"/>
-              </a:tabLst>
-              <a:defRPr sz="3700">
-                <a:latin typeface="Courier"/>
-                <a:ea typeface="Courier"/>
-                <a:cs typeface="Courier"/>
-                <a:sym typeface="Courier"/>
-              </a:defRPr>
-            </a:pPr>
-            <a:r>
-              <a:rPr lang="en-US" altLang="zh-CN" dirty="0">
-                <a:solidFill>
-                  <a:schemeClr val="bg1"/>
-                </a:solidFill>
-              </a:rPr>
-              <a:t>curl -H '</a:t>
-            </a:r>
-            <a:r>
-              <a:rPr lang="en-US" altLang="zh-CN" dirty="0" err="1">
-                <a:solidFill>
-                  <a:schemeClr val="bg1"/>
-                </a:solidFill>
-              </a:rPr>
-              <a:t>Content-Type:application</a:t>
-            </a:r>
-            <a:r>
-              <a:rPr lang="en-US" altLang="zh-CN" dirty="0">
-                <a:solidFill>
-                  <a:schemeClr val="bg1"/>
-                </a:solidFill>
-              </a:rPr>
-              <a:t>/json' -X POST 'http://localhost:9200/</a:t>
-            </a:r>
-            <a:r>
-              <a:rPr lang="en-US" altLang="zh-CN" dirty="0" err="1">
-                <a:solidFill>
-                  <a:schemeClr val="bg1"/>
-                </a:solidFill>
-              </a:rPr>
-              <a:t>test_index</a:t>
-            </a:r>
-            <a:r>
-              <a:rPr lang="en-US" altLang="zh-CN" dirty="0">
-                <a:solidFill>
-                  <a:schemeClr val="bg1"/>
-                </a:solidFill>
-              </a:rPr>
-              <a:t>/_doc/1/_</a:t>
-            </a:r>
-            <a:r>
-              <a:rPr lang="en-US" altLang="zh-CN" dirty="0" err="1">
-                <a:solidFill>
-                  <a:schemeClr val="bg1"/>
-                </a:solidFill>
-              </a:rPr>
-              <a:t>update?pretty</a:t>
-            </a:r>
-            <a:r>
-              <a:rPr lang="en-US" altLang="zh-CN" dirty="0">
-                <a:solidFill>
-                  <a:schemeClr val="bg1"/>
-                </a:solidFill>
-              </a:rPr>
-              <a:t>' -d '{"doc":{"name":"test3"}}'</a:t>
-            </a:r>
-          </a:p>
-        </p:txBody>
-      </p:sp>
-    </p:spTree>
-    <p:extLst>
-      <p:ext uri="{BB962C8B-B14F-4D97-AF65-F5344CB8AC3E}">
-        <p14:creationId xmlns:p14="http://schemas.microsoft.com/office/powerpoint/2010/main" val="3024661317"/>
-      </p:ext>
-    </p:extLst>
   </p:cSld>
   <p:clrMapOvr>
     <a:masterClrMapping/>
@@ -9558,7 +8478,7 @@
                   </a:schemeClr>
                 </a:solidFill>
               </a:rPr>
-              <a:t>文档相关</a:t>
+              <a:t>索引相关</a:t>
             </a:r>
             <a:endParaRPr dirty="0">
               <a:solidFill>
@@ -9591,9 +8511,7 @@
           </a:prstGeom>
         </p:spPr>
         <p:txBody>
-          <a:bodyPr anchor="t">
-            <a:normAutofit/>
-          </a:bodyPr>
+          <a:bodyPr anchor="t"/>
           <a:lstStyle/>
           <a:p>
             <a:pPr marL="0" indent="0" defTabSz="12700">
@@ -9629,7 +8547,7 @@
                   <a:schemeClr val="bg1"/>
                 </a:solidFill>
               </a:rPr>
-              <a:t>5.</a:t>
+              <a:t>1.</a:t>
             </a:r>
             <a:r>
               <a:rPr lang="zh-CN" altLang="en-US" dirty="0">
@@ -9637,7 +8555,7 @@
                   <a:schemeClr val="bg1"/>
                 </a:solidFill>
               </a:rPr>
-              <a:t>更新文档同时添加新的字段</a:t>
+              <a:t>创建索引</a:t>
             </a:r>
             <a:endParaRPr lang="en-US" altLang="zh-CN" dirty="0">
               <a:solidFill>
@@ -9674,60 +8592,28 @@
               </a:defRPr>
             </a:pPr>
             <a:r>
-              <a:rPr lang="en-US" altLang="zh-CN" dirty="0">
-                <a:solidFill>
-                  <a:schemeClr val="bg1"/>
-                </a:solidFill>
-              </a:rPr>
-              <a:t>curl -H '</a:t>
-            </a:r>
-            <a:r>
-              <a:rPr lang="en-US" altLang="zh-CN" dirty="0" err="1">
-                <a:solidFill>
-                  <a:schemeClr val="bg1"/>
-                </a:solidFill>
-              </a:rPr>
-              <a:t>Content-Type:application</a:t>
-            </a:r>
-            <a:r>
-              <a:rPr lang="en-US" altLang="zh-CN" dirty="0">
-                <a:solidFill>
-                  <a:schemeClr val="bg1"/>
-                </a:solidFill>
-              </a:rPr>
-              <a:t>/json' -X POST 'http://localhost:9200/</a:t>
-            </a:r>
-            <a:r>
-              <a:rPr lang="en-US" altLang="zh-CN" dirty="0" err="1">
-                <a:solidFill>
-                  <a:schemeClr val="bg1"/>
-                </a:solidFill>
-              </a:rPr>
-              <a:t>test_index</a:t>
-            </a:r>
-            <a:r>
-              <a:rPr lang="en-US" altLang="zh-CN" dirty="0">
-                <a:solidFill>
-                  <a:schemeClr val="bg1"/>
-                </a:solidFill>
-              </a:rPr>
-              <a:t>/_doc/1/_</a:t>
-            </a:r>
-            <a:r>
-              <a:rPr lang="en-US" altLang="zh-CN" dirty="0" err="1">
-                <a:solidFill>
-                  <a:schemeClr val="bg1"/>
-                </a:solidFill>
-              </a:rPr>
-              <a:t>update?pretty</a:t>
-            </a:r>
-            <a:r>
-              <a:rPr lang="en-US" altLang="zh-CN" dirty="0">
-                <a:solidFill>
-                  <a:schemeClr val="bg1"/>
-                </a:solidFill>
-              </a:rPr>
-              <a:t>' -d '{"doc":{"name":"hide","age":34}}’</a:t>
+              <a:rPr lang="en-US" dirty="0">
+                <a:solidFill>
+                  <a:schemeClr val="bg1"/>
+                </a:solidFill>
+              </a:rPr>
+              <a:t>curl -X PUT 'http://localhost:9200/{</a:t>
+            </a:r>
+            <a:r>
+              <a:rPr lang="en-US" dirty="0" err="1">
+                <a:solidFill>
+                  <a:schemeClr val="bg1"/>
+                </a:solidFill>
+              </a:rPr>
+              <a:t>索引名</a:t>
+            </a:r>
+            <a:r>
+              <a:rPr lang="en-US" dirty="0">
+                <a:solidFill>
+                  <a:schemeClr val="bg1"/>
+                </a:solidFill>
+              </a:rPr>
+              <a:t>}’</a:t>
             </a:r>
           </a:p>
           <a:p>
@@ -9798,7 +8684,7 @@
                   <a:schemeClr val="bg1"/>
                 </a:solidFill>
               </a:rPr>
-              <a:t>6.</a:t>
+              <a:t>2.</a:t>
             </a:r>
             <a:r>
               <a:rPr lang="zh-CN" altLang="en-US" dirty="0">
@@ -9806,7 +8692,7 @@
                   <a:schemeClr val="bg1"/>
                 </a:solidFill>
               </a:rPr>
-              <a:t>删除文档</a:t>
+              <a:t>查看已创建的所有索引</a:t>
             </a:r>
             <a:endParaRPr lang="en-US" altLang="zh-CN" dirty="0">
               <a:solidFill>
@@ -9843,28 +8729,28 @@
               </a:defRPr>
             </a:pPr>
             <a:r>
-              <a:rPr lang="en-US" altLang="zh-CN" dirty="0">
-                <a:solidFill>
-                  <a:schemeClr val="bg1"/>
-                </a:solidFill>
-              </a:rPr>
-              <a:t>curl -X DELETE 'http://localhost:9200/</a:t>
-            </a:r>
-            <a:r>
-              <a:rPr lang="en-US" altLang="zh-CN" dirty="0" err="1">
-                <a:solidFill>
-                  <a:schemeClr val="bg1"/>
-                </a:solidFill>
-              </a:rPr>
-              <a:t>test_index</a:t>
-            </a:r>
-            <a:r>
-              <a:rPr lang="en-US" altLang="zh-CN" dirty="0">
-                <a:solidFill>
-                  <a:schemeClr val="bg1"/>
-                </a:solidFill>
-              </a:rPr>
-              <a:t>/_doc/JTt-YmoBHEwUVvFEdcB3?pretty’</a:t>
+              <a:rPr lang="en-US" dirty="0">
+                <a:solidFill>
+                  <a:schemeClr val="bg1"/>
+                </a:solidFill>
+              </a:rPr>
+              <a:t>curl -X GET 'http://localhost:9200/_cat/</a:t>
+            </a:r>
+            <a:r>
+              <a:rPr lang="en-US" dirty="0" err="1">
+                <a:solidFill>
+                  <a:schemeClr val="bg1"/>
+                </a:solidFill>
+              </a:rPr>
+              <a:t>indices?v&amp;pretty</a:t>
+            </a:r>
+            <a:r>
+              <a:rPr lang="en-US" dirty="0">
+                <a:solidFill>
+                  <a:schemeClr val="bg1"/>
+                </a:solidFill>
+              </a:rPr>
+              <a:t>’</a:t>
             </a:r>
           </a:p>
           <a:p>
@@ -9930,12 +8816,20 @@
               </a:defRPr>
             </a:pPr>
             <a:r>
+              <a:rPr lang="en-US" altLang="zh-CN" dirty="0">
+                <a:solidFill>
+                  <a:schemeClr val="bg1"/>
+                </a:solidFill>
+              </a:rPr>
+              <a:t>3.</a:t>
+            </a:r>
+            <a:r>
               <a:rPr lang="zh-CN" altLang="en-US" dirty="0">
                 <a:solidFill>
                   <a:schemeClr val="bg1"/>
                 </a:solidFill>
               </a:rPr>
-              <a:t>删除文档（通过查询来进行删除）</a:t>
+              <a:t>索引一个文档</a:t>
             </a:r>
             <a:endParaRPr lang="en-US" altLang="zh-CN" dirty="0">
               <a:solidFill>
@@ -9972,20 +8866,298 @@
               </a:defRPr>
             </a:pPr>
             <a:r>
+              <a:rPr lang="en-US" dirty="0">
+                <a:solidFill>
+                  <a:schemeClr val="bg1"/>
+                </a:solidFill>
+              </a:rPr>
+              <a:t>curl -H '</a:t>
+            </a:r>
+            <a:r>
+              <a:rPr lang="en-US" dirty="0" err="1">
+                <a:solidFill>
+                  <a:schemeClr val="bg1"/>
+                </a:solidFill>
+              </a:rPr>
+              <a:t>Content-Type:application</a:t>
+            </a:r>
+            <a:r>
+              <a:rPr lang="en-US" dirty="0">
+                <a:solidFill>
+                  <a:schemeClr val="bg1"/>
+                </a:solidFill>
+              </a:rPr>
+              <a:t>/json' -X POST 'http://localhost:9200/{</a:t>
+            </a:r>
+            <a:r>
+              <a:rPr lang="en-US" dirty="0" err="1">
+                <a:solidFill>
+                  <a:schemeClr val="bg1"/>
+                </a:solidFill>
+              </a:rPr>
+              <a:t>索引名</a:t>
+            </a:r>
+            <a:r>
+              <a:rPr lang="en-US" dirty="0">
+                <a:solidFill>
+                  <a:schemeClr val="bg1"/>
+                </a:solidFill>
+              </a:rPr>
+              <a:t>}/{</a:t>
+            </a:r>
+            <a:r>
+              <a:rPr lang="en-US" dirty="0" err="1">
+                <a:solidFill>
+                  <a:schemeClr val="bg1"/>
+                </a:solidFill>
+              </a:rPr>
+              <a:t>type类型名</a:t>
+            </a:r>
+            <a:r>
+              <a:rPr lang="en-US" dirty="0">
+                <a:solidFill>
+                  <a:schemeClr val="bg1"/>
+                </a:solidFill>
+              </a:rPr>
+              <a:t>}/{</a:t>
+            </a:r>
+            <a:r>
+              <a:rPr lang="en-US" dirty="0" err="1">
+                <a:solidFill>
+                  <a:schemeClr val="bg1"/>
+                </a:solidFill>
+              </a:rPr>
+              <a:t>文档id</a:t>
+            </a:r>
+            <a:r>
+              <a:rPr lang="en-US" dirty="0">
+                <a:solidFill>
+                  <a:schemeClr val="bg1"/>
+                </a:solidFill>
+              </a:rPr>
+              <a:t>}?pretty' -d '{"</a:t>
+            </a:r>
+            <a:r>
+              <a:rPr lang="en-US" dirty="0" err="1">
+                <a:solidFill>
+                  <a:schemeClr val="bg1"/>
+                </a:solidFill>
+              </a:rPr>
+              <a:t>name":"test</a:t>
+            </a:r>
+            <a:r>
+              <a:rPr lang="en-US" dirty="0">
+                <a:solidFill>
+                  <a:schemeClr val="bg1"/>
+                </a:solidFill>
+              </a:rPr>
+              <a:t>"}’</a:t>
+            </a:r>
+          </a:p>
+          <a:p>
+            <a:pPr marL="0" indent="0" defTabSz="12700">
+              <a:spcBef>
+                <a:spcPts val="0"/>
+              </a:spcBef>
+              <a:buSzTx/>
+              <a:buNone/>
+              <a:tabLst>
+                <a:tab pos="355600" algn="l"/>
+                <a:tab pos="711200" algn="l"/>
+                <a:tab pos="1066800" algn="l"/>
+                <a:tab pos="1422400" algn="l"/>
+                <a:tab pos="1778000" algn="l"/>
+                <a:tab pos="2133600" algn="l"/>
+                <a:tab pos="2489200" algn="l"/>
+                <a:tab pos="2844800" algn="l"/>
+                <a:tab pos="3200400" algn="l"/>
+                <a:tab pos="3556000" algn="l"/>
+                <a:tab pos="3911600" algn="l"/>
+                <a:tab pos="4267200" algn="l"/>
+              </a:tabLst>
+              <a:defRPr sz="3700">
+                <a:latin typeface="Courier"/>
+                <a:ea typeface="Courier"/>
+                <a:cs typeface="Courier"/>
+                <a:sym typeface="Courier"/>
+              </a:defRPr>
+            </a:pPr>
+            <a:endParaRPr lang="en-US" dirty="0">
+              <a:solidFill>
+                <a:schemeClr val="bg1"/>
+              </a:solidFill>
+            </a:endParaRPr>
+          </a:p>
+          <a:p>
+            <a:pPr defTabSz="12700">
+              <a:spcBef>
+                <a:spcPts val="0"/>
+              </a:spcBef>
+              <a:buSzTx/>
+              <a:buFont typeface="Wingdings" panose="05000000000000000000" pitchFamily="2" charset="2"/>
+              <a:buChar char="l"/>
+              <a:tabLst>
+                <a:tab pos="355600" algn="l"/>
+                <a:tab pos="711200" algn="l"/>
+                <a:tab pos="1066800" algn="l"/>
+                <a:tab pos="1422400" algn="l"/>
+                <a:tab pos="1778000" algn="l"/>
+                <a:tab pos="2133600" algn="l"/>
+                <a:tab pos="2489200" algn="l"/>
+                <a:tab pos="2844800" algn="l"/>
+                <a:tab pos="3200400" algn="l"/>
+                <a:tab pos="3556000" algn="l"/>
+                <a:tab pos="3911600" algn="l"/>
+                <a:tab pos="4267200" algn="l"/>
+              </a:tabLst>
+              <a:defRPr sz="3700">
+                <a:latin typeface="Courier"/>
+                <a:ea typeface="Courier"/>
+                <a:cs typeface="Courier"/>
+                <a:sym typeface="Courier"/>
+              </a:defRPr>
+            </a:pPr>
+            <a:r>
+              <a:rPr lang="zh-CN" altLang="en-US" dirty="0">
+                <a:solidFill>
+                  <a:schemeClr val="bg1"/>
+                </a:solidFill>
+              </a:rPr>
+              <a:t>创建索引文档是可以不必先创建索引，索引文档时会自动创建搜索引（如果创建索引文档时索引不存在的情况下）。</a:t>
+            </a:r>
+            <a:endParaRPr lang="en-US" altLang="zh-CN" dirty="0">
+              <a:solidFill>
+                <a:schemeClr val="bg1"/>
+              </a:solidFill>
+            </a:endParaRPr>
+          </a:p>
+          <a:p>
+            <a:pPr marL="0" indent="0" defTabSz="12700">
+              <a:spcBef>
+                <a:spcPts val="0"/>
+              </a:spcBef>
+              <a:buSzTx/>
+              <a:buNone/>
+              <a:tabLst>
+                <a:tab pos="355600" algn="l"/>
+                <a:tab pos="711200" algn="l"/>
+                <a:tab pos="1066800" algn="l"/>
+                <a:tab pos="1422400" algn="l"/>
+                <a:tab pos="1778000" algn="l"/>
+                <a:tab pos="2133600" algn="l"/>
+                <a:tab pos="2489200" algn="l"/>
+                <a:tab pos="2844800" algn="l"/>
+                <a:tab pos="3200400" algn="l"/>
+                <a:tab pos="3556000" algn="l"/>
+                <a:tab pos="3911600" algn="l"/>
+                <a:tab pos="4267200" algn="l"/>
+              </a:tabLst>
+              <a:defRPr sz="3700">
+                <a:latin typeface="Courier"/>
+                <a:ea typeface="Courier"/>
+                <a:cs typeface="Courier"/>
+                <a:sym typeface="Courier"/>
+              </a:defRPr>
+            </a:pPr>
+            <a:endParaRPr lang="en-US" altLang="zh-CN" dirty="0">
+              <a:solidFill>
+                <a:schemeClr val="bg1"/>
+              </a:solidFill>
+            </a:endParaRPr>
+          </a:p>
+          <a:p>
+            <a:pPr marL="0" indent="0" defTabSz="12700">
+              <a:spcBef>
+                <a:spcPts val="0"/>
+              </a:spcBef>
+              <a:buSzTx/>
+              <a:buNone/>
+              <a:tabLst>
+                <a:tab pos="355600" algn="l"/>
+                <a:tab pos="711200" algn="l"/>
+                <a:tab pos="1066800" algn="l"/>
+                <a:tab pos="1422400" algn="l"/>
+                <a:tab pos="1778000" algn="l"/>
+                <a:tab pos="2133600" algn="l"/>
+                <a:tab pos="2489200" algn="l"/>
+                <a:tab pos="2844800" algn="l"/>
+                <a:tab pos="3200400" algn="l"/>
+                <a:tab pos="3556000" algn="l"/>
+                <a:tab pos="3911600" algn="l"/>
+                <a:tab pos="4267200" algn="l"/>
+              </a:tabLst>
+              <a:defRPr sz="3700">
+                <a:latin typeface="Courier"/>
+                <a:ea typeface="Courier"/>
+                <a:cs typeface="Courier"/>
+                <a:sym typeface="Courier"/>
+              </a:defRPr>
+            </a:pPr>
+            <a:r>
               <a:rPr lang="en-US" altLang="zh-CN" dirty="0">
                 <a:solidFill>
                   <a:schemeClr val="bg1"/>
                 </a:solidFill>
               </a:rPr>
-              <a:t>curl -H '</a:t>
-            </a:r>
-            <a:r>
-              <a:rPr lang="en-US" altLang="zh-CN" dirty="0" err="1">
-                <a:solidFill>
-                  <a:schemeClr val="bg1"/>
-                </a:solidFill>
-              </a:rPr>
-              <a:t>Content-Type:application</a:t>
+              <a:t>4.</a:t>
+            </a:r>
+            <a:r>
+              <a:rPr lang="zh-CN" altLang="en-US" dirty="0">
+                <a:solidFill>
+                  <a:schemeClr val="bg1"/>
+                </a:solidFill>
+              </a:rPr>
+              <a:t>删除索引</a:t>
+            </a:r>
+            <a:endParaRPr lang="en-US" altLang="zh-CN" dirty="0">
+              <a:solidFill>
+                <a:schemeClr val="bg1"/>
+              </a:solidFill>
+            </a:endParaRPr>
+          </a:p>
+          <a:p>
+            <a:pPr marL="0" indent="0" defTabSz="12700">
+              <a:spcBef>
+                <a:spcPts val="0"/>
+              </a:spcBef>
+              <a:buSzTx/>
+              <a:buNone/>
+              <a:tabLst>
+                <a:tab pos="355600" algn="l"/>
+                <a:tab pos="711200" algn="l"/>
+                <a:tab pos="1066800" algn="l"/>
+                <a:tab pos="1422400" algn="l"/>
+                <a:tab pos="1778000" algn="l"/>
+                <a:tab pos="2133600" algn="l"/>
+                <a:tab pos="2489200" algn="l"/>
+                <a:tab pos="2844800" algn="l"/>
+                <a:tab pos="3200400" algn="l"/>
+                <a:tab pos="3556000" algn="l"/>
+                <a:tab pos="3911600" algn="l"/>
+                <a:tab pos="4267200" algn="l"/>
+              </a:tabLst>
+              <a:defRPr sz="3700">
+                <a:latin typeface="Courier"/>
+                <a:ea typeface="Courier"/>
+                <a:cs typeface="Courier"/>
+                <a:sym typeface="Courier"/>
+              </a:defRPr>
+            </a:pPr>
+            <a:r>
+              <a:rPr lang="en-US" dirty="0">
+                <a:solidFill>
+                  <a:schemeClr val="bg1"/>
+                </a:solidFill>
+              </a:rPr>
+              <a:t>curl -X DELETE 'http://localhost:9200/{</a:t>
+            </a:r>
+            <a:r>
+              <a:rPr lang="zh-CN" altLang="en-US" dirty="0">
+                <a:solidFill>
+                  <a:schemeClr val="bg1"/>
+                </a:solidFill>
+              </a:rPr>
+              <a:t>索引名</a:t>
             </a:r>
             <a:r>
               <a:rPr lang="en-US" altLang="zh-CN" dirty="0">
@@ -9993,65 +9165,41 @@
                   <a:schemeClr val="bg1"/>
                 </a:solidFill>
               </a:rPr>
-              <a:t>/json' -X POST 'localhost:9200/</a:t>
-            </a:r>
-            <a:r>
-              <a:rPr lang="en-US" altLang="zh-CN" dirty="0" err="1">
-                <a:solidFill>
-                  <a:schemeClr val="bg1"/>
-                </a:solidFill>
-              </a:rPr>
-              <a:t>test_index</a:t>
-            </a:r>
-            <a:r>
-              <a:rPr lang="en-US" altLang="zh-CN" dirty="0">
-                <a:solidFill>
-                  <a:schemeClr val="bg1"/>
-                </a:solidFill>
-              </a:rPr>
-              <a:t>/_doc/_</a:t>
-            </a:r>
-            <a:r>
-              <a:rPr lang="en-US" altLang="zh-CN" dirty="0" err="1">
-                <a:solidFill>
-                  <a:schemeClr val="bg1"/>
-                </a:solidFill>
-              </a:rPr>
-              <a:t>delete_by_query?pretty</a:t>
-            </a:r>
-            <a:r>
-              <a:rPr lang="en-US" altLang="zh-CN" dirty="0">
-                <a:solidFill>
-                  <a:schemeClr val="bg1"/>
-                </a:solidFill>
-              </a:rPr>
-              <a:t>' -d '{"query":{"match":{"</a:t>
-            </a:r>
-            <a:r>
-              <a:rPr lang="en-US" altLang="zh-CN" dirty="0" err="1">
-                <a:solidFill>
-                  <a:schemeClr val="bg1"/>
-                </a:solidFill>
-              </a:rPr>
-              <a:t>name":"delete</a:t>
-            </a:r>
-            <a:r>
-              <a:rPr lang="en-US" altLang="zh-CN" dirty="0">
-                <a:solidFill>
-                  <a:schemeClr val="bg1"/>
-                </a:solidFill>
-              </a:rPr>
-              <a:t>"}}}'</a:t>
-            </a:r>
+              <a:t>}</a:t>
+            </a:r>
+            <a:r>
+              <a:rPr lang="zh-CN" altLang="en-US" dirty="0">
+                <a:solidFill>
+                  <a:schemeClr val="bg1"/>
+                </a:solidFill>
+              </a:rPr>
+              <a:t>？</a:t>
+            </a:r>
+            <a:r>
+              <a:rPr lang="en-US" dirty="0" err="1">
+                <a:solidFill>
+                  <a:schemeClr val="bg1"/>
+                </a:solidFill>
+              </a:rPr>
+              <a:t>pretty&amp;pretty</a:t>
+            </a:r>
+            <a:r>
+              <a:rPr lang="en-US" dirty="0">
+                <a:solidFill>
+                  <a:schemeClr val="bg1"/>
+                </a:solidFill>
+              </a:rPr>
+              <a:t>'</a:t>
+            </a:r>
+            <a:endParaRPr dirty="0">
+              <a:solidFill>
+                <a:schemeClr val="bg1"/>
+              </a:solidFill>
+            </a:endParaRPr>
           </a:p>
         </p:txBody>
       </p:sp>
     </p:spTree>
-    <p:extLst>
-      <p:ext uri="{BB962C8B-B14F-4D97-AF65-F5344CB8AC3E}">
-        <p14:creationId xmlns:p14="http://schemas.microsoft.com/office/powerpoint/2010/main" val="1994264487"/>
-      </p:ext>
-    </p:extLst>
   </p:cSld>
   <p:clrMapOvr>
     <a:masterClrMapping/>
@@ -10121,7 +9269,956 @@
                   </a:schemeClr>
                 </a:solidFill>
               </a:rPr>
-              <a:t>搜索相关</a:t>
+              <a:t>文档相关</a:t>
+            </a:r>
+            <a:endParaRPr dirty="0">
+              <a:solidFill>
+                <a:schemeClr val="accent5">
+                  <a:lumMod val="60000"/>
+                  <a:lumOff val="40000"/>
+                </a:schemeClr>
+              </a:solidFill>
+            </a:endParaRPr>
+          </a:p>
+        </p:txBody>
+      </p:sp>
+      <p:sp>
+        <p:nvSpPr>
+          <p:cNvPr id="984" name="const online_user_hll = &quot;ONLINE_USER_HLL&quot;…"/>
+          <p:cNvSpPr txBox="1">
+            <a:spLocks noGrp="1"/>
+          </p:cNvSpPr>
+          <p:nvPr>
+            <p:ph type="body" idx="1"/>
+          </p:nvPr>
+        </p:nvSpPr>
+        <p:spPr>
+          <a:xfrm>
+            <a:off x="1689100" y="3149600"/>
+            <a:ext cx="20731022" cy="9296400"/>
+          </a:xfrm>
+          <a:prstGeom prst="rect">
+            <a:avLst/>
+          </a:prstGeom>
+        </p:spPr>
+        <p:txBody>
+          <a:bodyPr anchor="t">
+            <a:normAutofit lnSpcReduction="10000"/>
+          </a:bodyPr>
+          <a:lstStyle/>
+          <a:p>
+            <a:pPr marL="0" indent="0" defTabSz="12700">
+              <a:spcBef>
+                <a:spcPts val="0"/>
+              </a:spcBef>
+              <a:buSzTx/>
+              <a:buNone/>
+              <a:tabLst>
+                <a:tab pos="355600" algn="l"/>
+                <a:tab pos="711200" algn="l"/>
+                <a:tab pos="1066800" algn="l"/>
+                <a:tab pos="1422400" algn="l"/>
+                <a:tab pos="1778000" algn="l"/>
+                <a:tab pos="2133600" algn="l"/>
+                <a:tab pos="2489200" algn="l"/>
+                <a:tab pos="2844800" algn="l"/>
+                <a:tab pos="3200400" algn="l"/>
+                <a:tab pos="3556000" algn="l"/>
+                <a:tab pos="3911600" algn="l"/>
+                <a:tab pos="4267200" algn="l"/>
+              </a:tabLst>
+              <a:defRPr sz="3700">
+                <a:latin typeface="Courier"/>
+                <a:ea typeface="Courier"/>
+                <a:cs typeface="Courier"/>
+                <a:sym typeface="Courier"/>
+              </a:defRPr>
+            </a:pPr>
+            <a:r>
+              <a:rPr lang="en-US" altLang="zh-CN" dirty="0">
+                <a:solidFill>
+                  <a:schemeClr val="bg1"/>
+                </a:solidFill>
+              </a:rPr>
+              <a:t>1.</a:t>
+            </a:r>
+            <a:r>
+              <a:rPr lang="zh-CN" altLang="en-US" dirty="0">
+                <a:solidFill>
+                  <a:schemeClr val="bg1"/>
+                </a:solidFill>
+              </a:rPr>
+              <a:t>索引一个文档</a:t>
+            </a:r>
+            <a:endParaRPr lang="en-US" altLang="zh-CN" dirty="0">
+              <a:solidFill>
+                <a:schemeClr val="bg1"/>
+              </a:solidFill>
+            </a:endParaRPr>
+          </a:p>
+          <a:p>
+            <a:pPr marL="0" indent="0" defTabSz="12700">
+              <a:spcBef>
+                <a:spcPts val="0"/>
+              </a:spcBef>
+              <a:buSzTx/>
+              <a:buNone/>
+              <a:tabLst>
+                <a:tab pos="355600" algn="l"/>
+                <a:tab pos="711200" algn="l"/>
+                <a:tab pos="1066800" algn="l"/>
+                <a:tab pos="1422400" algn="l"/>
+                <a:tab pos="1778000" algn="l"/>
+                <a:tab pos="2133600" algn="l"/>
+                <a:tab pos="2489200" algn="l"/>
+                <a:tab pos="2844800" algn="l"/>
+                <a:tab pos="3200400" algn="l"/>
+                <a:tab pos="3556000" algn="l"/>
+                <a:tab pos="3911600" algn="l"/>
+                <a:tab pos="4267200" algn="l"/>
+              </a:tabLst>
+              <a:defRPr sz="3700">
+                <a:latin typeface="Courier"/>
+                <a:ea typeface="Courier"/>
+                <a:cs typeface="Courier"/>
+                <a:sym typeface="Courier"/>
+              </a:defRPr>
+            </a:pPr>
+            <a:r>
+              <a:rPr lang="en-US" dirty="0">
+                <a:solidFill>
+                  <a:schemeClr val="bg1"/>
+                </a:solidFill>
+              </a:rPr>
+              <a:t>curl -H '</a:t>
+            </a:r>
+            <a:r>
+              <a:rPr lang="en-US" dirty="0" err="1">
+                <a:solidFill>
+                  <a:schemeClr val="bg1"/>
+                </a:solidFill>
+              </a:rPr>
+              <a:t>Content-Type:application</a:t>
+            </a:r>
+            <a:r>
+              <a:rPr lang="en-US" dirty="0">
+                <a:solidFill>
+                  <a:schemeClr val="bg1"/>
+                </a:solidFill>
+              </a:rPr>
+              <a:t>/json' -X POST 'http://localhost:9200/{</a:t>
+            </a:r>
+            <a:r>
+              <a:rPr lang="en-US" dirty="0" err="1">
+                <a:solidFill>
+                  <a:schemeClr val="bg1"/>
+                </a:solidFill>
+              </a:rPr>
+              <a:t>索引名</a:t>
+            </a:r>
+            <a:r>
+              <a:rPr lang="en-US" dirty="0">
+                <a:solidFill>
+                  <a:schemeClr val="bg1"/>
+                </a:solidFill>
+              </a:rPr>
+              <a:t>}/{</a:t>
+            </a:r>
+            <a:r>
+              <a:rPr lang="en-US" dirty="0" err="1">
+                <a:solidFill>
+                  <a:schemeClr val="bg1"/>
+                </a:solidFill>
+              </a:rPr>
+              <a:t>type类型名</a:t>
+            </a:r>
+            <a:r>
+              <a:rPr lang="en-US" dirty="0">
+                <a:solidFill>
+                  <a:schemeClr val="bg1"/>
+                </a:solidFill>
+              </a:rPr>
+              <a:t>}/{</a:t>
+            </a:r>
+            <a:r>
+              <a:rPr lang="en-US" dirty="0" err="1">
+                <a:solidFill>
+                  <a:schemeClr val="bg1"/>
+                </a:solidFill>
+              </a:rPr>
+              <a:t>文档id</a:t>
+            </a:r>
+            <a:r>
+              <a:rPr lang="en-US" dirty="0">
+                <a:solidFill>
+                  <a:schemeClr val="bg1"/>
+                </a:solidFill>
+              </a:rPr>
+              <a:t>}?pretty' -d '{"</a:t>
+            </a:r>
+            <a:r>
+              <a:rPr lang="en-US" dirty="0" err="1">
+                <a:solidFill>
+                  <a:schemeClr val="bg1"/>
+                </a:solidFill>
+              </a:rPr>
+              <a:t>name":"test</a:t>
+            </a:r>
+            <a:r>
+              <a:rPr lang="en-US" dirty="0">
+                <a:solidFill>
+                  <a:schemeClr val="bg1"/>
+                </a:solidFill>
+              </a:rPr>
+              <a:t>"}’</a:t>
+            </a:r>
+          </a:p>
+          <a:p>
+            <a:pPr marL="0" indent="0" defTabSz="12700">
+              <a:spcBef>
+                <a:spcPts val="0"/>
+              </a:spcBef>
+              <a:buSzTx/>
+              <a:buNone/>
+              <a:tabLst>
+                <a:tab pos="355600" algn="l"/>
+                <a:tab pos="711200" algn="l"/>
+                <a:tab pos="1066800" algn="l"/>
+                <a:tab pos="1422400" algn="l"/>
+                <a:tab pos="1778000" algn="l"/>
+                <a:tab pos="2133600" algn="l"/>
+                <a:tab pos="2489200" algn="l"/>
+                <a:tab pos="2844800" algn="l"/>
+                <a:tab pos="3200400" algn="l"/>
+                <a:tab pos="3556000" algn="l"/>
+                <a:tab pos="3911600" algn="l"/>
+                <a:tab pos="4267200" algn="l"/>
+              </a:tabLst>
+              <a:defRPr sz="3700">
+                <a:latin typeface="Courier"/>
+                <a:ea typeface="Courier"/>
+                <a:cs typeface="Courier"/>
+                <a:sym typeface="Courier"/>
+              </a:defRPr>
+            </a:pPr>
+            <a:endParaRPr lang="en-US" altLang="zh-CN" dirty="0">
+              <a:solidFill>
+                <a:schemeClr val="bg1"/>
+              </a:solidFill>
+            </a:endParaRPr>
+          </a:p>
+          <a:p>
+            <a:pPr marL="0" indent="0" defTabSz="12700">
+              <a:spcBef>
+                <a:spcPts val="0"/>
+              </a:spcBef>
+              <a:buSzTx/>
+              <a:buNone/>
+              <a:tabLst>
+                <a:tab pos="355600" algn="l"/>
+                <a:tab pos="711200" algn="l"/>
+                <a:tab pos="1066800" algn="l"/>
+                <a:tab pos="1422400" algn="l"/>
+                <a:tab pos="1778000" algn="l"/>
+                <a:tab pos="2133600" algn="l"/>
+                <a:tab pos="2489200" algn="l"/>
+                <a:tab pos="2844800" algn="l"/>
+                <a:tab pos="3200400" algn="l"/>
+                <a:tab pos="3556000" algn="l"/>
+                <a:tab pos="3911600" algn="l"/>
+                <a:tab pos="4267200" algn="l"/>
+              </a:tabLst>
+              <a:defRPr sz="3700">
+                <a:latin typeface="Courier"/>
+                <a:ea typeface="Courier"/>
+                <a:cs typeface="Courier"/>
+                <a:sym typeface="Courier"/>
+              </a:defRPr>
+            </a:pPr>
+            <a:r>
+              <a:rPr lang="en-US" altLang="zh-CN" dirty="0">
+                <a:solidFill>
+                  <a:schemeClr val="bg1"/>
+                </a:solidFill>
+              </a:rPr>
+              <a:t>2.</a:t>
+            </a:r>
+            <a:r>
+              <a:rPr lang="zh-CN" altLang="en-US" dirty="0">
+                <a:solidFill>
+                  <a:schemeClr val="bg1"/>
+                </a:solidFill>
+              </a:rPr>
+              <a:t>查询一个文档</a:t>
+            </a:r>
+            <a:endParaRPr lang="en-US" altLang="zh-CN" dirty="0">
+              <a:solidFill>
+                <a:schemeClr val="bg1"/>
+              </a:solidFill>
+            </a:endParaRPr>
+          </a:p>
+          <a:p>
+            <a:pPr marL="0" indent="0" defTabSz="12700">
+              <a:spcBef>
+                <a:spcPts val="0"/>
+              </a:spcBef>
+              <a:buSzTx/>
+              <a:buNone/>
+              <a:tabLst>
+                <a:tab pos="355600" algn="l"/>
+                <a:tab pos="711200" algn="l"/>
+                <a:tab pos="1066800" algn="l"/>
+                <a:tab pos="1422400" algn="l"/>
+                <a:tab pos="1778000" algn="l"/>
+                <a:tab pos="2133600" algn="l"/>
+                <a:tab pos="2489200" algn="l"/>
+                <a:tab pos="2844800" algn="l"/>
+                <a:tab pos="3200400" algn="l"/>
+                <a:tab pos="3556000" algn="l"/>
+                <a:tab pos="3911600" algn="l"/>
+                <a:tab pos="4267200" algn="l"/>
+              </a:tabLst>
+              <a:defRPr sz="3700">
+                <a:latin typeface="Courier"/>
+                <a:ea typeface="Courier"/>
+                <a:cs typeface="Courier"/>
+                <a:sym typeface="Courier"/>
+              </a:defRPr>
+            </a:pPr>
+            <a:r>
+              <a:rPr lang="en-US" altLang="zh-CN" dirty="0">
+                <a:solidFill>
+                  <a:schemeClr val="bg1"/>
+                </a:solidFill>
+              </a:rPr>
+              <a:t>curl -X GET 'http://localhost:9200/{</a:t>
+            </a:r>
+            <a:r>
+              <a:rPr lang="zh-CN" altLang="en-US" dirty="0">
+                <a:solidFill>
+                  <a:schemeClr val="bg1"/>
+                </a:solidFill>
+              </a:rPr>
+              <a:t>索引名</a:t>
+            </a:r>
+            <a:r>
+              <a:rPr lang="en-US" altLang="zh-CN" dirty="0">
+                <a:solidFill>
+                  <a:schemeClr val="bg1"/>
+                </a:solidFill>
+              </a:rPr>
+              <a:t>}/{type</a:t>
+            </a:r>
+            <a:r>
+              <a:rPr lang="zh-CN" altLang="en-US" dirty="0">
+                <a:solidFill>
+                  <a:schemeClr val="bg1"/>
+                </a:solidFill>
+              </a:rPr>
+              <a:t>类型</a:t>
+            </a:r>
+            <a:r>
+              <a:rPr lang="en-US" altLang="zh-CN" dirty="0">
+                <a:solidFill>
+                  <a:schemeClr val="bg1"/>
+                </a:solidFill>
+              </a:rPr>
+              <a:t>}/{</a:t>
+            </a:r>
+            <a:r>
+              <a:rPr lang="zh-CN" altLang="en-US" dirty="0">
+                <a:solidFill>
+                  <a:schemeClr val="bg1"/>
+                </a:solidFill>
+              </a:rPr>
+              <a:t>文档</a:t>
+            </a:r>
+            <a:r>
+              <a:rPr lang="en-US" altLang="zh-CN" dirty="0">
+                <a:solidFill>
+                  <a:schemeClr val="bg1"/>
+                </a:solidFill>
+              </a:rPr>
+              <a:t>id}’</a:t>
+            </a:r>
+          </a:p>
+          <a:p>
+            <a:pPr marL="0" indent="0" defTabSz="12700">
+              <a:spcBef>
+                <a:spcPts val="0"/>
+              </a:spcBef>
+              <a:buSzTx/>
+              <a:buNone/>
+              <a:tabLst>
+                <a:tab pos="355600" algn="l"/>
+                <a:tab pos="711200" algn="l"/>
+                <a:tab pos="1066800" algn="l"/>
+                <a:tab pos="1422400" algn="l"/>
+                <a:tab pos="1778000" algn="l"/>
+                <a:tab pos="2133600" algn="l"/>
+                <a:tab pos="2489200" algn="l"/>
+                <a:tab pos="2844800" algn="l"/>
+                <a:tab pos="3200400" algn="l"/>
+                <a:tab pos="3556000" algn="l"/>
+                <a:tab pos="3911600" algn="l"/>
+                <a:tab pos="4267200" algn="l"/>
+              </a:tabLst>
+              <a:defRPr sz="3700">
+                <a:latin typeface="Courier"/>
+                <a:ea typeface="Courier"/>
+                <a:cs typeface="Courier"/>
+                <a:sym typeface="Courier"/>
+              </a:defRPr>
+            </a:pPr>
+            <a:endParaRPr lang="en-US" altLang="zh-CN" dirty="0">
+              <a:solidFill>
+                <a:schemeClr val="bg1"/>
+              </a:solidFill>
+            </a:endParaRPr>
+          </a:p>
+          <a:p>
+            <a:pPr marL="0" indent="0" defTabSz="12700">
+              <a:spcBef>
+                <a:spcPts val="0"/>
+              </a:spcBef>
+              <a:buSzTx/>
+              <a:buNone/>
+              <a:tabLst>
+                <a:tab pos="355600" algn="l"/>
+                <a:tab pos="711200" algn="l"/>
+                <a:tab pos="1066800" algn="l"/>
+                <a:tab pos="1422400" algn="l"/>
+                <a:tab pos="1778000" algn="l"/>
+                <a:tab pos="2133600" algn="l"/>
+                <a:tab pos="2489200" algn="l"/>
+                <a:tab pos="2844800" algn="l"/>
+                <a:tab pos="3200400" algn="l"/>
+                <a:tab pos="3556000" algn="l"/>
+                <a:tab pos="3911600" algn="l"/>
+                <a:tab pos="4267200" algn="l"/>
+              </a:tabLst>
+              <a:defRPr sz="3700">
+                <a:latin typeface="Courier"/>
+                <a:ea typeface="Courier"/>
+                <a:cs typeface="Courier"/>
+                <a:sym typeface="Courier"/>
+              </a:defRPr>
+            </a:pPr>
+            <a:r>
+              <a:rPr lang="zh-CN" altLang="en-US" dirty="0">
+                <a:solidFill>
+                  <a:schemeClr val="bg1"/>
+                </a:solidFill>
+              </a:rPr>
+              <a:t>只查询指定的字段</a:t>
+            </a:r>
+            <a:endParaRPr lang="en-US" altLang="zh-CN" dirty="0">
+              <a:solidFill>
+                <a:schemeClr val="bg1"/>
+              </a:solidFill>
+            </a:endParaRPr>
+          </a:p>
+          <a:p>
+            <a:pPr marL="0" indent="0" defTabSz="12700">
+              <a:spcBef>
+                <a:spcPts val="0"/>
+              </a:spcBef>
+              <a:buSzTx/>
+              <a:buNone/>
+              <a:tabLst>
+                <a:tab pos="355600" algn="l"/>
+                <a:tab pos="711200" algn="l"/>
+                <a:tab pos="1066800" algn="l"/>
+                <a:tab pos="1422400" algn="l"/>
+                <a:tab pos="1778000" algn="l"/>
+                <a:tab pos="2133600" algn="l"/>
+                <a:tab pos="2489200" algn="l"/>
+                <a:tab pos="2844800" algn="l"/>
+                <a:tab pos="3200400" algn="l"/>
+                <a:tab pos="3556000" algn="l"/>
+                <a:tab pos="3911600" algn="l"/>
+                <a:tab pos="4267200" algn="l"/>
+              </a:tabLst>
+              <a:defRPr sz="3700">
+                <a:latin typeface="Courier"/>
+                <a:ea typeface="Courier"/>
+                <a:cs typeface="Courier"/>
+                <a:sym typeface="Courier"/>
+              </a:defRPr>
+            </a:pPr>
+            <a:r>
+              <a:rPr lang="en-US" altLang="zh-CN" dirty="0">
+                <a:solidFill>
+                  <a:schemeClr val="bg1"/>
+                </a:solidFill>
+              </a:rPr>
+              <a:t>curl -X GET 'localhost:9200/</a:t>
+            </a:r>
+            <a:r>
+              <a:rPr lang="en-US" altLang="zh-CN" dirty="0" err="1">
+                <a:solidFill>
+                  <a:schemeClr val="bg1"/>
+                </a:solidFill>
+              </a:rPr>
+              <a:t>test_index</a:t>
+            </a:r>
+            <a:r>
+              <a:rPr lang="en-US" altLang="zh-CN" dirty="0">
+                <a:solidFill>
+                  <a:schemeClr val="bg1"/>
+                </a:solidFill>
+              </a:rPr>
+              <a:t>/_doc/1/_</a:t>
+            </a:r>
+            <a:r>
+              <a:rPr lang="en-US" altLang="zh-CN" dirty="0" err="1">
+                <a:solidFill>
+                  <a:schemeClr val="bg1"/>
+                </a:solidFill>
+              </a:rPr>
+              <a:t>source?pretty</a:t>
+            </a:r>
+            <a:r>
+              <a:rPr lang="en-US" altLang="zh-CN" dirty="0">
+                <a:solidFill>
+                  <a:schemeClr val="bg1"/>
+                </a:solidFill>
+              </a:rPr>
+              <a:t>’</a:t>
+            </a:r>
+          </a:p>
+          <a:p>
+            <a:pPr marL="0" indent="0" defTabSz="12700">
+              <a:spcBef>
+                <a:spcPts val="0"/>
+              </a:spcBef>
+              <a:buSzTx/>
+              <a:buNone/>
+              <a:tabLst>
+                <a:tab pos="355600" algn="l"/>
+                <a:tab pos="711200" algn="l"/>
+                <a:tab pos="1066800" algn="l"/>
+                <a:tab pos="1422400" algn="l"/>
+                <a:tab pos="1778000" algn="l"/>
+                <a:tab pos="2133600" algn="l"/>
+                <a:tab pos="2489200" algn="l"/>
+                <a:tab pos="2844800" algn="l"/>
+                <a:tab pos="3200400" algn="l"/>
+                <a:tab pos="3556000" algn="l"/>
+                <a:tab pos="3911600" algn="l"/>
+                <a:tab pos="4267200" algn="l"/>
+              </a:tabLst>
+              <a:defRPr sz="3700">
+                <a:latin typeface="Courier"/>
+                <a:ea typeface="Courier"/>
+                <a:cs typeface="Courier"/>
+                <a:sym typeface="Courier"/>
+              </a:defRPr>
+            </a:pPr>
+            <a:endParaRPr lang="en-US" altLang="zh-CN" dirty="0">
+              <a:solidFill>
+                <a:schemeClr val="bg1"/>
+              </a:solidFill>
+            </a:endParaRPr>
+          </a:p>
+          <a:p>
+            <a:pPr marL="0" indent="0" defTabSz="12700">
+              <a:spcBef>
+                <a:spcPts val="0"/>
+              </a:spcBef>
+              <a:buSzTx/>
+              <a:buNone/>
+              <a:tabLst>
+                <a:tab pos="355600" algn="l"/>
+                <a:tab pos="711200" algn="l"/>
+                <a:tab pos="1066800" algn="l"/>
+                <a:tab pos="1422400" algn="l"/>
+                <a:tab pos="1778000" algn="l"/>
+                <a:tab pos="2133600" algn="l"/>
+                <a:tab pos="2489200" algn="l"/>
+                <a:tab pos="2844800" algn="l"/>
+                <a:tab pos="3200400" algn="l"/>
+                <a:tab pos="3556000" algn="l"/>
+                <a:tab pos="3911600" algn="l"/>
+                <a:tab pos="4267200" algn="l"/>
+              </a:tabLst>
+              <a:defRPr sz="3700">
+                <a:latin typeface="Courier"/>
+                <a:ea typeface="Courier"/>
+                <a:cs typeface="Courier"/>
+                <a:sym typeface="Courier"/>
+              </a:defRPr>
+            </a:pPr>
+            <a:r>
+              <a:rPr lang="en-US" altLang="zh-CN" dirty="0">
+                <a:solidFill>
+                  <a:schemeClr val="bg1"/>
+                </a:solidFill>
+              </a:rPr>
+              <a:t>3.</a:t>
+            </a:r>
+            <a:r>
+              <a:rPr lang="zh-CN" altLang="en-US" dirty="0">
+                <a:solidFill>
+                  <a:schemeClr val="bg1"/>
+                </a:solidFill>
+              </a:rPr>
+              <a:t>替换文档</a:t>
+            </a:r>
+            <a:endParaRPr lang="en-US" altLang="zh-CN" dirty="0">
+              <a:solidFill>
+                <a:schemeClr val="bg1"/>
+              </a:solidFill>
+            </a:endParaRPr>
+          </a:p>
+          <a:p>
+            <a:pPr marL="0" indent="0" defTabSz="12700">
+              <a:spcBef>
+                <a:spcPts val="0"/>
+              </a:spcBef>
+              <a:buSzTx/>
+              <a:buNone/>
+              <a:tabLst>
+                <a:tab pos="355600" algn="l"/>
+                <a:tab pos="711200" algn="l"/>
+                <a:tab pos="1066800" algn="l"/>
+                <a:tab pos="1422400" algn="l"/>
+                <a:tab pos="1778000" algn="l"/>
+                <a:tab pos="2133600" algn="l"/>
+                <a:tab pos="2489200" algn="l"/>
+                <a:tab pos="2844800" algn="l"/>
+                <a:tab pos="3200400" algn="l"/>
+                <a:tab pos="3556000" algn="l"/>
+                <a:tab pos="3911600" algn="l"/>
+                <a:tab pos="4267200" algn="l"/>
+              </a:tabLst>
+              <a:defRPr sz="3700">
+                <a:latin typeface="Courier"/>
+                <a:ea typeface="Courier"/>
+                <a:cs typeface="Courier"/>
+                <a:sym typeface="Courier"/>
+              </a:defRPr>
+            </a:pPr>
+            <a:r>
+              <a:rPr lang="en-US" altLang="zh-CN" dirty="0">
+                <a:solidFill>
+                  <a:schemeClr val="bg1"/>
+                </a:solidFill>
+              </a:rPr>
+              <a:t>curl -H '</a:t>
+            </a:r>
+            <a:r>
+              <a:rPr lang="en-US" altLang="zh-CN" dirty="0" err="1">
+                <a:solidFill>
+                  <a:schemeClr val="bg1"/>
+                </a:solidFill>
+              </a:rPr>
+              <a:t>Content-Type:application</a:t>
+            </a:r>
+            <a:r>
+              <a:rPr lang="en-US" altLang="zh-CN" dirty="0">
+                <a:solidFill>
+                  <a:schemeClr val="bg1"/>
+                </a:solidFill>
+              </a:rPr>
+              <a:t>/json' -X PUT 'http://localhost:9200/{</a:t>
+            </a:r>
+            <a:r>
+              <a:rPr lang="zh-CN" altLang="en-US" dirty="0">
+                <a:solidFill>
+                  <a:schemeClr val="bg1"/>
+                </a:solidFill>
+              </a:rPr>
+              <a:t>索引名</a:t>
+            </a:r>
+            <a:r>
+              <a:rPr lang="en-US" altLang="zh-CN" dirty="0">
+                <a:solidFill>
+                  <a:schemeClr val="bg1"/>
+                </a:solidFill>
+              </a:rPr>
+              <a:t>}/{type</a:t>
+            </a:r>
+            <a:r>
+              <a:rPr lang="zh-CN" altLang="en-US" dirty="0">
+                <a:solidFill>
+                  <a:schemeClr val="bg1"/>
+                </a:solidFill>
+              </a:rPr>
+              <a:t>类型</a:t>
+            </a:r>
+            <a:r>
+              <a:rPr lang="en-US" altLang="zh-CN" dirty="0">
+                <a:solidFill>
+                  <a:schemeClr val="bg1"/>
+                </a:solidFill>
+              </a:rPr>
+              <a:t>}/{</a:t>
+            </a:r>
+            <a:r>
+              <a:rPr lang="zh-CN" altLang="en-US" dirty="0">
+                <a:solidFill>
+                  <a:schemeClr val="bg1"/>
+                </a:solidFill>
+              </a:rPr>
+              <a:t>文档</a:t>
+            </a:r>
+            <a:r>
+              <a:rPr lang="en-US" altLang="zh-CN" dirty="0">
+                <a:solidFill>
+                  <a:schemeClr val="bg1"/>
+                </a:solidFill>
+              </a:rPr>
+              <a:t>id}' -d '{"name":"test2"}’</a:t>
+            </a:r>
+          </a:p>
+          <a:p>
+            <a:pPr marL="0" indent="0" defTabSz="12700">
+              <a:spcBef>
+                <a:spcPts val="0"/>
+              </a:spcBef>
+              <a:buSzTx/>
+              <a:buNone/>
+              <a:tabLst>
+                <a:tab pos="355600" algn="l"/>
+                <a:tab pos="711200" algn="l"/>
+                <a:tab pos="1066800" algn="l"/>
+                <a:tab pos="1422400" algn="l"/>
+                <a:tab pos="1778000" algn="l"/>
+                <a:tab pos="2133600" algn="l"/>
+                <a:tab pos="2489200" algn="l"/>
+                <a:tab pos="2844800" algn="l"/>
+                <a:tab pos="3200400" algn="l"/>
+                <a:tab pos="3556000" algn="l"/>
+                <a:tab pos="3911600" algn="l"/>
+                <a:tab pos="4267200" algn="l"/>
+              </a:tabLst>
+              <a:defRPr sz="3700">
+                <a:latin typeface="Courier"/>
+                <a:ea typeface="Courier"/>
+                <a:cs typeface="Courier"/>
+                <a:sym typeface="Courier"/>
+              </a:defRPr>
+            </a:pPr>
+            <a:endParaRPr lang="en-US" altLang="zh-CN" dirty="0">
+              <a:solidFill>
+                <a:schemeClr val="bg1"/>
+              </a:solidFill>
+            </a:endParaRPr>
+          </a:p>
+          <a:p>
+            <a:pPr marL="0" indent="0" defTabSz="12700">
+              <a:spcBef>
+                <a:spcPts val="0"/>
+              </a:spcBef>
+              <a:buSzTx/>
+              <a:buNone/>
+              <a:tabLst>
+                <a:tab pos="355600" algn="l"/>
+                <a:tab pos="711200" algn="l"/>
+                <a:tab pos="1066800" algn="l"/>
+                <a:tab pos="1422400" algn="l"/>
+                <a:tab pos="1778000" algn="l"/>
+                <a:tab pos="2133600" algn="l"/>
+                <a:tab pos="2489200" algn="l"/>
+                <a:tab pos="2844800" algn="l"/>
+                <a:tab pos="3200400" algn="l"/>
+                <a:tab pos="3556000" algn="l"/>
+                <a:tab pos="3911600" algn="l"/>
+                <a:tab pos="4267200" algn="l"/>
+              </a:tabLst>
+              <a:defRPr sz="3700">
+                <a:latin typeface="Courier"/>
+                <a:ea typeface="Courier"/>
+                <a:cs typeface="Courier"/>
+                <a:sym typeface="Courier"/>
+              </a:defRPr>
+            </a:pPr>
+            <a:r>
+              <a:rPr lang="en-US" altLang="zh-CN" dirty="0">
+                <a:solidFill>
+                  <a:schemeClr val="bg1"/>
+                </a:solidFill>
+              </a:rPr>
+              <a:t>4.</a:t>
+            </a:r>
+            <a:r>
+              <a:rPr lang="zh-CN" altLang="en-US" dirty="0">
+                <a:solidFill>
+                  <a:schemeClr val="bg1"/>
+                </a:solidFill>
+              </a:rPr>
+              <a:t>更新文档</a:t>
+            </a:r>
+            <a:endParaRPr lang="en-US" altLang="zh-CN" dirty="0">
+              <a:solidFill>
+                <a:schemeClr val="bg1"/>
+              </a:solidFill>
+            </a:endParaRPr>
+          </a:p>
+          <a:p>
+            <a:pPr marL="0" indent="0" defTabSz="12700">
+              <a:spcBef>
+                <a:spcPts val="0"/>
+              </a:spcBef>
+              <a:buSzTx/>
+              <a:buNone/>
+              <a:tabLst>
+                <a:tab pos="355600" algn="l"/>
+                <a:tab pos="711200" algn="l"/>
+                <a:tab pos="1066800" algn="l"/>
+                <a:tab pos="1422400" algn="l"/>
+                <a:tab pos="1778000" algn="l"/>
+                <a:tab pos="2133600" algn="l"/>
+                <a:tab pos="2489200" algn="l"/>
+                <a:tab pos="2844800" algn="l"/>
+                <a:tab pos="3200400" algn="l"/>
+                <a:tab pos="3556000" algn="l"/>
+                <a:tab pos="3911600" algn="l"/>
+                <a:tab pos="4267200" algn="l"/>
+              </a:tabLst>
+              <a:defRPr sz="3700">
+                <a:latin typeface="Courier"/>
+                <a:ea typeface="Courier"/>
+                <a:cs typeface="Courier"/>
+                <a:sym typeface="Courier"/>
+              </a:defRPr>
+            </a:pPr>
+            <a:r>
+              <a:rPr lang="en-US" altLang="zh-CN" dirty="0">
+                <a:solidFill>
+                  <a:schemeClr val="bg1"/>
+                </a:solidFill>
+              </a:rPr>
+              <a:t>curl -H '</a:t>
+            </a:r>
+            <a:r>
+              <a:rPr lang="en-US" altLang="zh-CN" dirty="0" err="1">
+                <a:solidFill>
+                  <a:schemeClr val="bg1"/>
+                </a:solidFill>
+              </a:rPr>
+              <a:t>Content-Type:application</a:t>
+            </a:r>
+            <a:r>
+              <a:rPr lang="en-US" altLang="zh-CN" dirty="0">
+                <a:solidFill>
+                  <a:schemeClr val="bg1"/>
+                </a:solidFill>
+              </a:rPr>
+              <a:t>/json' -X POST 'http://localhost:9200/</a:t>
+            </a:r>
+            <a:r>
+              <a:rPr lang="en-US" altLang="zh-CN" dirty="0" err="1">
+                <a:solidFill>
+                  <a:schemeClr val="bg1"/>
+                </a:solidFill>
+              </a:rPr>
+              <a:t>test_index</a:t>
+            </a:r>
+            <a:r>
+              <a:rPr lang="en-US" altLang="zh-CN" dirty="0">
+                <a:solidFill>
+                  <a:schemeClr val="bg1"/>
+                </a:solidFill>
+              </a:rPr>
+              <a:t>/_doc/1/_</a:t>
+            </a:r>
+            <a:r>
+              <a:rPr lang="en-US" altLang="zh-CN" dirty="0" err="1">
+                <a:solidFill>
+                  <a:schemeClr val="bg1"/>
+                </a:solidFill>
+              </a:rPr>
+              <a:t>update?pretty</a:t>
+            </a:r>
+            <a:r>
+              <a:rPr lang="en-US" altLang="zh-CN" dirty="0">
+                <a:solidFill>
+                  <a:schemeClr val="bg1"/>
+                </a:solidFill>
+              </a:rPr>
+              <a:t>' -d '{"doc":{"name":"test3"}}'</a:t>
+            </a:r>
+          </a:p>
+        </p:txBody>
+      </p:sp>
+    </p:spTree>
+    <p:extLst>
+      <p:ext uri="{BB962C8B-B14F-4D97-AF65-F5344CB8AC3E}">
+        <p14:creationId xmlns:p14="http://schemas.microsoft.com/office/powerpoint/2010/main" val="3024661317"/>
+      </p:ext>
+    </p:extLst>
+  </p:cSld>
+  <p:clrMapOvr>
+    <a:masterClrMapping/>
+  </p:clrMapOvr>
+  <p:transition spd="med"/>
+</p:sld>
+</file>
+
+<file path=ppt/slides/slide25.xml><?xml version="1.0" encoding="utf-8"?>
+<p:sld xmlns:a="http://schemas.openxmlformats.org/drawingml/2006/main" xmlns:r="http://schemas.openxmlformats.org/officeDocument/2006/relationships" xmlns:p="http://schemas.openxmlformats.org/presentationml/2006/main">
+  <p:cSld>
+    <p:bg>
+      <p:bgPr>
+        <a:solidFill>
+          <a:srgbClr val="5E5E5E"/>
+        </a:solidFill>
+        <a:effectLst/>
+      </p:bgPr>
+    </p:bg>
+    <p:spTree>
+      <p:nvGrpSpPr>
+        <p:cNvPr id="1" name=""/>
+        <p:cNvGrpSpPr/>
+        <p:nvPr/>
+      </p:nvGrpSpPr>
+      <p:grpSpPr>
+        <a:xfrm>
+          <a:off x="0" y="0"/>
+          <a:ext cx="0" cy="0"/>
+          <a:chOff x="0" y="0"/>
+          <a:chExt cx="0" cy="0"/>
+        </a:xfrm>
+      </p:grpSpPr>
+      <p:sp>
+        <p:nvSpPr>
+          <p:cNvPr id="983" name="实现代码"/>
+          <p:cNvSpPr txBox="1">
+            <a:spLocks noGrp="1"/>
+          </p:cNvSpPr>
+          <p:nvPr>
+            <p:ph type="title"/>
+          </p:nvPr>
+        </p:nvSpPr>
+        <p:spPr>
+          <a:prstGeom prst="rect">
+            <a:avLst/>
+          </a:prstGeom>
+        </p:spPr>
+        <p:txBody>
+          <a:bodyPr/>
+          <a:lstStyle>
+            <a:lvl1pPr algn="l">
+              <a:defRPr>
+                <a:solidFill>
+                  <a:srgbClr val="FFFFFF"/>
+                </a:solidFill>
+              </a:defRPr>
+            </a:lvl1pPr>
+          </a:lstStyle>
+          <a:p>
+            <a:r>
+              <a:rPr lang="zh-CN" altLang="en-US" dirty="0">
+                <a:solidFill>
+                  <a:schemeClr val="accent5">
+                    <a:lumMod val="60000"/>
+                    <a:lumOff val="40000"/>
+                  </a:schemeClr>
+                </a:solidFill>
+              </a:rPr>
+              <a:t>文档相关</a:t>
             </a:r>
             <a:endParaRPr dirty="0">
               <a:solidFill>
@@ -10192,7 +10289,7 @@
                   <a:schemeClr val="bg1"/>
                 </a:solidFill>
               </a:rPr>
-              <a:t>1.</a:t>
+              <a:t>5.</a:t>
             </a:r>
             <a:r>
               <a:rPr lang="zh-CN" altLang="en-US" dirty="0">
@@ -10200,7 +10297,7 @@
                   <a:schemeClr val="bg1"/>
                 </a:solidFill>
               </a:rPr>
-              <a:t>匹配指定字段</a:t>
+              <a:t>更新文档同时添加新的字段</a:t>
             </a:r>
             <a:endParaRPr lang="en-US" altLang="zh-CN" dirty="0">
               <a:solidFill>
@@ -10242,7 +10339,7 @@
                   <a:schemeClr val="bg1"/>
                 </a:solidFill>
               </a:rPr>
-              <a:t> curl -H '</a:t>
+              <a:t>curl -H '</a:t>
             </a:r>
             <a:r>
               <a:rPr lang="en-US" altLang="zh-CN" dirty="0" err="1">
@@ -10258,7 +10355,39 @@
                   <a:schemeClr val="bg1"/>
                 </a:solidFill>
               </a:rPr>
-              <a:t>/json' -X GET</a:t>
+              <a:t>/json' -X POST 'http://localhost:9200/</a:t>
+            </a:r>
+            <a:r>
+              <a:rPr lang="en-US" altLang="zh-CN" dirty="0" err="1">
+                <a:solidFill>
+                  <a:schemeClr val="bg1"/>
+                </a:solidFill>
+              </a:rPr>
+              <a:t>test_index</a:t>
+            </a:r>
+            <a:r>
+              <a:rPr lang="en-US" altLang="zh-CN" dirty="0">
+                <a:solidFill>
+                  <a:schemeClr val="bg1"/>
+                </a:solidFill>
+              </a:rPr>
+              <a:t>/_doc/1/_</a:t>
+            </a:r>
+            <a:r>
+              <a:rPr lang="en-US" altLang="zh-CN" dirty="0" err="1">
+                <a:solidFill>
+                  <a:schemeClr val="bg1"/>
+                </a:solidFill>
+              </a:rPr>
+              <a:t>update?pretty</a:t>
+            </a:r>
+            <a:r>
+              <a:rPr lang="en-US" altLang="zh-CN" dirty="0">
+                <a:solidFill>
+                  <a:schemeClr val="bg1"/>
+                </a:solidFill>
+              </a:rPr>
+              <a:t>' -d '{"doc":{"name":"hide","age":34}}’</a:t>
             </a:r>
           </a:p>
           <a:p>
@@ -10289,30 +10418,11 @@
                 <a:sym typeface="Courier"/>
               </a:defRPr>
             </a:pPr>
-            <a:r>
-              <a:rPr lang="en-US" altLang="zh-CN" dirty="0">
-                <a:solidFill>
-                  <a:schemeClr val="bg1"/>
-                </a:solidFill>
-              </a:rPr>
-              <a:t>'localhost:9200/bank/_</a:t>
-            </a:r>
-            <a:r>
-              <a:rPr lang="en-US" altLang="zh-CN" dirty="0" err="1">
-                <a:solidFill>
-                  <a:schemeClr val="bg1"/>
-                </a:solidFill>
-              </a:rPr>
-              <a:t>search?pretty</a:t>
-            </a:r>
-            <a:r>
-              <a:rPr lang="en-US" altLang="zh-CN" dirty="0">
-                <a:solidFill>
-                  <a:schemeClr val="bg1"/>
-                </a:solidFill>
-              </a:rPr>
-              <a:t>’ –d</a:t>
-            </a:r>
+            <a:endParaRPr lang="en-US" altLang="zh-CN" dirty="0">
+              <a:solidFill>
+                <a:schemeClr val="bg1"/>
+              </a:solidFill>
+            </a:endParaRPr>
           </a:p>
           <a:p>
             <a:pPr marL="0" indent="0" defTabSz="12700">
@@ -10348,8 +10458,21 @@
                   <a:schemeClr val="bg1"/>
                 </a:solidFill>
               </a:rPr>
-              <a:t>'{"query":{"match":{"account_number":"20"}}}’</a:t>
-            </a:r>
+              <a:t>6.</a:t>
+            </a:r>
+            <a:r>
+              <a:rPr lang="zh-CN" altLang="en-US" dirty="0">
+                <a:solidFill>
+                  <a:schemeClr val="bg1"/>
+                </a:solidFill>
+              </a:rPr>
+              <a:t>删除文档</a:t>
+            </a:r>
+            <a:endParaRPr lang="en-US" altLang="zh-CN" dirty="0">
+              <a:solidFill>
+                <a:schemeClr val="bg1"/>
+              </a:solidFill>
+            </a:endParaRPr>
           </a:p>
           <a:p>
             <a:pPr marL="0" indent="0" defTabSz="12700">
@@ -10379,11 +10502,30 @@
                 <a:sym typeface="Courier"/>
               </a:defRPr>
             </a:pPr>
-            <a:endParaRPr lang="en-US" altLang="zh-CN" dirty="0">
-              <a:solidFill>
-                <a:schemeClr val="bg1"/>
-              </a:solidFill>
-            </a:endParaRPr>
+            <a:r>
+              <a:rPr lang="en-US" altLang="zh-CN" dirty="0">
+                <a:solidFill>
+                  <a:schemeClr val="bg1"/>
+                </a:solidFill>
+              </a:rPr>
+              <a:t>curl -X DELETE 'http://localhost:9200/</a:t>
+            </a:r>
+            <a:r>
+              <a:rPr lang="en-US" altLang="zh-CN" dirty="0" err="1">
+                <a:solidFill>
+                  <a:schemeClr val="bg1"/>
+                </a:solidFill>
+              </a:rPr>
+              <a:t>test_index</a:t>
+            </a:r>
+            <a:r>
+              <a:rPr lang="en-US" altLang="zh-CN" dirty="0">
+                <a:solidFill>
+                  <a:schemeClr val="bg1"/>
+                </a:solidFill>
+              </a:rPr>
+              <a:t>/_doc/JTt-YmoBHEwUVvFEdcB3?pretty’</a:t>
+            </a:r>
           </a:p>
           <a:p>
             <a:pPr marL="0" indent="0" defTabSz="12700">
@@ -10413,38 +10555,6 @@
                 <a:sym typeface="Courier"/>
               </a:defRPr>
             </a:pPr>
-            <a:r>
-              <a:rPr lang="en-US" altLang="zh-CN" dirty="0">
-                <a:solidFill>
-                  <a:schemeClr val="bg1"/>
-                </a:solidFill>
-              </a:rPr>
-              <a:t>2.</a:t>
-            </a:r>
-            <a:r>
-              <a:rPr lang="zh-CN" altLang="en-US" dirty="0">
-                <a:solidFill>
-                  <a:schemeClr val="bg1"/>
-                </a:solidFill>
-              </a:rPr>
-              <a:t>匹配多个字段（</a:t>
-            </a:r>
-            <a:r>
-              <a:rPr lang="en-US" altLang="zh-CN" dirty="0">
-                <a:solidFill>
-                  <a:schemeClr val="bg1"/>
-                </a:solidFill>
-              </a:rPr>
-              <a:t>match</a:t>
-            </a:r>
-            <a:r>
-              <a:rPr lang="zh-CN" altLang="en-US" dirty="0">
-                <a:solidFill>
-                  <a:schemeClr val="bg1"/>
-                </a:solidFill>
-              </a:rPr>
-              <a:t>匹配）</a:t>
-            </a:r>
             <a:endParaRPr lang="en-US" altLang="zh-CN" dirty="0">
               <a:solidFill>
                 <a:schemeClr val="bg1"/>
@@ -10480,61 +10590,18 @@
               </a:defRPr>
             </a:pPr>
             <a:r>
-              <a:rPr lang="en-US" altLang="zh-CN" dirty="0">
-                <a:solidFill>
-                  <a:schemeClr val="bg1"/>
-                </a:solidFill>
-              </a:rPr>
-              <a:t>curl -H '</a:t>
-            </a:r>
-            <a:r>
-              <a:rPr lang="en-US" altLang="zh-CN" dirty="0" err="1">
-                <a:solidFill>
-                  <a:schemeClr val="bg1"/>
-                </a:solidFill>
-              </a:rPr>
-              <a:t>Content-Type:application</a:t>
-            </a:r>
-            <a:r>
-              <a:rPr lang="en-US" altLang="zh-CN" dirty="0">
-                <a:solidFill>
-                  <a:schemeClr val="bg1"/>
-                </a:solidFill>
-              </a:rPr>
-              <a:t>/json' -X GET 'localhost:9200/bank/_</a:t>
-            </a:r>
-            <a:r>
-              <a:rPr lang="en-US" altLang="zh-CN" dirty="0" err="1">
-                <a:solidFill>
-                  <a:schemeClr val="bg1"/>
-                </a:solidFill>
-              </a:rPr>
-              <a:t>search?pretty</a:t>
-            </a:r>
-            <a:r>
-              <a:rPr lang="en-US" altLang="zh-CN" dirty="0">
-                <a:solidFill>
-                  <a:schemeClr val="bg1"/>
-                </a:solidFill>
-              </a:rPr>
-              <a:t>' -d {"query":{"match":{"</a:t>
-            </a:r>
-            <a:r>
-              <a:rPr lang="en-US" altLang="zh-CN" dirty="0" err="1">
-                <a:solidFill>
-                  <a:schemeClr val="bg1"/>
-                </a:solidFill>
-              </a:rPr>
-              <a:t>address":"mill</a:t>
-            </a:r>
-            <a:r>
-              <a:rPr lang="en-US" altLang="zh-CN" dirty="0">
-                <a:solidFill>
-                  <a:schemeClr val="bg1"/>
-                </a:solidFill>
-              </a:rPr>
-              <a:t> lane"}}}</a:t>
-            </a:r>
+              <a:rPr lang="zh-CN" altLang="en-US" dirty="0">
+                <a:solidFill>
+                  <a:schemeClr val="bg1"/>
+                </a:solidFill>
+              </a:rPr>
+              <a:t>删除文档（通过查询来进行删除）</a:t>
+            </a:r>
+            <a:endParaRPr lang="en-US" altLang="zh-CN" dirty="0">
+              <a:solidFill>
+                <a:schemeClr val="bg1"/>
+              </a:solidFill>
+            </a:endParaRPr>
           </a:p>
           <a:p>
             <a:pPr marL="0" indent="0" defTabSz="12700">
@@ -10564,55 +10631,13 @@
                 <a:sym typeface="Courier"/>
               </a:defRPr>
             </a:pPr>
-            <a:endParaRPr lang="en-US" altLang="zh-CN" dirty="0">
-              <a:solidFill>
-                <a:schemeClr val="bg1"/>
-              </a:solidFill>
-            </a:endParaRPr>
-          </a:p>
-          <a:p>
-            <a:pPr marL="0" indent="0" defTabSz="12700">
-              <a:spcBef>
-                <a:spcPts val="0"/>
-              </a:spcBef>
-              <a:buSzTx/>
-              <a:buNone/>
-              <a:tabLst>
-                <a:tab pos="355600" algn="l"/>
-                <a:tab pos="711200" algn="l"/>
-                <a:tab pos="1066800" algn="l"/>
-                <a:tab pos="1422400" algn="l"/>
-                <a:tab pos="1778000" algn="l"/>
-                <a:tab pos="2133600" algn="l"/>
-                <a:tab pos="2489200" algn="l"/>
-                <a:tab pos="2844800" algn="l"/>
-                <a:tab pos="3200400" algn="l"/>
-                <a:tab pos="3556000" algn="l"/>
-                <a:tab pos="3911600" algn="l"/>
-                <a:tab pos="4267200" algn="l"/>
-              </a:tabLst>
-              <a:defRPr sz="3700">
-                <a:latin typeface="Courier"/>
-                <a:ea typeface="Courier"/>
-                <a:cs typeface="Courier"/>
-                <a:sym typeface="Courier"/>
-              </a:defRPr>
-            </a:pPr>
             <a:r>
               <a:rPr lang="en-US" altLang="zh-CN" dirty="0">
                 <a:solidFill>
                   <a:schemeClr val="bg1"/>
                 </a:solidFill>
               </a:rPr>
-              <a:t>3.</a:t>
-            </a:r>
-            <a:r>
-              <a:rPr lang="zh-CN" altLang="en-US" dirty="0">
-                <a:solidFill>
-                  <a:schemeClr val="bg1"/>
-                </a:solidFill>
-              </a:rPr>
-              <a:t>匹配多个字段（</a:t>
+              <a:t>curl -H '</a:t>
             </a:r>
             <a:r>
               <a:rPr lang="en-US" altLang="zh-CN" dirty="0" err="1">
@@ -10620,57 +10645,15 @@
                   <a:schemeClr val="bg1"/>
                 </a:solidFill>
               </a:rPr>
-              <a:t>match_phase</a:t>
-            </a:r>
-            <a:r>
-              <a:rPr lang="zh-CN" altLang="en-US" dirty="0">
-                <a:solidFill>
-                  <a:schemeClr val="bg1"/>
-                </a:solidFill>
-              </a:rPr>
-              <a:t>匹配）</a:t>
-            </a:r>
-            <a:endParaRPr lang="en-US" altLang="zh-CN" dirty="0">
-              <a:solidFill>
-                <a:schemeClr val="bg1"/>
-              </a:solidFill>
-            </a:endParaRPr>
-          </a:p>
-          <a:p>
-            <a:pPr marL="0" indent="0" defTabSz="12700">
-              <a:spcBef>
-                <a:spcPts val="0"/>
-              </a:spcBef>
-              <a:buSzTx/>
-              <a:buNone/>
-              <a:tabLst>
-                <a:tab pos="355600" algn="l"/>
-                <a:tab pos="711200" algn="l"/>
-                <a:tab pos="1066800" algn="l"/>
-                <a:tab pos="1422400" algn="l"/>
-                <a:tab pos="1778000" algn="l"/>
-                <a:tab pos="2133600" algn="l"/>
-                <a:tab pos="2489200" algn="l"/>
-                <a:tab pos="2844800" algn="l"/>
-                <a:tab pos="3200400" algn="l"/>
-                <a:tab pos="3556000" algn="l"/>
-                <a:tab pos="3911600" algn="l"/>
-                <a:tab pos="4267200" algn="l"/>
-              </a:tabLst>
-              <a:defRPr sz="3700">
-                <a:latin typeface="Courier"/>
-                <a:ea typeface="Courier"/>
-                <a:cs typeface="Courier"/>
-                <a:sym typeface="Courier"/>
-              </a:defRPr>
-            </a:pPr>
+              <a:t>Content-Type:application</a:t>
+            </a:r>
             <a:r>
               <a:rPr lang="en-US" altLang="zh-CN" dirty="0">
                 <a:solidFill>
                   <a:schemeClr val="bg1"/>
                 </a:solidFill>
               </a:rPr>
-              <a:t>curl -H '</a:t>
+              <a:t>/json' -X POST 'localhost:9200/</a:t>
             </a:r>
             <a:r>
               <a:rPr lang="en-US" altLang="zh-CN" dirty="0" err="1">
@@ -10678,7 +10661,7 @@
                   <a:schemeClr val="bg1"/>
                 </a:solidFill>
               </a:rPr>
-              <a:t>Content-Type:application</a:t>
+              <a:t>test_index</a:t>
             </a:r>
             <a:r>
               <a:rPr lang="en-US" altLang="zh-CN" dirty="0">
@@ -10686,7 +10669,7 @@
                   <a:schemeClr val="bg1"/>
                 </a:solidFill>
               </a:rPr>
-              <a:t>/json' -X GET 'localhost:9200/bank/_</a:t>
+              <a:t>/_doc/_</a:t>
             </a:r>
             <a:r>
               <a:rPr lang="en-US" altLang="zh-CN" dirty="0" err="1">
@@ -10694,7 +10677,7 @@
                   <a:schemeClr val="bg1"/>
                 </a:solidFill>
               </a:rPr>
-              <a:t>search?pretty</a:t>
+              <a:t>delete_by_query?pretty</a:t>
             </a:r>
             <a:r>
               <a:rPr lang="en-US" altLang="zh-CN" dirty="0">
@@ -10702,7 +10685,7 @@
                   <a:schemeClr val="bg1"/>
                 </a:solidFill>
               </a:rPr>
-              <a:t>' -d {"query":{"</a:t>
+              <a:t>' -d '{"query":{"match":{"</a:t>
             </a:r>
             <a:r>
               <a:rPr lang="en-US" altLang="zh-CN" dirty="0" err="1">
@@ -10710,7 +10693,7 @@
                   <a:schemeClr val="bg1"/>
                 </a:solidFill>
               </a:rPr>
-              <a:t>match_phrase</a:t>
+              <a:t>name":"delete</a:t>
             </a:r>
             <a:r>
               <a:rPr lang="en-US" altLang="zh-CN" dirty="0">
@@ -10718,217 +10701,17 @@
                   <a:schemeClr val="bg1"/>
                 </a:solidFill>
               </a:rPr>
-              <a:t>":{"</a:t>
-            </a:r>
-            <a:r>
-              <a:rPr lang="en-US" altLang="zh-CN" dirty="0" err="1">
-                <a:solidFill>
-                  <a:schemeClr val="bg1"/>
-                </a:solidFill>
-              </a:rPr>
-              <a:t>address":"mill</a:t>
-            </a:r>
-            <a:r>
-              <a:rPr lang="en-US" altLang="zh-CN" dirty="0">
-                <a:solidFill>
-                  <a:schemeClr val="bg1"/>
-                </a:solidFill>
-              </a:rPr>
-              <a:t> lane"}}}</a:t>
-            </a:r>
-          </a:p>
-          <a:p>
-            <a:pPr marL="0" indent="0" defTabSz="12700">
-              <a:spcBef>
-                <a:spcPts val="0"/>
-              </a:spcBef>
-              <a:buSzTx/>
-              <a:buNone/>
-              <a:tabLst>
-                <a:tab pos="355600" algn="l"/>
-                <a:tab pos="711200" algn="l"/>
-                <a:tab pos="1066800" algn="l"/>
-                <a:tab pos="1422400" algn="l"/>
-                <a:tab pos="1778000" algn="l"/>
-                <a:tab pos="2133600" algn="l"/>
-                <a:tab pos="2489200" algn="l"/>
-                <a:tab pos="2844800" algn="l"/>
-                <a:tab pos="3200400" algn="l"/>
-                <a:tab pos="3556000" algn="l"/>
-                <a:tab pos="3911600" algn="l"/>
-                <a:tab pos="4267200" algn="l"/>
-              </a:tabLst>
-              <a:defRPr sz="3700">
-                <a:latin typeface="Courier"/>
-                <a:ea typeface="Courier"/>
-                <a:cs typeface="Courier"/>
-                <a:sym typeface="Courier"/>
-              </a:defRPr>
-            </a:pPr>
-            <a:endParaRPr lang="en-US" altLang="zh-CN" dirty="0">
-              <a:solidFill>
-                <a:schemeClr val="bg1"/>
-              </a:solidFill>
-            </a:endParaRPr>
-          </a:p>
-          <a:p>
-            <a:pPr marL="0" indent="0" defTabSz="12700">
-              <a:spcBef>
-                <a:spcPts val="0"/>
-              </a:spcBef>
-              <a:buSzTx/>
-              <a:buNone/>
-              <a:tabLst>
-                <a:tab pos="355600" algn="l"/>
-                <a:tab pos="711200" algn="l"/>
-                <a:tab pos="1066800" algn="l"/>
-                <a:tab pos="1422400" algn="l"/>
-                <a:tab pos="1778000" algn="l"/>
-                <a:tab pos="2133600" algn="l"/>
-                <a:tab pos="2489200" algn="l"/>
-                <a:tab pos="2844800" algn="l"/>
-                <a:tab pos="3200400" algn="l"/>
-                <a:tab pos="3556000" algn="l"/>
-                <a:tab pos="3911600" algn="l"/>
-                <a:tab pos="4267200" algn="l"/>
-              </a:tabLst>
-              <a:defRPr sz="3700">
-                <a:latin typeface="Courier"/>
-                <a:ea typeface="Courier"/>
-                <a:cs typeface="Courier"/>
-                <a:sym typeface="Courier"/>
-              </a:defRPr>
-            </a:pPr>
-            <a:endParaRPr lang="en-US" altLang="zh-CN" dirty="0">
-              <a:solidFill>
-                <a:schemeClr val="bg1"/>
-              </a:solidFill>
-            </a:endParaRPr>
+              <a:t>"}}}'</a:t>
+            </a:r>
           </a:p>
         </p:txBody>
       </p:sp>
     </p:spTree>
     <p:extLst>
       <p:ext uri="{BB962C8B-B14F-4D97-AF65-F5344CB8AC3E}">
-        <p14:creationId xmlns:p14="http://schemas.microsoft.com/office/powerpoint/2010/main" val="1387337964"/>
+        <p14:creationId xmlns:p14="http://schemas.microsoft.com/office/powerpoint/2010/main" val="1994264487"/>
       </p:ext>
     </p:extLst>
-  </p:cSld>
-  <p:clrMapOvr>
-    <a:masterClrMapping/>
-  </p:clrMapOvr>
-  <p:transition spd="med"/>
-</p:sld>
-</file>
-
-<file path=ppt/slides/slide25.xml><?xml version="1.0" encoding="utf-8"?>
-<p:sld xmlns:a="http://schemas.openxmlformats.org/drawingml/2006/main" xmlns:r="http://schemas.openxmlformats.org/officeDocument/2006/relationships" xmlns:p="http://schemas.openxmlformats.org/presentationml/2006/main">
-  <p:cSld>
-    <p:bg>
-      <p:bgPr>
-        <a:solidFill>
-          <a:srgbClr val="FF5E61"/>
-        </a:solidFill>
-        <a:effectLst/>
-      </p:bgPr>
-    </p:bg>
-    <p:spTree>
-      <p:nvGrpSpPr>
-        <p:cNvPr id="1" name=""/>
-        <p:cNvGrpSpPr/>
-        <p:nvPr/>
-      </p:nvGrpSpPr>
-      <p:grpSpPr>
-        <a:xfrm>
-          <a:off x="0" y="0"/>
-          <a:ext cx="0" cy="0"/>
-          <a:chOff x="0" y="0"/>
-          <a:chExt cx="0" cy="0"/>
-        </a:xfrm>
-      </p:grpSpPr>
-      <p:sp>
-        <p:nvSpPr>
-          <p:cNvPr id="1004" name="自动补全"/>
-          <p:cNvSpPr txBox="1">
-            <a:spLocks noGrp="1"/>
-          </p:cNvSpPr>
-          <p:nvPr>
-            <p:ph type="ctrTitle"/>
-          </p:nvPr>
-        </p:nvSpPr>
-        <p:spPr>
-          <a:prstGeom prst="rect">
-            <a:avLst/>
-          </a:prstGeom>
-        </p:spPr>
-        <p:txBody>
-          <a:bodyPr/>
-          <a:lstStyle>
-            <a:lvl1pPr>
-              <a:defRPr b="1">
-                <a:solidFill>
-                  <a:srgbClr val="FFFFFF"/>
-                </a:solidFill>
-                <a:latin typeface="Helvetica"/>
-                <a:ea typeface="Helvetica"/>
-                <a:cs typeface="Helvetica"/>
-                <a:sym typeface="Helvetica"/>
-              </a:defRPr>
-            </a:lvl1pPr>
-          </a:lstStyle>
-          <a:p>
-            <a:r>
-              <a:rPr lang="en-US" dirty="0"/>
-              <a:t>Python </a:t>
-            </a:r>
-            <a:r>
-              <a:rPr lang="zh-CN" altLang="en-US" dirty="0"/>
-              <a:t>实现</a:t>
-            </a:r>
-            <a:endParaRPr dirty="0"/>
-          </a:p>
-        </p:txBody>
-      </p:sp>
-      <p:sp>
-        <p:nvSpPr>
-          <p:cNvPr id="1005" name="autocomplete"/>
-          <p:cNvSpPr txBox="1">
-            <a:spLocks noGrp="1"/>
-          </p:cNvSpPr>
-          <p:nvPr>
-            <p:ph type="subTitle" sz="quarter" idx="1"/>
-          </p:nvPr>
-        </p:nvSpPr>
-        <p:spPr>
-          <a:xfrm>
-            <a:off x="1778000" y="7080250"/>
-            <a:ext cx="20828000" cy="1587500"/>
-          </a:xfrm>
-          <a:prstGeom prst="rect">
-            <a:avLst/>
-          </a:prstGeom>
-        </p:spPr>
-        <p:txBody>
-          <a:bodyPr/>
-          <a:lstStyle>
-            <a:lvl1pPr>
-              <a:defRPr>
-                <a:solidFill>
-                  <a:srgbClr val="FFFFFF"/>
-                </a:solidFill>
-                <a:latin typeface="Helvetica"/>
-                <a:ea typeface="Helvetica"/>
-                <a:cs typeface="Helvetica"/>
-                <a:sym typeface="Helvetica"/>
-              </a:defRPr>
-            </a:lvl1pPr>
-          </a:lstStyle>
-          <a:p>
-            <a:endParaRPr dirty="0"/>
-          </a:p>
-        </p:txBody>
-      </p:sp>
-    </p:spTree>
   </p:cSld>
   <p:clrMapOvr>
     <a:masterClrMapping/>
@@ -11069,59 +10852,21 @@
                   <a:schemeClr val="bg1"/>
                 </a:solidFill>
               </a:rPr>
-              <a:t> </a:t>
-            </a:r>
-            <a:r>
-              <a:rPr lang="en-US" altLang="zh-CN" dirty="0">
-                <a:solidFill>
-                  <a:srgbClr val="FFC000"/>
-                </a:solidFill>
-              </a:rPr>
-              <a:t>def</a:t>
-            </a:r>
-            <a:r>
-              <a:rPr lang="en-US" altLang="zh-CN" dirty="0">
-                <a:solidFill>
-                  <a:schemeClr val="bg1"/>
-                </a:solidFill>
-              </a:rPr>
-              <a:t> </a:t>
-            </a:r>
-            <a:r>
-              <a:rPr lang="en-US" altLang="zh-CN" dirty="0" err="1">
-                <a:solidFill>
-                  <a:schemeClr val="bg1"/>
-                </a:solidFill>
-              </a:rPr>
-              <a:t>query_search</a:t>
-            </a:r>
-            <a:r>
-              <a:rPr lang="en-US" altLang="zh-CN" dirty="0">
-                <a:solidFill>
-                  <a:schemeClr val="bg1"/>
-                </a:solidFill>
-              </a:rPr>
-              <a:t>(self, </a:t>
-            </a:r>
-            <a:r>
-              <a:rPr lang="en-US" altLang="zh-CN" dirty="0" err="1">
-                <a:solidFill>
-                  <a:schemeClr val="accent5">
-                    <a:lumMod val="60000"/>
-                    <a:lumOff val="40000"/>
-                  </a:schemeClr>
-                </a:solidFill>
-              </a:rPr>
-              <a:t>key_word</a:t>
-            </a:r>
-            <a:r>
-              <a:rPr lang="en-US" altLang="zh-CN" dirty="0">
-                <a:solidFill>
-                  <a:schemeClr val="bg1"/>
-                </a:solidFill>
-              </a:rPr>
-              <a:t>):</a:t>
-            </a:r>
+              <a:t>1.</a:t>
+            </a:r>
+            <a:r>
+              <a:rPr lang="zh-CN" altLang="en-US" dirty="0">
+                <a:solidFill>
+                  <a:schemeClr val="bg1"/>
+                </a:solidFill>
+              </a:rPr>
+              <a:t>匹配指定字段</a:t>
+            </a:r>
+            <a:endParaRPr lang="en-US" altLang="zh-CN" dirty="0">
+              <a:solidFill>
+                <a:schemeClr val="bg1"/>
+              </a:solidFill>
+            </a:endParaRPr>
           </a:p>
           <a:p>
             <a:pPr marL="0" indent="0" defTabSz="12700">
@@ -11151,11 +10896,30 @@
                 <a:sym typeface="Courier"/>
               </a:defRPr>
             </a:pPr>
-            <a:endParaRPr lang="en-US" altLang="zh-CN" dirty="0">
-              <a:solidFill>
-                <a:schemeClr val="bg1"/>
-              </a:solidFill>
-            </a:endParaRPr>
+            <a:r>
+              <a:rPr lang="en-US" altLang="zh-CN" dirty="0">
+                <a:solidFill>
+                  <a:schemeClr val="bg1"/>
+                </a:solidFill>
+              </a:rPr>
+              <a:t> curl -H '</a:t>
+            </a:r>
+            <a:r>
+              <a:rPr lang="en-US" altLang="zh-CN" dirty="0" err="1">
+                <a:solidFill>
+                  <a:schemeClr val="bg1"/>
+                </a:solidFill>
+              </a:rPr>
+              <a:t>Content-Type:application</a:t>
+            </a:r>
+            <a:r>
+              <a:rPr lang="en-US" altLang="zh-CN" dirty="0">
+                <a:solidFill>
+                  <a:schemeClr val="bg1"/>
+                </a:solidFill>
+              </a:rPr>
+              <a:t>/json' -X GET</a:t>
+            </a:r>
           </a:p>
           <a:p>
             <a:pPr marL="0" indent="0" defTabSz="12700">
@@ -11191,7 +10955,7 @@
                   <a:schemeClr val="bg1"/>
                 </a:solidFill>
               </a:rPr>
-              <a:t>        </a:t>
+              <a:t>'localhost:9200/bank/_</a:t>
             </a:r>
             <a:r>
               <a:rPr lang="en-US" altLang="zh-CN" dirty="0" err="1">
@@ -11199,7 +10963,7 @@
                   <a:schemeClr val="bg1"/>
                 </a:solidFill>
               </a:rPr>
-              <a:t>dsl</a:t>
+              <a:t>search?pretty</a:t>
             </a:r>
             <a:r>
               <a:rPr lang="en-US" altLang="zh-CN" dirty="0">
@@ -11207,7 +10971,7 @@
                   <a:schemeClr val="bg1"/>
                 </a:solidFill>
               </a:rPr>
-              <a:t> = {</a:t>
+              <a:t>’ –d</a:t>
             </a:r>
           </a:p>
           <a:p>
@@ -11244,7 +11008,7 @@
                   <a:schemeClr val="bg1"/>
                 </a:solidFill>
               </a:rPr>
-              <a:t>            'query': {</a:t>
+              <a:t>'{"query":{"match":{"account_number":"20"}}}’</a:t>
             </a:r>
           </a:p>
           <a:p>
@@ -11275,14 +11039,11 @@
                 <a:sym typeface="Courier"/>
               </a:defRPr>
             </a:pPr>
-            <a:r>
-              <a:rPr lang="en-US" altLang="zh-CN" dirty="0">
-                <a:solidFill>
-                  <a:schemeClr val="bg1"/>
-                </a:solidFill>
-              </a:rPr>
-              <a:t>                'match': {</a:t>
-            </a:r>
+            <a:endParaRPr lang="en-US" altLang="zh-CN" dirty="0">
+              <a:solidFill>
+                <a:schemeClr val="bg1"/>
+              </a:solidFill>
+            </a:endParaRPr>
           </a:p>
           <a:p>
             <a:pPr marL="0" indent="0" defTabSz="12700">
@@ -11318,15 +11079,15 @@
                   <a:schemeClr val="bg1"/>
                 </a:solidFill>
               </a:rPr>
-              <a:t>                    'title': '{}'.format(</a:t>
-            </a:r>
-            <a:r>
-              <a:rPr lang="en-US" altLang="zh-CN" dirty="0" err="1">
-                <a:solidFill>
-                  <a:schemeClr val="bg1"/>
-                </a:solidFill>
-              </a:rPr>
-              <a:t>key_word</a:t>
+              <a:t>2.</a:t>
+            </a:r>
+            <a:r>
+              <a:rPr lang="zh-CN" altLang="en-US" dirty="0">
+                <a:solidFill>
+                  <a:schemeClr val="bg1"/>
+                </a:solidFill>
+              </a:rPr>
+              <a:t>匹配多个字段（</a:t>
             </a:r>
             <a:r>
               <a:rPr lang="en-US" altLang="zh-CN" dirty="0">
@@ -11334,8 +11095,21 @@
                   <a:schemeClr val="bg1"/>
                 </a:solidFill>
               </a:rPr>
-              <a:t>)</a:t>
-            </a:r>
+              <a:t>match</a:t>
+            </a:r>
+            <a:r>
+              <a:rPr lang="zh-CN" altLang="en-US" dirty="0">
+                <a:solidFill>
+                  <a:schemeClr val="bg1"/>
+                </a:solidFill>
+              </a:rPr>
+              <a:t>匹配）</a:t>
+            </a:r>
+            <a:endParaRPr lang="en-US" altLang="zh-CN" dirty="0">
+              <a:solidFill>
+                <a:schemeClr val="bg1"/>
+              </a:solidFill>
+            </a:endParaRPr>
           </a:p>
           <a:p>
             <a:pPr marL="0" indent="0" defTabSz="12700">
@@ -11371,7 +11145,55 @@
                   <a:schemeClr val="bg1"/>
                 </a:solidFill>
               </a:rPr>
-              <a:t>                }</a:t>
+              <a:t>curl -H '</a:t>
+            </a:r>
+            <a:r>
+              <a:rPr lang="en-US" altLang="zh-CN" dirty="0" err="1">
+                <a:solidFill>
+                  <a:schemeClr val="bg1"/>
+                </a:solidFill>
+              </a:rPr>
+              <a:t>Content-Type:application</a:t>
+            </a:r>
+            <a:r>
+              <a:rPr lang="en-US" altLang="zh-CN" dirty="0">
+                <a:solidFill>
+                  <a:schemeClr val="bg1"/>
+                </a:solidFill>
+              </a:rPr>
+              <a:t>/json' -X GET 'localhost:9200/bank/_</a:t>
+            </a:r>
+            <a:r>
+              <a:rPr lang="en-US" altLang="zh-CN" dirty="0" err="1">
+                <a:solidFill>
+                  <a:schemeClr val="bg1"/>
+                </a:solidFill>
+              </a:rPr>
+              <a:t>search?pretty</a:t>
+            </a:r>
+            <a:r>
+              <a:rPr lang="en-US" altLang="zh-CN" dirty="0">
+                <a:solidFill>
+                  <a:schemeClr val="bg1"/>
+                </a:solidFill>
+              </a:rPr>
+              <a:t>' -d {"query":{"match":{"</a:t>
+            </a:r>
+            <a:r>
+              <a:rPr lang="en-US" altLang="zh-CN" dirty="0" err="1">
+                <a:solidFill>
+                  <a:schemeClr val="bg1"/>
+                </a:solidFill>
+              </a:rPr>
+              <a:t>address":"mill</a:t>
+            </a:r>
+            <a:r>
+              <a:rPr lang="en-US" altLang="zh-CN" dirty="0">
+                <a:solidFill>
+                  <a:schemeClr val="bg1"/>
+                </a:solidFill>
+              </a:rPr>
+              <a:t> lane"}}}</a:t>
             </a:r>
           </a:p>
           <a:p>
@@ -11402,14 +11224,11 @@
                 <a:sym typeface="Courier"/>
               </a:defRPr>
             </a:pPr>
-            <a:r>
-              <a:rPr lang="en-US" altLang="zh-CN" dirty="0">
-                <a:solidFill>
-                  <a:schemeClr val="bg1"/>
-                </a:solidFill>
-              </a:rPr>
-              <a:t>            }</a:t>
-            </a:r>
+            <a:endParaRPr lang="en-US" altLang="zh-CN" dirty="0">
+              <a:solidFill>
+                <a:schemeClr val="bg1"/>
+              </a:solidFill>
+            </a:endParaRPr>
           </a:p>
           <a:p>
             <a:pPr marL="0" indent="0" defTabSz="12700">
@@ -11445,8 +11264,37 @@
                   <a:schemeClr val="bg1"/>
                 </a:solidFill>
               </a:rPr>
-              <a:t>        }</a:t>
-            </a:r>
+              <a:t>3.</a:t>
+            </a:r>
+            <a:r>
+              <a:rPr lang="zh-CN" altLang="en-US" dirty="0">
+                <a:solidFill>
+                  <a:schemeClr val="bg1"/>
+                </a:solidFill>
+              </a:rPr>
+              <a:t>匹配多个字段（</a:t>
+            </a:r>
+            <a:r>
+              <a:rPr lang="en-US" altLang="zh-CN" dirty="0" err="1">
+                <a:solidFill>
+                  <a:schemeClr val="bg1"/>
+                </a:solidFill>
+              </a:rPr>
+              <a:t>match_phase</a:t>
+            </a:r>
+            <a:r>
+              <a:rPr lang="zh-CN" altLang="en-US" dirty="0">
+                <a:solidFill>
+                  <a:schemeClr val="bg1"/>
+                </a:solidFill>
+              </a:rPr>
+              <a:t>匹配）</a:t>
+            </a:r>
+            <a:endParaRPr lang="en-US" altLang="zh-CN" dirty="0">
+              <a:solidFill>
+                <a:schemeClr val="bg1"/>
+              </a:solidFill>
+            </a:endParaRPr>
           </a:p>
           <a:p>
             <a:pPr marL="0" indent="0" defTabSz="12700">
@@ -11482,7 +11330,7 @@
                   <a:schemeClr val="bg1"/>
                 </a:solidFill>
               </a:rPr>
-              <a:t>        search = </a:t>
+              <a:t>curl -H '</a:t>
             </a:r>
             <a:r>
               <a:rPr lang="en-US" altLang="zh-CN" dirty="0" err="1">
@@ -11490,7 +11338,7 @@
                   <a:schemeClr val="bg1"/>
                 </a:solidFill>
               </a:rPr>
-              <a:t>self.es.search</a:t>
+              <a:t>Content-Type:application</a:t>
             </a:r>
             <a:r>
               <a:rPr lang="en-US" altLang="zh-CN" dirty="0">
@@ -11498,7 +11346,7 @@
                   <a:schemeClr val="bg1"/>
                 </a:solidFill>
               </a:rPr>
-              <a:t>(index='</a:t>
+              <a:t>/json' -X GET 'localhost:9200/bank/_</a:t>
             </a:r>
             <a:r>
               <a:rPr lang="en-US" altLang="zh-CN" dirty="0" err="1">
@@ -11506,7 +11354,7 @@
                   <a:schemeClr val="bg1"/>
                 </a:solidFill>
               </a:rPr>
-              <a:t>news_politics</a:t>
+              <a:t>search?pretty</a:t>
             </a:r>
             <a:r>
               <a:rPr lang="en-US" altLang="zh-CN" dirty="0">
@@ -11514,7 +11362,7 @@
                   <a:schemeClr val="bg1"/>
                 </a:solidFill>
               </a:rPr>
-              <a:t>', body=</a:t>
+              <a:t>' -d {"query":{"</a:t>
             </a:r>
             <a:r>
               <a:rPr lang="en-US" altLang="zh-CN" dirty="0" err="1">
@@ -11522,7 +11370,7 @@
                   <a:schemeClr val="bg1"/>
                 </a:solidFill>
               </a:rPr>
-              <a:t>dsl</a:t>
+              <a:t>match_phrase</a:t>
             </a:r>
             <a:r>
               <a:rPr lang="en-US" altLang="zh-CN" dirty="0">
@@ -11530,7 +11378,23 @@
                   <a:schemeClr val="bg1"/>
                 </a:solidFill>
               </a:rPr>
-              <a:t>)</a:t>
+              <a:t>":{"</a:t>
+            </a:r>
+            <a:r>
+              <a:rPr lang="en-US" altLang="zh-CN" dirty="0" err="1">
+                <a:solidFill>
+                  <a:schemeClr val="bg1"/>
+                </a:solidFill>
+              </a:rPr>
+              <a:t>address":"mill</a:t>
+            </a:r>
+            <a:r>
+              <a:rPr lang="en-US" altLang="zh-CN" dirty="0">
+                <a:solidFill>
+                  <a:schemeClr val="bg1"/>
+                </a:solidFill>
+              </a:rPr>
+              <a:t> lane"}}}</a:t>
             </a:r>
           </a:p>
           <a:p>
@@ -11561,62 +11425,11 @@
                 <a:sym typeface="Courier"/>
               </a:defRPr>
             </a:pPr>
-            <a:r>
-              <a:rPr lang="en-US" altLang="zh-CN" dirty="0">
-                <a:solidFill>
-                  <a:schemeClr val="bg1"/>
-                </a:solidFill>
-              </a:rPr>
-              <a:t>        </a:t>
-            </a:r>
-            <a:r>
-              <a:rPr lang="en-US" altLang="zh-CN" dirty="0" err="1">
-                <a:solidFill>
-                  <a:schemeClr val="bg1"/>
-                </a:solidFill>
-              </a:rPr>
-              <a:t>search_info</a:t>
-            </a:r>
-            <a:r>
-              <a:rPr lang="en-US" altLang="zh-CN" dirty="0">
-                <a:solidFill>
-                  <a:schemeClr val="bg1"/>
-                </a:solidFill>
-              </a:rPr>
-              <a:t> = </a:t>
-            </a:r>
-            <a:r>
-              <a:rPr lang="en-US" altLang="zh-CN" dirty="0" err="1">
-                <a:solidFill>
-                  <a:schemeClr val="bg1"/>
-                </a:solidFill>
-              </a:rPr>
-              <a:t>json.dumps</a:t>
-            </a:r>
-            <a:r>
-              <a:rPr lang="en-US" altLang="zh-CN" dirty="0">
-                <a:solidFill>
-                  <a:schemeClr val="bg1"/>
-                </a:solidFill>
-              </a:rPr>
-              <a:t>(search, indent=2, </a:t>
-            </a:r>
-            <a:r>
-              <a:rPr lang="en-US" altLang="zh-CN" dirty="0" err="1">
-                <a:solidFill>
-                  <a:schemeClr val="bg1"/>
-                </a:solidFill>
-              </a:rPr>
-              <a:t>ensure_ascii</a:t>
-            </a:r>
-            <a:r>
-              <a:rPr lang="en-US" altLang="zh-CN" dirty="0">
-                <a:solidFill>
-                  <a:schemeClr val="bg1"/>
-                </a:solidFill>
-              </a:rPr>
-              <a:t>=False)</a:t>
-            </a:r>
+            <a:endParaRPr lang="en-US" altLang="zh-CN" dirty="0">
+              <a:solidFill>
+                <a:schemeClr val="bg1"/>
+              </a:solidFill>
+            </a:endParaRPr>
           </a:p>
           <a:p>
             <a:pPr marL="0" indent="0" defTabSz="12700">
@@ -11646,44 +11459,242 @@
                 <a:sym typeface="Courier"/>
               </a:defRPr>
             </a:pPr>
-            <a:r>
-              <a:rPr lang="en-US" altLang="zh-CN" dirty="0">
-                <a:solidFill>
-                  <a:schemeClr val="bg1"/>
-                </a:solidFill>
-              </a:rPr>
-              <a:t>        </a:t>
-            </a:r>
-            <a:r>
-              <a:rPr lang="en-US" altLang="zh-CN" dirty="0">
-                <a:solidFill>
-                  <a:srgbClr val="0070C0"/>
-                </a:solidFill>
-              </a:rPr>
-              <a:t>return</a:t>
-            </a:r>
-            <a:r>
-              <a:rPr lang="en-US" altLang="zh-CN" dirty="0">
-                <a:solidFill>
-                  <a:schemeClr val="bg1"/>
-                </a:solidFill>
-              </a:rPr>
-              <a:t> </a:t>
-            </a:r>
-            <a:r>
-              <a:rPr lang="en-US" altLang="zh-CN" dirty="0" err="1">
-                <a:solidFill>
-                  <a:schemeClr val="bg1"/>
-                </a:solidFill>
-              </a:rPr>
-              <a:t>search_info</a:t>
-            </a:r>
             <a:endParaRPr lang="en-US" altLang="zh-CN" dirty="0">
               <a:solidFill>
                 <a:schemeClr val="bg1"/>
               </a:solidFill>
             </a:endParaRPr>
           </a:p>
+        </p:txBody>
+      </p:sp>
+    </p:spTree>
+    <p:extLst>
+      <p:ext uri="{BB962C8B-B14F-4D97-AF65-F5344CB8AC3E}">
+        <p14:creationId xmlns:p14="http://schemas.microsoft.com/office/powerpoint/2010/main" val="1387337964"/>
+      </p:ext>
+    </p:extLst>
+  </p:cSld>
+  <p:clrMapOvr>
+    <a:masterClrMapping/>
+  </p:clrMapOvr>
+  <p:transition spd="med"/>
+</p:sld>
+</file>
+
+<file path=ppt/slides/slide27.xml><?xml version="1.0" encoding="utf-8"?>
+<p:sld xmlns:a="http://schemas.openxmlformats.org/drawingml/2006/main" xmlns:r="http://schemas.openxmlformats.org/officeDocument/2006/relationships" xmlns:p="http://schemas.openxmlformats.org/presentationml/2006/main">
+  <p:cSld>
+    <p:bg>
+      <p:bgPr>
+        <a:solidFill>
+          <a:srgbClr val="FF5E61"/>
+        </a:solidFill>
+        <a:effectLst/>
+      </p:bgPr>
+    </p:bg>
+    <p:spTree>
+      <p:nvGrpSpPr>
+        <p:cNvPr id="1" name=""/>
+        <p:cNvGrpSpPr/>
+        <p:nvPr/>
+      </p:nvGrpSpPr>
+      <p:grpSpPr>
+        <a:xfrm>
+          <a:off x="0" y="0"/>
+          <a:ext cx="0" cy="0"/>
+          <a:chOff x="0" y="0"/>
+          <a:chExt cx="0" cy="0"/>
+        </a:xfrm>
+      </p:grpSpPr>
+      <p:sp>
+        <p:nvSpPr>
+          <p:cNvPr id="1004" name="自动补全"/>
+          <p:cNvSpPr txBox="1">
+            <a:spLocks noGrp="1"/>
+          </p:cNvSpPr>
+          <p:nvPr>
+            <p:ph type="ctrTitle"/>
+          </p:nvPr>
+        </p:nvSpPr>
+        <p:spPr>
+          <a:prstGeom prst="rect">
+            <a:avLst/>
+          </a:prstGeom>
+        </p:spPr>
+        <p:txBody>
+          <a:bodyPr/>
+          <a:lstStyle>
+            <a:lvl1pPr>
+              <a:defRPr b="1">
+                <a:solidFill>
+                  <a:srgbClr val="FFFFFF"/>
+                </a:solidFill>
+                <a:latin typeface="Helvetica"/>
+                <a:ea typeface="Helvetica"/>
+                <a:cs typeface="Helvetica"/>
+                <a:sym typeface="Helvetica"/>
+              </a:defRPr>
+            </a:lvl1pPr>
+          </a:lstStyle>
+          <a:p>
+            <a:r>
+              <a:rPr lang="en-US" dirty="0"/>
+              <a:t>Python </a:t>
+            </a:r>
+            <a:r>
+              <a:rPr lang="zh-CN" altLang="en-US" dirty="0"/>
+              <a:t>实现</a:t>
+            </a:r>
+            <a:endParaRPr dirty="0"/>
+          </a:p>
+        </p:txBody>
+      </p:sp>
+      <p:sp>
+        <p:nvSpPr>
+          <p:cNvPr id="1005" name="autocomplete"/>
+          <p:cNvSpPr txBox="1">
+            <a:spLocks noGrp="1"/>
+          </p:cNvSpPr>
+          <p:nvPr>
+            <p:ph type="subTitle" sz="quarter" idx="1"/>
+          </p:nvPr>
+        </p:nvSpPr>
+        <p:spPr>
+          <a:xfrm>
+            <a:off x="1778000" y="7080250"/>
+            <a:ext cx="20828000" cy="1587500"/>
+          </a:xfrm>
+          <a:prstGeom prst="rect">
+            <a:avLst/>
+          </a:prstGeom>
+        </p:spPr>
+        <p:txBody>
+          <a:bodyPr/>
+          <a:lstStyle>
+            <a:lvl1pPr>
+              <a:defRPr>
+                <a:solidFill>
+                  <a:srgbClr val="FFFFFF"/>
+                </a:solidFill>
+                <a:latin typeface="Helvetica"/>
+                <a:ea typeface="Helvetica"/>
+                <a:cs typeface="Helvetica"/>
+                <a:sym typeface="Helvetica"/>
+              </a:defRPr>
+            </a:lvl1pPr>
+          </a:lstStyle>
+          <a:p>
+            <a:endParaRPr dirty="0"/>
+          </a:p>
+        </p:txBody>
+      </p:sp>
+    </p:spTree>
+  </p:cSld>
+  <p:clrMapOvr>
+    <a:masterClrMapping/>
+  </p:clrMapOvr>
+  <p:transition spd="med"/>
+</p:sld>
+</file>
+
+<file path=ppt/slides/slide28.xml><?xml version="1.0" encoding="utf-8"?>
+<p:sld xmlns:a="http://schemas.openxmlformats.org/drawingml/2006/main" xmlns:r="http://schemas.openxmlformats.org/officeDocument/2006/relationships" xmlns:p="http://schemas.openxmlformats.org/presentationml/2006/main">
+  <p:cSld>
+    <p:bg>
+      <p:bgPr>
+        <a:solidFill>
+          <a:srgbClr val="5E5E5E"/>
+        </a:solidFill>
+        <a:effectLst/>
+      </p:bgPr>
+    </p:bg>
+    <p:spTree>
+      <p:nvGrpSpPr>
+        <p:cNvPr id="1" name=""/>
+        <p:cNvGrpSpPr/>
+        <p:nvPr/>
+      </p:nvGrpSpPr>
+      <p:grpSpPr>
+        <a:xfrm>
+          <a:off x="0" y="0"/>
+          <a:ext cx="0" cy="0"/>
+          <a:chOff x="0" y="0"/>
+          <a:chExt cx="0" cy="0"/>
+        </a:xfrm>
+      </p:grpSpPr>
+      <p:sp>
+        <p:nvSpPr>
+          <p:cNvPr id="983" name="实现代码"/>
+          <p:cNvSpPr txBox="1">
+            <a:spLocks noGrp="1"/>
+          </p:cNvSpPr>
+          <p:nvPr>
+            <p:ph type="title"/>
+          </p:nvPr>
+        </p:nvSpPr>
+        <p:spPr>
+          <a:prstGeom prst="rect">
+            <a:avLst/>
+          </a:prstGeom>
+        </p:spPr>
+        <p:txBody>
+          <a:bodyPr/>
+          <a:lstStyle>
+            <a:lvl1pPr algn="l">
+              <a:defRPr>
+                <a:solidFill>
+                  <a:srgbClr val="FFFFFF"/>
+                </a:solidFill>
+              </a:defRPr>
+            </a:lvl1pPr>
+          </a:lstStyle>
+          <a:p>
+            <a:r>
+              <a:rPr lang="zh-CN" altLang="en-US" dirty="0">
+                <a:solidFill>
+                  <a:schemeClr val="accent5">
+                    <a:lumMod val="60000"/>
+                    <a:lumOff val="40000"/>
+                  </a:schemeClr>
+                </a:solidFill>
+              </a:rPr>
+              <a:t>搜索相关</a:t>
+            </a:r>
+            <a:endParaRPr dirty="0">
+              <a:solidFill>
+                <a:schemeClr val="accent5">
+                  <a:lumMod val="60000"/>
+                  <a:lumOff val="40000"/>
+                </a:schemeClr>
+              </a:solidFill>
+            </a:endParaRPr>
+          </a:p>
+        </p:txBody>
+      </p:sp>
+      <p:sp>
+        <p:nvSpPr>
+          <p:cNvPr id="984" name="const online_user_hll = &quot;ONLINE_USER_HLL&quot;…"/>
+          <p:cNvSpPr txBox="1">
+            <a:spLocks noGrp="1"/>
+          </p:cNvSpPr>
+          <p:nvPr>
+            <p:ph type="body" idx="1"/>
+          </p:nvPr>
+        </p:nvSpPr>
+        <p:spPr>
+          <a:xfrm>
+            <a:off x="1689100" y="3149600"/>
+            <a:ext cx="20731022" cy="9296400"/>
+          </a:xfrm>
+          <a:prstGeom prst="rect">
+            <a:avLst/>
+          </a:prstGeom>
+        </p:spPr>
+        <p:txBody>
+          <a:bodyPr anchor="t">
+            <a:normAutofit/>
+          </a:bodyPr>
+          <a:lstStyle/>
           <a:p>
             <a:pPr marL="0" indent="0" defTabSz="12700">
               <a:spcBef>
@@ -11712,6 +11723,655 @@
                 <a:sym typeface="Courier"/>
               </a:defRPr>
             </a:pPr>
+            <a:r>
+              <a:rPr lang="en-US" altLang="zh-CN" dirty="0">
+                <a:solidFill>
+                  <a:schemeClr val="bg1"/>
+                </a:solidFill>
+              </a:rPr>
+              <a:t> </a:t>
+            </a:r>
+            <a:r>
+              <a:rPr lang="en-US" altLang="zh-CN" dirty="0">
+                <a:solidFill>
+                  <a:srgbClr val="FFC000"/>
+                </a:solidFill>
+              </a:rPr>
+              <a:t>def</a:t>
+            </a:r>
+            <a:r>
+              <a:rPr lang="en-US" altLang="zh-CN" dirty="0">
+                <a:solidFill>
+                  <a:schemeClr val="bg1"/>
+                </a:solidFill>
+              </a:rPr>
+              <a:t> </a:t>
+            </a:r>
+            <a:r>
+              <a:rPr lang="en-US" altLang="zh-CN" dirty="0" err="1">
+                <a:solidFill>
+                  <a:schemeClr val="bg1"/>
+                </a:solidFill>
+              </a:rPr>
+              <a:t>query_search</a:t>
+            </a:r>
+            <a:r>
+              <a:rPr lang="en-US" altLang="zh-CN" dirty="0">
+                <a:solidFill>
+                  <a:schemeClr val="bg1"/>
+                </a:solidFill>
+              </a:rPr>
+              <a:t>(self, </a:t>
+            </a:r>
+            <a:r>
+              <a:rPr lang="en-US" altLang="zh-CN" dirty="0" err="1">
+                <a:solidFill>
+                  <a:schemeClr val="accent5">
+                    <a:lumMod val="60000"/>
+                    <a:lumOff val="40000"/>
+                  </a:schemeClr>
+                </a:solidFill>
+              </a:rPr>
+              <a:t>key_word</a:t>
+            </a:r>
+            <a:r>
+              <a:rPr lang="en-US" altLang="zh-CN" dirty="0">
+                <a:solidFill>
+                  <a:schemeClr val="bg1"/>
+                </a:solidFill>
+              </a:rPr>
+              <a:t>):</a:t>
+            </a:r>
+          </a:p>
+          <a:p>
+            <a:pPr marL="0" indent="0" defTabSz="12700">
+              <a:spcBef>
+                <a:spcPts val="0"/>
+              </a:spcBef>
+              <a:buSzTx/>
+              <a:buNone/>
+              <a:tabLst>
+                <a:tab pos="355600" algn="l"/>
+                <a:tab pos="711200" algn="l"/>
+                <a:tab pos="1066800" algn="l"/>
+                <a:tab pos="1422400" algn="l"/>
+                <a:tab pos="1778000" algn="l"/>
+                <a:tab pos="2133600" algn="l"/>
+                <a:tab pos="2489200" algn="l"/>
+                <a:tab pos="2844800" algn="l"/>
+                <a:tab pos="3200400" algn="l"/>
+                <a:tab pos="3556000" algn="l"/>
+                <a:tab pos="3911600" algn="l"/>
+                <a:tab pos="4267200" algn="l"/>
+              </a:tabLst>
+              <a:defRPr sz="3700">
+                <a:latin typeface="Courier"/>
+                <a:ea typeface="Courier"/>
+                <a:cs typeface="Courier"/>
+                <a:sym typeface="Courier"/>
+              </a:defRPr>
+            </a:pPr>
+            <a:endParaRPr lang="en-US" altLang="zh-CN" dirty="0">
+              <a:solidFill>
+                <a:schemeClr val="bg1"/>
+              </a:solidFill>
+            </a:endParaRPr>
+          </a:p>
+          <a:p>
+            <a:pPr marL="0" indent="0" defTabSz="12700">
+              <a:spcBef>
+                <a:spcPts val="0"/>
+              </a:spcBef>
+              <a:buSzTx/>
+              <a:buNone/>
+              <a:tabLst>
+                <a:tab pos="355600" algn="l"/>
+                <a:tab pos="711200" algn="l"/>
+                <a:tab pos="1066800" algn="l"/>
+                <a:tab pos="1422400" algn="l"/>
+                <a:tab pos="1778000" algn="l"/>
+                <a:tab pos="2133600" algn="l"/>
+                <a:tab pos="2489200" algn="l"/>
+                <a:tab pos="2844800" algn="l"/>
+                <a:tab pos="3200400" algn="l"/>
+                <a:tab pos="3556000" algn="l"/>
+                <a:tab pos="3911600" algn="l"/>
+                <a:tab pos="4267200" algn="l"/>
+              </a:tabLst>
+              <a:defRPr sz="3700">
+                <a:latin typeface="Courier"/>
+                <a:ea typeface="Courier"/>
+                <a:cs typeface="Courier"/>
+                <a:sym typeface="Courier"/>
+              </a:defRPr>
+            </a:pPr>
+            <a:r>
+              <a:rPr lang="en-US" altLang="zh-CN" dirty="0">
+                <a:solidFill>
+                  <a:schemeClr val="bg1"/>
+                </a:solidFill>
+              </a:rPr>
+              <a:t>        </a:t>
+            </a:r>
+            <a:r>
+              <a:rPr lang="en-US" altLang="zh-CN" dirty="0" err="1">
+                <a:solidFill>
+                  <a:schemeClr val="bg1"/>
+                </a:solidFill>
+              </a:rPr>
+              <a:t>dsl</a:t>
+            </a:r>
+            <a:r>
+              <a:rPr lang="en-US" altLang="zh-CN" dirty="0">
+                <a:solidFill>
+                  <a:schemeClr val="bg1"/>
+                </a:solidFill>
+              </a:rPr>
+              <a:t> = {</a:t>
+            </a:r>
+          </a:p>
+          <a:p>
+            <a:pPr marL="0" indent="0" defTabSz="12700">
+              <a:spcBef>
+                <a:spcPts val="0"/>
+              </a:spcBef>
+              <a:buSzTx/>
+              <a:buNone/>
+              <a:tabLst>
+                <a:tab pos="355600" algn="l"/>
+                <a:tab pos="711200" algn="l"/>
+                <a:tab pos="1066800" algn="l"/>
+                <a:tab pos="1422400" algn="l"/>
+                <a:tab pos="1778000" algn="l"/>
+                <a:tab pos="2133600" algn="l"/>
+                <a:tab pos="2489200" algn="l"/>
+                <a:tab pos="2844800" algn="l"/>
+                <a:tab pos="3200400" algn="l"/>
+                <a:tab pos="3556000" algn="l"/>
+                <a:tab pos="3911600" algn="l"/>
+                <a:tab pos="4267200" algn="l"/>
+              </a:tabLst>
+              <a:defRPr sz="3700">
+                <a:latin typeface="Courier"/>
+                <a:ea typeface="Courier"/>
+                <a:cs typeface="Courier"/>
+                <a:sym typeface="Courier"/>
+              </a:defRPr>
+            </a:pPr>
+            <a:r>
+              <a:rPr lang="en-US" altLang="zh-CN" dirty="0">
+                <a:solidFill>
+                  <a:schemeClr val="bg1"/>
+                </a:solidFill>
+              </a:rPr>
+              <a:t>            'query': {</a:t>
+            </a:r>
+          </a:p>
+          <a:p>
+            <a:pPr marL="0" indent="0" defTabSz="12700">
+              <a:spcBef>
+                <a:spcPts val="0"/>
+              </a:spcBef>
+              <a:buSzTx/>
+              <a:buNone/>
+              <a:tabLst>
+                <a:tab pos="355600" algn="l"/>
+                <a:tab pos="711200" algn="l"/>
+                <a:tab pos="1066800" algn="l"/>
+                <a:tab pos="1422400" algn="l"/>
+                <a:tab pos="1778000" algn="l"/>
+                <a:tab pos="2133600" algn="l"/>
+                <a:tab pos="2489200" algn="l"/>
+                <a:tab pos="2844800" algn="l"/>
+                <a:tab pos="3200400" algn="l"/>
+                <a:tab pos="3556000" algn="l"/>
+                <a:tab pos="3911600" algn="l"/>
+                <a:tab pos="4267200" algn="l"/>
+              </a:tabLst>
+              <a:defRPr sz="3700">
+                <a:latin typeface="Courier"/>
+                <a:ea typeface="Courier"/>
+                <a:cs typeface="Courier"/>
+                <a:sym typeface="Courier"/>
+              </a:defRPr>
+            </a:pPr>
+            <a:r>
+              <a:rPr lang="en-US" altLang="zh-CN" dirty="0">
+                <a:solidFill>
+                  <a:schemeClr val="bg1"/>
+                </a:solidFill>
+              </a:rPr>
+              <a:t>                'match': {</a:t>
+            </a:r>
+          </a:p>
+          <a:p>
+            <a:pPr marL="0" indent="0" defTabSz="12700">
+              <a:spcBef>
+                <a:spcPts val="0"/>
+              </a:spcBef>
+              <a:buSzTx/>
+              <a:buNone/>
+              <a:tabLst>
+                <a:tab pos="355600" algn="l"/>
+                <a:tab pos="711200" algn="l"/>
+                <a:tab pos="1066800" algn="l"/>
+                <a:tab pos="1422400" algn="l"/>
+                <a:tab pos="1778000" algn="l"/>
+                <a:tab pos="2133600" algn="l"/>
+                <a:tab pos="2489200" algn="l"/>
+                <a:tab pos="2844800" algn="l"/>
+                <a:tab pos="3200400" algn="l"/>
+                <a:tab pos="3556000" algn="l"/>
+                <a:tab pos="3911600" algn="l"/>
+                <a:tab pos="4267200" algn="l"/>
+              </a:tabLst>
+              <a:defRPr sz="3700">
+                <a:latin typeface="Courier"/>
+                <a:ea typeface="Courier"/>
+                <a:cs typeface="Courier"/>
+                <a:sym typeface="Courier"/>
+              </a:defRPr>
+            </a:pPr>
+            <a:r>
+              <a:rPr lang="en-US" altLang="zh-CN" dirty="0">
+                <a:solidFill>
+                  <a:schemeClr val="bg1"/>
+                </a:solidFill>
+              </a:rPr>
+              <a:t>                    'title': '{}'.format(</a:t>
+            </a:r>
+            <a:r>
+              <a:rPr lang="en-US" altLang="zh-CN" dirty="0" err="1">
+                <a:solidFill>
+                  <a:schemeClr val="bg1"/>
+                </a:solidFill>
+              </a:rPr>
+              <a:t>key_word</a:t>
+            </a:r>
+            <a:r>
+              <a:rPr lang="en-US" altLang="zh-CN" dirty="0">
+                <a:solidFill>
+                  <a:schemeClr val="bg1"/>
+                </a:solidFill>
+              </a:rPr>
+              <a:t>)</a:t>
+            </a:r>
+          </a:p>
+          <a:p>
+            <a:pPr marL="0" indent="0" defTabSz="12700">
+              <a:spcBef>
+                <a:spcPts val="0"/>
+              </a:spcBef>
+              <a:buSzTx/>
+              <a:buNone/>
+              <a:tabLst>
+                <a:tab pos="355600" algn="l"/>
+                <a:tab pos="711200" algn="l"/>
+                <a:tab pos="1066800" algn="l"/>
+                <a:tab pos="1422400" algn="l"/>
+                <a:tab pos="1778000" algn="l"/>
+                <a:tab pos="2133600" algn="l"/>
+                <a:tab pos="2489200" algn="l"/>
+                <a:tab pos="2844800" algn="l"/>
+                <a:tab pos="3200400" algn="l"/>
+                <a:tab pos="3556000" algn="l"/>
+                <a:tab pos="3911600" algn="l"/>
+                <a:tab pos="4267200" algn="l"/>
+              </a:tabLst>
+              <a:defRPr sz="3700">
+                <a:latin typeface="Courier"/>
+                <a:ea typeface="Courier"/>
+                <a:cs typeface="Courier"/>
+                <a:sym typeface="Courier"/>
+              </a:defRPr>
+            </a:pPr>
+            <a:r>
+              <a:rPr lang="en-US" altLang="zh-CN" dirty="0">
+                <a:solidFill>
+                  <a:schemeClr val="bg1"/>
+                </a:solidFill>
+              </a:rPr>
+              <a:t>                }</a:t>
+            </a:r>
+          </a:p>
+          <a:p>
+            <a:pPr marL="0" indent="0" defTabSz="12700">
+              <a:spcBef>
+                <a:spcPts val="0"/>
+              </a:spcBef>
+              <a:buSzTx/>
+              <a:buNone/>
+              <a:tabLst>
+                <a:tab pos="355600" algn="l"/>
+                <a:tab pos="711200" algn="l"/>
+                <a:tab pos="1066800" algn="l"/>
+                <a:tab pos="1422400" algn="l"/>
+                <a:tab pos="1778000" algn="l"/>
+                <a:tab pos="2133600" algn="l"/>
+                <a:tab pos="2489200" algn="l"/>
+                <a:tab pos="2844800" algn="l"/>
+                <a:tab pos="3200400" algn="l"/>
+                <a:tab pos="3556000" algn="l"/>
+                <a:tab pos="3911600" algn="l"/>
+                <a:tab pos="4267200" algn="l"/>
+              </a:tabLst>
+              <a:defRPr sz="3700">
+                <a:latin typeface="Courier"/>
+                <a:ea typeface="Courier"/>
+                <a:cs typeface="Courier"/>
+                <a:sym typeface="Courier"/>
+              </a:defRPr>
+            </a:pPr>
+            <a:r>
+              <a:rPr lang="en-US" altLang="zh-CN" dirty="0">
+                <a:solidFill>
+                  <a:schemeClr val="bg1"/>
+                </a:solidFill>
+              </a:rPr>
+              <a:t>            }</a:t>
+            </a:r>
+          </a:p>
+          <a:p>
+            <a:pPr marL="0" indent="0" defTabSz="12700">
+              <a:spcBef>
+                <a:spcPts val="0"/>
+              </a:spcBef>
+              <a:buSzTx/>
+              <a:buNone/>
+              <a:tabLst>
+                <a:tab pos="355600" algn="l"/>
+                <a:tab pos="711200" algn="l"/>
+                <a:tab pos="1066800" algn="l"/>
+                <a:tab pos="1422400" algn="l"/>
+                <a:tab pos="1778000" algn="l"/>
+                <a:tab pos="2133600" algn="l"/>
+                <a:tab pos="2489200" algn="l"/>
+                <a:tab pos="2844800" algn="l"/>
+                <a:tab pos="3200400" algn="l"/>
+                <a:tab pos="3556000" algn="l"/>
+                <a:tab pos="3911600" algn="l"/>
+                <a:tab pos="4267200" algn="l"/>
+              </a:tabLst>
+              <a:defRPr sz="3700">
+                <a:latin typeface="Courier"/>
+                <a:ea typeface="Courier"/>
+                <a:cs typeface="Courier"/>
+                <a:sym typeface="Courier"/>
+              </a:defRPr>
+            </a:pPr>
+            <a:r>
+              <a:rPr lang="en-US" altLang="zh-CN" dirty="0">
+                <a:solidFill>
+                  <a:schemeClr val="bg1"/>
+                </a:solidFill>
+              </a:rPr>
+              <a:t>        }</a:t>
+            </a:r>
+          </a:p>
+          <a:p>
+            <a:pPr marL="0" indent="0" defTabSz="12700">
+              <a:spcBef>
+                <a:spcPts val="0"/>
+              </a:spcBef>
+              <a:buSzTx/>
+              <a:buNone/>
+              <a:tabLst>
+                <a:tab pos="355600" algn="l"/>
+                <a:tab pos="711200" algn="l"/>
+                <a:tab pos="1066800" algn="l"/>
+                <a:tab pos="1422400" algn="l"/>
+                <a:tab pos="1778000" algn="l"/>
+                <a:tab pos="2133600" algn="l"/>
+                <a:tab pos="2489200" algn="l"/>
+                <a:tab pos="2844800" algn="l"/>
+                <a:tab pos="3200400" algn="l"/>
+                <a:tab pos="3556000" algn="l"/>
+                <a:tab pos="3911600" algn="l"/>
+                <a:tab pos="4267200" algn="l"/>
+              </a:tabLst>
+              <a:defRPr sz="3700">
+                <a:latin typeface="Courier"/>
+                <a:ea typeface="Courier"/>
+                <a:cs typeface="Courier"/>
+                <a:sym typeface="Courier"/>
+              </a:defRPr>
+            </a:pPr>
+            <a:r>
+              <a:rPr lang="en-US" altLang="zh-CN" dirty="0">
+                <a:solidFill>
+                  <a:schemeClr val="bg1"/>
+                </a:solidFill>
+              </a:rPr>
+              <a:t>        search = </a:t>
+            </a:r>
+            <a:r>
+              <a:rPr lang="en-US" altLang="zh-CN" dirty="0" err="1">
+                <a:solidFill>
+                  <a:schemeClr val="bg1"/>
+                </a:solidFill>
+              </a:rPr>
+              <a:t>self.es.search</a:t>
+            </a:r>
+            <a:r>
+              <a:rPr lang="en-US" altLang="zh-CN" dirty="0">
+                <a:solidFill>
+                  <a:schemeClr val="bg1"/>
+                </a:solidFill>
+              </a:rPr>
+              <a:t>(index='</a:t>
+            </a:r>
+            <a:r>
+              <a:rPr lang="en-US" altLang="zh-CN" dirty="0" err="1">
+                <a:solidFill>
+                  <a:schemeClr val="bg1"/>
+                </a:solidFill>
+              </a:rPr>
+              <a:t>news_politics</a:t>
+            </a:r>
+            <a:r>
+              <a:rPr lang="en-US" altLang="zh-CN" dirty="0">
+                <a:solidFill>
+                  <a:schemeClr val="bg1"/>
+                </a:solidFill>
+              </a:rPr>
+              <a:t>', body=</a:t>
+            </a:r>
+            <a:r>
+              <a:rPr lang="en-US" altLang="zh-CN" dirty="0" err="1">
+                <a:solidFill>
+                  <a:schemeClr val="bg1"/>
+                </a:solidFill>
+              </a:rPr>
+              <a:t>dsl</a:t>
+            </a:r>
+            <a:r>
+              <a:rPr lang="en-US" altLang="zh-CN" dirty="0">
+                <a:solidFill>
+                  <a:schemeClr val="bg1"/>
+                </a:solidFill>
+              </a:rPr>
+              <a:t>)</a:t>
+            </a:r>
+          </a:p>
+          <a:p>
+            <a:pPr marL="0" indent="0" defTabSz="12700">
+              <a:spcBef>
+                <a:spcPts val="0"/>
+              </a:spcBef>
+              <a:buSzTx/>
+              <a:buNone/>
+              <a:tabLst>
+                <a:tab pos="355600" algn="l"/>
+                <a:tab pos="711200" algn="l"/>
+                <a:tab pos="1066800" algn="l"/>
+                <a:tab pos="1422400" algn="l"/>
+                <a:tab pos="1778000" algn="l"/>
+                <a:tab pos="2133600" algn="l"/>
+                <a:tab pos="2489200" algn="l"/>
+                <a:tab pos="2844800" algn="l"/>
+                <a:tab pos="3200400" algn="l"/>
+                <a:tab pos="3556000" algn="l"/>
+                <a:tab pos="3911600" algn="l"/>
+                <a:tab pos="4267200" algn="l"/>
+              </a:tabLst>
+              <a:defRPr sz="3700">
+                <a:latin typeface="Courier"/>
+                <a:ea typeface="Courier"/>
+                <a:cs typeface="Courier"/>
+                <a:sym typeface="Courier"/>
+              </a:defRPr>
+            </a:pPr>
+            <a:r>
+              <a:rPr lang="en-US" altLang="zh-CN" dirty="0">
+                <a:solidFill>
+                  <a:schemeClr val="bg1"/>
+                </a:solidFill>
+              </a:rPr>
+              <a:t>        </a:t>
+            </a:r>
+            <a:r>
+              <a:rPr lang="en-US" altLang="zh-CN" dirty="0" err="1">
+                <a:solidFill>
+                  <a:schemeClr val="bg1"/>
+                </a:solidFill>
+              </a:rPr>
+              <a:t>search_info</a:t>
+            </a:r>
+            <a:r>
+              <a:rPr lang="en-US" altLang="zh-CN" dirty="0">
+                <a:solidFill>
+                  <a:schemeClr val="bg1"/>
+                </a:solidFill>
+              </a:rPr>
+              <a:t> = </a:t>
+            </a:r>
+            <a:r>
+              <a:rPr lang="en-US" altLang="zh-CN" dirty="0" err="1">
+                <a:solidFill>
+                  <a:schemeClr val="bg1"/>
+                </a:solidFill>
+              </a:rPr>
+              <a:t>json.dumps</a:t>
+            </a:r>
+            <a:r>
+              <a:rPr lang="en-US" altLang="zh-CN" dirty="0">
+                <a:solidFill>
+                  <a:schemeClr val="bg1"/>
+                </a:solidFill>
+              </a:rPr>
+              <a:t>(search, indent=2, </a:t>
+            </a:r>
+            <a:r>
+              <a:rPr lang="en-US" altLang="zh-CN" dirty="0" err="1">
+                <a:solidFill>
+                  <a:schemeClr val="bg1"/>
+                </a:solidFill>
+              </a:rPr>
+              <a:t>ensure_ascii</a:t>
+            </a:r>
+            <a:r>
+              <a:rPr lang="en-US" altLang="zh-CN" dirty="0">
+                <a:solidFill>
+                  <a:schemeClr val="bg1"/>
+                </a:solidFill>
+              </a:rPr>
+              <a:t>=False)</a:t>
+            </a:r>
+          </a:p>
+          <a:p>
+            <a:pPr marL="0" indent="0" defTabSz="12700">
+              <a:spcBef>
+                <a:spcPts val="0"/>
+              </a:spcBef>
+              <a:buSzTx/>
+              <a:buNone/>
+              <a:tabLst>
+                <a:tab pos="355600" algn="l"/>
+                <a:tab pos="711200" algn="l"/>
+                <a:tab pos="1066800" algn="l"/>
+                <a:tab pos="1422400" algn="l"/>
+                <a:tab pos="1778000" algn="l"/>
+                <a:tab pos="2133600" algn="l"/>
+                <a:tab pos="2489200" algn="l"/>
+                <a:tab pos="2844800" algn="l"/>
+                <a:tab pos="3200400" algn="l"/>
+                <a:tab pos="3556000" algn="l"/>
+                <a:tab pos="3911600" algn="l"/>
+                <a:tab pos="4267200" algn="l"/>
+              </a:tabLst>
+              <a:defRPr sz="3700">
+                <a:latin typeface="Courier"/>
+                <a:ea typeface="Courier"/>
+                <a:cs typeface="Courier"/>
+                <a:sym typeface="Courier"/>
+              </a:defRPr>
+            </a:pPr>
+            <a:r>
+              <a:rPr lang="en-US" altLang="zh-CN" dirty="0">
+                <a:solidFill>
+                  <a:schemeClr val="bg1"/>
+                </a:solidFill>
+              </a:rPr>
+              <a:t>        </a:t>
+            </a:r>
+            <a:r>
+              <a:rPr lang="en-US" altLang="zh-CN" dirty="0">
+                <a:solidFill>
+                  <a:srgbClr val="0070C0"/>
+                </a:solidFill>
+              </a:rPr>
+              <a:t>return</a:t>
+            </a:r>
+            <a:r>
+              <a:rPr lang="en-US" altLang="zh-CN" dirty="0">
+                <a:solidFill>
+                  <a:schemeClr val="bg1"/>
+                </a:solidFill>
+              </a:rPr>
+              <a:t> </a:t>
+            </a:r>
+            <a:r>
+              <a:rPr lang="en-US" altLang="zh-CN" dirty="0" err="1">
+                <a:solidFill>
+                  <a:schemeClr val="bg1"/>
+                </a:solidFill>
+              </a:rPr>
+              <a:t>search_info</a:t>
+            </a:r>
+            <a:endParaRPr lang="en-US" altLang="zh-CN" dirty="0">
+              <a:solidFill>
+                <a:schemeClr val="bg1"/>
+              </a:solidFill>
+            </a:endParaRPr>
+          </a:p>
+          <a:p>
+            <a:pPr marL="0" indent="0" defTabSz="12700">
+              <a:spcBef>
+                <a:spcPts val="0"/>
+              </a:spcBef>
+              <a:buSzTx/>
+              <a:buNone/>
+              <a:tabLst>
+                <a:tab pos="355600" algn="l"/>
+                <a:tab pos="711200" algn="l"/>
+                <a:tab pos="1066800" algn="l"/>
+                <a:tab pos="1422400" algn="l"/>
+                <a:tab pos="1778000" algn="l"/>
+                <a:tab pos="2133600" algn="l"/>
+                <a:tab pos="2489200" algn="l"/>
+                <a:tab pos="2844800" algn="l"/>
+                <a:tab pos="3200400" algn="l"/>
+                <a:tab pos="3556000" algn="l"/>
+                <a:tab pos="3911600" algn="l"/>
+                <a:tab pos="4267200" algn="l"/>
+              </a:tabLst>
+              <a:defRPr sz="3700">
+                <a:latin typeface="Courier"/>
+                <a:ea typeface="Courier"/>
+                <a:cs typeface="Courier"/>
+                <a:sym typeface="Courier"/>
+              </a:defRPr>
+            </a:pPr>
             <a:endParaRPr lang="en-US" altLang="zh-CN" dirty="0">
               <a:solidFill>
                 <a:schemeClr val="bg1"/>
@@ -11734,7 +12394,7 @@
 </p:sld>
 </file>
 
-<file path=ppt/slides/slide27.xml><?xml version="1.0" encoding="utf-8"?>
+<file path=ppt/slides/slide29.xml><?xml version="1.0" encoding="utf-8"?>
 <p:sld xmlns:a="http://schemas.openxmlformats.org/drawingml/2006/main" xmlns:r="http://schemas.openxmlformats.org/officeDocument/2006/relationships" xmlns:p="http://schemas.openxmlformats.org/presentationml/2006/main">
   <p:cSld>
     <p:bg>

--- a/elasticsearch.pptx
+++ b/elasticsearch.pptx
@@ -5,7 +5,7 @@
     <p:sldMasterId id="2147483648" r:id="rId1"/>
   </p:sldMasterIdLst>
   <p:notesMasterIdLst>
-    <p:notesMasterId r:id="rId31"/>
+    <p:notesMasterId r:id="rId41"/>
   </p:notesMasterIdLst>
   <p:sldIdLst>
     <p:sldId id="256" r:id="rId2"/>
@@ -37,6 +37,16 @@
     <p:sldId id="390" r:id="rId28"/>
     <p:sldId id="441" r:id="rId29"/>
     <p:sldId id="442" r:id="rId30"/>
+    <p:sldId id="460" r:id="rId31"/>
+    <p:sldId id="459" r:id="rId32"/>
+    <p:sldId id="461" r:id="rId33"/>
+    <p:sldId id="463" r:id="rId34"/>
+    <p:sldId id="462" r:id="rId35"/>
+    <p:sldId id="464" r:id="rId36"/>
+    <p:sldId id="467" r:id="rId37"/>
+    <p:sldId id="465" r:id="rId38"/>
+    <p:sldId id="466" r:id="rId39"/>
+    <p:sldId id="458" r:id="rId40"/>
   </p:sldIdLst>
   <p:sldSz cx="24384000" cy="13716000"/>
   <p:notesSz cx="6858000" cy="9144000"/>
@@ -1940,7 +1950,7 @@
           </a:ln>
           <a:extLst>
             <a:ext uri="{C572A759-6A51-4108-AA02-DFA0A04FC94B}">
-              <ma14:wrappingTextBoxFlag xmlns="" xmlns:ma14="http://schemas.microsoft.com/office/mac/drawingml/2011/main" val="1"/>
+              <ma14:wrappingTextBoxFlag xmlns:ma14="http://schemas.microsoft.com/office/mac/drawingml/2011/main" xmlns="" val="1"/>
             </a:ext>
           </a:extLst>
         </p:spPr>
@@ -1979,7 +1989,7 @@
           </a:ln>
           <a:extLst>
             <a:ext uri="{C572A759-6A51-4108-AA02-DFA0A04FC94B}">
-              <ma14:wrappingTextBoxFlag xmlns="" xmlns:ma14="http://schemas.microsoft.com/office/mac/drawingml/2011/main" val="1"/>
+              <ma14:wrappingTextBoxFlag xmlns:ma14="http://schemas.microsoft.com/office/mac/drawingml/2011/main" xmlns="" val="1"/>
             </a:ext>
           </a:extLst>
         </p:spPr>
@@ -2934,7 +2944,7 @@
           </a:ln>
           <a:extLst>
             <a:ext uri="{C572A759-6A51-4108-AA02-DFA0A04FC94B}">
-              <ma14:wrappingTextBoxFlag xmlns="" xmlns:ma14="http://schemas.microsoft.com/office/mac/drawingml/2011/main" val="1"/>
+              <ma14:wrappingTextBoxFlag xmlns:ma14="http://schemas.microsoft.com/office/mac/drawingml/2011/main" xmlns="" val="1"/>
             </a:ext>
           </a:extLst>
         </p:spPr>
@@ -2991,7 +3001,7 @@
           </a:ln>
           <a:extLst>
             <a:ext uri="{C572A759-6A51-4108-AA02-DFA0A04FC94B}">
-              <ma14:wrappingTextBoxFlag xmlns="" xmlns:ma14="http://schemas.microsoft.com/office/mac/drawingml/2011/main" val="1"/>
+              <ma14:wrappingTextBoxFlag xmlns:ma14="http://schemas.microsoft.com/office/mac/drawingml/2011/main" xmlns="" val="1"/>
             </a:ext>
           </a:extLst>
         </p:spPr>
@@ -12317,7 +12327,7 @@
             <a:r>
               <a:rPr lang="en-US" altLang="zh-CN" dirty="0">
                 <a:solidFill>
-                  <a:srgbClr val="0070C0"/>
+                  <a:srgbClr val="FFC000"/>
                 </a:solidFill>
               </a:rPr>
               <a:t>return</a:t>
@@ -12489,7 +12499,7 @@
         </p:spPr>
         <p:txBody>
           <a:bodyPr anchor="t">
-            <a:normAutofit lnSpcReduction="10000"/>
+            <a:normAutofit/>
           </a:bodyPr>
           <a:lstStyle/>
           <a:p>
@@ -12649,7 +12659,7 @@
                   <a:schemeClr val="bg1"/>
                 </a:solidFill>
               </a:rPr>
-              <a:t>(index=index)['count']</a:t>
+              <a:t>(index=index)['count’]</a:t>
             </a:r>
           </a:p>
           <a:p>
@@ -12686,7 +12696,7 @@
                   <a:schemeClr val="bg1"/>
                 </a:solidFill>
               </a:rPr>
-              <a:t>        </a:t>
+              <a:t>        page, </a:t>
             </a:r>
             <a:r>
               <a:rPr lang="en-US" altLang="zh-CN" dirty="0" err="1">
@@ -12694,15 +12704,15 @@
                   <a:schemeClr val="bg1"/>
                 </a:solidFill>
               </a:rPr>
-              <a:t>page_remainder</a:t>
-            </a:r>
-            <a:r>
-              <a:rPr lang="en-US" altLang="zh-CN" dirty="0">
-                <a:solidFill>
-                  <a:schemeClr val="bg1"/>
-                </a:solidFill>
-              </a:rPr>
-              <a:t> = count % </a:t>
+              <a:t>page_reminder</a:t>
+            </a:r>
+            <a:r>
+              <a:rPr lang="en-US" altLang="zh-CN" dirty="0">
+                <a:solidFill>
+                  <a:schemeClr val="bg1"/>
+                </a:solidFill>
+              </a:rPr>
+              <a:t> = </a:t>
             </a:r>
             <a:r>
               <a:rPr lang="en-US" altLang="zh-CN" dirty="0" err="1">
@@ -12710,13 +12720,32 @@
                   <a:schemeClr val="bg1"/>
                 </a:solidFill>
               </a:rPr>
+              <a:t>divmod</a:t>
+            </a:r>
+            <a:r>
+              <a:rPr lang="en-US" altLang="zh-CN" dirty="0">
+                <a:solidFill>
+                  <a:schemeClr val="bg1"/>
+                </a:solidFill>
+              </a:rPr>
+              <a:t>(count, </a:t>
+            </a:r>
+            <a:r>
+              <a:rPr lang="en-US" altLang="zh-CN" dirty="0" err="1">
+                <a:solidFill>
+                  <a:schemeClr val="bg1"/>
+                </a:solidFill>
+              </a:rPr>
               <a:t>page_line</a:t>
             </a:r>
-            <a:endParaRPr lang="en-US" altLang="zh-CN" dirty="0">
-              <a:solidFill>
-                <a:schemeClr val="bg1"/>
-              </a:solidFill>
-            </a:endParaRPr>
+            <a:r>
+              <a:rPr lang="en-US" altLang="zh-CN" dirty="0">
+                <a:solidFill>
+                  <a:schemeClr val="bg1"/>
+                </a:solidFill>
+              </a:rPr>
+              <a:t>)</a:t>
+            </a:r>
           </a:p>
           <a:p>
             <a:pPr marL="0" indent="0" defTabSz="12700">
@@ -12752,7 +12781,23 @@
                   <a:schemeClr val="bg1"/>
                 </a:solidFill>
               </a:rPr>
-              <a:t>        if </a:t>
+              <a:t>        page = page </a:t>
+            </a:r>
+            <a:r>
+              <a:rPr lang="en-US" altLang="zh-CN" dirty="0">
+                <a:solidFill>
+                  <a:srgbClr val="FFC000"/>
+                </a:solidFill>
+              </a:rPr>
+              <a:t>if</a:t>
+            </a:r>
+            <a:r>
+              <a:rPr lang="en-US" altLang="zh-CN" dirty="0">
+                <a:solidFill>
+                  <a:schemeClr val="bg1"/>
+                </a:solidFill>
+              </a:rPr>
+              <a:t> </a:t>
             </a:r>
             <a:r>
               <a:rPr lang="en-US" altLang="zh-CN" dirty="0" err="1">
@@ -12760,15 +12805,31 @@
                   <a:schemeClr val="bg1"/>
                 </a:solidFill>
               </a:rPr>
-              <a:t>page_remainder</a:t>
-            </a:r>
-            <a:r>
-              <a:rPr lang="en-US" altLang="zh-CN" dirty="0">
-                <a:solidFill>
-                  <a:schemeClr val="bg1"/>
-                </a:solidFill>
-              </a:rPr>
-              <a:t> == 0:</a:t>
+              <a:t>page_reminder</a:t>
+            </a:r>
+            <a:r>
+              <a:rPr lang="en-US" altLang="zh-CN" dirty="0">
+                <a:solidFill>
+                  <a:schemeClr val="bg1"/>
+                </a:solidFill>
+              </a:rPr>
+              <a:t> == 0 </a:t>
+            </a:r>
+            <a:r>
+              <a:rPr lang="en-US" altLang="zh-CN" dirty="0">
+                <a:solidFill>
+                  <a:srgbClr val="FFC000"/>
+                </a:solidFill>
+              </a:rPr>
+              <a:t>else</a:t>
+            </a:r>
+            <a:r>
+              <a:rPr lang="en-US" altLang="zh-CN" dirty="0">
+                <a:solidFill>
+                  <a:schemeClr val="bg1"/>
+                </a:solidFill>
+              </a:rPr>
+              <a:t> page+1        </a:t>
             </a:r>
           </a:p>
           <a:p>
@@ -12805,7 +12866,7 @@
                   <a:schemeClr val="bg1"/>
                 </a:solidFill>
               </a:rPr>
-              <a:t>            page = int(count/</a:t>
+              <a:t>        </a:t>
             </a:r>
             <a:r>
               <a:rPr lang="en-US" altLang="zh-CN" dirty="0" err="1">
@@ -12813,15 +12874,15 @@
                   <a:schemeClr val="bg1"/>
                 </a:solidFill>
               </a:rPr>
-              <a:t>page_line</a:t>
-            </a:r>
-            <a:r>
-              <a:rPr lang="en-US" altLang="zh-CN" dirty="0">
-                <a:solidFill>
-                  <a:schemeClr val="bg1"/>
-                </a:solidFill>
-              </a:rPr>
-              <a:t>)</a:t>
+              <a:t>data_list</a:t>
+            </a:r>
+            <a:r>
+              <a:rPr lang="en-US" altLang="zh-CN" dirty="0">
+                <a:solidFill>
+                  <a:schemeClr val="bg1"/>
+                </a:solidFill>
+              </a:rPr>
+              <a:t> = []</a:t>
             </a:r>
           </a:p>
           <a:p>
@@ -12858,7 +12919,55 @@
                   <a:schemeClr val="bg1"/>
                 </a:solidFill>
               </a:rPr>
-              <a:t>        else:</a:t>
+              <a:t>        </a:t>
+            </a:r>
+            <a:r>
+              <a:rPr lang="en-US" altLang="zh-CN" dirty="0">
+                <a:solidFill>
+                  <a:srgbClr val="FFC000"/>
+                </a:solidFill>
+              </a:rPr>
+              <a:t>for</a:t>
+            </a:r>
+            <a:r>
+              <a:rPr lang="en-US" altLang="zh-CN" dirty="0">
+                <a:solidFill>
+                  <a:schemeClr val="bg1"/>
+                </a:solidFill>
+              </a:rPr>
+              <a:t> </a:t>
+            </a:r>
+            <a:r>
+              <a:rPr lang="en-US" altLang="zh-CN" dirty="0" err="1">
+                <a:solidFill>
+                  <a:schemeClr val="bg1"/>
+                </a:solidFill>
+              </a:rPr>
+              <a:t>i</a:t>
+            </a:r>
+            <a:r>
+              <a:rPr lang="en-US" altLang="zh-CN" dirty="0">
+                <a:solidFill>
+                  <a:schemeClr val="bg1"/>
+                </a:solidFill>
+              </a:rPr>
+              <a:t> </a:t>
+            </a:r>
+            <a:r>
+              <a:rPr lang="en-US" altLang="zh-CN" dirty="0">
+                <a:solidFill>
+                  <a:srgbClr val="FFC000"/>
+                </a:solidFill>
+              </a:rPr>
+              <a:t>in</a:t>
+            </a:r>
+            <a:r>
+              <a:rPr lang="en-US" altLang="zh-CN" dirty="0">
+                <a:solidFill>
+                  <a:schemeClr val="bg1"/>
+                </a:solidFill>
+              </a:rPr>
+              <a:t> range(0, page):</a:t>
             </a:r>
           </a:p>
           <a:p>
@@ -12895,7 +13004,23 @@
                   <a:schemeClr val="bg1"/>
                 </a:solidFill>
               </a:rPr>
-              <a:t>            page = int(count/page_line+1)</a:t>
+              <a:t>            </a:t>
+            </a:r>
+            <a:r>
+              <a:rPr lang="en-US" altLang="zh-CN" dirty="0" err="1">
+                <a:solidFill>
+                  <a:schemeClr val="bg1"/>
+                </a:solidFill>
+              </a:rPr>
+              <a:t>dsl</a:t>
+            </a:r>
+            <a:r>
+              <a:rPr lang="en-US" altLang="zh-CN" dirty="0">
+                <a:solidFill>
+                  <a:schemeClr val="bg1"/>
+                </a:solidFill>
+              </a:rPr>
+              <a:t> = {</a:t>
             </a:r>
           </a:p>
           <a:p>
@@ -12932,7 +13057,7 @@
                   <a:schemeClr val="bg1"/>
                 </a:solidFill>
               </a:rPr>
-              <a:t>        </a:t>
+              <a:t>                "query": {"</a:t>
             </a:r>
             <a:r>
               <a:rPr lang="en-US" altLang="zh-CN" dirty="0" err="1">
@@ -12940,15 +13065,15 @@
                   <a:schemeClr val="bg1"/>
                 </a:solidFill>
               </a:rPr>
-              <a:t>data_list</a:t>
-            </a:r>
-            <a:r>
-              <a:rPr lang="en-US" altLang="zh-CN" dirty="0">
-                <a:solidFill>
-                  <a:schemeClr val="bg1"/>
-                </a:solidFill>
-              </a:rPr>
-              <a:t> = []</a:t>
+              <a:t>match_all</a:t>
+            </a:r>
+            <a:r>
+              <a:rPr lang="en-US" altLang="zh-CN" dirty="0">
+                <a:solidFill>
+                  <a:schemeClr val="bg1"/>
+                </a:solidFill>
+              </a:rPr>
+              <a:t>": {}},</a:t>
             </a:r>
           </a:p>
           <a:p>
@@ -12985,7 +13110,7 @@
                   <a:schemeClr val="bg1"/>
                 </a:solidFill>
               </a:rPr>
-              <a:t>        for </a:t>
+              <a:t>                "from": </a:t>
             </a:r>
             <a:r>
               <a:rPr lang="en-US" altLang="zh-CN" dirty="0" err="1">
@@ -13001,7 +13126,23 @@
                   <a:schemeClr val="bg1"/>
                 </a:solidFill>
               </a:rPr>
-              <a:t> in range(0, page):</a:t>
+              <a:t>*</a:t>
+            </a:r>
+            <a:r>
+              <a:rPr lang="en-US" altLang="zh-CN" dirty="0" err="1">
+                <a:solidFill>
+                  <a:schemeClr val="bg1"/>
+                </a:solidFill>
+              </a:rPr>
+              <a:t>page_line</a:t>
+            </a:r>
+            <a:r>
+              <a:rPr lang="en-US" altLang="zh-CN" dirty="0">
+                <a:solidFill>
+                  <a:schemeClr val="bg1"/>
+                </a:solidFill>
+              </a:rPr>
+              <a:t>,</a:t>
             </a:r>
           </a:p>
           <a:p>
@@ -13038,7 +13179,7 @@
                   <a:schemeClr val="bg1"/>
                 </a:solidFill>
               </a:rPr>
-              <a:t>            </a:t>
+              <a:t>                "size": </a:t>
             </a:r>
             <a:r>
               <a:rPr lang="en-US" altLang="zh-CN" dirty="0" err="1">
@@ -13046,16 +13187,13 @@
                   <a:schemeClr val="bg1"/>
                 </a:solidFill>
               </a:rPr>
-              <a:t>dsl</a:t>
-            </a:r>
-            <a:r>
-              <a:rPr lang="en-US" altLang="zh-CN" dirty="0">
-                <a:solidFill>
-                  <a:schemeClr val="bg1"/>
-                </a:solidFill>
-              </a:rPr>
-              <a:t> = {</a:t>
-            </a:r>
+              <a:t>page_line</a:t>
+            </a:r>
+            <a:endParaRPr lang="en-US" altLang="zh-CN" dirty="0">
+              <a:solidFill>
+                <a:schemeClr val="bg1"/>
+              </a:solidFill>
+            </a:endParaRPr>
           </a:p>
           <a:p>
             <a:pPr marL="0" indent="0" defTabSz="12700">
@@ -13091,23 +13229,7 @@
                   <a:schemeClr val="bg1"/>
                 </a:solidFill>
               </a:rPr>
-              <a:t>                "query": {"</a:t>
-            </a:r>
-            <a:r>
-              <a:rPr lang="en-US" altLang="zh-CN" dirty="0" err="1">
-                <a:solidFill>
-                  <a:schemeClr val="bg1"/>
-                </a:solidFill>
-              </a:rPr>
-              <a:t>match_all</a:t>
-            </a:r>
-            <a:r>
-              <a:rPr lang="en-US" altLang="zh-CN" dirty="0">
-                <a:solidFill>
-                  <a:schemeClr val="bg1"/>
-                </a:solidFill>
-              </a:rPr>
-              <a:t>": {}},</a:t>
+              <a:t>            }</a:t>
             </a:r>
           </a:p>
           <a:p>
@@ -13144,7 +13266,7 @@
                   <a:schemeClr val="bg1"/>
                 </a:solidFill>
               </a:rPr>
-              <a:t>                "from": </a:t>
+              <a:t>            result = </a:t>
             </a:r>
             <a:r>
               <a:rPr lang="en-US" altLang="zh-CN" dirty="0" err="1">
@@ -13152,15 +13274,15 @@
                   <a:schemeClr val="bg1"/>
                 </a:solidFill>
               </a:rPr>
-              <a:t>i</a:t>
-            </a:r>
-            <a:r>
-              <a:rPr lang="en-US" altLang="zh-CN" dirty="0">
-                <a:solidFill>
-                  <a:schemeClr val="bg1"/>
-                </a:solidFill>
-              </a:rPr>
-              <a:t>*</a:t>
+              <a:t>self.es.search</a:t>
+            </a:r>
+            <a:r>
+              <a:rPr lang="en-US" altLang="zh-CN" dirty="0">
+                <a:solidFill>
+                  <a:schemeClr val="bg1"/>
+                </a:solidFill>
+              </a:rPr>
+              <a:t>(index=index, body=</a:t>
             </a:r>
             <a:r>
               <a:rPr lang="en-US" altLang="zh-CN" dirty="0" err="1">
@@ -13168,15 +13290,15 @@
                   <a:schemeClr val="bg1"/>
                 </a:solidFill>
               </a:rPr>
-              <a:t>page_line</a:t>
-            </a:r>
-            <a:r>
-              <a:rPr lang="en-US" altLang="zh-CN" dirty="0">
-                <a:solidFill>
-                  <a:schemeClr val="bg1"/>
-                </a:solidFill>
-              </a:rPr>
-              <a:t>,</a:t>
+              <a:t>dsl</a:t>
+            </a:r>
+            <a:r>
+              <a:rPr lang="en-US" altLang="zh-CN" dirty="0">
+                <a:solidFill>
+                  <a:schemeClr val="bg1"/>
+                </a:solidFill>
+              </a:rPr>
+              <a:t>)</a:t>
             </a:r>
           </a:p>
           <a:p>
@@ -13213,7 +13335,7 @@
                   <a:schemeClr val="bg1"/>
                 </a:solidFill>
               </a:rPr>
-              <a:t>                "size": </a:t>
+              <a:t>            </a:t>
             </a:r>
             <a:r>
               <a:rPr lang="en-US" altLang="zh-CN" dirty="0" err="1">
@@ -13221,13 +13343,16 @@
                   <a:schemeClr val="bg1"/>
                 </a:solidFill>
               </a:rPr>
-              <a:t>page_line</a:t>
-            </a:r>
-            <a:endParaRPr lang="en-US" altLang="zh-CN" dirty="0">
-              <a:solidFill>
-                <a:schemeClr val="bg1"/>
-              </a:solidFill>
-            </a:endParaRPr>
+              <a:t>data_list.append</a:t>
+            </a:r>
+            <a:r>
+              <a:rPr lang="en-US" altLang="zh-CN" dirty="0">
+                <a:solidFill>
+                  <a:schemeClr val="bg1"/>
+                </a:solidFill>
+              </a:rPr>
+              <a:t>(result)</a:t>
+            </a:r>
           </a:p>
           <a:p>
             <a:pPr marL="0" indent="0" defTabSz="12700">
@@ -13263,171 +13388,12 @@
                   <a:schemeClr val="bg1"/>
                 </a:solidFill>
               </a:rPr>
-              <a:t>            }</a:t>
-            </a:r>
-          </a:p>
-          <a:p>
-            <a:pPr marL="0" indent="0" defTabSz="12700">
-              <a:spcBef>
-                <a:spcPts val="0"/>
-              </a:spcBef>
-              <a:buSzTx/>
-              <a:buNone/>
-              <a:tabLst>
-                <a:tab pos="355600" algn="l"/>
-                <a:tab pos="711200" algn="l"/>
-                <a:tab pos="1066800" algn="l"/>
-                <a:tab pos="1422400" algn="l"/>
-                <a:tab pos="1778000" algn="l"/>
-                <a:tab pos="2133600" algn="l"/>
-                <a:tab pos="2489200" algn="l"/>
-                <a:tab pos="2844800" algn="l"/>
-                <a:tab pos="3200400" algn="l"/>
-                <a:tab pos="3556000" algn="l"/>
-                <a:tab pos="3911600" algn="l"/>
-                <a:tab pos="4267200" algn="l"/>
-              </a:tabLst>
-              <a:defRPr sz="3700">
-                <a:latin typeface="Courier"/>
-                <a:ea typeface="Courier"/>
-                <a:cs typeface="Courier"/>
-                <a:sym typeface="Courier"/>
-              </a:defRPr>
-            </a:pPr>
-            <a:r>
-              <a:rPr lang="en-US" altLang="zh-CN" dirty="0">
-                <a:solidFill>
-                  <a:schemeClr val="bg1"/>
-                </a:solidFill>
-              </a:rPr>
-              <a:t>            result = </a:t>
-            </a:r>
-            <a:r>
-              <a:rPr lang="en-US" altLang="zh-CN" dirty="0" err="1">
-                <a:solidFill>
-                  <a:schemeClr val="bg1"/>
-                </a:solidFill>
-              </a:rPr>
-              <a:t>self.es.search</a:t>
-            </a:r>
-            <a:r>
-              <a:rPr lang="en-US" altLang="zh-CN" dirty="0">
-                <a:solidFill>
-                  <a:schemeClr val="bg1"/>
-                </a:solidFill>
-              </a:rPr>
-              <a:t>(index=index, body=</a:t>
-            </a:r>
-            <a:r>
-              <a:rPr lang="en-US" altLang="zh-CN" dirty="0" err="1">
-                <a:solidFill>
-                  <a:schemeClr val="bg1"/>
-                </a:solidFill>
-              </a:rPr>
-              <a:t>dsl</a:t>
-            </a:r>
-            <a:r>
-              <a:rPr lang="en-US" altLang="zh-CN" dirty="0">
-                <a:solidFill>
-                  <a:schemeClr val="bg1"/>
-                </a:solidFill>
-              </a:rPr>
-              <a:t>)</a:t>
-            </a:r>
-          </a:p>
-          <a:p>
-            <a:pPr marL="0" indent="0" defTabSz="12700">
-              <a:spcBef>
-                <a:spcPts val="0"/>
-              </a:spcBef>
-              <a:buSzTx/>
-              <a:buNone/>
-              <a:tabLst>
-                <a:tab pos="355600" algn="l"/>
-                <a:tab pos="711200" algn="l"/>
-                <a:tab pos="1066800" algn="l"/>
-                <a:tab pos="1422400" algn="l"/>
-                <a:tab pos="1778000" algn="l"/>
-                <a:tab pos="2133600" algn="l"/>
-                <a:tab pos="2489200" algn="l"/>
-                <a:tab pos="2844800" algn="l"/>
-                <a:tab pos="3200400" algn="l"/>
-                <a:tab pos="3556000" algn="l"/>
-                <a:tab pos="3911600" algn="l"/>
-                <a:tab pos="4267200" algn="l"/>
-              </a:tabLst>
-              <a:defRPr sz="3700">
-                <a:latin typeface="Courier"/>
-                <a:ea typeface="Courier"/>
-                <a:cs typeface="Courier"/>
-                <a:sym typeface="Courier"/>
-              </a:defRPr>
-            </a:pPr>
-            <a:r>
-              <a:rPr lang="en-US" altLang="zh-CN" dirty="0">
-                <a:solidFill>
-                  <a:schemeClr val="bg1"/>
-                </a:solidFill>
-              </a:rPr>
-              <a:t>            </a:t>
-            </a:r>
-            <a:r>
-              <a:rPr lang="en-US" altLang="zh-CN" dirty="0" err="1">
-                <a:solidFill>
-                  <a:schemeClr val="bg1"/>
-                </a:solidFill>
-              </a:rPr>
-              <a:t>data_list.append</a:t>
-            </a:r>
-            <a:r>
-              <a:rPr lang="en-US" altLang="zh-CN" dirty="0">
-                <a:solidFill>
-                  <a:schemeClr val="bg1"/>
-                </a:solidFill>
-              </a:rPr>
-              <a:t>(result)</a:t>
-            </a:r>
-          </a:p>
-          <a:p>
-            <a:pPr marL="0" indent="0" defTabSz="12700">
-              <a:spcBef>
-                <a:spcPts val="0"/>
-              </a:spcBef>
-              <a:buSzTx/>
-              <a:buNone/>
-              <a:tabLst>
-                <a:tab pos="355600" algn="l"/>
-                <a:tab pos="711200" algn="l"/>
-                <a:tab pos="1066800" algn="l"/>
-                <a:tab pos="1422400" algn="l"/>
-                <a:tab pos="1778000" algn="l"/>
-                <a:tab pos="2133600" algn="l"/>
-                <a:tab pos="2489200" algn="l"/>
-                <a:tab pos="2844800" algn="l"/>
-                <a:tab pos="3200400" algn="l"/>
-                <a:tab pos="3556000" algn="l"/>
-                <a:tab pos="3911600" algn="l"/>
-                <a:tab pos="4267200" algn="l"/>
-              </a:tabLst>
-              <a:defRPr sz="3700">
-                <a:latin typeface="Courier"/>
-                <a:ea typeface="Courier"/>
-                <a:cs typeface="Courier"/>
-                <a:sym typeface="Courier"/>
-              </a:defRPr>
-            </a:pPr>
-            <a:r>
-              <a:rPr lang="en-US" altLang="zh-CN" dirty="0">
-                <a:solidFill>
-                  <a:schemeClr val="bg1"/>
-                </a:solidFill>
-              </a:rPr>
               <a:t>        </a:t>
             </a:r>
             <a:r>
               <a:rPr lang="en-US" altLang="zh-CN" dirty="0">
                 <a:solidFill>
-                  <a:srgbClr val="0070C0"/>
+                  <a:srgbClr val="FFC000"/>
                 </a:solidFill>
               </a:rPr>
               <a:t>return</a:t>
@@ -13578,6 +13544,4247 @@
         </p:txBody>
       </p:sp>
     </p:spTree>
+  </p:cSld>
+  <p:clrMapOvr>
+    <a:masterClrMapping/>
+  </p:clrMapOvr>
+  <p:transition spd="med"/>
+</p:sld>
+</file>
+
+<file path=ppt/slides/slide30.xml><?xml version="1.0" encoding="utf-8"?>
+<p:sld xmlns:a="http://schemas.openxmlformats.org/drawingml/2006/main" xmlns:r="http://schemas.openxmlformats.org/officeDocument/2006/relationships" xmlns:p="http://schemas.openxmlformats.org/presentationml/2006/main">
+  <p:cSld>
+    <p:bg>
+      <p:bgPr>
+        <a:solidFill>
+          <a:srgbClr val="5E5E5E"/>
+        </a:solidFill>
+        <a:effectLst/>
+      </p:bgPr>
+    </p:bg>
+    <p:spTree>
+      <p:nvGrpSpPr>
+        <p:cNvPr id="1" name=""/>
+        <p:cNvGrpSpPr/>
+        <p:nvPr/>
+      </p:nvGrpSpPr>
+      <p:grpSpPr>
+        <a:xfrm>
+          <a:off x="0" y="0"/>
+          <a:ext cx="0" cy="0"/>
+          <a:chOff x="0" y="0"/>
+          <a:chExt cx="0" cy="0"/>
+        </a:xfrm>
+      </p:grpSpPr>
+      <p:sp>
+        <p:nvSpPr>
+          <p:cNvPr id="983" name="实现代码"/>
+          <p:cNvSpPr txBox="1">
+            <a:spLocks noGrp="1"/>
+          </p:cNvSpPr>
+          <p:nvPr>
+            <p:ph type="title"/>
+          </p:nvPr>
+        </p:nvSpPr>
+        <p:spPr>
+          <a:prstGeom prst="rect">
+            <a:avLst/>
+          </a:prstGeom>
+        </p:spPr>
+        <p:txBody>
+          <a:bodyPr/>
+          <a:lstStyle>
+            <a:lvl1pPr algn="l">
+              <a:defRPr>
+                <a:solidFill>
+                  <a:srgbClr val="FFFFFF"/>
+                </a:solidFill>
+              </a:defRPr>
+            </a:lvl1pPr>
+          </a:lstStyle>
+          <a:p>
+            <a:r>
+              <a:rPr lang="zh-CN" altLang="en-US" dirty="0">
+                <a:solidFill>
+                  <a:schemeClr val="accent5">
+                    <a:lumMod val="60000"/>
+                    <a:lumOff val="40000"/>
+                  </a:schemeClr>
+                </a:solidFill>
+              </a:rPr>
+              <a:t>搜索相关</a:t>
+            </a:r>
+            <a:endParaRPr dirty="0">
+              <a:solidFill>
+                <a:schemeClr val="accent5">
+                  <a:lumMod val="60000"/>
+                  <a:lumOff val="40000"/>
+                </a:schemeClr>
+              </a:solidFill>
+            </a:endParaRPr>
+          </a:p>
+        </p:txBody>
+      </p:sp>
+      <p:sp>
+        <p:nvSpPr>
+          <p:cNvPr id="984" name="const online_user_hll = &quot;ONLINE_USER_HLL&quot;…"/>
+          <p:cNvSpPr txBox="1">
+            <a:spLocks noGrp="1"/>
+          </p:cNvSpPr>
+          <p:nvPr>
+            <p:ph type="body" idx="1"/>
+          </p:nvPr>
+        </p:nvSpPr>
+        <p:spPr>
+          <a:xfrm>
+            <a:off x="1689100" y="3149600"/>
+            <a:ext cx="20731022" cy="9296400"/>
+          </a:xfrm>
+          <a:prstGeom prst="rect">
+            <a:avLst/>
+          </a:prstGeom>
+        </p:spPr>
+        <p:txBody>
+          <a:bodyPr anchor="t">
+            <a:normAutofit/>
+          </a:bodyPr>
+          <a:lstStyle/>
+          <a:p>
+            <a:pPr marL="0" indent="0" defTabSz="12700">
+              <a:spcBef>
+                <a:spcPts val="0"/>
+              </a:spcBef>
+              <a:buSzTx/>
+              <a:buNone/>
+              <a:tabLst>
+                <a:tab pos="355600" algn="l"/>
+                <a:tab pos="711200" algn="l"/>
+                <a:tab pos="1066800" algn="l"/>
+                <a:tab pos="1422400" algn="l"/>
+                <a:tab pos="1778000" algn="l"/>
+                <a:tab pos="2133600" algn="l"/>
+                <a:tab pos="2489200" algn="l"/>
+                <a:tab pos="2844800" algn="l"/>
+                <a:tab pos="3200400" algn="l"/>
+                <a:tab pos="3556000" algn="l"/>
+                <a:tab pos="3911600" algn="l"/>
+                <a:tab pos="4267200" algn="l"/>
+              </a:tabLst>
+              <a:defRPr sz="3700">
+                <a:latin typeface="Courier"/>
+                <a:ea typeface="Courier"/>
+                <a:cs typeface="Courier"/>
+                <a:sym typeface="Courier"/>
+              </a:defRPr>
+            </a:pPr>
+            <a:r>
+              <a:rPr lang="en-US" altLang="zh-CN" dirty="0">
+                <a:solidFill>
+                  <a:schemeClr val="bg1"/>
+                </a:solidFill>
+              </a:rPr>
+              <a:t> </a:t>
+            </a:r>
+            <a:r>
+              <a:rPr lang="en-US" altLang="zh-CN" dirty="0">
+                <a:solidFill>
+                  <a:srgbClr val="FFC000"/>
+                </a:solidFill>
+              </a:rPr>
+              <a:t>def</a:t>
+            </a:r>
+            <a:r>
+              <a:rPr lang="en-US" altLang="zh-CN" dirty="0">
+                <a:solidFill>
+                  <a:schemeClr val="bg1"/>
+                </a:solidFill>
+              </a:rPr>
+              <a:t> </a:t>
+            </a:r>
+            <a:r>
+              <a:rPr lang="en-US" altLang="zh-CN" dirty="0" err="1">
+                <a:solidFill>
+                  <a:schemeClr val="bg1"/>
+                </a:solidFill>
+              </a:rPr>
+              <a:t>paging_search</a:t>
+            </a:r>
+            <a:r>
+              <a:rPr lang="en-US" altLang="zh-CN" dirty="0">
+                <a:solidFill>
+                  <a:schemeClr val="bg1"/>
+                </a:solidFill>
+              </a:rPr>
+              <a:t>(self, </a:t>
+            </a:r>
+            <a:r>
+              <a:rPr lang="en-US" altLang="zh-CN" dirty="0">
+                <a:solidFill>
+                  <a:schemeClr val="accent5">
+                    <a:lumMod val="60000"/>
+                    <a:lumOff val="40000"/>
+                  </a:schemeClr>
+                </a:solidFill>
+              </a:rPr>
+              <a:t>index</a:t>
+            </a:r>
+            <a:r>
+              <a:rPr lang="en-US" altLang="zh-CN" dirty="0">
+                <a:solidFill>
+                  <a:schemeClr val="bg1"/>
+                </a:solidFill>
+              </a:rPr>
+              <a:t>, </a:t>
+            </a:r>
+            <a:r>
+              <a:rPr lang="en-US" altLang="zh-CN" dirty="0" err="1">
+                <a:solidFill>
+                  <a:schemeClr val="accent5">
+                    <a:lumMod val="60000"/>
+                    <a:lumOff val="40000"/>
+                  </a:schemeClr>
+                </a:solidFill>
+              </a:rPr>
+              <a:t>page_line</a:t>
+            </a:r>
+            <a:r>
+              <a:rPr lang="en-US" altLang="zh-CN" dirty="0">
+                <a:solidFill>
+                  <a:schemeClr val="bg1"/>
+                </a:solidFill>
+              </a:rPr>
+              <a:t>):</a:t>
+            </a:r>
+          </a:p>
+          <a:p>
+            <a:pPr marL="0" indent="0" defTabSz="12700">
+              <a:spcBef>
+                <a:spcPts val="0"/>
+              </a:spcBef>
+              <a:buSzTx/>
+              <a:buNone/>
+              <a:tabLst>
+                <a:tab pos="355600" algn="l"/>
+                <a:tab pos="711200" algn="l"/>
+                <a:tab pos="1066800" algn="l"/>
+                <a:tab pos="1422400" algn="l"/>
+                <a:tab pos="1778000" algn="l"/>
+                <a:tab pos="2133600" algn="l"/>
+                <a:tab pos="2489200" algn="l"/>
+                <a:tab pos="2844800" algn="l"/>
+                <a:tab pos="3200400" algn="l"/>
+                <a:tab pos="3556000" algn="l"/>
+                <a:tab pos="3911600" algn="l"/>
+                <a:tab pos="4267200" algn="l"/>
+              </a:tabLst>
+              <a:defRPr sz="3700">
+                <a:latin typeface="Courier"/>
+                <a:ea typeface="Courier"/>
+                <a:cs typeface="Courier"/>
+                <a:sym typeface="Courier"/>
+              </a:defRPr>
+            </a:pPr>
+            <a:r>
+              <a:rPr lang="en-US" altLang="zh-CN" dirty="0">
+                <a:solidFill>
+                  <a:schemeClr val="bg1"/>
+                </a:solidFill>
+              </a:rPr>
+              <a:t>        count = </a:t>
+            </a:r>
+            <a:r>
+              <a:rPr lang="en-US" altLang="zh-CN" dirty="0" err="1">
+                <a:solidFill>
+                  <a:schemeClr val="bg1"/>
+                </a:solidFill>
+              </a:rPr>
+              <a:t>self.es.count</a:t>
+            </a:r>
+            <a:r>
+              <a:rPr lang="en-US" altLang="zh-CN" dirty="0">
+                <a:solidFill>
+                  <a:schemeClr val="bg1"/>
+                </a:solidFill>
+              </a:rPr>
+              <a:t>(index=index)['count’]</a:t>
+            </a:r>
+          </a:p>
+          <a:p>
+            <a:pPr marL="0" indent="0" defTabSz="12700">
+              <a:spcBef>
+                <a:spcPts val="0"/>
+              </a:spcBef>
+              <a:buSzTx/>
+              <a:buNone/>
+              <a:tabLst>
+                <a:tab pos="355600" algn="l"/>
+                <a:tab pos="711200" algn="l"/>
+                <a:tab pos="1066800" algn="l"/>
+                <a:tab pos="1422400" algn="l"/>
+                <a:tab pos="1778000" algn="l"/>
+                <a:tab pos="2133600" algn="l"/>
+                <a:tab pos="2489200" algn="l"/>
+                <a:tab pos="2844800" algn="l"/>
+                <a:tab pos="3200400" algn="l"/>
+                <a:tab pos="3556000" algn="l"/>
+                <a:tab pos="3911600" algn="l"/>
+                <a:tab pos="4267200" algn="l"/>
+              </a:tabLst>
+              <a:defRPr sz="3700">
+                <a:latin typeface="Courier"/>
+                <a:ea typeface="Courier"/>
+                <a:cs typeface="Courier"/>
+                <a:sym typeface="Courier"/>
+              </a:defRPr>
+            </a:pPr>
+            <a:r>
+              <a:rPr lang="en-US" altLang="zh-CN" dirty="0">
+                <a:solidFill>
+                  <a:schemeClr val="bg1"/>
+                </a:solidFill>
+              </a:rPr>
+              <a:t>        page, </a:t>
+            </a:r>
+            <a:r>
+              <a:rPr lang="en-US" altLang="zh-CN" dirty="0" err="1">
+                <a:solidFill>
+                  <a:schemeClr val="bg1"/>
+                </a:solidFill>
+              </a:rPr>
+              <a:t>page_reminder</a:t>
+            </a:r>
+            <a:r>
+              <a:rPr lang="en-US" altLang="zh-CN" dirty="0">
+                <a:solidFill>
+                  <a:schemeClr val="bg1"/>
+                </a:solidFill>
+              </a:rPr>
+              <a:t> = </a:t>
+            </a:r>
+            <a:r>
+              <a:rPr lang="en-US" altLang="zh-CN" dirty="0" err="1">
+                <a:solidFill>
+                  <a:schemeClr val="bg1"/>
+                </a:solidFill>
+              </a:rPr>
+              <a:t>divmod</a:t>
+            </a:r>
+            <a:r>
+              <a:rPr lang="en-US" altLang="zh-CN" dirty="0">
+                <a:solidFill>
+                  <a:schemeClr val="bg1"/>
+                </a:solidFill>
+              </a:rPr>
+              <a:t>(count, </a:t>
+            </a:r>
+            <a:r>
+              <a:rPr lang="en-US" altLang="zh-CN" dirty="0" err="1">
+                <a:solidFill>
+                  <a:schemeClr val="bg1"/>
+                </a:solidFill>
+              </a:rPr>
+              <a:t>page_line</a:t>
+            </a:r>
+            <a:r>
+              <a:rPr lang="en-US" altLang="zh-CN" dirty="0">
+                <a:solidFill>
+                  <a:schemeClr val="bg1"/>
+                </a:solidFill>
+              </a:rPr>
+              <a:t>)</a:t>
+            </a:r>
+          </a:p>
+          <a:p>
+            <a:pPr marL="0" indent="0" defTabSz="12700">
+              <a:spcBef>
+                <a:spcPts val="0"/>
+              </a:spcBef>
+              <a:buSzTx/>
+              <a:buNone/>
+              <a:tabLst>
+                <a:tab pos="355600" algn="l"/>
+                <a:tab pos="711200" algn="l"/>
+                <a:tab pos="1066800" algn="l"/>
+                <a:tab pos="1422400" algn="l"/>
+                <a:tab pos="1778000" algn="l"/>
+                <a:tab pos="2133600" algn="l"/>
+                <a:tab pos="2489200" algn="l"/>
+                <a:tab pos="2844800" algn="l"/>
+                <a:tab pos="3200400" algn="l"/>
+                <a:tab pos="3556000" algn="l"/>
+                <a:tab pos="3911600" algn="l"/>
+                <a:tab pos="4267200" algn="l"/>
+              </a:tabLst>
+              <a:defRPr sz="3700">
+                <a:latin typeface="Courier"/>
+                <a:ea typeface="Courier"/>
+                <a:cs typeface="Courier"/>
+                <a:sym typeface="Courier"/>
+              </a:defRPr>
+            </a:pPr>
+            <a:r>
+              <a:rPr lang="en-US" altLang="zh-CN" dirty="0">
+                <a:solidFill>
+                  <a:schemeClr val="bg1"/>
+                </a:solidFill>
+              </a:rPr>
+              <a:t>        page = page </a:t>
+            </a:r>
+            <a:r>
+              <a:rPr lang="en-US" altLang="zh-CN" dirty="0">
+                <a:solidFill>
+                  <a:srgbClr val="FFC000"/>
+                </a:solidFill>
+              </a:rPr>
+              <a:t>if</a:t>
+            </a:r>
+            <a:r>
+              <a:rPr lang="en-US" altLang="zh-CN" dirty="0">
+                <a:solidFill>
+                  <a:schemeClr val="bg1"/>
+                </a:solidFill>
+              </a:rPr>
+              <a:t> </a:t>
+            </a:r>
+            <a:r>
+              <a:rPr lang="en-US" altLang="zh-CN" dirty="0" err="1">
+                <a:solidFill>
+                  <a:schemeClr val="bg1"/>
+                </a:solidFill>
+              </a:rPr>
+              <a:t>page_reminder</a:t>
+            </a:r>
+            <a:r>
+              <a:rPr lang="en-US" altLang="zh-CN" dirty="0">
+                <a:solidFill>
+                  <a:schemeClr val="bg1"/>
+                </a:solidFill>
+              </a:rPr>
+              <a:t> == 0 </a:t>
+            </a:r>
+            <a:r>
+              <a:rPr lang="en-US" altLang="zh-CN" dirty="0">
+                <a:solidFill>
+                  <a:srgbClr val="FFC000"/>
+                </a:solidFill>
+              </a:rPr>
+              <a:t>else</a:t>
+            </a:r>
+            <a:r>
+              <a:rPr lang="en-US" altLang="zh-CN" dirty="0">
+                <a:solidFill>
+                  <a:schemeClr val="bg1"/>
+                </a:solidFill>
+              </a:rPr>
+              <a:t> page+1        </a:t>
+            </a:r>
+          </a:p>
+          <a:p>
+            <a:pPr marL="0" indent="0" defTabSz="12700">
+              <a:spcBef>
+                <a:spcPts val="0"/>
+              </a:spcBef>
+              <a:buSzTx/>
+              <a:buNone/>
+              <a:tabLst>
+                <a:tab pos="355600" algn="l"/>
+                <a:tab pos="711200" algn="l"/>
+                <a:tab pos="1066800" algn="l"/>
+                <a:tab pos="1422400" algn="l"/>
+                <a:tab pos="1778000" algn="l"/>
+                <a:tab pos="2133600" algn="l"/>
+                <a:tab pos="2489200" algn="l"/>
+                <a:tab pos="2844800" algn="l"/>
+                <a:tab pos="3200400" algn="l"/>
+                <a:tab pos="3556000" algn="l"/>
+                <a:tab pos="3911600" algn="l"/>
+                <a:tab pos="4267200" algn="l"/>
+              </a:tabLst>
+              <a:defRPr sz="3700">
+                <a:latin typeface="Courier"/>
+                <a:ea typeface="Courier"/>
+                <a:cs typeface="Courier"/>
+                <a:sym typeface="Courier"/>
+              </a:defRPr>
+            </a:pPr>
+            <a:r>
+              <a:rPr lang="en-US" altLang="zh-CN" dirty="0">
+                <a:solidFill>
+                  <a:schemeClr val="bg1"/>
+                </a:solidFill>
+              </a:rPr>
+              <a:t>        </a:t>
+            </a:r>
+            <a:r>
+              <a:rPr lang="en-US" altLang="zh-CN" dirty="0" err="1">
+                <a:solidFill>
+                  <a:schemeClr val="bg1"/>
+                </a:solidFill>
+              </a:rPr>
+              <a:t>data_list</a:t>
+            </a:r>
+            <a:r>
+              <a:rPr lang="en-US" altLang="zh-CN" dirty="0">
+                <a:solidFill>
+                  <a:schemeClr val="bg1"/>
+                </a:solidFill>
+              </a:rPr>
+              <a:t> = []</a:t>
+            </a:r>
+          </a:p>
+          <a:p>
+            <a:pPr marL="0" indent="0" defTabSz="12700">
+              <a:spcBef>
+                <a:spcPts val="0"/>
+              </a:spcBef>
+              <a:buSzTx/>
+              <a:buNone/>
+              <a:tabLst>
+                <a:tab pos="355600" algn="l"/>
+                <a:tab pos="711200" algn="l"/>
+                <a:tab pos="1066800" algn="l"/>
+                <a:tab pos="1422400" algn="l"/>
+                <a:tab pos="1778000" algn="l"/>
+                <a:tab pos="2133600" algn="l"/>
+                <a:tab pos="2489200" algn="l"/>
+                <a:tab pos="2844800" algn="l"/>
+                <a:tab pos="3200400" algn="l"/>
+                <a:tab pos="3556000" algn="l"/>
+                <a:tab pos="3911600" algn="l"/>
+                <a:tab pos="4267200" algn="l"/>
+              </a:tabLst>
+              <a:defRPr sz="3700">
+                <a:latin typeface="Courier"/>
+                <a:ea typeface="Courier"/>
+                <a:cs typeface="Courier"/>
+                <a:sym typeface="Courier"/>
+              </a:defRPr>
+            </a:pPr>
+            <a:r>
+              <a:rPr lang="en-US" altLang="zh-CN" dirty="0">
+                <a:solidFill>
+                  <a:schemeClr val="bg1"/>
+                </a:solidFill>
+              </a:rPr>
+              <a:t>        </a:t>
+            </a:r>
+            <a:r>
+              <a:rPr lang="en-US" altLang="zh-CN" dirty="0">
+                <a:solidFill>
+                  <a:srgbClr val="FFC000"/>
+                </a:solidFill>
+              </a:rPr>
+              <a:t>for</a:t>
+            </a:r>
+            <a:r>
+              <a:rPr lang="en-US" altLang="zh-CN" dirty="0">
+                <a:solidFill>
+                  <a:schemeClr val="bg1"/>
+                </a:solidFill>
+              </a:rPr>
+              <a:t> </a:t>
+            </a:r>
+            <a:r>
+              <a:rPr lang="en-US" altLang="zh-CN" dirty="0" err="1">
+                <a:solidFill>
+                  <a:schemeClr val="bg1"/>
+                </a:solidFill>
+              </a:rPr>
+              <a:t>i</a:t>
+            </a:r>
+            <a:r>
+              <a:rPr lang="en-US" altLang="zh-CN" dirty="0">
+                <a:solidFill>
+                  <a:schemeClr val="bg1"/>
+                </a:solidFill>
+              </a:rPr>
+              <a:t> </a:t>
+            </a:r>
+            <a:r>
+              <a:rPr lang="en-US" altLang="zh-CN" dirty="0">
+                <a:solidFill>
+                  <a:srgbClr val="FFC000"/>
+                </a:solidFill>
+              </a:rPr>
+              <a:t>in</a:t>
+            </a:r>
+            <a:r>
+              <a:rPr lang="en-US" altLang="zh-CN" dirty="0">
+                <a:solidFill>
+                  <a:schemeClr val="bg1"/>
+                </a:solidFill>
+              </a:rPr>
+              <a:t> range(0, page):</a:t>
+            </a:r>
+          </a:p>
+          <a:p>
+            <a:pPr marL="0" indent="0" defTabSz="12700">
+              <a:spcBef>
+                <a:spcPts val="0"/>
+              </a:spcBef>
+              <a:buSzTx/>
+              <a:buNone/>
+              <a:tabLst>
+                <a:tab pos="355600" algn="l"/>
+                <a:tab pos="711200" algn="l"/>
+                <a:tab pos="1066800" algn="l"/>
+                <a:tab pos="1422400" algn="l"/>
+                <a:tab pos="1778000" algn="l"/>
+                <a:tab pos="2133600" algn="l"/>
+                <a:tab pos="2489200" algn="l"/>
+                <a:tab pos="2844800" algn="l"/>
+                <a:tab pos="3200400" algn="l"/>
+                <a:tab pos="3556000" algn="l"/>
+                <a:tab pos="3911600" algn="l"/>
+                <a:tab pos="4267200" algn="l"/>
+              </a:tabLst>
+              <a:defRPr sz="3700">
+                <a:latin typeface="Courier"/>
+                <a:ea typeface="Courier"/>
+                <a:cs typeface="Courier"/>
+                <a:sym typeface="Courier"/>
+              </a:defRPr>
+            </a:pPr>
+            <a:r>
+              <a:rPr lang="en-US" altLang="zh-CN" dirty="0">
+                <a:solidFill>
+                  <a:schemeClr val="bg1"/>
+                </a:solidFill>
+              </a:rPr>
+              <a:t>            </a:t>
+            </a:r>
+            <a:r>
+              <a:rPr lang="en-US" altLang="zh-CN" dirty="0" err="1">
+                <a:solidFill>
+                  <a:schemeClr val="bg1"/>
+                </a:solidFill>
+              </a:rPr>
+              <a:t>dsl</a:t>
+            </a:r>
+            <a:r>
+              <a:rPr lang="en-US" altLang="zh-CN" dirty="0">
+                <a:solidFill>
+                  <a:schemeClr val="bg1"/>
+                </a:solidFill>
+              </a:rPr>
+              <a:t> = {</a:t>
+            </a:r>
+          </a:p>
+          <a:p>
+            <a:pPr marL="0" indent="0" defTabSz="12700">
+              <a:spcBef>
+                <a:spcPts val="0"/>
+              </a:spcBef>
+              <a:buSzTx/>
+              <a:buNone/>
+              <a:tabLst>
+                <a:tab pos="355600" algn="l"/>
+                <a:tab pos="711200" algn="l"/>
+                <a:tab pos="1066800" algn="l"/>
+                <a:tab pos="1422400" algn="l"/>
+                <a:tab pos="1778000" algn="l"/>
+                <a:tab pos="2133600" algn="l"/>
+                <a:tab pos="2489200" algn="l"/>
+                <a:tab pos="2844800" algn="l"/>
+                <a:tab pos="3200400" algn="l"/>
+                <a:tab pos="3556000" algn="l"/>
+                <a:tab pos="3911600" algn="l"/>
+                <a:tab pos="4267200" algn="l"/>
+              </a:tabLst>
+              <a:defRPr sz="3700">
+                <a:latin typeface="Courier"/>
+                <a:ea typeface="Courier"/>
+                <a:cs typeface="Courier"/>
+                <a:sym typeface="Courier"/>
+              </a:defRPr>
+            </a:pPr>
+            <a:r>
+              <a:rPr lang="en-US" altLang="zh-CN" dirty="0">
+                <a:solidFill>
+                  <a:schemeClr val="bg1"/>
+                </a:solidFill>
+              </a:rPr>
+              <a:t>                "query": {"</a:t>
+            </a:r>
+            <a:r>
+              <a:rPr lang="en-US" altLang="zh-CN" dirty="0" err="1">
+                <a:solidFill>
+                  <a:schemeClr val="bg1"/>
+                </a:solidFill>
+              </a:rPr>
+              <a:t>match_all</a:t>
+            </a:r>
+            <a:r>
+              <a:rPr lang="en-US" altLang="zh-CN" dirty="0">
+                <a:solidFill>
+                  <a:schemeClr val="bg1"/>
+                </a:solidFill>
+              </a:rPr>
+              <a:t>": {}},</a:t>
+            </a:r>
+          </a:p>
+          <a:p>
+            <a:pPr marL="0" indent="0" defTabSz="12700">
+              <a:spcBef>
+                <a:spcPts val="0"/>
+              </a:spcBef>
+              <a:buSzTx/>
+              <a:buNone/>
+              <a:tabLst>
+                <a:tab pos="355600" algn="l"/>
+                <a:tab pos="711200" algn="l"/>
+                <a:tab pos="1066800" algn="l"/>
+                <a:tab pos="1422400" algn="l"/>
+                <a:tab pos="1778000" algn="l"/>
+                <a:tab pos="2133600" algn="l"/>
+                <a:tab pos="2489200" algn="l"/>
+                <a:tab pos="2844800" algn="l"/>
+                <a:tab pos="3200400" algn="l"/>
+                <a:tab pos="3556000" algn="l"/>
+                <a:tab pos="3911600" algn="l"/>
+                <a:tab pos="4267200" algn="l"/>
+              </a:tabLst>
+              <a:defRPr sz="3700">
+                <a:latin typeface="Courier"/>
+                <a:ea typeface="Courier"/>
+                <a:cs typeface="Courier"/>
+                <a:sym typeface="Courier"/>
+              </a:defRPr>
+            </a:pPr>
+            <a:r>
+              <a:rPr lang="en-US" altLang="zh-CN" dirty="0">
+                <a:solidFill>
+                  <a:schemeClr val="bg1"/>
+                </a:solidFill>
+              </a:rPr>
+              <a:t>                "from": </a:t>
+            </a:r>
+            <a:r>
+              <a:rPr lang="en-US" altLang="zh-CN" dirty="0" err="1">
+                <a:solidFill>
+                  <a:schemeClr val="bg1"/>
+                </a:solidFill>
+              </a:rPr>
+              <a:t>i</a:t>
+            </a:r>
+            <a:r>
+              <a:rPr lang="en-US" altLang="zh-CN" dirty="0">
+                <a:solidFill>
+                  <a:schemeClr val="bg1"/>
+                </a:solidFill>
+              </a:rPr>
+              <a:t>*</a:t>
+            </a:r>
+            <a:r>
+              <a:rPr lang="en-US" altLang="zh-CN" dirty="0" err="1">
+                <a:solidFill>
+                  <a:schemeClr val="bg1"/>
+                </a:solidFill>
+              </a:rPr>
+              <a:t>page_line</a:t>
+            </a:r>
+            <a:r>
+              <a:rPr lang="en-US" altLang="zh-CN" dirty="0">
+                <a:solidFill>
+                  <a:schemeClr val="bg1"/>
+                </a:solidFill>
+              </a:rPr>
+              <a:t>,</a:t>
+            </a:r>
+          </a:p>
+          <a:p>
+            <a:pPr marL="0" indent="0" defTabSz="12700">
+              <a:spcBef>
+                <a:spcPts val="0"/>
+              </a:spcBef>
+              <a:buSzTx/>
+              <a:buNone/>
+              <a:tabLst>
+                <a:tab pos="355600" algn="l"/>
+                <a:tab pos="711200" algn="l"/>
+                <a:tab pos="1066800" algn="l"/>
+                <a:tab pos="1422400" algn="l"/>
+                <a:tab pos="1778000" algn="l"/>
+                <a:tab pos="2133600" algn="l"/>
+                <a:tab pos="2489200" algn="l"/>
+                <a:tab pos="2844800" algn="l"/>
+                <a:tab pos="3200400" algn="l"/>
+                <a:tab pos="3556000" algn="l"/>
+                <a:tab pos="3911600" algn="l"/>
+                <a:tab pos="4267200" algn="l"/>
+              </a:tabLst>
+              <a:defRPr sz="3700">
+                <a:latin typeface="Courier"/>
+                <a:ea typeface="Courier"/>
+                <a:cs typeface="Courier"/>
+                <a:sym typeface="Courier"/>
+              </a:defRPr>
+            </a:pPr>
+            <a:r>
+              <a:rPr lang="en-US" altLang="zh-CN" dirty="0">
+                <a:solidFill>
+                  <a:schemeClr val="bg1"/>
+                </a:solidFill>
+              </a:rPr>
+              <a:t>                "size": </a:t>
+            </a:r>
+            <a:r>
+              <a:rPr lang="en-US" altLang="zh-CN" dirty="0" err="1">
+                <a:solidFill>
+                  <a:schemeClr val="bg1"/>
+                </a:solidFill>
+              </a:rPr>
+              <a:t>page_line</a:t>
+            </a:r>
+            <a:endParaRPr lang="en-US" altLang="zh-CN" dirty="0">
+              <a:solidFill>
+                <a:schemeClr val="bg1"/>
+              </a:solidFill>
+            </a:endParaRPr>
+          </a:p>
+          <a:p>
+            <a:pPr marL="0" indent="0" defTabSz="12700">
+              <a:spcBef>
+                <a:spcPts val="0"/>
+              </a:spcBef>
+              <a:buSzTx/>
+              <a:buNone/>
+              <a:tabLst>
+                <a:tab pos="355600" algn="l"/>
+                <a:tab pos="711200" algn="l"/>
+                <a:tab pos="1066800" algn="l"/>
+                <a:tab pos="1422400" algn="l"/>
+                <a:tab pos="1778000" algn="l"/>
+                <a:tab pos="2133600" algn="l"/>
+                <a:tab pos="2489200" algn="l"/>
+                <a:tab pos="2844800" algn="l"/>
+                <a:tab pos="3200400" algn="l"/>
+                <a:tab pos="3556000" algn="l"/>
+                <a:tab pos="3911600" algn="l"/>
+                <a:tab pos="4267200" algn="l"/>
+              </a:tabLst>
+              <a:defRPr sz="3700">
+                <a:latin typeface="Courier"/>
+                <a:ea typeface="Courier"/>
+                <a:cs typeface="Courier"/>
+                <a:sym typeface="Courier"/>
+              </a:defRPr>
+            </a:pPr>
+            <a:r>
+              <a:rPr lang="en-US" altLang="zh-CN" dirty="0">
+                <a:solidFill>
+                  <a:schemeClr val="bg1"/>
+                </a:solidFill>
+              </a:rPr>
+              <a:t>            }</a:t>
+            </a:r>
+          </a:p>
+          <a:p>
+            <a:pPr marL="0" indent="0" defTabSz="12700">
+              <a:spcBef>
+                <a:spcPts val="0"/>
+              </a:spcBef>
+              <a:buSzTx/>
+              <a:buNone/>
+              <a:tabLst>
+                <a:tab pos="355600" algn="l"/>
+                <a:tab pos="711200" algn="l"/>
+                <a:tab pos="1066800" algn="l"/>
+                <a:tab pos="1422400" algn="l"/>
+                <a:tab pos="1778000" algn="l"/>
+                <a:tab pos="2133600" algn="l"/>
+                <a:tab pos="2489200" algn="l"/>
+                <a:tab pos="2844800" algn="l"/>
+                <a:tab pos="3200400" algn="l"/>
+                <a:tab pos="3556000" algn="l"/>
+                <a:tab pos="3911600" algn="l"/>
+                <a:tab pos="4267200" algn="l"/>
+              </a:tabLst>
+              <a:defRPr sz="3700">
+                <a:latin typeface="Courier"/>
+                <a:ea typeface="Courier"/>
+                <a:cs typeface="Courier"/>
+                <a:sym typeface="Courier"/>
+              </a:defRPr>
+            </a:pPr>
+            <a:r>
+              <a:rPr lang="en-US" altLang="zh-CN" dirty="0">
+                <a:solidFill>
+                  <a:schemeClr val="bg1"/>
+                </a:solidFill>
+              </a:rPr>
+              <a:t>            result = </a:t>
+            </a:r>
+            <a:r>
+              <a:rPr lang="en-US" altLang="zh-CN" dirty="0" err="1">
+                <a:solidFill>
+                  <a:schemeClr val="bg1"/>
+                </a:solidFill>
+              </a:rPr>
+              <a:t>self.es.search</a:t>
+            </a:r>
+            <a:r>
+              <a:rPr lang="en-US" altLang="zh-CN" dirty="0">
+                <a:solidFill>
+                  <a:schemeClr val="bg1"/>
+                </a:solidFill>
+              </a:rPr>
+              <a:t>(index=index, body=</a:t>
+            </a:r>
+            <a:r>
+              <a:rPr lang="en-US" altLang="zh-CN" dirty="0" err="1">
+                <a:solidFill>
+                  <a:schemeClr val="bg1"/>
+                </a:solidFill>
+              </a:rPr>
+              <a:t>dsl</a:t>
+            </a:r>
+            <a:r>
+              <a:rPr lang="en-US" altLang="zh-CN" dirty="0">
+                <a:solidFill>
+                  <a:schemeClr val="bg1"/>
+                </a:solidFill>
+              </a:rPr>
+              <a:t>)</a:t>
+            </a:r>
+          </a:p>
+          <a:p>
+            <a:pPr marL="0" indent="0" defTabSz="12700">
+              <a:spcBef>
+                <a:spcPts val="0"/>
+              </a:spcBef>
+              <a:buSzTx/>
+              <a:buNone/>
+              <a:tabLst>
+                <a:tab pos="355600" algn="l"/>
+                <a:tab pos="711200" algn="l"/>
+                <a:tab pos="1066800" algn="l"/>
+                <a:tab pos="1422400" algn="l"/>
+                <a:tab pos="1778000" algn="l"/>
+                <a:tab pos="2133600" algn="l"/>
+                <a:tab pos="2489200" algn="l"/>
+                <a:tab pos="2844800" algn="l"/>
+                <a:tab pos="3200400" algn="l"/>
+                <a:tab pos="3556000" algn="l"/>
+                <a:tab pos="3911600" algn="l"/>
+                <a:tab pos="4267200" algn="l"/>
+              </a:tabLst>
+              <a:defRPr sz="3700">
+                <a:latin typeface="Courier"/>
+                <a:ea typeface="Courier"/>
+                <a:cs typeface="Courier"/>
+                <a:sym typeface="Courier"/>
+              </a:defRPr>
+            </a:pPr>
+            <a:r>
+              <a:rPr lang="en-US" altLang="zh-CN" dirty="0">
+                <a:solidFill>
+                  <a:schemeClr val="bg1"/>
+                </a:solidFill>
+              </a:rPr>
+              <a:t>            </a:t>
+            </a:r>
+            <a:r>
+              <a:rPr lang="en-US" altLang="zh-CN" dirty="0" err="1">
+                <a:solidFill>
+                  <a:schemeClr val="bg1"/>
+                </a:solidFill>
+              </a:rPr>
+              <a:t>data_list.append</a:t>
+            </a:r>
+            <a:r>
+              <a:rPr lang="en-US" altLang="zh-CN" dirty="0">
+                <a:solidFill>
+                  <a:schemeClr val="bg1"/>
+                </a:solidFill>
+              </a:rPr>
+              <a:t>(result)</a:t>
+            </a:r>
+          </a:p>
+          <a:p>
+            <a:pPr marL="0" indent="0" defTabSz="12700">
+              <a:spcBef>
+                <a:spcPts val="0"/>
+              </a:spcBef>
+              <a:buSzTx/>
+              <a:buNone/>
+              <a:tabLst>
+                <a:tab pos="355600" algn="l"/>
+                <a:tab pos="711200" algn="l"/>
+                <a:tab pos="1066800" algn="l"/>
+                <a:tab pos="1422400" algn="l"/>
+                <a:tab pos="1778000" algn="l"/>
+                <a:tab pos="2133600" algn="l"/>
+                <a:tab pos="2489200" algn="l"/>
+                <a:tab pos="2844800" algn="l"/>
+                <a:tab pos="3200400" algn="l"/>
+                <a:tab pos="3556000" algn="l"/>
+                <a:tab pos="3911600" algn="l"/>
+                <a:tab pos="4267200" algn="l"/>
+              </a:tabLst>
+              <a:defRPr sz="3700">
+                <a:latin typeface="Courier"/>
+                <a:ea typeface="Courier"/>
+                <a:cs typeface="Courier"/>
+                <a:sym typeface="Courier"/>
+              </a:defRPr>
+            </a:pPr>
+            <a:r>
+              <a:rPr lang="en-US" altLang="zh-CN" dirty="0">
+                <a:solidFill>
+                  <a:schemeClr val="bg1"/>
+                </a:solidFill>
+              </a:rPr>
+              <a:t>        </a:t>
+            </a:r>
+            <a:r>
+              <a:rPr lang="en-US" altLang="zh-CN" dirty="0">
+                <a:solidFill>
+                  <a:srgbClr val="FFC000"/>
+                </a:solidFill>
+              </a:rPr>
+              <a:t>return</a:t>
+            </a:r>
+            <a:r>
+              <a:rPr lang="en-US" altLang="zh-CN" dirty="0">
+                <a:solidFill>
+                  <a:schemeClr val="bg1"/>
+                </a:solidFill>
+              </a:rPr>
+              <a:t> </a:t>
+            </a:r>
+            <a:r>
+              <a:rPr lang="en-US" altLang="zh-CN" dirty="0" err="1">
+                <a:solidFill>
+                  <a:schemeClr val="bg1"/>
+                </a:solidFill>
+              </a:rPr>
+              <a:t>data_list</a:t>
+            </a:r>
+            <a:endParaRPr lang="en-US" altLang="zh-CN" dirty="0">
+              <a:solidFill>
+                <a:schemeClr val="bg1"/>
+              </a:solidFill>
+            </a:endParaRPr>
+          </a:p>
+        </p:txBody>
+      </p:sp>
+    </p:spTree>
+    <p:extLst>
+      <p:ext uri="{BB962C8B-B14F-4D97-AF65-F5344CB8AC3E}">
+        <p14:creationId xmlns:p14="http://schemas.microsoft.com/office/powerpoint/2010/main" val="1265102121"/>
+      </p:ext>
+    </p:extLst>
+  </p:cSld>
+  <p:clrMapOvr>
+    <a:masterClrMapping/>
+  </p:clrMapOvr>
+  <p:transition spd="med"/>
+</p:sld>
+</file>
+
+<file path=ppt/slides/slide31.xml><?xml version="1.0" encoding="utf-8"?>
+<p:sld xmlns:a="http://schemas.openxmlformats.org/drawingml/2006/main" xmlns:r="http://schemas.openxmlformats.org/officeDocument/2006/relationships" xmlns:p="http://schemas.openxmlformats.org/presentationml/2006/main">
+  <p:cSld>
+    <p:bg>
+      <p:bgPr>
+        <a:solidFill>
+          <a:srgbClr val="FF5E61"/>
+        </a:solidFill>
+        <a:effectLst/>
+      </p:bgPr>
+    </p:bg>
+    <p:spTree>
+      <p:nvGrpSpPr>
+        <p:cNvPr id="1" name=""/>
+        <p:cNvGrpSpPr/>
+        <p:nvPr/>
+      </p:nvGrpSpPr>
+      <p:grpSpPr>
+        <a:xfrm>
+          <a:off x="0" y="0"/>
+          <a:ext cx="0" cy="0"/>
+          <a:chOff x="0" y="0"/>
+          <a:chExt cx="0" cy="0"/>
+        </a:xfrm>
+      </p:grpSpPr>
+      <p:sp>
+        <p:nvSpPr>
+          <p:cNvPr id="1004" name="自动补全"/>
+          <p:cNvSpPr txBox="1">
+            <a:spLocks noGrp="1"/>
+          </p:cNvSpPr>
+          <p:nvPr>
+            <p:ph type="ctrTitle"/>
+          </p:nvPr>
+        </p:nvSpPr>
+        <p:spPr>
+          <a:prstGeom prst="rect">
+            <a:avLst/>
+          </a:prstGeom>
+        </p:spPr>
+        <p:txBody>
+          <a:bodyPr/>
+          <a:lstStyle>
+            <a:lvl1pPr>
+              <a:defRPr b="1">
+                <a:solidFill>
+                  <a:srgbClr val="FFFFFF"/>
+                </a:solidFill>
+                <a:latin typeface="Helvetica"/>
+                <a:ea typeface="Helvetica"/>
+                <a:cs typeface="Helvetica"/>
+                <a:sym typeface="Helvetica"/>
+              </a:defRPr>
+            </a:lvl1pPr>
+          </a:lstStyle>
+          <a:p>
+            <a:r>
+              <a:rPr lang="en-US" dirty="0" err="1"/>
+              <a:t>E</a:t>
+            </a:r>
+            <a:r>
+              <a:rPr lang="en-US" altLang="zh-CN" dirty="0" err="1"/>
+              <a:t>lasticSearch</a:t>
+            </a:r>
+            <a:r>
+              <a:rPr lang="en-US" altLang="zh-CN" dirty="0"/>
+              <a:t> </a:t>
+            </a:r>
+            <a:r>
+              <a:rPr lang="zh-CN" altLang="en-US" dirty="0"/>
+              <a:t>性能调优</a:t>
+            </a:r>
+            <a:endParaRPr dirty="0"/>
+          </a:p>
+        </p:txBody>
+      </p:sp>
+      <p:sp>
+        <p:nvSpPr>
+          <p:cNvPr id="1005" name="autocomplete"/>
+          <p:cNvSpPr txBox="1">
+            <a:spLocks noGrp="1"/>
+          </p:cNvSpPr>
+          <p:nvPr>
+            <p:ph type="subTitle" sz="quarter" idx="1"/>
+          </p:nvPr>
+        </p:nvSpPr>
+        <p:spPr>
+          <a:xfrm>
+            <a:off x="1778000" y="7080250"/>
+            <a:ext cx="20828000" cy="1587500"/>
+          </a:xfrm>
+          <a:prstGeom prst="rect">
+            <a:avLst/>
+          </a:prstGeom>
+        </p:spPr>
+        <p:txBody>
+          <a:bodyPr/>
+          <a:lstStyle>
+            <a:lvl1pPr>
+              <a:defRPr>
+                <a:solidFill>
+                  <a:srgbClr val="FFFFFF"/>
+                </a:solidFill>
+                <a:latin typeface="Helvetica"/>
+                <a:ea typeface="Helvetica"/>
+                <a:cs typeface="Helvetica"/>
+                <a:sym typeface="Helvetica"/>
+              </a:defRPr>
+            </a:lvl1pPr>
+          </a:lstStyle>
+          <a:p>
+            <a:r>
+              <a:rPr lang="en-US" dirty="0"/>
+              <a:t>Performance Optimization</a:t>
+            </a:r>
+            <a:endParaRPr dirty="0"/>
+          </a:p>
+        </p:txBody>
+      </p:sp>
+    </p:spTree>
+    <p:extLst>
+      <p:ext uri="{BB962C8B-B14F-4D97-AF65-F5344CB8AC3E}">
+        <p14:creationId xmlns:p14="http://schemas.microsoft.com/office/powerpoint/2010/main" val="81186153"/>
+      </p:ext>
+    </p:extLst>
+  </p:cSld>
+  <p:clrMapOvr>
+    <a:masterClrMapping/>
+  </p:clrMapOvr>
+  <p:transition spd="med"/>
+</p:sld>
+</file>
+
+<file path=ppt/slides/slide32.xml><?xml version="1.0" encoding="utf-8"?>
+<p:sld xmlns:a="http://schemas.openxmlformats.org/drawingml/2006/main" xmlns:r="http://schemas.openxmlformats.org/officeDocument/2006/relationships" xmlns:p="http://schemas.openxmlformats.org/presentationml/2006/main">
+  <p:cSld>
+    <p:bg>
+      <p:bgPr>
+        <a:solidFill>
+          <a:srgbClr val="5E5E5E"/>
+        </a:solidFill>
+        <a:effectLst/>
+      </p:bgPr>
+    </p:bg>
+    <p:spTree>
+      <p:nvGrpSpPr>
+        <p:cNvPr id="1" name=""/>
+        <p:cNvGrpSpPr/>
+        <p:nvPr/>
+      </p:nvGrpSpPr>
+      <p:grpSpPr>
+        <a:xfrm>
+          <a:off x="0" y="0"/>
+          <a:ext cx="0" cy="0"/>
+          <a:chOff x="0" y="0"/>
+          <a:chExt cx="0" cy="0"/>
+        </a:xfrm>
+      </p:grpSpPr>
+      <p:sp>
+        <p:nvSpPr>
+          <p:cNvPr id="277" name="锁"/>
+          <p:cNvSpPr txBox="1">
+            <a:spLocks noGrp="1"/>
+          </p:cNvSpPr>
+          <p:nvPr>
+            <p:ph type="title"/>
+          </p:nvPr>
+        </p:nvSpPr>
+        <p:spPr>
+          <a:prstGeom prst="rect">
+            <a:avLst/>
+          </a:prstGeom>
+        </p:spPr>
+        <p:txBody>
+          <a:bodyPr/>
+          <a:lstStyle>
+            <a:lvl1pPr algn="l">
+              <a:defRPr>
+                <a:solidFill>
+                  <a:srgbClr val="FFFFFF"/>
+                </a:solidFill>
+              </a:defRPr>
+            </a:lvl1pPr>
+          </a:lstStyle>
+          <a:p>
+            <a:r>
+              <a:rPr lang="en-US" altLang="zh-CN" dirty="0">
+                <a:solidFill>
+                  <a:schemeClr val="accent5">
+                    <a:lumMod val="60000"/>
+                    <a:lumOff val="40000"/>
+                  </a:schemeClr>
+                </a:solidFill>
+              </a:rPr>
+              <a:t>Linux </a:t>
+            </a:r>
+            <a:r>
+              <a:rPr lang="zh-CN" altLang="en-US" dirty="0">
+                <a:solidFill>
+                  <a:schemeClr val="accent5">
+                    <a:lumMod val="60000"/>
+                    <a:lumOff val="40000"/>
+                  </a:schemeClr>
+                </a:solidFill>
+              </a:rPr>
+              <a:t>优化</a:t>
+            </a:r>
+            <a:endParaRPr dirty="0">
+              <a:solidFill>
+                <a:schemeClr val="accent5">
+                  <a:lumMod val="60000"/>
+                  <a:lumOff val="40000"/>
+                </a:schemeClr>
+              </a:solidFill>
+            </a:endParaRPr>
+          </a:p>
+        </p:txBody>
+      </p:sp>
+      <p:sp>
+        <p:nvSpPr>
+          <p:cNvPr id="278" name="锁是一种同步机制， 它可以保证一项资源在任何时候只能被一个进程使用， 如果有其他进程想要使用相同的资源， 那么它们就必须等待， 直到正在使用资源的进程放弃使用权为止。"/>
+          <p:cNvSpPr txBox="1">
+            <a:spLocks noGrp="1"/>
+          </p:cNvSpPr>
+          <p:nvPr>
+            <p:ph type="body" idx="1"/>
+          </p:nvPr>
+        </p:nvSpPr>
+        <p:spPr>
+          <a:xfrm>
+            <a:off x="1562100" y="2908697"/>
+            <a:ext cx="21005800" cy="7898606"/>
+          </a:xfrm>
+          <a:prstGeom prst="rect">
+            <a:avLst/>
+          </a:prstGeom>
+        </p:spPr>
+        <p:txBody>
+          <a:bodyPr anchor="t">
+            <a:normAutofit lnSpcReduction="10000"/>
+          </a:bodyPr>
+          <a:lstStyle/>
+          <a:p>
+            <a:pPr marL="0" indent="0">
+              <a:buNone/>
+            </a:pPr>
+            <a:r>
+              <a:rPr lang="en-US" altLang="zh-CN" dirty="0">
+                <a:solidFill>
+                  <a:schemeClr val="bg1">
+                    <a:lumMod val="95000"/>
+                  </a:schemeClr>
+                </a:solidFill>
+              </a:rPr>
+              <a:t>1.</a:t>
+            </a:r>
+            <a:r>
+              <a:rPr lang="zh-CN" altLang="en-US" b="1" dirty="0">
+                <a:solidFill>
+                  <a:schemeClr val="bg1">
+                    <a:lumMod val="95000"/>
+                  </a:schemeClr>
+                </a:solidFill>
+              </a:rPr>
+              <a:t>关闭交换分区，防止内存置换降低性能。 将</a:t>
+            </a:r>
+            <a:r>
+              <a:rPr lang="en-US" altLang="zh-CN" b="1" dirty="0">
+                <a:solidFill>
+                  <a:schemeClr val="bg1">
+                    <a:lumMod val="95000"/>
+                  </a:schemeClr>
+                </a:solidFill>
+              </a:rPr>
+              <a:t>/</a:t>
+            </a:r>
+            <a:r>
+              <a:rPr lang="en-US" altLang="zh-CN" b="1" dirty="0" err="1">
+                <a:solidFill>
+                  <a:schemeClr val="bg1">
+                    <a:lumMod val="95000"/>
+                  </a:schemeClr>
+                </a:solidFill>
+              </a:rPr>
+              <a:t>etc</a:t>
+            </a:r>
+            <a:r>
+              <a:rPr lang="en-US" altLang="zh-CN" b="1" dirty="0">
+                <a:solidFill>
+                  <a:schemeClr val="bg1">
+                    <a:lumMod val="95000"/>
+                  </a:schemeClr>
+                </a:solidFill>
+              </a:rPr>
+              <a:t>/</a:t>
+            </a:r>
+            <a:r>
+              <a:rPr lang="en-US" altLang="zh-CN" b="1" dirty="0" err="1">
+                <a:solidFill>
+                  <a:schemeClr val="bg1">
+                    <a:lumMod val="95000"/>
+                  </a:schemeClr>
+                </a:solidFill>
+              </a:rPr>
+              <a:t>fstab</a:t>
+            </a:r>
+            <a:r>
+              <a:rPr lang="en-US" altLang="zh-CN" b="1" dirty="0">
+                <a:solidFill>
+                  <a:schemeClr val="bg1">
+                    <a:lumMod val="95000"/>
+                  </a:schemeClr>
+                </a:solidFill>
+              </a:rPr>
+              <a:t> </a:t>
+            </a:r>
+            <a:r>
+              <a:rPr lang="zh-CN" altLang="en-US" b="1" dirty="0">
+                <a:solidFill>
+                  <a:schemeClr val="bg1">
+                    <a:lumMod val="95000"/>
+                  </a:schemeClr>
+                </a:solidFill>
+              </a:rPr>
+              <a:t>文件中包含</a:t>
+            </a:r>
+            <a:r>
+              <a:rPr lang="en-US" altLang="zh-CN" b="1" dirty="0">
+                <a:solidFill>
+                  <a:schemeClr val="bg1">
+                    <a:lumMod val="95000"/>
+                  </a:schemeClr>
+                </a:solidFill>
+              </a:rPr>
+              <a:t>swap</a:t>
+            </a:r>
+            <a:r>
+              <a:rPr lang="zh-CN" altLang="en-US" b="1" dirty="0">
+                <a:solidFill>
+                  <a:schemeClr val="bg1">
+                    <a:lumMod val="95000"/>
+                  </a:schemeClr>
+                </a:solidFill>
+              </a:rPr>
+              <a:t>的行注释掉</a:t>
+            </a:r>
+          </a:p>
+          <a:p>
+            <a:pPr marL="0" indent="0">
+              <a:buNone/>
+            </a:pPr>
+            <a:r>
+              <a:rPr lang="en-US" altLang="zh-CN" dirty="0">
+                <a:solidFill>
+                  <a:schemeClr val="bg1">
+                    <a:lumMod val="95000"/>
+                  </a:schemeClr>
+                </a:solidFill>
+              </a:rPr>
+              <a:t>	sed -</a:t>
+            </a:r>
+            <a:r>
+              <a:rPr lang="en-US" altLang="zh-CN" dirty="0" err="1">
+                <a:solidFill>
+                  <a:schemeClr val="bg1">
+                    <a:lumMod val="95000"/>
+                  </a:schemeClr>
+                </a:solidFill>
+              </a:rPr>
+              <a:t>i</a:t>
+            </a:r>
+            <a:r>
+              <a:rPr lang="en-US" altLang="zh-CN" dirty="0">
+                <a:solidFill>
+                  <a:schemeClr val="bg1">
+                    <a:lumMod val="95000"/>
+                  </a:schemeClr>
+                </a:solidFill>
+              </a:rPr>
+              <a:t> '/swap/s/^/#/' /</a:t>
+            </a:r>
+            <a:r>
+              <a:rPr lang="en-US" altLang="zh-CN" dirty="0" err="1">
+                <a:solidFill>
+                  <a:schemeClr val="bg1">
+                    <a:lumMod val="95000"/>
+                  </a:schemeClr>
+                </a:solidFill>
+              </a:rPr>
+              <a:t>etc</a:t>
+            </a:r>
+            <a:r>
+              <a:rPr lang="en-US" altLang="zh-CN" dirty="0">
+                <a:solidFill>
+                  <a:schemeClr val="bg1">
+                    <a:lumMod val="95000"/>
+                  </a:schemeClr>
+                </a:solidFill>
+              </a:rPr>
+              <a:t>/</a:t>
+            </a:r>
+            <a:r>
+              <a:rPr lang="en-US" altLang="zh-CN" dirty="0" err="1">
+                <a:solidFill>
+                  <a:schemeClr val="bg1">
+                    <a:lumMod val="95000"/>
+                  </a:schemeClr>
+                </a:solidFill>
+              </a:rPr>
+              <a:t>fstab</a:t>
+            </a:r>
+            <a:endParaRPr lang="en-US" altLang="zh-CN" dirty="0">
+              <a:solidFill>
+                <a:schemeClr val="bg1">
+                  <a:lumMod val="95000"/>
+                </a:schemeClr>
+              </a:solidFill>
+            </a:endParaRPr>
+          </a:p>
+          <a:p>
+            <a:pPr marL="0" indent="0">
+              <a:buNone/>
+            </a:pPr>
+            <a:r>
+              <a:rPr lang="en-US" altLang="zh-CN" dirty="0">
+                <a:solidFill>
+                  <a:schemeClr val="bg1">
+                    <a:lumMod val="95000"/>
+                  </a:schemeClr>
+                </a:solidFill>
+              </a:rPr>
+              <a:t>	</a:t>
+            </a:r>
+            <a:r>
+              <a:rPr lang="en-US" altLang="zh-CN" dirty="0" err="1">
+                <a:solidFill>
+                  <a:schemeClr val="bg1">
+                    <a:lumMod val="95000"/>
+                  </a:schemeClr>
+                </a:solidFill>
+              </a:rPr>
+              <a:t>swapoff</a:t>
+            </a:r>
+            <a:r>
+              <a:rPr lang="en-US" altLang="zh-CN" dirty="0">
+                <a:solidFill>
+                  <a:schemeClr val="bg1">
+                    <a:lumMod val="95000"/>
+                  </a:schemeClr>
+                </a:solidFill>
+              </a:rPr>
+              <a:t> –a</a:t>
+            </a:r>
+          </a:p>
+          <a:p>
+            <a:pPr marL="0" indent="0">
+              <a:buNone/>
+            </a:pPr>
+            <a:r>
+              <a:rPr lang="en-US" altLang="zh-CN" dirty="0">
+                <a:solidFill>
+                  <a:schemeClr val="bg1">
+                    <a:lumMod val="95000"/>
+                  </a:schemeClr>
+                </a:solidFill>
+              </a:rPr>
+              <a:t>2.</a:t>
+            </a:r>
+            <a:r>
+              <a:rPr lang="zh-CN" altLang="en-US" dirty="0">
+                <a:solidFill>
+                  <a:schemeClr val="bg1">
+                    <a:lumMod val="95000"/>
+                  </a:schemeClr>
+                </a:solidFill>
+              </a:rPr>
+              <a:t> 修改系统资源限制</a:t>
+            </a:r>
+            <a:endParaRPr lang="en-US" altLang="zh-CN" dirty="0">
+              <a:solidFill>
+                <a:schemeClr val="bg1">
+                  <a:lumMod val="95000"/>
+                </a:schemeClr>
+              </a:solidFill>
+            </a:endParaRPr>
+          </a:p>
+          <a:p>
+            <a:pPr marL="0" indent="0">
+              <a:buNone/>
+            </a:pPr>
+            <a:r>
+              <a:rPr lang="en-US" altLang="zh-CN" dirty="0">
+                <a:solidFill>
+                  <a:schemeClr val="bg1">
+                    <a:lumMod val="95000"/>
+                  </a:schemeClr>
+                </a:solidFill>
+              </a:rPr>
+              <a:t># </a:t>
+            </a:r>
+            <a:r>
+              <a:rPr lang="zh-CN" altLang="en-US" dirty="0">
+                <a:solidFill>
+                  <a:schemeClr val="bg1">
+                    <a:lumMod val="95000"/>
+                  </a:schemeClr>
+                </a:solidFill>
+              </a:rPr>
+              <a:t>单用户可以打开的最大文件数量，可以设置为官方推荐的</a:t>
+            </a:r>
+            <a:r>
+              <a:rPr lang="en-US" altLang="zh-CN" dirty="0">
+                <a:solidFill>
+                  <a:schemeClr val="bg1">
+                    <a:lumMod val="95000"/>
+                  </a:schemeClr>
+                </a:solidFill>
+              </a:rPr>
+              <a:t>65536</a:t>
+            </a:r>
+            <a:r>
+              <a:rPr lang="zh-CN" altLang="en-US" dirty="0">
+                <a:solidFill>
+                  <a:schemeClr val="bg1">
+                    <a:lumMod val="95000"/>
+                  </a:schemeClr>
+                </a:solidFill>
+              </a:rPr>
+              <a:t>或更大些</a:t>
+            </a:r>
+            <a:br>
+              <a:rPr lang="zh-CN" altLang="en-US" dirty="0">
+                <a:solidFill>
+                  <a:schemeClr val="bg1">
+                    <a:lumMod val="95000"/>
+                  </a:schemeClr>
+                </a:solidFill>
+              </a:rPr>
+            </a:br>
+            <a:r>
+              <a:rPr lang="en-US" altLang="zh-CN" dirty="0">
+                <a:solidFill>
+                  <a:schemeClr val="bg1">
+                    <a:lumMod val="95000"/>
+                  </a:schemeClr>
+                </a:solidFill>
+              </a:rPr>
+              <a:t>echo "* - </a:t>
+            </a:r>
+            <a:r>
+              <a:rPr lang="en-US" altLang="zh-CN" dirty="0" err="1">
+                <a:solidFill>
+                  <a:schemeClr val="bg1">
+                    <a:lumMod val="95000"/>
+                  </a:schemeClr>
+                </a:solidFill>
+              </a:rPr>
+              <a:t>nofile</a:t>
+            </a:r>
+            <a:r>
+              <a:rPr lang="en-US" altLang="zh-CN" dirty="0">
+                <a:solidFill>
+                  <a:schemeClr val="bg1">
+                    <a:lumMod val="95000"/>
+                  </a:schemeClr>
+                </a:solidFill>
+              </a:rPr>
+              <a:t> 655360" &gt;&gt;/</a:t>
+            </a:r>
+            <a:r>
+              <a:rPr lang="en-US" altLang="zh-CN" dirty="0" err="1">
+                <a:solidFill>
+                  <a:schemeClr val="bg1">
+                    <a:lumMod val="95000"/>
+                  </a:schemeClr>
+                </a:solidFill>
+              </a:rPr>
+              <a:t>etc</a:t>
+            </a:r>
+            <a:r>
+              <a:rPr lang="en-US" altLang="zh-CN" dirty="0">
+                <a:solidFill>
+                  <a:schemeClr val="bg1">
+                    <a:lumMod val="95000"/>
+                  </a:schemeClr>
+                </a:solidFill>
+              </a:rPr>
+              <a:t>/security/</a:t>
+            </a:r>
+            <a:r>
+              <a:rPr lang="en-US" altLang="zh-CN" dirty="0" err="1">
+                <a:solidFill>
+                  <a:schemeClr val="bg1">
+                    <a:lumMod val="95000"/>
+                  </a:schemeClr>
+                </a:solidFill>
+              </a:rPr>
+              <a:t>limits.conf</a:t>
+            </a:r>
+            <a:endParaRPr lang="en-US" altLang="zh-CN" dirty="0">
+              <a:solidFill>
+                <a:schemeClr val="bg1">
+                  <a:lumMod val="95000"/>
+                </a:schemeClr>
+              </a:solidFill>
+            </a:endParaRPr>
+          </a:p>
+          <a:p>
+            <a:pPr marL="0" indent="0">
+              <a:buNone/>
+            </a:pPr>
+            <a:r>
+              <a:rPr lang="en-US" altLang="zh-CN" dirty="0">
+                <a:solidFill>
+                  <a:schemeClr val="bg1">
+                    <a:lumMod val="95000"/>
+                  </a:schemeClr>
+                </a:solidFill>
+              </a:rPr>
+              <a:t># </a:t>
+            </a:r>
+            <a:r>
+              <a:rPr lang="zh-CN" altLang="en-US" dirty="0">
+                <a:solidFill>
+                  <a:schemeClr val="bg1">
+                    <a:lumMod val="95000"/>
+                  </a:schemeClr>
+                </a:solidFill>
+              </a:rPr>
+              <a:t>单用户内存地址空间</a:t>
+            </a:r>
+            <a:endParaRPr lang="en-US" altLang="zh-CN" dirty="0">
+              <a:solidFill>
+                <a:schemeClr val="bg1">
+                  <a:lumMod val="95000"/>
+                </a:schemeClr>
+              </a:solidFill>
+            </a:endParaRPr>
+          </a:p>
+          <a:p>
+            <a:pPr marL="0" indent="0">
+              <a:buNone/>
+            </a:pPr>
+            <a:r>
+              <a:rPr lang="en-US" altLang="zh-CN" dirty="0">
+                <a:solidFill>
+                  <a:schemeClr val="bg1">
+                    <a:lumMod val="95000"/>
+                  </a:schemeClr>
+                </a:solidFill>
+              </a:rPr>
+              <a:t>echo "* - as unlimited" &gt;&gt;/</a:t>
+            </a:r>
+            <a:r>
+              <a:rPr lang="en-US" altLang="zh-CN" dirty="0" err="1">
+                <a:solidFill>
+                  <a:schemeClr val="bg1">
+                    <a:lumMod val="95000"/>
+                  </a:schemeClr>
+                </a:solidFill>
+              </a:rPr>
+              <a:t>etc</a:t>
+            </a:r>
+            <a:r>
+              <a:rPr lang="en-US" altLang="zh-CN" dirty="0">
+                <a:solidFill>
+                  <a:schemeClr val="bg1">
+                    <a:lumMod val="95000"/>
+                  </a:schemeClr>
+                </a:solidFill>
+              </a:rPr>
+              <a:t>/security/</a:t>
+            </a:r>
+            <a:r>
+              <a:rPr lang="en-US" altLang="zh-CN" dirty="0" err="1">
+                <a:solidFill>
+                  <a:schemeClr val="bg1">
+                    <a:lumMod val="95000"/>
+                  </a:schemeClr>
+                </a:solidFill>
+              </a:rPr>
+              <a:t>limits.conf</a:t>
+            </a:r>
+            <a:endParaRPr lang="en-US" altLang="zh-CN" dirty="0">
+              <a:solidFill>
+                <a:schemeClr val="bg1">
+                  <a:lumMod val="95000"/>
+                </a:schemeClr>
+              </a:solidFill>
+            </a:endParaRPr>
+          </a:p>
+          <a:p>
+            <a:pPr marL="0" indent="0">
+              <a:buNone/>
+            </a:pPr>
+            <a:endParaRPr lang="zh-CN" altLang="en-US" dirty="0"/>
+          </a:p>
+        </p:txBody>
+      </p:sp>
+    </p:spTree>
+    <p:extLst>
+      <p:ext uri="{BB962C8B-B14F-4D97-AF65-F5344CB8AC3E}">
+        <p14:creationId xmlns:p14="http://schemas.microsoft.com/office/powerpoint/2010/main" val="2839959937"/>
+      </p:ext>
+    </p:extLst>
+  </p:cSld>
+  <p:clrMapOvr>
+    <a:masterClrMapping/>
+  </p:clrMapOvr>
+  <p:transition spd="med"/>
+</p:sld>
+</file>
+
+<file path=ppt/slides/slide33.xml><?xml version="1.0" encoding="utf-8"?>
+<p:sld xmlns:a="http://schemas.openxmlformats.org/drawingml/2006/main" xmlns:r="http://schemas.openxmlformats.org/officeDocument/2006/relationships" xmlns:p="http://schemas.openxmlformats.org/presentationml/2006/main">
+  <p:cSld>
+    <p:bg>
+      <p:bgPr>
+        <a:solidFill>
+          <a:srgbClr val="5E5E5E"/>
+        </a:solidFill>
+        <a:effectLst/>
+      </p:bgPr>
+    </p:bg>
+    <p:spTree>
+      <p:nvGrpSpPr>
+        <p:cNvPr id="1" name=""/>
+        <p:cNvGrpSpPr/>
+        <p:nvPr/>
+      </p:nvGrpSpPr>
+      <p:grpSpPr>
+        <a:xfrm>
+          <a:off x="0" y="0"/>
+          <a:ext cx="0" cy="0"/>
+          <a:chOff x="0" y="0"/>
+          <a:chExt cx="0" cy="0"/>
+        </a:xfrm>
+      </p:grpSpPr>
+      <p:sp>
+        <p:nvSpPr>
+          <p:cNvPr id="277" name="锁"/>
+          <p:cNvSpPr txBox="1">
+            <a:spLocks noGrp="1"/>
+          </p:cNvSpPr>
+          <p:nvPr>
+            <p:ph type="title"/>
+          </p:nvPr>
+        </p:nvSpPr>
+        <p:spPr>
+          <a:prstGeom prst="rect">
+            <a:avLst/>
+          </a:prstGeom>
+        </p:spPr>
+        <p:txBody>
+          <a:bodyPr/>
+          <a:lstStyle>
+            <a:lvl1pPr algn="l">
+              <a:defRPr>
+                <a:solidFill>
+                  <a:srgbClr val="FFFFFF"/>
+                </a:solidFill>
+              </a:defRPr>
+            </a:lvl1pPr>
+          </a:lstStyle>
+          <a:p>
+            <a:r>
+              <a:rPr lang="en-US" altLang="zh-CN" dirty="0">
+                <a:solidFill>
+                  <a:schemeClr val="accent5">
+                    <a:lumMod val="60000"/>
+                    <a:lumOff val="40000"/>
+                  </a:schemeClr>
+                </a:solidFill>
+              </a:rPr>
+              <a:t>Node</a:t>
+            </a:r>
+            <a:r>
+              <a:rPr lang="zh-CN" altLang="en-US" dirty="0">
+                <a:solidFill>
+                  <a:schemeClr val="accent5">
+                    <a:lumMod val="60000"/>
+                    <a:lumOff val="40000"/>
+                  </a:schemeClr>
+                </a:solidFill>
+              </a:rPr>
+              <a:t>优化</a:t>
+            </a:r>
+            <a:endParaRPr dirty="0">
+              <a:solidFill>
+                <a:schemeClr val="accent5">
+                  <a:lumMod val="60000"/>
+                  <a:lumOff val="40000"/>
+                </a:schemeClr>
+              </a:solidFill>
+            </a:endParaRPr>
+          </a:p>
+        </p:txBody>
+      </p:sp>
+      <p:sp>
+        <p:nvSpPr>
+          <p:cNvPr id="278" name="锁是一种同步机制， 它可以保证一项资源在任何时候只能被一个进程使用， 如果有其他进程想要使用相同的资源， 那么它们就必须等待， 直到正在使用资源的进程放弃使用权为止。"/>
+          <p:cNvSpPr txBox="1">
+            <a:spLocks noGrp="1"/>
+          </p:cNvSpPr>
+          <p:nvPr>
+            <p:ph type="body" idx="1"/>
+          </p:nvPr>
+        </p:nvSpPr>
+        <p:spPr>
+          <a:xfrm>
+            <a:off x="1562100" y="2908697"/>
+            <a:ext cx="21005800" cy="7898606"/>
+          </a:xfrm>
+          <a:prstGeom prst="rect">
+            <a:avLst/>
+          </a:prstGeom>
+        </p:spPr>
+        <p:txBody>
+          <a:bodyPr anchor="t">
+            <a:normAutofit/>
+          </a:bodyPr>
+          <a:lstStyle/>
+          <a:p>
+            <a:pPr marL="0" indent="0" defTabSz="457200">
+              <a:spcBef>
+                <a:spcPts val="1600"/>
+              </a:spcBef>
+              <a:buSzTx/>
+              <a:buNone/>
+              <a:defRPr>
+                <a:solidFill>
+                  <a:srgbClr val="FFFFFF"/>
+                </a:solidFill>
+              </a:defRPr>
+            </a:pPr>
+            <a:r>
+              <a:rPr lang="en-US" altLang="zh-CN" dirty="0"/>
+              <a:t>  conf/</a:t>
+            </a:r>
+            <a:r>
+              <a:rPr lang="en-US" altLang="zh-CN" dirty="0" err="1"/>
+              <a:t>elasticsearch.yml</a:t>
+            </a:r>
+            <a:endParaRPr lang="en-US" altLang="zh-CN" dirty="0"/>
+          </a:p>
+          <a:p>
+            <a:pPr marL="742950" indent="-742950" defTabSz="457200">
+              <a:spcBef>
+                <a:spcPts val="1600"/>
+              </a:spcBef>
+              <a:buSzTx/>
+              <a:buAutoNum type="arabicPeriod"/>
+              <a:defRPr>
+                <a:solidFill>
+                  <a:srgbClr val="FFFFFF"/>
+                </a:solidFill>
+              </a:defRPr>
+            </a:pPr>
+            <a:r>
+              <a:rPr lang="zh-CN" altLang="en-US" dirty="0"/>
+              <a:t>适当增大写入</a:t>
+            </a:r>
+            <a:r>
+              <a:rPr lang="en-US" altLang="zh-CN" dirty="0"/>
+              <a:t>buffer</a:t>
+            </a:r>
+            <a:r>
+              <a:rPr lang="zh-CN" altLang="en-US" dirty="0"/>
+              <a:t>和</a:t>
+            </a:r>
+            <a:r>
+              <a:rPr lang="en-US" altLang="zh-CN" dirty="0"/>
+              <a:t>bulk</a:t>
+            </a:r>
+            <a:r>
+              <a:rPr lang="zh-CN" altLang="en-US" dirty="0"/>
+              <a:t>队列长度，提高写入性能和稳定性</a:t>
+            </a:r>
+            <a:endParaRPr lang="en-US" altLang="zh-CN" dirty="0"/>
+          </a:p>
+          <a:p>
+            <a:pPr marL="1676400" lvl="3" indent="0" defTabSz="457200">
+              <a:spcBef>
+                <a:spcPts val="1600"/>
+              </a:spcBef>
+              <a:buSzTx/>
+              <a:buNone/>
+              <a:defRPr>
+                <a:solidFill>
+                  <a:srgbClr val="FFFFFF"/>
+                </a:solidFill>
+              </a:defRPr>
+            </a:pPr>
+            <a:r>
+              <a:rPr lang="en-US" altLang="zh-CN" dirty="0" err="1">
+                <a:solidFill>
+                  <a:srgbClr val="FFC000"/>
+                </a:solidFill>
+              </a:rPr>
+              <a:t>indices.memory.index_buffer_size</a:t>
+            </a:r>
+            <a:r>
+              <a:rPr lang="en-US" altLang="zh-CN" dirty="0">
+                <a:solidFill>
+                  <a:srgbClr val="FFC000"/>
+                </a:solidFill>
+              </a:rPr>
+              <a:t>: 15%</a:t>
+            </a:r>
+          </a:p>
+          <a:p>
+            <a:pPr marL="1676400" lvl="3" indent="0" defTabSz="457200">
+              <a:spcBef>
+                <a:spcPts val="1600"/>
+              </a:spcBef>
+              <a:buSzTx/>
+              <a:buNone/>
+              <a:defRPr>
+                <a:solidFill>
+                  <a:srgbClr val="FFFFFF"/>
+                </a:solidFill>
+              </a:defRPr>
+            </a:pPr>
+            <a:r>
+              <a:rPr lang="en-US" altLang="zh-CN" dirty="0" err="1">
+                <a:solidFill>
+                  <a:srgbClr val="FFC000"/>
+                </a:solidFill>
+              </a:rPr>
+              <a:t>thread_pool.bulk.queue_size</a:t>
+            </a:r>
+            <a:r>
+              <a:rPr lang="en-US" altLang="zh-CN" dirty="0">
+                <a:solidFill>
+                  <a:srgbClr val="FFC000"/>
+                </a:solidFill>
+              </a:rPr>
+              <a:t>: 1024</a:t>
+            </a:r>
+          </a:p>
+          <a:p>
+            <a:pPr marL="0" indent="0">
+              <a:buNone/>
+            </a:pPr>
+            <a:r>
+              <a:rPr lang="en-US" altLang="zh-CN" dirty="0">
+                <a:solidFill>
+                  <a:schemeClr val="bg1">
+                    <a:lumMod val="95000"/>
+                  </a:schemeClr>
+                </a:solidFill>
+              </a:rPr>
+              <a:t>2. </a:t>
+            </a:r>
+            <a:r>
+              <a:rPr lang="zh-CN" altLang="en-US" dirty="0">
+                <a:solidFill>
+                  <a:schemeClr val="bg1">
+                    <a:lumMod val="95000"/>
+                  </a:schemeClr>
+                </a:solidFill>
+              </a:rPr>
+              <a:t>计算</a:t>
+            </a:r>
+            <a:r>
+              <a:rPr lang="en-US" altLang="zh-CN" dirty="0">
+                <a:solidFill>
+                  <a:schemeClr val="bg1">
+                    <a:lumMod val="95000"/>
+                  </a:schemeClr>
+                </a:solidFill>
+              </a:rPr>
+              <a:t>disk</a:t>
+            </a:r>
+            <a:r>
+              <a:rPr lang="zh-CN" altLang="en-US" dirty="0">
+                <a:solidFill>
+                  <a:schemeClr val="bg1">
+                    <a:lumMod val="95000"/>
+                  </a:schemeClr>
+                </a:solidFill>
+              </a:rPr>
+              <a:t>使用量时，不考虑正在搬迁的</a:t>
+            </a:r>
+            <a:r>
+              <a:rPr lang="en-US" altLang="zh-CN" dirty="0">
+                <a:solidFill>
+                  <a:schemeClr val="bg1">
+                    <a:lumMod val="95000"/>
+                  </a:schemeClr>
+                </a:solidFill>
+              </a:rPr>
+              <a:t>shard</a:t>
+            </a:r>
+          </a:p>
+          <a:p>
+            <a:pPr marL="0" indent="0">
+              <a:buNone/>
+            </a:pPr>
+            <a:r>
+              <a:rPr lang="zh-CN" altLang="en-US" dirty="0">
+                <a:solidFill>
+                  <a:schemeClr val="bg1">
+                    <a:lumMod val="95000"/>
+                  </a:schemeClr>
+                </a:solidFill>
+              </a:rPr>
+              <a:t>在规模比较大的集群中，可以防止新建</a:t>
+            </a:r>
+            <a:r>
+              <a:rPr lang="en-US" altLang="zh-CN" dirty="0">
+                <a:solidFill>
+                  <a:schemeClr val="bg1">
+                    <a:lumMod val="95000"/>
+                  </a:schemeClr>
+                </a:solidFill>
+              </a:rPr>
+              <a:t>shard</a:t>
+            </a:r>
+            <a:r>
+              <a:rPr lang="zh-CN" altLang="en-US" dirty="0">
+                <a:solidFill>
+                  <a:schemeClr val="bg1">
+                    <a:lumMod val="95000"/>
+                  </a:schemeClr>
+                </a:solidFill>
+              </a:rPr>
+              <a:t>时扫描所有</a:t>
+            </a:r>
+            <a:r>
+              <a:rPr lang="en-US" altLang="zh-CN" dirty="0">
+                <a:solidFill>
+                  <a:schemeClr val="bg1">
+                    <a:lumMod val="95000"/>
+                  </a:schemeClr>
+                </a:solidFill>
+              </a:rPr>
+              <a:t>shard</a:t>
+            </a:r>
+            <a:r>
+              <a:rPr lang="zh-CN" altLang="en-US" dirty="0">
+                <a:solidFill>
+                  <a:schemeClr val="bg1">
+                    <a:lumMod val="95000"/>
+                  </a:schemeClr>
+                </a:solidFill>
+              </a:rPr>
+              <a:t>的元数据，提升</a:t>
+            </a:r>
+            <a:r>
+              <a:rPr lang="en-US" altLang="zh-CN" dirty="0">
+                <a:solidFill>
+                  <a:schemeClr val="bg1">
+                    <a:lumMod val="95000"/>
+                  </a:schemeClr>
+                </a:solidFill>
+              </a:rPr>
+              <a:t>shard</a:t>
+            </a:r>
+            <a:r>
+              <a:rPr lang="zh-CN" altLang="en-US" dirty="0">
+                <a:solidFill>
+                  <a:schemeClr val="bg1">
+                    <a:lumMod val="95000"/>
+                  </a:schemeClr>
+                </a:solidFill>
+              </a:rPr>
+              <a:t>分配速度。</a:t>
+            </a:r>
+            <a:endParaRPr lang="en-US" altLang="zh-CN" dirty="0">
+              <a:solidFill>
+                <a:schemeClr val="bg1">
+                  <a:lumMod val="95000"/>
+                </a:schemeClr>
+              </a:solidFill>
+            </a:endParaRPr>
+          </a:p>
+          <a:p>
+            <a:pPr marL="0" indent="0">
+              <a:buNone/>
+            </a:pPr>
+            <a:r>
+              <a:rPr lang="en-US" altLang="zh-CN" dirty="0">
+                <a:solidFill>
+                  <a:srgbClr val="FFC000"/>
+                </a:solidFill>
+              </a:rPr>
+              <a:t>		</a:t>
+            </a:r>
+            <a:r>
+              <a:rPr lang="en-US" altLang="zh-CN" dirty="0" err="1">
+                <a:solidFill>
+                  <a:srgbClr val="FFC000"/>
+                </a:solidFill>
+              </a:rPr>
+              <a:t>cluster.routing.allocation.disk.include_relocations</a:t>
+            </a:r>
+            <a:r>
+              <a:rPr lang="en-US" altLang="zh-CN" dirty="0">
+                <a:solidFill>
+                  <a:srgbClr val="FFC000"/>
+                </a:solidFill>
+              </a:rPr>
+              <a:t>: false</a:t>
+            </a:r>
+          </a:p>
+          <a:p>
+            <a:pPr marL="0" indent="0">
+              <a:buNone/>
+            </a:pPr>
+            <a:endParaRPr lang="en-US" altLang="zh-CN" dirty="0">
+              <a:solidFill>
+                <a:srgbClr val="FFC000"/>
+              </a:solidFill>
+            </a:endParaRPr>
+          </a:p>
+          <a:p>
+            <a:pPr marL="0" indent="0">
+              <a:buNone/>
+            </a:pPr>
+            <a:endParaRPr lang="en-US" altLang="zh-CN" dirty="0">
+              <a:solidFill>
+                <a:srgbClr val="FFC000"/>
+              </a:solidFill>
+            </a:endParaRPr>
+          </a:p>
+        </p:txBody>
+      </p:sp>
+    </p:spTree>
+    <p:extLst>
+      <p:ext uri="{BB962C8B-B14F-4D97-AF65-F5344CB8AC3E}">
+        <p14:creationId xmlns:p14="http://schemas.microsoft.com/office/powerpoint/2010/main" val="4102226689"/>
+      </p:ext>
+    </p:extLst>
+  </p:cSld>
+  <p:clrMapOvr>
+    <a:masterClrMapping/>
+  </p:clrMapOvr>
+  <p:transition spd="med"/>
+</p:sld>
+</file>
+
+<file path=ppt/slides/slide34.xml><?xml version="1.0" encoding="utf-8"?>
+<p:sld xmlns:a="http://schemas.openxmlformats.org/drawingml/2006/main" xmlns:r="http://schemas.openxmlformats.org/officeDocument/2006/relationships" xmlns:p="http://schemas.openxmlformats.org/presentationml/2006/main">
+  <p:cSld>
+    <p:bg>
+      <p:bgPr>
+        <a:solidFill>
+          <a:srgbClr val="5E5E5E"/>
+        </a:solidFill>
+        <a:effectLst/>
+      </p:bgPr>
+    </p:bg>
+    <p:spTree>
+      <p:nvGrpSpPr>
+        <p:cNvPr id="1" name=""/>
+        <p:cNvGrpSpPr/>
+        <p:nvPr/>
+      </p:nvGrpSpPr>
+      <p:grpSpPr>
+        <a:xfrm>
+          <a:off x="0" y="0"/>
+          <a:ext cx="0" cy="0"/>
+          <a:chOff x="0" y="0"/>
+          <a:chExt cx="0" cy="0"/>
+        </a:xfrm>
+      </p:grpSpPr>
+      <p:sp>
+        <p:nvSpPr>
+          <p:cNvPr id="277" name="锁"/>
+          <p:cNvSpPr txBox="1">
+            <a:spLocks noGrp="1"/>
+          </p:cNvSpPr>
+          <p:nvPr>
+            <p:ph type="title"/>
+          </p:nvPr>
+        </p:nvSpPr>
+        <p:spPr>
+          <a:prstGeom prst="rect">
+            <a:avLst/>
+          </a:prstGeom>
+        </p:spPr>
+        <p:txBody>
+          <a:bodyPr/>
+          <a:lstStyle>
+            <a:lvl1pPr algn="l">
+              <a:defRPr>
+                <a:solidFill>
+                  <a:srgbClr val="FFFFFF"/>
+                </a:solidFill>
+              </a:defRPr>
+            </a:lvl1pPr>
+          </a:lstStyle>
+          <a:p>
+            <a:r>
+              <a:rPr lang="zh-CN" altLang="en-US" dirty="0">
+                <a:solidFill>
+                  <a:schemeClr val="accent5">
+                    <a:lumMod val="60000"/>
+                    <a:lumOff val="40000"/>
+                  </a:schemeClr>
+                </a:solidFill>
+              </a:rPr>
+              <a:t>使用优化</a:t>
+            </a:r>
+            <a:endParaRPr dirty="0">
+              <a:solidFill>
+                <a:schemeClr val="accent5">
+                  <a:lumMod val="60000"/>
+                  <a:lumOff val="40000"/>
+                </a:schemeClr>
+              </a:solidFill>
+            </a:endParaRPr>
+          </a:p>
+        </p:txBody>
+      </p:sp>
+      <p:sp>
+        <p:nvSpPr>
+          <p:cNvPr id="278" name="锁是一种同步机制， 它可以保证一项资源在任何时候只能被一个进程使用， 如果有其他进程想要使用相同的资源， 那么它们就必须等待， 直到正在使用资源的进程放弃使用权为止。"/>
+          <p:cNvSpPr txBox="1">
+            <a:spLocks noGrp="1"/>
+          </p:cNvSpPr>
+          <p:nvPr>
+            <p:ph type="body" idx="1"/>
+          </p:nvPr>
+        </p:nvSpPr>
+        <p:spPr>
+          <a:xfrm>
+            <a:off x="1562100" y="2908697"/>
+            <a:ext cx="21005800" cy="7898606"/>
+          </a:xfrm>
+          <a:prstGeom prst="rect">
+            <a:avLst/>
+          </a:prstGeom>
+        </p:spPr>
+        <p:txBody>
+          <a:bodyPr anchor="t">
+            <a:normAutofit/>
+          </a:bodyPr>
+          <a:lstStyle/>
+          <a:p>
+            <a:pPr marL="0" indent="0">
+              <a:buNone/>
+            </a:pPr>
+            <a:r>
+              <a:rPr lang="en-US" altLang="zh-CN" dirty="0">
+                <a:solidFill>
+                  <a:schemeClr val="bg1">
+                    <a:lumMod val="95000"/>
+                  </a:schemeClr>
+                </a:solidFill>
+              </a:rPr>
+              <a:t>1.</a:t>
+            </a:r>
+            <a:r>
+              <a:rPr lang="zh-CN" altLang="en-US" dirty="0">
+                <a:solidFill>
+                  <a:schemeClr val="bg1">
+                    <a:lumMod val="95000"/>
+                  </a:schemeClr>
+                </a:solidFill>
+              </a:rPr>
+              <a:t>写入数据时尽量使用下面的</a:t>
+            </a:r>
+            <a:r>
+              <a:rPr lang="en-US" altLang="zh-CN" dirty="0">
+                <a:solidFill>
+                  <a:schemeClr val="bg1">
+                    <a:lumMod val="95000"/>
+                  </a:schemeClr>
+                </a:solidFill>
+              </a:rPr>
+              <a:t>bulk</a:t>
+            </a:r>
+            <a:r>
+              <a:rPr lang="zh-CN" altLang="en-US" dirty="0">
+                <a:solidFill>
+                  <a:schemeClr val="bg1">
+                    <a:lumMod val="95000"/>
+                  </a:schemeClr>
+                </a:solidFill>
+              </a:rPr>
+              <a:t>接口批量写入，提高写入效率。每个</a:t>
+            </a:r>
+            <a:r>
+              <a:rPr lang="en-US" altLang="zh-CN" dirty="0">
+                <a:solidFill>
+                  <a:schemeClr val="bg1">
+                    <a:lumMod val="95000"/>
+                  </a:schemeClr>
+                </a:solidFill>
+              </a:rPr>
+              <a:t>bulk</a:t>
+            </a:r>
+            <a:r>
+              <a:rPr lang="zh-CN" altLang="en-US" dirty="0">
+                <a:solidFill>
+                  <a:schemeClr val="bg1">
+                    <a:lumMod val="95000"/>
+                  </a:schemeClr>
+                </a:solidFill>
+              </a:rPr>
+              <a:t>请求的</a:t>
+            </a:r>
+            <a:r>
+              <a:rPr lang="en-US" altLang="zh-CN" dirty="0">
+                <a:solidFill>
+                  <a:schemeClr val="bg1">
+                    <a:lumMod val="95000"/>
+                  </a:schemeClr>
+                </a:solidFill>
+              </a:rPr>
+              <a:t>doc</a:t>
+            </a:r>
+            <a:r>
+              <a:rPr lang="zh-CN" altLang="en-US" dirty="0">
+                <a:solidFill>
+                  <a:schemeClr val="bg1">
+                    <a:lumMod val="95000"/>
+                  </a:schemeClr>
+                </a:solidFill>
+              </a:rPr>
+              <a:t>数量设定区间推荐为</a:t>
+            </a:r>
+            <a:r>
+              <a:rPr lang="en-US" altLang="zh-CN" dirty="0">
+                <a:solidFill>
+                  <a:schemeClr val="bg1">
+                    <a:lumMod val="95000"/>
+                  </a:schemeClr>
+                </a:solidFill>
+              </a:rPr>
+              <a:t>1k~1w</a:t>
+            </a:r>
+            <a:r>
+              <a:rPr lang="zh-CN" altLang="en-US" dirty="0">
+                <a:solidFill>
+                  <a:schemeClr val="bg1">
+                    <a:lumMod val="95000"/>
+                  </a:schemeClr>
+                </a:solidFill>
+              </a:rPr>
+              <a:t>，具体可根据业务场景选取一个适当的数量。</a:t>
+            </a:r>
+            <a:endParaRPr lang="en-US" altLang="zh-CN" dirty="0">
+              <a:solidFill>
+                <a:schemeClr val="bg1">
+                  <a:lumMod val="95000"/>
+                </a:schemeClr>
+              </a:solidFill>
+            </a:endParaRPr>
+          </a:p>
+          <a:p>
+            <a:pPr marL="0" indent="0">
+              <a:buNone/>
+            </a:pPr>
+            <a:r>
+              <a:rPr lang="en-US" altLang="zh-CN" dirty="0">
+                <a:solidFill>
+                  <a:schemeClr val="bg1">
+                    <a:lumMod val="95000"/>
+                  </a:schemeClr>
+                </a:solidFill>
+              </a:rPr>
+              <a:t>curl -H "</a:t>
+            </a:r>
+            <a:r>
+              <a:rPr lang="en-US" altLang="zh-CN" dirty="0" err="1">
+                <a:solidFill>
+                  <a:schemeClr val="bg1">
+                    <a:lumMod val="95000"/>
+                  </a:schemeClr>
+                </a:solidFill>
+              </a:rPr>
+              <a:t>Content-Type:application</a:t>
+            </a:r>
+            <a:r>
+              <a:rPr lang="en-US" altLang="zh-CN" dirty="0">
+                <a:solidFill>
+                  <a:schemeClr val="bg1">
+                    <a:lumMod val="95000"/>
+                  </a:schemeClr>
+                </a:solidFill>
+              </a:rPr>
+              <a:t>/json" -X POST "localhost:9200/_</a:t>
+            </a:r>
+            <a:r>
+              <a:rPr lang="en-US" altLang="zh-CN" dirty="0" err="1">
+                <a:solidFill>
+                  <a:schemeClr val="bg1">
+                    <a:lumMod val="95000"/>
+                  </a:schemeClr>
+                </a:solidFill>
+              </a:rPr>
+              <a:t>bulk?pretty</a:t>
+            </a:r>
+            <a:r>
+              <a:rPr lang="en-US" altLang="zh-CN" dirty="0">
+                <a:solidFill>
+                  <a:schemeClr val="bg1">
+                    <a:lumMod val="95000"/>
+                  </a:schemeClr>
+                </a:solidFill>
+              </a:rPr>
+              <a:t>“</a:t>
+            </a:r>
+          </a:p>
+          <a:p>
+            <a:pPr marL="0" indent="0">
+              <a:buNone/>
+            </a:pPr>
+            <a:endParaRPr lang="en-US" altLang="zh-CN" dirty="0">
+              <a:solidFill>
+                <a:schemeClr val="bg1">
+                  <a:lumMod val="95000"/>
+                </a:schemeClr>
+              </a:solidFill>
+            </a:endParaRPr>
+          </a:p>
+          <a:p>
+            <a:pPr marL="0" indent="0">
+              <a:buNone/>
+            </a:pPr>
+            <a:r>
+              <a:rPr lang="en-US" altLang="zh-CN" dirty="0">
+                <a:solidFill>
+                  <a:schemeClr val="bg1">
+                    <a:lumMod val="95000"/>
+                  </a:schemeClr>
+                </a:solidFill>
+              </a:rPr>
+              <a:t>2.</a:t>
+            </a:r>
+            <a:r>
+              <a:rPr lang="zh-CN" altLang="en-US" b="1" dirty="0">
+                <a:solidFill>
+                  <a:schemeClr val="bg1">
+                    <a:lumMod val="95000"/>
+                  </a:schemeClr>
+                </a:solidFill>
+              </a:rPr>
+              <a:t>调整</a:t>
+            </a:r>
+            <a:r>
+              <a:rPr lang="en-US" altLang="zh-CN" b="1" dirty="0" err="1">
+                <a:solidFill>
+                  <a:schemeClr val="bg1">
+                    <a:lumMod val="95000"/>
+                  </a:schemeClr>
+                </a:solidFill>
+              </a:rPr>
+              <a:t>translog</a:t>
+            </a:r>
+            <a:r>
+              <a:rPr lang="zh-CN" altLang="en-US" b="1" dirty="0">
+                <a:solidFill>
+                  <a:schemeClr val="bg1">
+                    <a:lumMod val="95000"/>
+                  </a:schemeClr>
+                </a:solidFill>
+              </a:rPr>
+              <a:t>同步策略</a:t>
+            </a:r>
+          </a:p>
+          <a:p>
+            <a:pPr marL="0" indent="0">
+              <a:buNone/>
+            </a:pPr>
+            <a:r>
+              <a:rPr lang="en-US" altLang="zh-CN" dirty="0">
+                <a:solidFill>
+                  <a:schemeClr val="bg1">
+                    <a:lumMod val="95000"/>
+                  </a:schemeClr>
+                </a:solidFill>
+              </a:rPr>
+              <a:t>curl -H “</a:t>
+            </a:r>
+            <a:r>
+              <a:rPr lang="en-US" altLang="zh-CN" dirty="0" err="1">
+                <a:solidFill>
+                  <a:schemeClr val="bg1">
+                    <a:lumMod val="95000"/>
+                  </a:schemeClr>
+                </a:solidFill>
+              </a:rPr>
+              <a:t>Content-Type:application</a:t>
+            </a:r>
+            <a:r>
+              <a:rPr lang="en-US" altLang="zh-CN" dirty="0">
+                <a:solidFill>
+                  <a:schemeClr val="bg1">
+                    <a:lumMod val="95000"/>
+                  </a:schemeClr>
+                </a:solidFill>
+              </a:rPr>
+              <a:t>/json” -X PUT  “localhost:9200/{index</a:t>
+            </a:r>
+            <a:r>
+              <a:rPr lang="zh-CN" altLang="en-US" dirty="0">
+                <a:solidFill>
+                  <a:schemeClr val="bg1">
+                    <a:lumMod val="95000"/>
+                  </a:schemeClr>
+                </a:solidFill>
+              </a:rPr>
+              <a:t>名称</a:t>
+            </a:r>
+            <a:r>
+              <a:rPr lang="en-US" altLang="zh-CN" dirty="0">
+                <a:solidFill>
+                  <a:schemeClr val="bg1">
+                    <a:lumMod val="95000"/>
+                  </a:schemeClr>
+                </a:solidFill>
+              </a:rPr>
+              <a:t>}/" -d '{"settings": {"index": {"</a:t>
+            </a:r>
+            <a:r>
+              <a:rPr lang="en-US" altLang="zh-CN" dirty="0" err="1">
+                <a:solidFill>
+                  <a:schemeClr val="bg1">
+                    <a:lumMod val="95000"/>
+                  </a:schemeClr>
+                </a:solidFill>
+              </a:rPr>
+              <a:t>translog</a:t>
+            </a:r>
+            <a:r>
+              <a:rPr lang="en-US" altLang="zh-CN" dirty="0">
+                <a:solidFill>
+                  <a:schemeClr val="bg1">
+                    <a:lumMod val="95000"/>
+                  </a:schemeClr>
+                </a:solidFill>
+              </a:rPr>
+              <a:t>": {"</a:t>
+            </a:r>
+            <a:r>
+              <a:rPr lang="en-US" altLang="zh-CN" dirty="0" err="1">
+                <a:solidFill>
+                  <a:schemeClr val="bg1">
+                    <a:lumMod val="95000"/>
+                  </a:schemeClr>
+                </a:solidFill>
+              </a:rPr>
+              <a:t>sync_interval</a:t>
+            </a:r>
+            <a:r>
+              <a:rPr lang="en-US" altLang="zh-CN" dirty="0">
+                <a:solidFill>
+                  <a:schemeClr val="bg1">
+                    <a:lumMod val="95000"/>
+                  </a:schemeClr>
+                </a:solidFill>
+              </a:rPr>
+              <a:t>": "5s","durability": "async"}}}}'</a:t>
+            </a:r>
+          </a:p>
+        </p:txBody>
+      </p:sp>
+    </p:spTree>
+    <p:extLst>
+      <p:ext uri="{BB962C8B-B14F-4D97-AF65-F5344CB8AC3E}">
+        <p14:creationId xmlns:p14="http://schemas.microsoft.com/office/powerpoint/2010/main" val="3905192649"/>
+      </p:ext>
+    </p:extLst>
+  </p:cSld>
+  <p:clrMapOvr>
+    <a:masterClrMapping/>
+  </p:clrMapOvr>
+  <p:transition spd="med"/>
+</p:sld>
+</file>
+
+<file path=ppt/slides/slide35.xml><?xml version="1.0" encoding="utf-8"?>
+<p:sld xmlns:a="http://schemas.openxmlformats.org/drawingml/2006/main" xmlns:r="http://schemas.openxmlformats.org/officeDocument/2006/relationships" xmlns:p="http://schemas.openxmlformats.org/presentationml/2006/main">
+  <p:cSld>
+    <p:bg>
+      <p:bgPr>
+        <a:solidFill>
+          <a:srgbClr val="5E5E5E"/>
+        </a:solidFill>
+        <a:effectLst/>
+      </p:bgPr>
+    </p:bg>
+    <p:spTree>
+      <p:nvGrpSpPr>
+        <p:cNvPr id="1" name=""/>
+        <p:cNvGrpSpPr/>
+        <p:nvPr/>
+      </p:nvGrpSpPr>
+      <p:grpSpPr>
+        <a:xfrm>
+          <a:off x="0" y="0"/>
+          <a:ext cx="0" cy="0"/>
+          <a:chOff x="0" y="0"/>
+          <a:chExt cx="0" cy="0"/>
+        </a:xfrm>
+      </p:grpSpPr>
+      <p:sp>
+        <p:nvSpPr>
+          <p:cNvPr id="277" name="锁"/>
+          <p:cNvSpPr txBox="1">
+            <a:spLocks noGrp="1"/>
+          </p:cNvSpPr>
+          <p:nvPr>
+            <p:ph type="title"/>
+          </p:nvPr>
+        </p:nvSpPr>
+        <p:spPr>
+          <a:prstGeom prst="rect">
+            <a:avLst/>
+          </a:prstGeom>
+        </p:spPr>
+        <p:txBody>
+          <a:bodyPr/>
+          <a:lstStyle>
+            <a:lvl1pPr algn="l">
+              <a:defRPr>
+                <a:solidFill>
+                  <a:srgbClr val="FFFFFF"/>
+                </a:solidFill>
+              </a:defRPr>
+            </a:lvl1pPr>
+          </a:lstStyle>
+          <a:p>
+            <a:r>
+              <a:rPr lang="zh-CN" altLang="en-US" dirty="0">
+                <a:solidFill>
+                  <a:schemeClr val="accent5">
+                    <a:lumMod val="60000"/>
+                    <a:lumOff val="40000"/>
+                  </a:schemeClr>
+                </a:solidFill>
+              </a:rPr>
+              <a:t>使用优化</a:t>
+            </a:r>
+            <a:endParaRPr dirty="0">
+              <a:solidFill>
+                <a:schemeClr val="accent5">
+                  <a:lumMod val="60000"/>
+                  <a:lumOff val="40000"/>
+                </a:schemeClr>
+              </a:solidFill>
+            </a:endParaRPr>
+          </a:p>
+        </p:txBody>
+      </p:sp>
+      <p:sp>
+        <p:nvSpPr>
+          <p:cNvPr id="278" name="锁是一种同步机制， 它可以保证一项资源在任何时候只能被一个进程使用， 如果有其他进程想要使用相同的资源， 那么它们就必须等待， 直到正在使用资源的进程放弃使用权为止。"/>
+          <p:cNvSpPr txBox="1">
+            <a:spLocks noGrp="1"/>
+          </p:cNvSpPr>
+          <p:nvPr>
+            <p:ph type="body" idx="1"/>
+          </p:nvPr>
+        </p:nvSpPr>
+        <p:spPr>
+          <a:xfrm>
+            <a:off x="1562100" y="2908697"/>
+            <a:ext cx="21005800" cy="7898606"/>
+          </a:xfrm>
+          <a:prstGeom prst="rect">
+            <a:avLst/>
+          </a:prstGeom>
+        </p:spPr>
+        <p:txBody>
+          <a:bodyPr anchor="t">
+            <a:normAutofit lnSpcReduction="10000"/>
+          </a:bodyPr>
+          <a:lstStyle/>
+          <a:p>
+            <a:pPr marL="0" indent="0">
+              <a:buNone/>
+            </a:pPr>
+            <a:r>
+              <a:rPr lang="en-US" altLang="zh-CN" dirty="0">
+                <a:solidFill>
+                  <a:schemeClr val="bg1">
+                    <a:lumMod val="95000"/>
+                  </a:schemeClr>
+                </a:solidFill>
+              </a:rPr>
+              <a:t>3.</a:t>
+            </a:r>
+            <a:r>
+              <a:rPr lang="zh-CN" altLang="en-US" b="1" dirty="0">
+                <a:solidFill>
+                  <a:schemeClr val="bg1">
+                    <a:lumMod val="95000"/>
+                  </a:schemeClr>
+                </a:solidFill>
+              </a:rPr>
+              <a:t>调整</a:t>
+            </a:r>
+            <a:r>
+              <a:rPr lang="en-US" altLang="zh-CN" b="1" dirty="0" err="1">
+                <a:solidFill>
+                  <a:schemeClr val="bg1">
+                    <a:lumMod val="95000"/>
+                  </a:schemeClr>
+                </a:solidFill>
+              </a:rPr>
+              <a:t>refresh_interval</a:t>
+            </a:r>
+            <a:endParaRPr lang="en-US" altLang="zh-CN" b="1" dirty="0">
+              <a:solidFill>
+                <a:schemeClr val="bg1">
+                  <a:lumMod val="95000"/>
+                </a:schemeClr>
+              </a:solidFill>
+            </a:endParaRPr>
+          </a:p>
+          <a:p>
+            <a:pPr marL="0" indent="0">
+              <a:buNone/>
+            </a:pPr>
+            <a:r>
+              <a:rPr lang="en-US" altLang="zh-CN" dirty="0">
+                <a:solidFill>
+                  <a:schemeClr val="bg1">
+                    <a:lumMod val="95000"/>
+                  </a:schemeClr>
+                </a:solidFill>
+              </a:rPr>
+              <a:t>curl -H “</a:t>
+            </a:r>
+            <a:r>
+              <a:rPr lang="en-US" altLang="zh-CN" dirty="0" err="1">
+                <a:solidFill>
+                  <a:schemeClr val="bg1">
+                    <a:lumMod val="95000"/>
+                  </a:schemeClr>
+                </a:solidFill>
+              </a:rPr>
+              <a:t>Content-Type:application</a:t>
+            </a:r>
+            <a:r>
+              <a:rPr lang="en-US" altLang="zh-CN" dirty="0">
+                <a:solidFill>
+                  <a:schemeClr val="bg1">
+                    <a:lumMod val="95000"/>
+                  </a:schemeClr>
+                </a:solidFill>
+              </a:rPr>
+              <a:t>/json” -X PUT “localhost:9200/{index</a:t>
+            </a:r>
+            <a:r>
+              <a:rPr lang="zh-CN" altLang="en-US" dirty="0">
+                <a:solidFill>
+                  <a:schemeClr val="bg1">
+                    <a:lumMod val="95000"/>
+                  </a:schemeClr>
+                </a:solidFill>
+              </a:rPr>
+              <a:t>名称</a:t>
+            </a:r>
+            <a:r>
+              <a:rPr lang="en-US" altLang="zh-CN" dirty="0">
+                <a:solidFill>
+                  <a:schemeClr val="bg1">
+                    <a:lumMod val="95000"/>
+                  </a:schemeClr>
+                </a:solidFill>
+              </a:rPr>
+              <a:t>}" -d '{"settings":{"index":{"refresh_interval":"30s"}}}’</a:t>
+            </a:r>
+            <a:endParaRPr lang="en-US" altLang="zh-CN" b="1" dirty="0">
+              <a:solidFill>
+                <a:schemeClr val="bg1">
+                  <a:lumMod val="95000"/>
+                </a:schemeClr>
+              </a:solidFill>
+            </a:endParaRPr>
+          </a:p>
+          <a:p>
+            <a:pPr marL="0" indent="0">
+              <a:buNone/>
+            </a:pPr>
+            <a:r>
+              <a:rPr lang="en-US" altLang="zh-CN" b="1" dirty="0">
+                <a:solidFill>
+                  <a:schemeClr val="bg1">
+                    <a:lumMod val="95000"/>
+                  </a:schemeClr>
+                </a:solidFill>
+              </a:rPr>
+              <a:t>4. merge</a:t>
+            </a:r>
+            <a:r>
+              <a:rPr lang="zh-CN" altLang="en-US" b="1" dirty="0">
+                <a:solidFill>
+                  <a:schemeClr val="bg1">
+                    <a:lumMod val="95000"/>
+                  </a:schemeClr>
+                </a:solidFill>
+              </a:rPr>
+              <a:t>并发控制</a:t>
+            </a:r>
+            <a:endParaRPr lang="en-US" altLang="zh-CN" b="1" dirty="0">
+              <a:solidFill>
+                <a:schemeClr val="bg1">
+                  <a:lumMod val="95000"/>
+                </a:schemeClr>
+              </a:solidFill>
+            </a:endParaRPr>
+          </a:p>
+          <a:p>
+            <a:pPr marL="0" indent="0">
+              <a:buNone/>
+            </a:pPr>
+            <a:r>
+              <a:rPr lang="en-US" altLang="zh-CN" dirty="0">
+                <a:solidFill>
+                  <a:schemeClr val="bg1">
+                    <a:lumMod val="95000"/>
+                  </a:schemeClr>
+                </a:solidFill>
+              </a:rPr>
+              <a:t>ES</a:t>
+            </a:r>
+            <a:r>
+              <a:rPr lang="zh-CN" altLang="en-US" dirty="0">
+                <a:solidFill>
+                  <a:schemeClr val="bg1">
+                    <a:lumMod val="95000"/>
+                  </a:schemeClr>
+                </a:solidFill>
+              </a:rPr>
+              <a:t>的一个</a:t>
+            </a:r>
+            <a:r>
+              <a:rPr lang="en-US" altLang="zh-CN" dirty="0">
+                <a:solidFill>
+                  <a:schemeClr val="bg1">
+                    <a:lumMod val="95000"/>
+                  </a:schemeClr>
+                </a:solidFill>
+              </a:rPr>
+              <a:t>index</a:t>
+            </a:r>
+            <a:r>
+              <a:rPr lang="zh-CN" altLang="en-US" dirty="0">
+                <a:solidFill>
+                  <a:schemeClr val="bg1">
+                    <a:lumMod val="95000"/>
+                  </a:schemeClr>
+                </a:solidFill>
+              </a:rPr>
+              <a:t>由多个</a:t>
+            </a:r>
+            <a:r>
+              <a:rPr lang="en-US" altLang="zh-CN" dirty="0">
+                <a:solidFill>
+                  <a:schemeClr val="bg1">
+                    <a:lumMod val="95000"/>
+                  </a:schemeClr>
+                </a:solidFill>
+              </a:rPr>
+              <a:t>shard</a:t>
+            </a:r>
+            <a:r>
+              <a:rPr lang="zh-CN" altLang="en-US" dirty="0">
+                <a:solidFill>
+                  <a:schemeClr val="bg1">
+                    <a:lumMod val="95000"/>
+                  </a:schemeClr>
+                </a:solidFill>
+              </a:rPr>
+              <a:t>组成，而一个</a:t>
+            </a:r>
+            <a:r>
+              <a:rPr lang="en-US" altLang="zh-CN" dirty="0">
+                <a:solidFill>
+                  <a:schemeClr val="bg1">
+                    <a:lumMod val="95000"/>
+                  </a:schemeClr>
+                </a:solidFill>
+              </a:rPr>
+              <a:t>shard</a:t>
+            </a:r>
+            <a:r>
+              <a:rPr lang="zh-CN" altLang="en-US" dirty="0">
+                <a:solidFill>
+                  <a:schemeClr val="bg1">
+                    <a:lumMod val="95000"/>
+                  </a:schemeClr>
+                </a:solidFill>
+              </a:rPr>
+              <a:t>其实就是一个</a:t>
+            </a:r>
+            <a:r>
+              <a:rPr lang="en-US" altLang="zh-CN" dirty="0">
+                <a:solidFill>
+                  <a:schemeClr val="bg1">
+                    <a:lumMod val="95000"/>
+                  </a:schemeClr>
+                </a:solidFill>
+              </a:rPr>
+              <a:t>Lucene</a:t>
+            </a:r>
+            <a:r>
+              <a:rPr lang="zh-CN" altLang="en-US" dirty="0">
+                <a:solidFill>
+                  <a:schemeClr val="bg1">
+                    <a:lumMod val="95000"/>
+                  </a:schemeClr>
+                </a:solidFill>
+              </a:rPr>
+              <a:t>的</a:t>
+            </a:r>
+            <a:r>
+              <a:rPr lang="en-US" altLang="zh-CN" dirty="0">
+                <a:solidFill>
+                  <a:schemeClr val="bg1">
+                    <a:lumMod val="95000"/>
+                  </a:schemeClr>
+                </a:solidFill>
+              </a:rPr>
+              <a:t>index</a:t>
+            </a:r>
+            <a:r>
+              <a:rPr lang="zh-CN" altLang="en-US" dirty="0">
+                <a:solidFill>
+                  <a:schemeClr val="bg1">
+                    <a:lumMod val="95000"/>
+                  </a:schemeClr>
+                </a:solidFill>
+              </a:rPr>
+              <a:t>，它又由多个</a:t>
+            </a:r>
+            <a:r>
+              <a:rPr lang="en-US" altLang="zh-CN" dirty="0">
+                <a:solidFill>
+                  <a:schemeClr val="bg1">
+                    <a:lumMod val="95000"/>
+                  </a:schemeClr>
+                </a:solidFill>
+              </a:rPr>
+              <a:t>segment</a:t>
+            </a:r>
+            <a:r>
+              <a:rPr lang="zh-CN" altLang="en-US" dirty="0">
+                <a:solidFill>
+                  <a:schemeClr val="bg1">
+                    <a:lumMod val="95000"/>
+                  </a:schemeClr>
+                </a:solidFill>
+              </a:rPr>
+              <a:t>组成，且</a:t>
+            </a:r>
+            <a:r>
+              <a:rPr lang="en-US" altLang="zh-CN" dirty="0">
+                <a:solidFill>
+                  <a:schemeClr val="bg1">
+                    <a:lumMod val="95000"/>
+                  </a:schemeClr>
+                </a:solidFill>
+              </a:rPr>
+              <a:t>Lucene</a:t>
+            </a:r>
+            <a:r>
+              <a:rPr lang="zh-CN" altLang="en-US" dirty="0">
+                <a:solidFill>
+                  <a:schemeClr val="bg1">
+                    <a:lumMod val="95000"/>
+                  </a:schemeClr>
+                </a:solidFill>
+              </a:rPr>
+              <a:t>会不断地把一些小的</a:t>
+            </a:r>
+            <a:r>
+              <a:rPr lang="en-US" altLang="zh-CN" dirty="0">
+                <a:solidFill>
+                  <a:schemeClr val="bg1">
+                    <a:lumMod val="95000"/>
+                  </a:schemeClr>
+                </a:solidFill>
+              </a:rPr>
+              <a:t>segment</a:t>
+            </a:r>
+            <a:r>
+              <a:rPr lang="zh-CN" altLang="en-US" dirty="0">
+                <a:solidFill>
+                  <a:schemeClr val="bg1">
+                    <a:lumMod val="95000"/>
+                  </a:schemeClr>
+                </a:solidFill>
+              </a:rPr>
+              <a:t>合并成一个大的</a:t>
+            </a:r>
+            <a:r>
+              <a:rPr lang="en-US" altLang="zh-CN" dirty="0">
+                <a:solidFill>
+                  <a:schemeClr val="bg1">
+                    <a:lumMod val="95000"/>
+                  </a:schemeClr>
+                </a:solidFill>
+              </a:rPr>
+              <a:t>segment</a:t>
+            </a:r>
+            <a:r>
+              <a:rPr lang="zh-CN" altLang="en-US" dirty="0">
+                <a:solidFill>
+                  <a:schemeClr val="bg1">
+                    <a:lumMod val="95000"/>
+                  </a:schemeClr>
+                </a:solidFill>
+              </a:rPr>
+              <a:t>，这个过程被称为</a:t>
+            </a:r>
+            <a:r>
+              <a:rPr lang="en-US" altLang="zh-CN" dirty="0">
+                <a:solidFill>
+                  <a:schemeClr val="bg1">
+                    <a:lumMod val="95000"/>
+                  </a:schemeClr>
+                </a:solidFill>
+              </a:rPr>
+              <a:t>merge</a:t>
+            </a:r>
+            <a:r>
+              <a:rPr lang="zh-CN" altLang="en-US" dirty="0">
+                <a:solidFill>
+                  <a:schemeClr val="bg1">
+                    <a:lumMod val="95000"/>
+                  </a:schemeClr>
+                </a:solidFill>
+              </a:rPr>
+              <a:t>。当节点配置的</a:t>
+            </a:r>
+            <a:r>
+              <a:rPr lang="en-US" altLang="zh-CN" dirty="0" err="1">
+                <a:solidFill>
+                  <a:schemeClr val="bg1">
+                    <a:lumMod val="95000"/>
+                  </a:schemeClr>
+                </a:solidFill>
+              </a:rPr>
+              <a:t>cpu</a:t>
+            </a:r>
+            <a:r>
+              <a:rPr lang="zh-CN" altLang="en-US" dirty="0">
+                <a:solidFill>
+                  <a:schemeClr val="bg1">
+                    <a:lumMod val="95000"/>
+                  </a:schemeClr>
+                </a:solidFill>
+              </a:rPr>
+              <a:t>核数较高时，</a:t>
+            </a:r>
+            <a:r>
+              <a:rPr lang="en-US" altLang="zh-CN" dirty="0">
+                <a:solidFill>
+                  <a:schemeClr val="bg1">
+                    <a:lumMod val="95000"/>
+                  </a:schemeClr>
+                </a:solidFill>
+              </a:rPr>
+              <a:t>merge</a:t>
+            </a:r>
+            <a:r>
+              <a:rPr lang="zh-CN" altLang="en-US" dirty="0">
+                <a:solidFill>
+                  <a:schemeClr val="bg1">
+                    <a:lumMod val="95000"/>
+                  </a:schemeClr>
+                </a:solidFill>
+              </a:rPr>
+              <a:t>占用的资源可能会偏高，影响集群的性能，可以通过下面的命令调整某个</a:t>
+            </a:r>
+            <a:r>
+              <a:rPr lang="en-US" altLang="zh-CN" dirty="0">
+                <a:solidFill>
+                  <a:schemeClr val="bg1">
+                    <a:lumMod val="95000"/>
+                  </a:schemeClr>
+                </a:solidFill>
+              </a:rPr>
+              <a:t>index</a:t>
+            </a:r>
+            <a:r>
+              <a:rPr lang="zh-CN" altLang="en-US" dirty="0">
+                <a:solidFill>
+                  <a:schemeClr val="bg1">
+                    <a:lumMod val="95000"/>
+                  </a:schemeClr>
+                </a:solidFill>
+              </a:rPr>
+              <a:t>的</a:t>
+            </a:r>
+            <a:r>
+              <a:rPr lang="en-US" altLang="zh-CN" dirty="0">
+                <a:solidFill>
+                  <a:schemeClr val="bg1">
+                    <a:lumMod val="95000"/>
+                  </a:schemeClr>
+                </a:solidFill>
+              </a:rPr>
+              <a:t>merge</a:t>
+            </a:r>
+            <a:r>
+              <a:rPr lang="zh-CN" altLang="en-US" dirty="0">
+                <a:solidFill>
+                  <a:schemeClr val="bg1">
+                    <a:lumMod val="95000"/>
+                  </a:schemeClr>
+                </a:solidFill>
+              </a:rPr>
+              <a:t>过程的并发度：</a:t>
+            </a:r>
+            <a:endParaRPr lang="zh-CN" altLang="en-US" b="1" dirty="0">
+              <a:solidFill>
+                <a:schemeClr val="bg1">
+                  <a:lumMod val="95000"/>
+                </a:schemeClr>
+              </a:solidFill>
+            </a:endParaRPr>
+          </a:p>
+          <a:p>
+            <a:pPr marL="0" indent="0">
+              <a:buNone/>
+            </a:pPr>
+            <a:r>
+              <a:rPr lang="en-US" altLang="zh-CN" dirty="0">
+                <a:solidFill>
+                  <a:schemeClr val="bg1">
+                    <a:lumMod val="95000"/>
+                  </a:schemeClr>
+                </a:solidFill>
+              </a:rPr>
+              <a:t>curl -H "</a:t>
+            </a:r>
+            <a:r>
+              <a:rPr lang="en-US" altLang="zh-CN" dirty="0" err="1">
+                <a:solidFill>
+                  <a:schemeClr val="bg1">
+                    <a:lumMod val="95000"/>
+                  </a:schemeClr>
+                </a:solidFill>
+              </a:rPr>
+              <a:t>Content-Type:application</a:t>
+            </a:r>
+            <a:r>
+              <a:rPr lang="en-US" altLang="zh-CN" dirty="0">
+                <a:solidFill>
+                  <a:schemeClr val="bg1">
+                    <a:lumMod val="95000"/>
+                  </a:schemeClr>
+                </a:solidFill>
+              </a:rPr>
+              <a:t>/json" -X PUT "localhost:9200/bank/_settings" -d '{"index.merge.scheduler.max_thread_count":2}'</a:t>
+            </a:r>
+          </a:p>
+        </p:txBody>
+      </p:sp>
+    </p:spTree>
+    <p:extLst>
+      <p:ext uri="{BB962C8B-B14F-4D97-AF65-F5344CB8AC3E}">
+        <p14:creationId xmlns:p14="http://schemas.microsoft.com/office/powerpoint/2010/main" val="4132623728"/>
+      </p:ext>
+    </p:extLst>
+  </p:cSld>
+  <p:clrMapOvr>
+    <a:masterClrMapping/>
+  </p:clrMapOvr>
+  <p:transition spd="med"/>
+</p:sld>
+</file>
+
+<file path=ppt/slides/slide36.xml><?xml version="1.0" encoding="utf-8"?>
+<p:sld xmlns:a="http://schemas.openxmlformats.org/drawingml/2006/main" xmlns:r="http://schemas.openxmlformats.org/officeDocument/2006/relationships" xmlns:p="http://schemas.openxmlformats.org/presentationml/2006/main">
+  <p:cSld>
+    <p:bg>
+      <p:bgPr>
+        <a:solidFill>
+          <a:srgbClr val="5E5E5E"/>
+        </a:solidFill>
+        <a:effectLst/>
+      </p:bgPr>
+    </p:bg>
+    <p:spTree>
+      <p:nvGrpSpPr>
+        <p:cNvPr id="1" name=""/>
+        <p:cNvGrpSpPr/>
+        <p:nvPr/>
+      </p:nvGrpSpPr>
+      <p:grpSpPr>
+        <a:xfrm>
+          <a:off x="0" y="0"/>
+          <a:ext cx="0" cy="0"/>
+          <a:chOff x="0" y="0"/>
+          <a:chExt cx="0" cy="0"/>
+        </a:xfrm>
+      </p:grpSpPr>
+      <p:sp>
+        <p:nvSpPr>
+          <p:cNvPr id="277" name="锁"/>
+          <p:cNvSpPr txBox="1">
+            <a:spLocks noGrp="1"/>
+          </p:cNvSpPr>
+          <p:nvPr>
+            <p:ph type="title"/>
+          </p:nvPr>
+        </p:nvSpPr>
+        <p:spPr>
+          <a:prstGeom prst="rect">
+            <a:avLst/>
+          </a:prstGeom>
+        </p:spPr>
+        <p:txBody>
+          <a:bodyPr/>
+          <a:lstStyle>
+            <a:lvl1pPr algn="l">
+              <a:defRPr>
+                <a:solidFill>
+                  <a:srgbClr val="FFFFFF"/>
+                </a:solidFill>
+              </a:defRPr>
+            </a:lvl1pPr>
+          </a:lstStyle>
+          <a:p>
+            <a:r>
+              <a:rPr lang="zh-CN" altLang="en-US" dirty="0">
+                <a:solidFill>
+                  <a:schemeClr val="accent5">
+                    <a:lumMod val="60000"/>
+                    <a:lumOff val="40000"/>
+                  </a:schemeClr>
+                </a:solidFill>
+              </a:rPr>
+              <a:t>使用优化</a:t>
+            </a:r>
+            <a:endParaRPr dirty="0">
+              <a:solidFill>
+                <a:schemeClr val="accent5">
+                  <a:lumMod val="60000"/>
+                  <a:lumOff val="40000"/>
+                </a:schemeClr>
+              </a:solidFill>
+            </a:endParaRPr>
+          </a:p>
+        </p:txBody>
+      </p:sp>
+      <p:sp>
+        <p:nvSpPr>
+          <p:cNvPr id="278" name="锁是一种同步机制， 它可以保证一项资源在任何时候只能被一个进程使用， 如果有其他进程想要使用相同的资源， 那么它们就必须等待， 直到正在使用资源的进程放弃使用权为止。"/>
+          <p:cNvSpPr txBox="1">
+            <a:spLocks noGrp="1"/>
+          </p:cNvSpPr>
+          <p:nvPr>
+            <p:ph type="body" idx="1"/>
+          </p:nvPr>
+        </p:nvSpPr>
+        <p:spPr>
+          <a:xfrm>
+            <a:off x="1562100" y="2908697"/>
+            <a:ext cx="21005800" cy="7898606"/>
+          </a:xfrm>
+          <a:prstGeom prst="rect">
+            <a:avLst/>
+          </a:prstGeom>
+        </p:spPr>
+        <p:txBody>
+          <a:bodyPr anchor="t">
+            <a:normAutofit fontScale="92500" lnSpcReduction="20000"/>
+          </a:bodyPr>
+          <a:lstStyle/>
+          <a:p>
+            <a:pPr marL="0" indent="0">
+              <a:buNone/>
+            </a:pPr>
+            <a:r>
+              <a:rPr lang="en-US" altLang="zh-CN" dirty="0">
+                <a:solidFill>
+                  <a:schemeClr val="bg1">
+                    <a:lumMod val="95000"/>
+                  </a:schemeClr>
+                </a:solidFill>
+              </a:rPr>
+              <a:t>5.</a:t>
+            </a:r>
+            <a:r>
+              <a:rPr lang="zh-CN" altLang="en-US" dirty="0">
+                <a:solidFill>
+                  <a:schemeClr val="bg1">
+                    <a:lumMod val="95000"/>
+                  </a:schemeClr>
+                </a:solidFill>
+              </a:rPr>
+              <a:t>查看集群状态</a:t>
+            </a:r>
+            <a:endParaRPr lang="en-US" altLang="zh-CN" dirty="0">
+              <a:solidFill>
+                <a:schemeClr val="bg1">
+                  <a:lumMod val="95000"/>
+                </a:schemeClr>
+              </a:solidFill>
+            </a:endParaRPr>
+          </a:p>
+          <a:p>
+            <a:pPr marL="0" indent="0">
+              <a:buNone/>
+            </a:pPr>
+            <a:r>
+              <a:rPr lang="en-US" altLang="zh-CN" dirty="0">
+                <a:solidFill>
+                  <a:schemeClr val="bg1">
+                    <a:lumMod val="95000"/>
+                  </a:schemeClr>
+                </a:solidFill>
+              </a:rPr>
+              <a:t>curl -X GET "localhost:9200/_cat/</a:t>
+            </a:r>
+            <a:r>
+              <a:rPr lang="en-US" altLang="zh-CN" dirty="0" err="1">
+                <a:solidFill>
+                  <a:schemeClr val="bg1">
+                    <a:lumMod val="95000"/>
+                  </a:schemeClr>
+                </a:solidFill>
+              </a:rPr>
+              <a:t>health?v&amp;pretty</a:t>
+            </a:r>
+            <a:r>
+              <a:rPr lang="en-US" altLang="zh-CN" dirty="0">
+                <a:solidFill>
+                  <a:schemeClr val="bg1">
+                    <a:lumMod val="95000"/>
+                  </a:schemeClr>
+                </a:solidFill>
+              </a:rPr>
+              <a:t>“</a:t>
+            </a:r>
+          </a:p>
+          <a:p>
+            <a:pPr marL="0" indent="0">
+              <a:buNone/>
+            </a:pPr>
+            <a:r>
+              <a:rPr lang="en-US" altLang="zh-CN" dirty="0">
+                <a:solidFill>
+                  <a:schemeClr val="bg1">
+                    <a:lumMod val="95000"/>
+                  </a:schemeClr>
+                </a:solidFill>
+              </a:rPr>
+              <a:t>curl -X GET "localhost:9200/_cluster/health?&amp;pretty"</a:t>
+            </a:r>
+          </a:p>
+          <a:p>
+            <a:pPr marL="0" indent="0">
+              <a:buNone/>
+            </a:pPr>
+            <a:r>
+              <a:rPr lang="en-US" altLang="zh-CN" dirty="0">
+                <a:solidFill>
+                  <a:schemeClr val="bg1">
+                    <a:lumMod val="95000"/>
+                  </a:schemeClr>
+                </a:solidFill>
+              </a:rPr>
+              <a:t>6.</a:t>
+            </a:r>
+            <a:r>
+              <a:rPr lang="zh-CN" altLang="en-US" dirty="0">
+                <a:solidFill>
+                  <a:schemeClr val="bg1">
+                    <a:lumMod val="95000"/>
+                  </a:schemeClr>
+                </a:solidFill>
+              </a:rPr>
+              <a:t>查看索引状态</a:t>
+            </a:r>
+            <a:endParaRPr lang="en-US" altLang="zh-CN" dirty="0">
+              <a:solidFill>
+                <a:schemeClr val="bg1">
+                  <a:lumMod val="95000"/>
+                </a:schemeClr>
+              </a:solidFill>
+            </a:endParaRPr>
+          </a:p>
+          <a:p>
+            <a:pPr marL="0" indent="0">
+              <a:buNone/>
+            </a:pPr>
+            <a:r>
+              <a:rPr lang="en-US" altLang="zh-CN" dirty="0">
+                <a:solidFill>
+                  <a:schemeClr val="bg1">
+                    <a:lumMod val="95000"/>
+                  </a:schemeClr>
+                </a:solidFill>
+              </a:rPr>
+              <a:t>curl -X GET "localhost:9200/_cat/</a:t>
+            </a:r>
+            <a:r>
+              <a:rPr lang="en-US" altLang="zh-CN" dirty="0" err="1">
+                <a:solidFill>
+                  <a:schemeClr val="bg1">
+                    <a:lumMod val="95000"/>
+                  </a:schemeClr>
+                </a:solidFill>
+              </a:rPr>
+              <a:t>indices?v&amp;pretty</a:t>
+            </a:r>
+            <a:r>
+              <a:rPr lang="en-US" altLang="zh-CN" dirty="0">
+                <a:solidFill>
+                  <a:schemeClr val="bg1">
+                    <a:lumMod val="95000"/>
+                  </a:schemeClr>
+                </a:solidFill>
+              </a:rPr>
+              <a:t>“</a:t>
+            </a:r>
+          </a:p>
+          <a:p>
+            <a:pPr marL="0" indent="0">
+              <a:buNone/>
+            </a:pPr>
+            <a:r>
+              <a:rPr lang="en-US" altLang="zh-CN" dirty="0">
+                <a:solidFill>
+                  <a:schemeClr val="bg1">
+                    <a:lumMod val="95000"/>
+                  </a:schemeClr>
+                </a:solidFill>
+              </a:rPr>
+              <a:t>7.</a:t>
+            </a:r>
+            <a:r>
+              <a:rPr lang="zh-CN" altLang="en-US" dirty="0">
+                <a:solidFill>
+                  <a:schemeClr val="bg1">
+                    <a:lumMod val="95000"/>
+                  </a:schemeClr>
+                </a:solidFill>
+              </a:rPr>
+              <a:t>查看</a:t>
+            </a:r>
+            <a:r>
+              <a:rPr lang="en-US" altLang="zh-CN" dirty="0">
+                <a:solidFill>
+                  <a:schemeClr val="bg1">
+                    <a:lumMod val="95000"/>
+                  </a:schemeClr>
+                </a:solidFill>
+              </a:rPr>
+              <a:t>node</a:t>
+            </a:r>
+            <a:r>
+              <a:rPr lang="zh-CN" altLang="en-US" dirty="0">
+                <a:solidFill>
+                  <a:schemeClr val="bg1">
+                    <a:lumMod val="95000"/>
+                  </a:schemeClr>
+                </a:solidFill>
+              </a:rPr>
+              <a:t>状态</a:t>
+            </a:r>
+            <a:endParaRPr lang="en-US" altLang="zh-CN" dirty="0">
+              <a:solidFill>
+                <a:schemeClr val="bg1">
+                  <a:lumMod val="95000"/>
+                </a:schemeClr>
+              </a:solidFill>
+            </a:endParaRPr>
+          </a:p>
+          <a:p>
+            <a:pPr marL="0" indent="0">
+              <a:buNone/>
+            </a:pPr>
+            <a:r>
+              <a:rPr lang="en-US" altLang="zh-CN" dirty="0">
+                <a:solidFill>
+                  <a:schemeClr val="bg1">
+                    <a:lumMod val="95000"/>
+                  </a:schemeClr>
+                </a:solidFill>
+              </a:rPr>
+              <a:t>curl -X GET 'localhost:9200/_cat/</a:t>
+            </a:r>
+            <a:r>
+              <a:rPr lang="en-US" altLang="zh-CN" dirty="0" err="1">
+                <a:solidFill>
+                  <a:schemeClr val="bg1">
+                    <a:lumMod val="95000"/>
+                  </a:schemeClr>
+                </a:solidFill>
+              </a:rPr>
+              <a:t>nodes?v&amp;pretty</a:t>
+            </a:r>
+            <a:r>
+              <a:rPr lang="en-US" altLang="zh-CN" dirty="0">
+                <a:solidFill>
+                  <a:schemeClr val="bg1">
+                    <a:lumMod val="95000"/>
+                  </a:schemeClr>
+                </a:solidFill>
+              </a:rPr>
+              <a:t>’</a:t>
+            </a:r>
+          </a:p>
+          <a:p>
+            <a:pPr marL="0" indent="0">
+              <a:buNone/>
+            </a:pPr>
+            <a:r>
+              <a:rPr lang="en-US" altLang="zh-CN" dirty="0">
+                <a:solidFill>
+                  <a:schemeClr val="bg1">
+                    <a:lumMod val="95000"/>
+                  </a:schemeClr>
+                </a:solidFill>
+              </a:rPr>
+              <a:t>curl -X GET 'localhost:9200/_nodes/</a:t>
+            </a:r>
+            <a:r>
+              <a:rPr lang="en-US" altLang="zh-CN" dirty="0" err="1">
+                <a:solidFill>
+                  <a:schemeClr val="bg1">
+                    <a:lumMod val="95000"/>
+                  </a:schemeClr>
+                </a:solidFill>
+              </a:rPr>
+              <a:t>process?pretty</a:t>
+            </a:r>
+            <a:r>
+              <a:rPr lang="en-US" altLang="zh-CN" dirty="0">
+                <a:solidFill>
+                  <a:schemeClr val="bg1">
+                    <a:lumMod val="95000"/>
+                  </a:schemeClr>
+                </a:solidFill>
+              </a:rPr>
+              <a:t>'</a:t>
+            </a:r>
+          </a:p>
+        </p:txBody>
+      </p:sp>
+    </p:spTree>
+    <p:extLst>
+      <p:ext uri="{BB962C8B-B14F-4D97-AF65-F5344CB8AC3E}">
+        <p14:creationId xmlns:p14="http://schemas.microsoft.com/office/powerpoint/2010/main" val="4156098878"/>
+      </p:ext>
+    </p:extLst>
+  </p:cSld>
+  <p:clrMapOvr>
+    <a:masterClrMapping/>
+  </p:clrMapOvr>
+  <p:transition spd="med"/>
+</p:sld>
+</file>
+
+<file path=ppt/slides/slide37.xml><?xml version="1.0" encoding="utf-8"?>
+<p:sld xmlns:a="http://schemas.openxmlformats.org/drawingml/2006/main" xmlns:r="http://schemas.openxmlformats.org/officeDocument/2006/relationships" xmlns:p="http://schemas.openxmlformats.org/presentationml/2006/main">
+  <p:cSld>
+    <p:bg>
+      <p:bgPr>
+        <a:solidFill>
+          <a:srgbClr val="FF5E61"/>
+        </a:solidFill>
+        <a:effectLst/>
+      </p:bgPr>
+    </p:bg>
+    <p:spTree>
+      <p:nvGrpSpPr>
+        <p:cNvPr id="1" name=""/>
+        <p:cNvGrpSpPr/>
+        <p:nvPr/>
+      </p:nvGrpSpPr>
+      <p:grpSpPr>
+        <a:xfrm>
+          <a:off x="0" y="0"/>
+          <a:ext cx="0" cy="0"/>
+          <a:chOff x="0" y="0"/>
+          <a:chExt cx="0" cy="0"/>
+        </a:xfrm>
+      </p:grpSpPr>
+      <p:sp>
+        <p:nvSpPr>
+          <p:cNvPr id="1004" name="自动补全"/>
+          <p:cNvSpPr txBox="1">
+            <a:spLocks noGrp="1"/>
+          </p:cNvSpPr>
+          <p:nvPr>
+            <p:ph type="ctrTitle"/>
+          </p:nvPr>
+        </p:nvSpPr>
+        <p:spPr>
+          <a:prstGeom prst="rect">
+            <a:avLst/>
+          </a:prstGeom>
+        </p:spPr>
+        <p:txBody>
+          <a:bodyPr/>
+          <a:lstStyle>
+            <a:lvl1pPr>
+              <a:defRPr b="1">
+                <a:solidFill>
+                  <a:srgbClr val="FFFFFF"/>
+                </a:solidFill>
+                <a:latin typeface="Helvetica"/>
+                <a:ea typeface="Helvetica"/>
+                <a:cs typeface="Helvetica"/>
+                <a:sym typeface="Helvetica"/>
+              </a:defRPr>
+            </a:lvl1pPr>
+          </a:lstStyle>
+          <a:p>
+            <a:r>
+              <a:rPr lang="en-US" dirty="0"/>
+              <a:t>E</a:t>
+            </a:r>
+            <a:r>
+              <a:rPr lang="en-US" altLang="zh-CN" dirty="0"/>
+              <a:t>lasticsearch </a:t>
+            </a:r>
+            <a:r>
+              <a:rPr lang="zh-CN" altLang="en-US" dirty="0"/>
+              <a:t>安装过程</a:t>
+            </a:r>
+            <a:endParaRPr dirty="0"/>
+          </a:p>
+        </p:txBody>
+      </p:sp>
+      <p:sp>
+        <p:nvSpPr>
+          <p:cNvPr id="1005" name="autocomplete"/>
+          <p:cNvSpPr txBox="1">
+            <a:spLocks noGrp="1"/>
+          </p:cNvSpPr>
+          <p:nvPr>
+            <p:ph type="subTitle" sz="quarter" idx="1"/>
+          </p:nvPr>
+        </p:nvSpPr>
+        <p:spPr>
+          <a:xfrm>
+            <a:off x="1778000" y="7080250"/>
+            <a:ext cx="20828000" cy="1587500"/>
+          </a:xfrm>
+          <a:prstGeom prst="rect">
+            <a:avLst/>
+          </a:prstGeom>
+        </p:spPr>
+        <p:txBody>
+          <a:bodyPr/>
+          <a:lstStyle>
+            <a:lvl1pPr>
+              <a:defRPr>
+                <a:solidFill>
+                  <a:srgbClr val="FFFFFF"/>
+                </a:solidFill>
+                <a:latin typeface="Helvetica"/>
+                <a:ea typeface="Helvetica"/>
+                <a:cs typeface="Helvetica"/>
+                <a:sym typeface="Helvetica"/>
+              </a:defRPr>
+            </a:lvl1pPr>
+          </a:lstStyle>
+          <a:p>
+            <a:endParaRPr dirty="0"/>
+          </a:p>
+        </p:txBody>
+      </p:sp>
+    </p:spTree>
+    <p:extLst>
+      <p:ext uri="{BB962C8B-B14F-4D97-AF65-F5344CB8AC3E}">
+        <p14:creationId xmlns:p14="http://schemas.microsoft.com/office/powerpoint/2010/main" val="4206322950"/>
+      </p:ext>
+    </p:extLst>
+  </p:cSld>
+  <p:clrMapOvr>
+    <a:masterClrMapping/>
+  </p:clrMapOvr>
+  <p:transition spd="med"/>
+</p:sld>
+</file>
+
+<file path=ppt/slides/slide38.xml><?xml version="1.0" encoding="utf-8"?>
+<p:sld xmlns:a="http://schemas.openxmlformats.org/drawingml/2006/main" xmlns:r="http://schemas.openxmlformats.org/officeDocument/2006/relationships" xmlns:p="http://schemas.openxmlformats.org/presentationml/2006/main">
+  <p:cSld>
+    <p:bg>
+      <p:bgPr>
+        <a:solidFill>
+          <a:srgbClr val="5E5E5E"/>
+        </a:solidFill>
+        <a:effectLst/>
+      </p:bgPr>
+    </p:bg>
+    <p:spTree>
+      <p:nvGrpSpPr>
+        <p:cNvPr id="1" name=""/>
+        <p:cNvGrpSpPr/>
+        <p:nvPr/>
+      </p:nvGrpSpPr>
+      <p:grpSpPr>
+        <a:xfrm>
+          <a:off x="0" y="0"/>
+          <a:ext cx="0" cy="0"/>
+          <a:chOff x="0" y="0"/>
+          <a:chExt cx="0" cy="0"/>
+        </a:xfrm>
+      </p:grpSpPr>
+      <p:sp>
+        <p:nvSpPr>
+          <p:cNvPr id="277" name="锁"/>
+          <p:cNvSpPr txBox="1">
+            <a:spLocks noGrp="1"/>
+          </p:cNvSpPr>
+          <p:nvPr>
+            <p:ph type="title"/>
+          </p:nvPr>
+        </p:nvSpPr>
+        <p:spPr>
+          <a:prstGeom prst="rect">
+            <a:avLst/>
+          </a:prstGeom>
+        </p:spPr>
+        <p:txBody>
+          <a:bodyPr/>
+          <a:lstStyle>
+            <a:lvl1pPr algn="l">
+              <a:defRPr>
+                <a:solidFill>
+                  <a:srgbClr val="FFFFFF"/>
+                </a:solidFill>
+              </a:defRPr>
+            </a:lvl1pPr>
+          </a:lstStyle>
+          <a:p>
+            <a:endParaRPr dirty="0">
+              <a:solidFill>
+                <a:schemeClr val="accent5">
+                  <a:lumMod val="60000"/>
+                  <a:lumOff val="40000"/>
+                </a:schemeClr>
+              </a:solidFill>
+            </a:endParaRPr>
+          </a:p>
+        </p:txBody>
+      </p:sp>
+      <p:sp>
+        <p:nvSpPr>
+          <p:cNvPr id="278" name="锁是一种同步机制， 它可以保证一项资源在任何时候只能被一个进程使用， 如果有其他进程想要使用相同的资源， 那么它们就必须等待， 直到正在使用资源的进程放弃使用权为止。"/>
+          <p:cNvSpPr txBox="1">
+            <a:spLocks noGrp="1"/>
+          </p:cNvSpPr>
+          <p:nvPr>
+            <p:ph type="body" idx="1"/>
+          </p:nvPr>
+        </p:nvSpPr>
+        <p:spPr>
+          <a:xfrm>
+            <a:off x="1562100" y="2908697"/>
+            <a:ext cx="21005800" cy="7898606"/>
+          </a:xfrm>
+          <a:prstGeom prst="rect">
+            <a:avLst/>
+          </a:prstGeom>
+        </p:spPr>
+        <p:txBody>
+          <a:bodyPr anchor="t">
+            <a:normAutofit fontScale="92500" lnSpcReduction="20000"/>
+          </a:bodyPr>
+          <a:lstStyle/>
+          <a:p>
+            <a:pPr marL="0" indent="0" rtl="0">
+              <a:buNone/>
+            </a:pPr>
+            <a:r>
+              <a:rPr lang="en-US" altLang="zh-CN" dirty="0">
+                <a:solidFill>
+                  <a:schemeClr val="bg1">
+                    <a:lumMod val="95000"/>
+                  </a:schemeClr>
+                </a:solidFill>
+              </a:rPr>
+              <a:t>1.</a:t>
+            </a:r>
+            <a:r>
+              <a:rPr lang="zh-CN" altLang="en-US" dirty="0">
+                <a:solidFill>
+                  <a:schemeClr val="bg1">
+                    <a:lumMod val="95000"/>
+                  </a:schemeClr>
+                </a:solidFill>
+              </a:rPr>
+              <a:t>确认</a:t>
+            </a:r>
+            <a:r>
+              <a:rPr lang="en-US" altLang="zh-CN" dirty="0">
+                <a:solidFill>
+                  <a:schemeClr val="bg1">
+                    <a:lumMod val="95000"/>
+                  </a:schemeClr>
+                </a:solidFill>
+              </a:rPr>
+              <a:t>JDK</a:t>
+            </a:r>
+            <a:r>
+              <a:rPr lang="zh-CN" altLang="en-US" dirty="0">
+                <a:solidFill>
+                  <a:schemeClr val="bg1">
+                    <a:lumMod val="95000"/>
+                  </a:schemeClr>
+                </a:solidFill>
+              </a:rPr>
+              <a:t>版本（</a:t>
+            </a:r>
+            <a:r>
+              <a:rPr lang="en-US" altLang="zh-CN" dirty="0">
+                <a:solidFill>
+                  <a:schemeClr val="bg1">
+                    <a:lumMod val="95000"/>
+                  </a:schemeClr>
+                </a:solidFill>
+              </a:rPr>
+              <a:t>JDK&gt;=8</a:t>
+            </a:r>
+            <a:r>
+              <a:rPr lang="zh-CN" altLang="en-US" dirty="0">
+                <a:solidFill>
+                  <a:schemeClr val="bg1">
+                    <a:lumMod val="95000"/>
+                  </a:schemeClr>
+                </a:solidFill>
+              </a:rPr>
+              <a:t>）</a:t>
+            </a:r>
+            <a:endParaRPr lang="en-US" altLang="zh-CN" dirty="0">
+              <a:solidFill>
+                <a:schemeClr val="bg1">
+                  <a:lumMod val="95000"/>
+                </a:schemeClr>
+              </a:solidFill>
+            </a:endParaRPr>
+          </a:p>
+          <a:p>
+            <a:pPr marL="0" indent="0" rtl="0">
+              <a:buNone/>
+            </a:pPr>
+            <a:r>
+              <a:rPr lang="en-US" altLang="zh-CN" dirty="0">
+                <a:solidFill>
+                  <a:schemeClr val="bg1">
+                    <a:lumMod val="95000"/>
+                  </a:schemeClr>
+                </a:solidFill>
+              </a:rPr>
+              <a:t>2.</a:t>
+            </a:r>
+            <a:r>
+              <a:rPr lang="zh-CN" altLang="en-US" dirty="0">
+                <a:solidFill>
+                  <a:schemeClr val="bg1">
+                    <a:lumMod val="95000"/>
+                  </a:schemeClr>
+                </a:solidFill>
+              </a:rPr>
+              <a:t>新建用户并切换</a:t>
+            </a:r>
+            <a:endParaRPr lang="en-US" altLang="zh-CN" dirty="0">
+              <a:solidFill>
+                <a:schemeClr val="bg1">
+                  <a:lumMod val="95000"/>
+                </a:schemeClr>
+              </a:solidFill>
+            </a:endParaRPr>
+          </a:p>
+          <a:p>
+            <a:pPr marL="0" indent="0" rtl="0">
+              <a:buNone/>
+            </a:pPr>
+            <a:r>
+              <a:rPr lang="en-US" altLang="zh-CN" dirty="0" err="1">
+                <a:solidFill>
+                  <a:schemeClr val="bg1">
+                    <a:lumMod val="95000"/>
+                  </a:schemeClr>
+                </a:solidFill>
+              </a:rPr>
+              <a:t>sudo</a:t>
+            </a:r>
+            <a:r>
+              <a:rPr lang="en-US" altLang="zh-CN" dirty="0">
+                <a:solidFill>
+                  <a:schemeClr val="bg1">
+                    <a:lumMod val="95000"/>
+                  </a:schemeClr>
+                </a:solidFill>
+              </a:rPr>
+              <a:t> </a:t>
+            </a:r>
+            <a:r>
+              <a:rPr lang="en-US" altLang="zh-CN" dirty="0" err="1">
+                <a:solidFill>
+                  <a:schemeClr val="bg1">
+                    <a:lumMod val="95000"/>
+                  </a:schemeClr>
+                </a:solidFill>
+              </a:rPr>
+              <a:t>useradd</a:t>
+            </a:r>
+            <a:r>
+              <a:rPr lang="en-US" altLang="zh-CN" dirty="0">
+                <a:solidFill>
+                  <a:schemeClr val="bg1">
+                    <a:lumMod val="95000"/>
+                  </a:schemeClr>
+                </a:solidFill>
+              </a:rPr>
+              <a:t> es</a:t>
+            </a:r>
+          </a:p>
+          <a:p>
+            <a:pPr marL="0" indent="0" rtl="0">
+              <a:buNone/>
+            </a:pPr>
+            <a:r>
+              <a:rPr lang="en-US" altLang="zh-CN" dirty="0" err="1">
+                <a:solidFill>
+                  <a:schemeClr val="bg1">
+                    <a:lumMod val="95000"/>
+                  </a:schemeClr>
+                </a:solidFill>
+              </a:rPr>
+              <a:t>su</a:t>
+            </a:r>
+            <a:r>
+              <a:rPr lang="en-US" altLang="zh-CN" dirty="0">
+                <a:solidFill>
+                  <a:schemeClr val="bg1">
+                    <a:lumMod val="95000"/>
+                  </a:schemeClr>
+                </a:solidFill>
+              </a:rPr>
+              <a:t> es</a:t>
+            </a:r>
+          </a:p>
+          <a:p>
+            <a:pPr marL="0" indent="0" rtl="0">
+              <a:buNone/>
+            </a:pPr>
+            <a:r>
+              <a:rPr lang="en-US" altLang="zh-CN" dirty="0">
+                <a:solidFill>
+                  <a:schemeClr val="bg1">
+                    <a:lumMod val="95000"/>
+                  </a:schemeClr>
+                </a:solidFill>
+              </a:rPr>
+              <a:t>2.</a:t>
+            </a:r>
+            <a:r>
+              <a:rPr lang="zh-CN" altLang="en-US" dirty="0">
+                <a:solidFill>
+                  <a:schemeClr val="bg1">
+                    <a:lumMod val="95000"/>
+                  </a:schemeClr>
+                </a:solidFill>
+              </a:rPr>
+              <a:t>下载安装包</a:t>
+            </a:r>
+            <a:endParaRPr lang="en-US" altLang="zh-CN" dirty="0">
+              <a:solidFill>
+                <a:schemeClr val="bg1">
+                  <a:lumMod val="95000"/>
+                </a:schemeClr>
+              </a:solidFill>
+            </a:endParaRPr>
+          </a:p>
+          <a:p>
+            <a:pPr marL="0" indent="0" rtl="0">
+              <a:buNone/>
+            </a:pPr>
+            <a:r>
+              <a:rPr lang="da-DK" altLang="zh-CN" dirty="0">
+                <a:solidFill>
+                  <a:schemeClr val="bg1">
+                    <a:lumMod val="95000"/>
+                  </a:schemeClr>
+                </a:solidFill>
+              </a:rPr>
+              <a:t>wget </a:t>
+            </a:r>
+            <a:r>
+              <a:rPr lang="da-DK" altLang="zh-CN" dirty="0">
+                <a:solidFill>
+                  <a:schemeClr val="bg1">
+                    <a:lumMod val="95000"/>
+                  </a:schemeClr>
+                </a:solidFill>
+                <a:hlinkClick r:id="rId2"/>
+              </a:rPr>
+              <a:t>https://artifacts.elastic.co/downloads/elasticsearch/elasticsearch-7.0.1-linux-x86_64.tar.gz</a:t>
+            </a:r>
+            <a:endParaRPr lang="da-DK" altLang="zh-CN" dirty="0">
+              <a:solidFill>
+                <a:schemeClr val="bg1">
+                  <a:lumMod val="95000"/>
+                </a:schemeClr>
+              </a:solidFill>
+            </a:endParaRPr>
+          </a:p>
+          <a:p>
+            <a:pPr marL="0" indent="0" rtl="0">
+              <a:buNone/>
+            </a:pPr>
+            <a:r>
+              <a:rPr lang="en-US" altLang="zh-CN" dirty="0">
+                <a:solidFill>
+                  <a:schemeClr val="bg1">
+                    <a:lumMod val="95000"/>
+                  </a:schemeClr>
+                </a:solidFill>
+              </a:rPr>
+              <a:t>3.</a:t>
+            </a:r>
+            <a:r>
+              <a:rPr lang="zh-CN" altLang="en-US" dirty="0">
+                <a:solidFill>
+                  <a:schemeClr val="bg1">
+                    <a:lumMod val="95000"/>
+                  </a:schemeClr>
+                </a:solidFill>
+              </a:rPr>
+              <a:t>运行</a:t>
+            </a:r>
+            <a:endParaRPr lang="en-US" altLang="zh-CN" dirty="0">
+              <a:solidFill>
+                <a:schemeClr val="bg1">
+                  <a:lumMod val="95000"/>
+                </a:schemeClr>
+              </a:solidFill>
+            </a:endParaRPr>
+          </a:p>
+          <a:p>
+            <a:pPr marL="0" indent="0" rtl="0">
+              <a:buNone/>
+            </a:pPr>
+            <a:r>
+              <a:rPr lang="en-US" altLang="zh-CN" dirty="0">
+                <a:solidFill>
+                  <a:schemeClr val="bg1">
+                    <a:lumMod val="95000"/>
+                  </a:schemeClr>
+                </a:solidFill>
+              </a:rPr>
+              <a:t>cd elasticsearch-7.0.1/ &amp;&amp; ./bin/</a:t>
+            </a:r>
+            <a:r>
+              <a:rPr lang="en-US" altLang="zh-CN" dirty="0" err="1">
+                <a:solidFill>
+                  <a:schemeClr val="bg1">
+                    <a:lumMod val="95000"/>
+                  </a:schemeClr>
+                </a:solidFill>
+              </a:rPr>
+              <a:t>elasticsearch</a:t>
+            </a:r>
+            <a:endParaRPr lang="en-US" altLang="zh-CN" dirty="0">
+              <a:solidFill>
+                <a:schemeClr val="bg1">
+                  <a:lumMod val="95000"/>
+                </a:schemeClr>
+              </a:solidFill>
+            </a:endParaRPr>
+          </a:p>
+        </p:txBody>
+      </p:sp>
+    </p:spTree>
+    <p:extLst>
+      <p:ext uri="{BB962C8B-B14F-4D97-AF65-F5344CB8AC3E}">
+        <p14:creationId xmlns:p14="http://schemas.microsoft.com/office/powerpoint/2010/main" val="54518890"/>
+      </p:ext>
+    </p:extLst>
+  </p:cSld>
+  <p:clrMapOvr>
+    <a:masterClrMapping/>
+  </p:clrMapOvr>
+  <p:transition spd="med"/>
+</p:sld>
+</file>
+
+<file path=ppt/slides/slide39.xml><?xml version="1.0" encoding="utf-8"?>
+<p:sld xmlns:a="http://schemas.openxmlformats.org/drawingml/2006/main" xmlns:r="http://schemas.openxmlformats.org/officeDocument/2006/relationships" xmlns:p="http://schemas.openxmlformats.org/presentationml/2006/main">
+  <p:cSld>
+    <p:bg>
+      <p:bgPr>
+        <a:solidFill>
+          <a:srgbClr val="FF5E61"/>
+        </a:solidFill>
+        <a:effectLst/>
+      </p:bgPr>
+    </p:bg>
+    <p:spTree>
+      <p:nvGrpSpPr>
+        <p:cNvPr id="1" name=""/>
+        <p:cNvGrpSpPr/>
+        <p:nvPr/>
+      </p:nvGrpSpPr>
+      <p:grpSpPr>
+        <a:xfrm>
+          <a:off x="0" y="0"/>
+          <a:ext cx="0" cy="0"/>
+          <a:chOff x="0" y="0"/>
+          <a:chExt cx="0" cy="0"/>
+        </a:xfrm>
+      </p:grpSpPr>
+      <p:sp>
+        <p:nvSpPr>
+          <p:cNvPr id="1004" name="自动补全"/>
+          <p:cNvSpPr txBox="1">
+            <a:spLocks noGrp="1"/>
+          </p:cNvSpPr>
+          <p:nvPr>
+            <p:ph type="ctrTitle"/>
+          </p:nvPr>
+        </p:nvSpPr>
+        <p:spPr>
+          <a:prstGeom prst="rect">
+            <a:avLst/>
+          </a:prstGeom>
+        </p:spPr>
+        <p:txBody>
+          <a:bodyPr/>
+          <a:lstStyle>
+            <a:lvl1pPr>
+              <a:defRPr b="1">
+                <a:solidFill>
+                  <a:srgbClr val="FFFFFF"/>
+                </a:solidFill>
+                <a:latin typeface="Helvetica"/>
+                <a:ea typeface="Helvetica"/>
+                <a:cs typeface="Helvetica"/>
+                <a:sym typeface="Helvetica"/>
+              </a:defRPr>
+            </a:lvl1pPr>
+          </a:lstStyle>
+          <a:p>
+            <a:r>
+              <a:rPr lang="en-US" dirty="0"/>
+              <a:t>T</a:t>
+            </a:r>
+            <a:r>
+              <a:rPr lang="en-US" altLang="zh-CN" dirty="0"/>
+              <a:t>hank you</a:t>
+            </a:r>
+            <a:endParaRPr dirty="0"/>
+          </a:p>
+        </p:txBody>
+      </p:sp>
+      <p:sp>
+        <p:nvSpPr>
+          <p:cNvPr id="1005" name="autocomplete"/>
+          <p:cNvSpPr txBox="1">
+            <a:spLocks noGrp="1"/>
+          </p:cNvSpPr>
+          <p:nvPr>
+            <p:ph type="subTitle" sz="quarter" idx="1"/>
+          </p:nvPr>
+        </p:nvSpPr>
+        <p:spPr>
+          <a:xfrm>
+            <a:off x="1778000" y="7080250"/>
+            <a:ext cx="20828000" cy="1587500"/>
+          </a:xfrm>
+          <a:prstGeom prst="rect">
+            <a:avLst/>
+          </a:prstGeom>
+        </p:spPr>
+        <p:txBody>
+          <a:bodyPr/>
+          <a:lstStyle>
+            <a:lvl1pPr>
+              <a:defRPr>
+                <a:solidFill>
+                  <a:srgbClr val="FFFFFF"/>
+                </a:solidFill>
+                <a:latin typeface="Helvetica"/>
+                <a:ea typeface="Helvetica"/>
+                <a:cs typeface="Helvetica"/>
+                <a:sym typeface="Helvetica"/>
+              </a:defRPr>
+            </a:lvl1pPr>
+          </a:lstStyle>
+          <a:p>
+            <a:endParaRPr dirty="0"/>
+          </a:p>
+        </p:txBody>
+      </p:sp>
+    </p:spTree>
+    <p:extLst>
+      <p:ext uri="{BB962C8B-B14F-4D97-AF65-F5344CB8AC3E}">
+        <p14:creationId xmlns:p14="http://schemas.microsoft.com/office/powerpoint/2010/main" val="2606450414"/>
+      </p:ext>
+    </p:extLst>
   </p:cSld>
   <p:clrMapOvr>
     <a:masterClrMapping/>
